--- a/Slides/Lesson 1.4 Templates.pptx
+++ b/Slides/Lesson 1.4 Templates.pptx
@@ -5,7 +5,7 @@
     <p:sldMasterId id="2147483648" r:id="rId1"/>
   </p:sldMasterIdLst>
   <p:notesMasterIdLst>
-    <p:notesMasterId r:id="rId14"/>
+    <p:notesMasterId r:id="rId20"/>
   </p:notesMasterIdLst>
   <p:sldIdLst>
     <p:sldId id="380" r:id="rId2"/>
@@ -15,11 +15,17 @@
     <p:sldId id="359" r:id="rId6"/>
     <p:sldId id="360" r:id="rId7"/>
     <p:sldId id="382" r:id="rId8"/>
-    <p:sldId id="292" r:id="rId9"/>
-    <p:sldId id="361" r:id="rId10"/>
-    <p:sldId id="383" r:id="rId11"/>
-    <p:sldId id="384" r:id="rId12"/>
-    <p:sldId id="385" r:id="rId13"/>
+    <p:sldId id="386" r:id="rId9"/>
+    <p:sldId id="391" r:id="rId10"/>
+    <p:sldId id="394" r:id="rId11"/>
+    <p:sldId id="393" r:id="rId12"/>
+    <p:sldId id="392" r:id="rId13"/>
+    <p:sldId id="397" r:id="rId14"/>
+    <p:sldId id="395" r:id="rId15"/>
+    <p:sldId id="361" r:id="rId16"/>
+    <p:sldId id="396" r:id="rId17"/>
+    <p:sldId id="384" r:id="rId18"/>
+    <p:sldId id="385" r:id="rId19"/>
   </p:sldIdLst>
   <p:sldSz cx="9144000" cy="6858000" type="screen4x3"/>
   <p:notesSz cx="6858000" cy="9144000"/>
@@ -130,9 +136,15 @@
             <p14:sldId id="359"/>
             <p14:sldId id="360"/>
             <p14:sldId id="382"/>
-            <p14:sldId id="292"/>
+            <p14:sldId id="386"/>
+            <p14:sldId id="391"/>
+            <p14:sldId id="394"/>
+            <p14:sldId id="393"/>
+            <p14:sldId id="392"/>
+            <p14:sldId id="397"/>
+            <p14:sldId id="395"/>
             <p14:sldId id="361"/>
-            <p14:sldId id="383"/>
+            <p14:sldId id="396"/>
             <p14:sldId id="384"/>
             <p14:sldId id="385"/>
           </p14:sldIdLst>
@@ -240,7 +252,7 @@
             <a:fld id="{E3057DDA-BF5C-4879-9957-16E91151DE1E}" type="datetimeFigureOut">
               <a:rPr lang="en-US" smtClean="0"/>
               <a:pPr/>
-              <a:t>9/9/2014</a:t>
+              <a:t>8/3/2015</a:t>
             </a:fld>
             <a:endParaRPr lang="en-US"/>
           </a:p>
@@ -638,10 +650,95 @@
           <a:bodyPr/>
           <a:lstStyle/>
           <a:p>
+            <a:endParaRPr lang="en-US" dirty="0"/>
+          </a:p>
+        </p:txBody>
+      </p:sp>
+      <p:sp>
+        <p:nvSpPr>
+          <p:cNvPr id="4" name="Slide Number Placeholder 3"/>
+          <p:cNvSpPr>
+            <a:spLocks noGrp="1"/>
+          </p:cNvSpPr>
+          <p:nvPr>
+            <p:ph type="sldNum" sz="quarter" idx="10"/>
+          </p:nvPr>
+        </p:nvSpPr>
+        <p:spPr/>
+        <p:txBody>
+          <a:bodyPr/>
+          <a:lstStyle/>
+          <a:p>
+            <a:fld id="{2579440B-E791-2640-8935-69975A005A8A}" type="slidenum">
+              <a:rPr lang="en-US" smtClean="0"/>
+              <a:pPr/>
+              <a:t>8</a:t>
+            </a:fld>
             <a:endParaRPr lang="en-US"/>
           </a:p>
         </p:txBody>
       </p:sp>
+    </p:spTree>
+    <p:extLst>
+      <p:ext uri="{BB962C8B-B14F-4D97-AF65-F5344CB8AC3E}">
+        <p14:creationId xmlns:p14="http://schemas.microsoft.com/office/powerpoint/2010/main" val="18197872"/>
+      </p:ext>
+    </p:extLst>
+  </p:cSld>
+  <p:clrMapOvr>
+    <a:masterClrMapping/>
+  </p:clrMapOvr>
+</p:notes>
+</file>
+
+<file path=ppt/notesSlides/notesSlide3.xml><?xml version="1.0" encoding="utf-8"?>
+<p:notes xmlns:a="http://schemas.openxmlformats.org/drawingml/2006/main" xmlns:r="http://schemas.openxmlformats.org/officeDocument/2006/relationships" xmlns:p="http://schemas.openxmlformats.org/presentationml/2006/main">
+  <p:cSld>
+    <p:spTree>
+      <p:nvGrpSpPr>
+        <p:cNvPr id="1" name=""/>
+        <p:cNvGrpSpPr/>
+        <p:nvPr/>
+      </p:nvGrpSpPr>
+      <p:grpSpPr>
+        <a:xfrm>
+          <a:off x="0" y="0"/>
+          <a:ext cx="0" cy="0"/>
+          <a:chOff x="0" y="0"/>
+          <a:chExt cx="0" cy="0"/>
+        </a:xfrm>
+      </p:grpSpPr>
+      <p:sp>
+        <p:nvSpPr>
+          <p:cNvPr id="2" name="Slide Image Placeholder 1"/>
+          <p:cNvSpPr>
+            <a:spLocks noGrp="1" noRot="1" noChangeAspect="1"/>
+          </p:cNvSpPr>
+          <p:nvPr>
+            <p:ph type="sldImg"/>
+          </p:nvPr>
+        </p:nvSpPr>
+        <p:spPr/>
+      </p:sp>
+      <p:sp>
+        <p:nvSpPr>
+          <p:cNvPr id="3" name="Notes Placeholder 2"/>
+          <p:cNvSpPr>
+            <a:spLocks noGrp="1"/>
+          </p:cNvSpPr>
+          <p:nvPr>
+            <p:ph type="body" idx="1"/>
+          </p:nvPr>
+        </p:nvSpPr>
+        <p:spPr/>
+        <p:txBody>
+          <a:bodyPr/>
+          <a:lstStyle/>
+          <a:p>
+            <a:endParaRPr lang="en-US"/>
+          </a:p>
+        </p:txBody>
+      </p:sp>
       <p:sp>
         <p:nvSpPr>
           <p:cNvPr id="4" name="Slide Number Placeholder 3"/>
@@ -660,7 +757,7 @@
             <a:fld id="{47B2CBB0-62C7-44D8-B0B4-2BA0BA541526}" type="slidenum">
               <a:rPr lang="en-US" smtClean="0"/>
               <a:pPr/>
-              <a:t>12</a:t>
+              <a:t>18</a:t>
             </a:fld>
             <a:endParaRPr lang="en-US"/>
           </a:p>
@@ -868,7 +965,7 @@
           <a:p>
             <a:fld id="{CAAAFF14-1BC9-4610-BFA0-C87B2AACFE8D}" type="datetime1">
               <a:rPr lang="en-US" smtClean="0"/>
-              <a:t>9/9/2014</a:t>
+              <a:t>8/3/2015</a:t>
             </a:fld>
             <a:endParaRPr lang="en-US"/>
           </a:p>
@@ -1145,7 +1242,7 @@
           <a:p>
             <a:fld id="{FAD7056C-BFB3-40E3-9733-6F195C01469E}" type="datetime1">
               <a:rPr lang="en-US" smtClean="0"/>
-              <a:t>9/9/2014</a:t>
+              <a:t>8/3/2015</a:t>
             </a:fld>
             <a:endParaRPr lang="en-US"/>
           </a:p>
@@ -1332,7 +1429,7 @@
           <a:p>
             <a:fld id="{40BD4659-8546-4E47-9D07-034853389A67}" type="datetime1">
               <a:rPr lang="en-US" smtClean="0"/>
-              <a:t>9/9/2014</a:t>
+              <a:t>8/3/2015</a:t>
             </a:fld>
             <a:endParaRPr lang="en-US"/>
           </a:p>
@@ -1529,7 +1626,7 @@
           <a:p>
             <a:fld id="{C9450362-88EC-413A-A7DE-77EC0CB7C703}" type="datetime1">
               <a:rPr lang="en-US" smtClean="0"/>
-              <a:t>9/9/2014</a:t>
+              <a:t>8/3/2015</a:t>
             </a:fld>
             <a:endParaRPr lang="en-US"/>
           </a:p>
@@ -1634,6 +1731,18 @@
           </p:nvPr>
         </p:nvSpPr>
         <p:spPr/>
+        <p:style>
+          <a:lnRef idx="2">
+            <a:schemeClr val="accent1"/>
+          </a:lnRef>
+          <a:fillRef idx="1">
+            <a:schemeClr val="lt1"/>
+          </a:fillRef>
+          <a:effectRef idx="0">
+            <a:schemeClr val="accent1"/>
+          </a:effectRef>
+          <a:fontRef idx="none"/>
+        </p:style>
         <p:txBody>
           <a:bodyPr/>
           <a:lstStyle/>
@@ -1723,7 +1832,7 @@
           <a:p>
             <a:fld id="{ED46C774-8990-4016-9EE3-ACC994C5189A}" type="datetime1">
               <a:rPr lang="en-US" smtClean="0"/>
-              <a:t>9/9/2014</a:t>
+              <a:t>8/3/2015</a:t>
             </a:fld>
             <a:endParaRPr lang="en-US"/>
           </a:p>
@@ -1828,6 +1937,18 @@
           </p:nvPr>
         </p:nvSpPr>
         <p:spPr/>
+        <p:style>
+          <a:lnRef idx="2">
+            <a:schemeClr val="accent1"/>
+          </a:lnRef>
+          <a:fillRef idx="1">
+            <a:schemeClr val="lt1"/>
+          </a:fillRef>
+          <a:effectRef idx="0">
+            <a:schemeClr val="accent1"/>
+          </a:effectRef>
+          <a:fontRef idx="none"/>
+        </p:style>
         <p:txBody>
           <a:bodyPr/>
           <a:lstStyle/>
@@ -1925,7 +2046,7 @@
           <a:p>
             <a:fld id="{1DB9F825-44C0-4EFB-9C1C-5E851688C025}" type="datetime1">
               <a:rPr lang="en-US" smtClean="0"/>
-              <a:t>9/9/2014</a:t>
+              <a:t>8/3/2015</a:t>
             </a:fld>
             <a:endParaRPr lang="en-US"/>
           </a:p>
@@ -2195,7 +2316,7 @@
           <a:p>
             <a:fld id="{959DD8E5-22B2-4478-851D-885FCB226F71}" type="datetime1">
               <a:rPr lang="en-US" smtClean="0"/>
-              <a:t>9/9/2014</a:t>
+              <a:t>8/3/2015</a:t>
             </a:fld>
             <a:endParaRPr lang="en-US"/>
           </a:p>
@@ -2507,7 +2628,7 @@
           <a:p>
             <a:fld id="{F40F6FA6-FD17-4F81-ABC4-490C048865FD}" type="datetime1">
               <a:rPr lang="en-US" smtClean="0"/>
-              <a:t>9/9/2014</a:t>
+              <a:t>8/3/2015</a:t>
             </a:fld>
             <a:endParaRPr lang="en-US"/>
           </a:p>
@@ -2953,7 +3074,7 @@
           <a:p>
             <a:fld id="{457CCA0C-FB56-4D67-9F51-5ABD4832742B}" type="datetime1">
               <a:rPr lang="en-US" smtClean="0"/>
-              <a:t>9/9/2014</a:t>
+              <a:t>8/3/2015</a:t>
             </a:fld>
             <a:endParaRPr lang="en-US"/>
           </a:p>
@@ -3095,7 +3216,7 @@
           <a:p>
             <a:fld id="{6182F7E9-D0DC-4949-B133-573D5E263951}" type="datetime1">
               <a:rPr lang="en-US" smtClean="0"/>
-              <a:t>9/9/2014</a:t>
+              <a:t>8/3/2015</a:t>
             </a:fld>
             <a:endParaRPr lang="en-US"/>
           </a:p>
@@ -3207,7 +3328,7 @@
           <a:p>
             <a:fld id="{3D5E4CC7-5194-4C53-9EBA-A9F28050092C}" type="datetime1">
               <a:rPr lang="en-US" smtClean="0"/>
-              <a:t>9/9/2014</a:t>
+              <a:t>8/3/2015</a:t>
             </a:fld>
             <a:endParaRPr lang="en-US"/>
           </a:p>
@@ -3501,7 +3622,7 @@
           <a:p>
             <a:fld id="{437CCA39-776F-4284-AEFC-64A85D246C48}" type="datetime1">
               <a:rPr lang="en-US" smtClean="0"/>
-              <a:t>9/9/2014</a:t>
+              <a:t>8/3/2015</a:t>
             </a:fld>
             <a:endParaRPr lang="en-US"/>
           </a:p>
@@ -4049,7 +4170,7 @@
           <a:p>
             <a:r>
               <a:rPr lang="en-US" dirty="0" smtClean="0"/>
-              <a:t>Templates</a:t>
+              <a:t>Destructor Templates</a:t>
             </a:r>
             <a:endParaRPr lang="en-US" dirty="0"/>
           </a:p>
@@ -4162,7 +4283,7 @@
       </p:grpSpPr>
       <p:sp>
         <p:nvSpPr>
-          <p:cNvPr id="2" name="Title 1"/>
+          <p:cNvPr id="5" name="Title 4"/>
           <p:cNvSpPr>
             <a:spLocks noGrp="1"/>
           </p:cNvSpPr>
@@ -4172,155 +4293,424 @@
         </p:nvSpPr>
         <p:spPr/>
         <p:txBody>
+          <a:bodyPr/>
+          <a:lstStyle/>
+          <a:p>
+            <a:r>
+              <a:rPr lang="en-US" dirty="0" smtClean="0"/>
+              <a:t>Writing the template for </a:t>
+            </a:r>
+            <a:r>
+              <a:rPr lang="en-US" dirty="0" err="1" smtClean="0"/>
+              <a:t>BarOrder</a:t>
+            </a:r>
+            <a:endParaRPr lang="en-US" dirty="0"/>
+          </a:p>
+        </p:txBody>
+      </p:sp>
+      <p:sp>
+        <p:nvSpPr>
+          <p:cNvPr id="6" name="Content Placeholder 5"/>
+          <p:cNvSpPr>
+            <a:spLocks noGrp="1"/>
+          </p:cNvSpPr>
+          <p:nvPr>
+            <p:ph idx="1"/>
+          </p:nvPr>
+        </p:nvSpPr>
+        <p:spPr/>
+        <p:txBody>
           <a:bodyPr>
-            <a:normAutofit fontScale="90000"/>
+            <a:normAutofit lnSpcReduction="10000"/>
           </a:bodyPr>
           <a:lstStyle/>
           <a:p>
-            <a:r>
-              <a:rPr lang="en-US" dirty="0" smtClean="0"/>
-              <a:t>How to write a template for mixed data</a:t>
-            </a:r>
-            <a:endParaRPr lang="en-US" dirty="0"/>
-          </a:p>
-        </p:txBody>
-      </p:sp>
-      <p:pic>
-        <p:nvPicPr>
-          <p:cNvPr id="5" name="vHT4xEcsySg"/>
-          <p:cNvPicPr>
-            <a:picLocks noGrp="1" noRot="1" noChangeAspect="1"/>
-          </p:cNvPicPr>
-          <p:nvPr>
-            <p:ph idx="1"/>
-            <a:videoFile r:link="rId1"/>
-          </p:nvPr>
-        </p:nvPicPr>
-        <p:blipFill>
-          <a:blip r:embed="rId3"/>
-          <a:stretch>
-            <a:fillRect/>
-          </a:stretch>
-        </p:blipFill>
+            <a:pPr>
+              <a:spcBef>
+                <a:spcPts val="0"/>
+              </a:spcBef>
+            </a:pPr>
+            <a:r>
+              <a:rPr lang="en-US" sz="2400" dirty="0"/>
+              <a:t>;; </a:t>
+            </a:r>
+            <a:r>
+              <a:rPr lang="en-US" sz="2400" dirty="0" err="1"/>
+              <a:t>bo-fn</a:t>
+            </a:r>
+            <a:r>
+              <a:rPr lang="en-US" sz="2400" dirty="0"/>
+              <a:t> : </a:t>
+            </a:r>
+            <a:r>
+              <a:rPr lang="en-US" sz="2400" dirty="0" err="1"/>
+              <a:t>BarOrder</a:t>
+            </a:r>
+            <a:r>
+              <a:rPr lang="en-US" sz="2400" dirty="0"/>
+              <a:t> -&gt; ??</a:t>
+            </a:r>
+          </a:p>
+          <a:p>
+            <a:pPr>
+              <a:spcBef>
+                <a:spcPts val="0"/>
+              </a:spcBef>
+            </a:pPr>
+            <a:r>
+              <a:rPr lang="en-US" sz="2400" dirty="0" smtClean="0"/>
+              <a:t>(</a:t>
+            </a:r>
+            <a:r>
+              <a:rPr lang="en-US" sz="2400" dirty="0"/>
+              <a:t>define (</a:t>
+            </a:r>
+            <a:r>
+              <a:rPr lang="en-US" sz="2400" dirty="0" err="1"/>
+              <a:t>bo-fn</a:t>
+            </a:r>
+            <a:r>
+              <a:rPr lang="en-US" sz="2400" dirty="0"/>
+              <a:t> order)</a:t>
+            </a:r>
+          </a:p>
+          <a:p>
+            <a:pPr>
+              <a:spcBef>
+                <a:spcPts val="0"/>
+              </a:spcBef>
+            </a:pPr>
+            <a:r>
+              <a:rPr lang="en-US" sz="2400" dirty="0" smtClean="0"/>
+              <a:t>  </a:t>
+            </a:r>
+            <a:r>
+              <a:rPr lang="en-US" sz="2400" dirty="0"/>
+              <a:t>(</a:t>
+            </a:r>
+            <a:r>
+              <a:rPr lang="en-US" sz="2400" dirty="0" err="1"/>
+              <a:t>cond</a:t>
+            </a:r>
+            <a:endParaRPr lang="en-US" sz="2400" dirty="0"/>
+          </a:p>
+          <a:p>
+            <a:pPr>
+              <a:spcBef>
+                <a:spcPts val="0"/>
+              </a:spcBef>
+            </a:pPr>
+            <a:r>
+              <a:rPr lang="en-US" sz="2400" dirty="0" smtClean="0"/>
+              <a:t>    [... ...]</a:t>
+            </a:r>
+            <a:endParaRPr lang="en-US" sz="2400" dirty="0"/>
+          </a:p>
+          <a:p>
+            <a:pPr>
+              <a:spcBef>
+                <a:spcPts val="0"/>
+              </a:spcBef>
+            </a:pPr>
+            <a:r>
+              <a:rPr lang="en-US" sz="2400" dirty="0" smtClean="0">
+                <a:solidFill>
+                  <a:schemeClr val="bg1"/>
+                </a:solidFill>
+              </a:rPr>
+              <a:t>                      </a:t>
+            </a:r>
+            <a:r>
+              <a:rPr lang="en-US" sz="2400" dirty="0">
+                <a:solidFill>
+                  <a:schemeClr val="bg1"/>
+                </a:solidFill>
+              </a:rPr>
+              <a:t>(coffee-size order)</a:t>
+            </a:r>
+          </a:p>
+          <a:p>
+            <a:pPr>
+              <a:spcBef>
+                <a:spcPts val="0"/>
+              </a:spcBef>
+            </a:pPr>
+            <a:r>
+              <a:rPr lang="en-US" sz="2400" dirty="0" smtClean="0">
+                <a:solidFill>
+                  <a:schemeClr val="bg1"/>
+                </a:solidFill>
+              </a:rPr>
+              <a:t>                      </a:t>
+            </a:r>
+            <a:r>
+              <a:rPr lang="en-US" sz="2400" dirty="0">
+                <a:solidFill>
+                  <a:schemeClr val="bg1"/>
+                </a:solidFill>
+              </a:rPr>
+              <a:t>(coffee-type order)</a:t>
+            </a:r>
+          </a:p>
+          <a:p>
+            <a:pPr>
+              <a:spcBef>
+                <a:spcPts val="0"/>
+              </a:spcBef>
+            </a:pPr>
+            <a:r>
+              <a:rPr lang="en-US" sz="2400" dirty="0" smtClean="0">
+                <a:solidFill>
+                  <a:schemeClr val="bg1"/>
+                </a:solidFill>
+              </a:rPr>
+              <a:t>                      </a:t>
+            </a:r>
+            <a:r>
+              <a:rPr lang="en-US" sz="2400" dirty="0">
+                <a:solidFill>
+                  <a:schemeClr val="bg1"/>
+                </a:solidFill>
+              </a:rPr>
+              <a:t>(coffee-milk? order))]</a:t>
+            </a:r>
+          </a:p>
+          <a:p>
+            <a:pPr>
+              <a:spcBef>
+                <a:spcPts val="0"/>
+              </a:spcBef>
+            </a:pPr>
+            <a:r>
+              <a:rPr lang="en-US" sz="2400" dirty="0" smtClean="0"/>
+              <a:t>    [... ...] </a:t>
+            </a:r>
+            <a:r>
+              <a:rPr lang="en-US" sz="2400" dirty="0">
+                <a:solidFill>
+                  <a:schemeClr val="bg1"/>
+                </a:solidFill>
+              </a:rPr>
+              <a:t>(...</a:t>
+            </a:r>
+          </a:p>
+          <a:p>
+            <a:pPr>
+              <a:spcBef>
+                <a:spcPts val="0"/>
+              </a:spcBef>
+            </a:pPr>
+            <a:r>
+              <a:rPr lang="en-US" sz="2400" dirty="0" smtClean="0">
+                <a:solidFill>
+                  <a:schemeClr val="bg1"/>
+                </a:solidFill>
+              </a:rPr>
+              <a:t>                    </a:t>
+            </a:r>
+            <a:r>
+              <a:rPr lang="en-US" sz="2400" dirty="0">
+                <a:solidFill>
+                  <a:schemeClr val="bg1"/>
+                </a:solidFill>
+              </a:rPr>
+              <a:t>(wine-vineyard order)</a:t>
+            </a:r>
+          </a:p>
+          <a:p>
+            <a:pPr>
+              <a:spcBef>
+                <a:spcPts val="0"/>
+              </a:spcBef>
+            </a:pPr>
+            <a:r>
+              <a:rPr lang="en-US" sz="2400" dirty="0" smtClean="0">
+                <a:solidFill>
+                  <a:schemeClr val="bg1"/>
+                </a:solidFill>
+              </a:rPr>
+              <a:t>                    </a:t>
+            </a:r>
+            <a:r>
+              <a:rPr lang="en-US" sz="2400" dirty="0">
+                <a:solidFill>
+                  <a:schemeClr val="bg1"/>
+                </a:solidFill>
+              </a:rPr>
+              <a:t>(wine-year order))]</a:t>
+            </a:r>
+          </a:p>
+          <a:p>
+            <a:pPr>
+              <a:spcBef>
+                <a:spcPts val="0"/>
+              </a:spcBef>
+            </a:pPr>
+            <a:r>
+              <a:rPr lang="en-US" sz="2400" dirty="0" smtClean="0"/>
+              <a:t>    [... ...]))</a:t>
+            </a:r>
+            <a:endParaRPr lang="en-US" sz="2400" dirty="0"/>
+          </a:p>
+          <a:p>
+            <a:pPr>
+              <a:spcBef>
+                <a:spcPts val="0"/>
+              </a:spcBef>
+            </a:pPr>
+            <a:r>
+              <a:rPr lang="en-US" sz="2400" dirty="0" smtClean="0">
+                <a:solidFill>
+                  <a:schemeClr val="bg1"/>
+                </a:solidFill>
+              </a:rPr>
+              <a:t>                   </a:t>
+            </a:r>
+            <a:r>
+              <a:rPr lang="en-US" sz="2400" dirty="0">
+                <a:solidFill>
+                  <a:schemeClr val="bg1"/>
+                </a:solidFill>
+              </a:rPr>
+              <a:t>(tea-size order)</a:t>
+            </a:r>
+          </a:p>
+          <a:p>
+            <a:pPr>
+              <a:spcBef>
+                <a:spcPts val="0"/>
+              </a:spcBef>
+            </a:pPr>
+            <a:r>
+              <a:rPr lang="en-US" sz="2400" dirty="0" smtClean="0">
+                <a:solidFill>
+                  <a:schemeClr val="bg1"/>
+                </a:solidFill>
+              </a:rPr>
+              <a:t>                   </a:t>
+            </a:r>
+            <a:r>
+              <a:rPr lang="en-US" sz="2400" dirty="0">
+                <a:solidFill>
+                  <a:schemeClr val="bg1"/>
+                </a:solidFill>
+              </a:rPr>
+              <a:t>(tea-type order))]))</a:t>
+            </a:r>
+          </a:p>
+        </p:txBody>
+      </p:sp>
+      <p:sp>
+        <p:nvSpPr>
+          <p:cNvPr id="4" name="Slide Number Placeholder 3"/>
+          <p:cNvSpPr>
+            <a:spLocks noGrp="1"/>
+          </p:cNvSpPr>
+          <p:nvPr>
+            <p:ph type="sldNum" sz="quarter" idx="12"/>
+          </p:nvPr>
+        </p:nvSpPr>
+        <p:spPr/>
+        <p:txBody>
+          <a:bodyPr/>
+          <a:lstStyle/>
+          <a:p>
+            <a:fld id="{8D704B19-8EED-495A-99FA-12E5518CCC54}" type="slidenum">
+              <a:rPr lang="en-US" smtClean="0"/>
+              <a:pPr/>
+              <a:t>10</a:t>
+            </a:fld>
+            <a:endParaRPr lang="en-US"/>
+          </a:p>
+        </p:txBody>
+      </p:sp>
+      <p:sp>
+        <p:nvSpPr>
+          <p:cNvPr id="3" name="Rectangle 2"/>
+          <p:cNvSpPr/>
+          <p:nvPr/>
+        </p:nvSpPr>
         <p:spPr>
           <a:xfrm>
-            <a:off x="956732" y="1828800"/>
-            <a:ext cx="7315201" cy="4114800"/>
+            <a:off x="6019800" y="2362200"/>
+            <a:ext cx="2438400" cy="914400"/>
           </a:xfrm>
           <a:prstGeom prst="rect">
             <a:avLst/>
           </a:prstGeom>
+          <a:solidFill>
+            <a:schemeClr val="accent3">
+              <a:lumMod val="40000"/>
+              <a:lumOff val="60000"/>
+            </a:schemeClr>
+          </a:solidFill>
+          <a:ln/>
         </p:spPr>
-      </p:pic>
-      <p:sp>
-        <p:nvSpPr>
-          <p:cNvPr id="4" name="Slide Number Placeholder 3"/>
-          <p:cNvSpPr>
-            <a:spLocks noGrp="1"/>
-          </p:cNvSpPr>
-          <p:nvPr>
-            <p:ph type="sldNum" sz="quarter" idx="12"/>
-          </p:nvPr>
-        </p:nvSpPr>
-        <p:spPr/>
-        <p:txBody>
-          <a:bodyPr/>
-          <a:lstStyle/>
-          <a:p>
-            <a:fld id="{8D704B19-8EED-495A-99FA-12E5518CCC54}" type="slidenum">
-              <a:rPr lang="en-US" smtClean="0"/>
-              <a:pPr/>
-              <a:t>10</a:t>
-            </a:fld>
-            <a:endParaRPr lang="en-US" dirty="0"/>
-          </a:p>
-        </p:txBody>
-      </p:sp>
-      <p:sp>
-        <p:nvSpPr>
-          <p:cNvPr id="6" name="TextBox 5"/>
-          <p:cNvSpPr txBox="1"/>
-          <p:nvPr/>
-        </p:nvSpPr>
-        <p:spPr>
-          <a:xfrm>
-            <a:off x="4324602" y="6170476"/>
-            <a:ext cx="3895234" cy="369332"/>
-          </a:xfrm>
-          <a:prstGeom prst="rect">
-            <a:avLst/>
-          </a:prstGeom>
-          <a:noFill/>
-          <a:ln>
-            <a:solidFill>
-              <a:schemeClr val="accent1"/>
-            </a:solidFill>
-          </a:ln>
-        </p:spPr>
-        <p:txBody>
-          <a:bodyPr wrap="none" rtlCol="0">
-            <a:spAutoFit/>
+        <p:style>
+          <a:lnRef idx="2">
+            <a:schemeClr val="accent1"/>
+          </a:lnRef>
+          <a:fillRef idx="1">
+            <a:schemeClr val="lt1"/>
+          </a:fillRef>
+          <a:effectRef idx="0">
+            <a:schemeClr val="accent1"/>
+          </a:effectRef>
+          <a:fontRef idx="minor">
+            <a:schemeClr val="dk1"/>
+          </a:fontRef>
+        </p:style>
+        <p:txBody>
+          <a:bodyPr rot="0" spcFirstLastPara="0" vertOverflow="overflow" horzOverflow="overflow" vert="horz" wrap="square" lIns="91440" tIns="45720" rIns="91440" bIns="45720" numCol="1" spcCol="0" rtlCol="0" fromWordArt="0" anchor="ctr" anchorCtr="0" forceAA="0" compatLnSpc="1">
+            <a:prstTxWarp prst="textNoShape">
+              <a:avLst/>
+            </a:prstTxWarp>
+            <a:noAutofit/>
           </a:bodyPr>
           <a:lstStyle/>
           <a:p>
-            <a:pPr algn="ctr"/>
-            <a:r>
-              <a:rPr lang="en-US" dirty="0" smtClean="0"/>
-              <a:t>source file: 01-4-bar-order-template.rkt</a:t>
-            </a:r>
-            <a:endParaRPr lang="en-US" dirty="0"/>
-          </a:p>
-        </p:txBody>
-      </p:sp>
-      <p:sp>
-        <p:nvSpPr>
-          <p:cNvPr id="7" name="TextBox 6"/>
-          <p:cNvSpPr txBox="1"/>
-          <p:nvPr/>
-        </p:nvSpPr>
-        <p:spPr>
-          <a:xfrm>
-            <a:off x="1227666" y="6144479"/>
-            <a:ext cx="1364989" cy="369332"/>
-          </a:xfrm>
-          <a:prstGeom prst="rect">
-            <a:avLst/>
-          </a:prstGeom>
-          <a:noFill/>
-        </p:spPr>
-        <p:txBody>
-          <a:bodyPr wrap="none" rtlCol="0">
-            <a:spAutoFit/>
-          </a:bodyPr>
-          <a:lstStyle/>
-          <a:p>
             <a:r>
               <a:rPr lang="en-US" dirty="0" smtClean="0">
-                <a:hlinkClick r:id="rId4"/>
+                <a:solidFill>
+                  <a:schemeClr val="tx1"/>
+                </a:solidFill>
               </a:rPr>
-              <a:t>YouTube link</a:t>
-            </a:r>
-            <a:endParaRPr lang="en-US" dirty="0"/>
+              <a:t>1. Write a </a:t>
+            </a:r>
+            <a:r>
+              <a:rPr lang="en-US" b="1" dirty="0" err="1" smtClean="0">
+                <a:solidFill>
+                  <a:schemeClr val="tx1"/>
+                </a:solidFill>
+              </a:rPr>
+              <a:t>cond</a:t>
+            </a:r>
+            <a:r>
+              <a:rPr lang="en-US" dirty="0" smtClean="0">
+                <a:solidFill>
+                  <a:schemeClr val="tx1"/>
+                </a:solidFill>
+              </a:rPr>
+              <a:t> with as many alternatives as the data definition has.</a:t>
+            </a:r>
+            <a:endParaRPr lang="en-US" dirty="0" smtClean="0">
+              <a:solidFill>
+                <a:schemeClr val="tx1"/>
+              </a:solidFill>
+            </a:endParaRPr>
           </a:p>
         </p:txBody>
       </p:sp>
     </p:spTree>
     <p:extLst>
       <p:ext uri="{BB962C8B-B14F-4D97-AF65-F5344CB8AC3E}">
-        <p14:creationId xmlns:p14="http://schemas.microsoft.com/office/powerpoint/2010/main" val="812966462"/>
+        <p14:creationId xmlns:p14="http://schemas.microsoft.com/office/powerpoint/2010/main" val="862955833"/>
       </p:ext>
     </p:extLst>
   </p:cSld>
   <p:clrMapOvr>
     <a:masterClrMapping/>
   </p:clrMapOvr>
-  <p:timing>
-    <p:tnLst>
-      <p:par>
-        <p:cTn id="1" dur="indefinite" restart="never" nodeType="tmRoot"/>
-      </p:par>
-    </p:tnLst>
-  </p:timing>
 </p:sld>
 </file>
 
@@ -4358,7 +4748,11 @@
           <a:p>
             <a:r>
               <a:rPr lang="en-US" dirty="0" smtClean="0"/>
-              <a:t>Summary</a:t>
+              <a:t>Writing the template for </a:t>
+            </a:r>
+            <a:r>
+              <a:rPr lang="en-US" dirty="0" err="1" smtClean="0"/>
+              <a:t>BarOrder</a:t>
             </a:r>
             <a:endParaRPr lang="en-US" dirty="0"/>
           </a:p>
@@ -4376,16 +4770,307 @@
         </p:nvSpPr>
         <p:spPr/>
         <p:txBody>
-          <a:bodyPr/>
-          <a:lstStyle/>
-          <a:p>
-            <a:r>
-              <a:rPr lang="en-US" dirty="0" smtClean="0"/>
-              <a:t>You should now be able to write a template for itemization, compound, and mixed data.</a:t>
-            </a:r>
-          </a:p>
-          <a:p>
-            <a:endParaRPr lang="en-US" dirty="0"/>
+          <a:bodyPr>
+            <a:normAutofit lnSpcReduction="10000"/>
+          </a:bodyPr>
+          <a:lstStyle/>
+          <a:p>
+            <a:pPr>
+              <a:spcBef>
+                <a:spcPts val="0"/>
+              </a:spcBef>
+            </a:pPr>
+            <a:r>
+              <a:rPr lang="en-US" sz="2400" dirty="0"/>
+              <a:t>;; </a:t>
+            </a:r>
+            <a:r>
+              <a:rPr lang="en-US" sz="2400" dirty="0" err="1"/>
+              <a:t>bo-fn</a:t>
+            </a:r>
+            <a:r>
+              <a:rPr lang="en-US" sz="2400" dirty="0"/>
+              <a:t> : </a:t>
+            </a:r>
+            <a:r>
+              <a:rPr lang="en-US" sz="2400" dirty="0" err="1"/>
+              <a:t>BarOrder</a:t>
+            </a:r>
+            <a:r>
+              <a:rPr lang="en-US" sz="2400" dirty="0"/>
+              <a:t> -&gt; ??</a:t>
+            </a:r>
+          </a:p>
+          <a:p>
+            <a:pPr>
+              <a:spcBef>
+                <a:spcPts val="0"/>
+              </a:spcBef>
+            </a:pPr>
+            <a:r>
+              <a:rPr lang="en-US" sz="2400" dirty="0" smtClean="0"/>
+              <a:t>(</a:t>
+            </a:r>
+            <a:r>
+              <a:rPr lang="en-US" sz="2400" dirty="0"/>
+              <a:t>define (</a:t>
+            </a:r>
+            <a:r>
+              <a:rPr lang="en-US" sz="2400" dirty="0" err="1"/>
+              <a:t>bo-fn</a:t>
+            </a:r>
+            <a:r>
+              <a:rPr lang="en-US" sz="2400" dirty="0"/>
+              <a:t> order)</a:t>
+            </a:r>
+          </a:p>
+          <a:p>
+            <a:pPr>
+              <a:spcBef>
+                <a:spcPts val="0"/>
+              </a:spcBef>
+            </a:pPr>
+            <a:r>
+              <a:rPr lang="en-US" sz="2400" dirty="0" smtClean="0"/>
+              <a:t>  </a:t>
+            </a:r>
+            <a:r>
+              <a:rPr lang="en-US" sz="2400" dirty="0"/>
+              <a:t>(</a:t>
+            </a:r>
+            <a:r>
+              <a:rPr lang="en-US" sz="2400" dirty="0" err="1"/>
+              <a:t>cond</a:t>
+            </a:r>
+            <a:endParaRPr lang="en-US" sz="2400" dirty="0"/>
+          </a:p>
+          <a:p>
+            <a:pPr>
+              <a:spcBef>
+                <a:spcPts val="0"/>
+              </a:spcBef>
+            </a:pPr>
+            <a:r>
+              <a:rPr lang="en-US" sz="2400" dirty="0" smtClean="0"/>
+              <a:t>    </a:t>
+            </a:r>
+            <a:r>
+              <a:rPr lang="en-US" sz="2400" dirty="0"/>
+              <a:t>[(coffee? order) </a:t>
+            </a:r>
+            <a:r>
+              <a:rPr lang="en-US" sz="2400" dirty="0" smtClean="0"/>
+              <a:t>...]</a:t>
+            </a:r>
+            <a:endParaRPr lang="en-US" sz="2400" dirty="0"/>
+          </a:p>
+          <a:p>
+            <a:pPr>
+              <a:spcBef>
+                <a:spcPts val="0"/>
+              </a:spcBef>
+            </a:pPr>
+            <a:r>
+              <a:rPr lang="en-US" sz="2400" dirty="0" smtClean="0">
+                <a:solidFill>
+                  <a:schemeClr val="bg1"/>
+                </a:solidFill>
+              </a:rPr>
+              <a:t>                      </a:t>
+            </a:r>
+            <a:r>
+              <a:rPr lang="en-US" sz="2400" dirty="0">
+                <a:solidFill>
+                  <a:schemeClr val="bg1"/>
+                </a:solidFill>
+              </a:rPr>
+              <a:t>(coffee-size order)</a:t>
+            </a:r>
+          </a:p>
+          <a:p>
+            <a:pPr>
+              <a:spcBef>
+                <a:spcPts val="0"/>
+              </a:spcBef>
+            </a:pPr>
+            <a:r>
+              <a:rPr lang="en-US" sz="2400" dirty="0" smtClean="0">
+                <a:solidFill>
+                  <a:schemeClr val="bg1"/>
+                </a:solidFill>
+              </a:rPr>
+              <a:t>                      </a:t>
+            </a:r>
+            <a:r>
+              <a:rPr lang="en-US" sz="2400" dirty="0">
+                <a:solidFill>
+                  <a:schemeClr val="bg1"/>
+                </a:solidFill>
+              </a:rPr>
+              <a:t>(coffee-type order)</a:t>
+            </a:r>
+          </a:p>
+          <a:p>
+            <a:pPr>
+              <a:spcBef>
+                <a:spcPts val="0"/>
+              </a:spcBef>
+            </a:pPr>
+            <a:r>
+              <a:rPr lang="en-US" sz="2400" dirty="0" smtClean="0">
+                <a:solidFill>
+                  <a:schemeClr val="bg1"/>
+                </a:solidFill>
+              </a:rPr>
+              <a:t>                      </a:t>
+            </a:r>
+            <a:r>
+              <a:rPr lang="en-US" sz="2400" dirty="0">
+                <a:solidFill>
+                  <a:schemeClr val="bg1"/>
+                </a:solidFill>
+              </a:rPr>
+              <a:t>(coffee-milk? order))]</a:t>
+            </a:r>
+          </a:p>
+          <a:p>
+            <a:pPr>
+              <a:spcBef>
+                <a:spcPts val="0"/>
+              </a:spcBef>
+            </a:pPr>
+            <a:r>
+              <a:rPr lang="en-US" sz="2400" dirty="0" smtClean="0"/>
+              <a:t>    </a:t>
+            </a:r>
+            <a:r>
+              <a:rPr lang="en-US" sz="2400" dirty="0"/>
+              <a:t>[(wine? order</a:t>
+            </a:r>
+            <a:r>
+              <a:rPr lang="en-US" sz="2400" dirty="0" smtClean="0"/>
+              <a:t>) ...] </a:t>
+            </a:r>
+            <a:r>
+              <a:rPr lang="en-US" sz="2400" dirty="0">
+                <a:solidFill>
+                  <a:schemeClr val="bg1"/>
+                </a:solidFill>
+              </a:rPr>
+              <a:t>(...</a:t>
+            </a:r>
+          </a:p>
+          <a:p>
+            <a:pPr>
+              <a:spcBef>
+                <a:spcPts val="0"/>
+              </a:spcBef>
+            </a:pPr>
+            <a:r>
+              <a:rPr lang="en-US" sz="2400" dirty="0" smtClean="0">
+                <a:solidFill>
+                  <a:schemeClr val="bg1"/>
+                </a:solidFill>
+              </a:rPr>
+              <a:t>                    </a:t>
+            </a:r>
+            <a:r>
+              <a:rPr lang="en-US" sz="2400" dirty="0">
+                <a:solidFill>
+                  <a:schemeClr val="bg1"/>
+                </a:solidFill>
+              </a:rPr>
+              <a:t>(wine-vineyard order)</a:t>
+            </a:r>
+          </a:p>
+          <a:p>
+            <a:pPr>
+              <a:spcBef>
+                <a:spcPts val="0"/>
+              </a:spcBef>
+            </a:pPr>
+            <a:r>
+              <a:rPr lang="en-US" sz="2400" dirty="0" smtClean="0">
+                <a:solidFill>
+                  <a:schemeClr val="bg1"/>
+                </a:solidFill>
+              </a:rPr>
+              <a:t>                    </a:t>
+            </a:r>
+            <a:r>
+              <a:rPr lang="en-US" sz="2400" dirty="0">
+                <a:solidFill>
+                  <a:schemeClr val="bg1"/>
+                </a:solidFill>
+              </a:rPr>
+              <a:t>(wine-year order))]</a:t>
+            </a:r>
+          </a:p>
+          <a:p>
+            <a:pPr>
+              <a:spcBef>
+                <a:spcPts val="0"/>
+              </a:spcBef>
+            </a:pPr>
+            <a:r>
+              <a:rPr lang="en-US" sz="2400" dirty="0" smtClean="0"/>
+              <a:t>    </a:t>
+            </a:r>
+            <a:r>
+              <a:rPr lang="en-US" sz="2400" dirty="0"/>
+              <a:t>[(tea? order) </a:t>
+            </a:r>
+            <a:r>
+              <a:rPr lang="en-US" sz="2400" dirty="0" smtClean="0"/>
+              <a:t>...]))</a:t>
+            </a:r>
+            <a:endParaRPr lang="en-US" sz="2400" dirty="0"/>
+          </a:p>
+          <a:p>
+            <a:pPr>
+              <a:spcBef>
+                <a:spcPts val="0"/>
+              </a:spcBef>
+            </a:pPr>
+            <a:r>
+              <a:rPr lang="en-US" sz="2400" dirty="0" smtClean="0">
+                <a:solidFill>
+                  <a:schemeClr val="bg1"/>
+                </a:solidFill>
+              </a:rPr>
+              <a:t>                   </a:t>
+            </a:r>
+            <a:r>
+              <a:rPr lang="en-US" sz="2400" dirty="0">
+                <a:solidFill>
+                  <a:schemeClr val="bg1"/>
+                </a:solidFill>
+              </a:rPr>
+              <a:t>(tea-size order)</a:t>
+            </a:r>
+          </a:p>
+          <a:p>
+            <a:pPr>
+              <a:spcBef>
+                <a:spcPts val="0"/>
+              </a:spcBef>
+            </a:pPr>
+            <a:r>
+              <a:rPr lang="en-US" sz="2400" dirty="0" smtClean="0">
+                <a:solidFill>
+                  <a:schemeClr val="bg1"/>
+                </a:solidFill>
+              </a:rPr>
+              <a:t>                   </a:t>
+            </a:r>
+            <a:r>
+              <a:rPr lang="en-US" sz="2400" dirty="0">
+                <a:solidFill>
+                  <a:schemeClr val="bg1"/>
+                </a:solidFill>
+              </a:rPr>
+              <a:t>(tea-type order))]))</a:t>
+            </a:r>
           </a:p>
         </p:txBody>
       </p:sp>
@@ -4409,27 +5094,81 @@
               <a:pPr/>
               <a:t>11</a:t>
             </a:fld>
-            <a:endParaRPr lang="en-US" dirty="0"/>
+            <a:endParaRPr lang="en-US"/>
+          </a:p>
+        </p:txBody>
+      </p:sp>
+      <p:sp>
+        <p:nvSpPr>
+          <p:cNvPr id="2" name="Rectangle 1"/>
+          <p:cNvSpPr/>
+          <p:nvPr/>
+        </p:nvSpPr>
+        <p:spPr>
+          <a:xfrm>
+            <a:off x="6324600" y="2590800"/>
+            <a:ext cx="1905000" cy="914400"/>
+          </a:xfrm>
+          <a:prstGeom prst="rect">
+            <a:avLst/>
+          </a:prstGeom>
+          <a:solidFill>
+            <a:schemeClr val="accent3">
+              <a:lumMod val="40000"/>
+              <a:lumOff val="60000"/>
+            </a:schemeClr>
+          </a:solidFill>
+          <a:ln/>
+        </p:spPr>
+        <p:style>
+          <a:lnRef idx="2">
+            <a:schemeClr val="accent1"/>
+          </a:lnRef>
+          <a:fillRef idx="1">
+            <a:schemeClr val="lt1"/>
+          </a:fillRef>
+          <a:effectRef idx="0">
+            <a:schemeClr val="accent1"/>
+          </a:effectRef>
+          <a:fontRef idx="minor">
+            <a:schemeClr val="dk1"/>
+          </a:fontRef>
+        </p:style>
+        <p:txBody>
+          <a:bodyPr rot="0" spcFirstLastPara="0" vertOverflow="overflow" horzOverflow="overflow" vert="horz" wrap="square" lIns="91440" tIns="45720" rIns="91440" bIns="45720" numCol="1" spcCol="0" rtlCol="0" fromWordArt="0" anchor="ctr" anchorCtr="0" forceAA="0" compatLnSpc="1">
+            <a:prstTxWarp prst="textNoShape">
+              <a:avLst/>
+            </a:prstTxWarp>
+            <a:noAutofit/>
+          </a:bodyPr>
+          <a:lstStyle/>
+          <a:p>
+            <a:r>
+              <a:rPr lang="en-US" dirty="0" smtClean="0">
+                <a:solidFill>
+                  <a:schemeClr val="tx1"/>
+                </a:solidFill>
+              </a:rPr>
+              <a:t>2. Add predicates that distinguish the different cases</a:t>
+            </a:r>
+            <a:endParaRPr lang="en-US" dirty="0" smtClean="0">
+              <a:solidFill>
+                <a:schemeClr val="tx1"/>
+              </a:solidFill>
+            </a:endParaRPr>
           </a:p>
         </p:txBody>
       </p:sp>
     </p:spTree>
     <p:extLst>
       <p:ext uri="{BB962C8B-B14F-4D97-AF65-F5344CB8AC3E}">
-        <p14:creationId xmlns:p14="http://schemas.microsoft.com/office/powerpoint/2010/main" val="2238838004"/>
+        <p14:creationId xmlns:p14="http://schemas.microsoft.com/office/powerpoint/2010/main" val="3140547206"/>
       </p:ext>
     </p:extLst>
   </p:cSld>
   <p:clrMapOvr>
     <a:masterClrMapping/>
   </p:clrMapOvr>
-  <p:timing>
-    <p:tnLst>
-      <p:par>
-        <p:cTn id="1" dur="indefinite" restart="never" nodeType="tmRoot"/>
-      </p:par>
-    </p:tnLst>
-  </p:timing>
 </p:sld>
 </file>
 
@@ -4452,7 +5191,7 @@
       </p:grpSpPr>
       <p:sp>
         <p:nvSpPr>
-          <p:cNvPr id="2" name="Title 1"/>
+          <p:cNvPr id="5" name="Title 4"/>
           <p:cNvSpPr>
             <a:spLocks noGrp="1"/>
           </p:cNvSpPr>
@@ -4467,7 +5206,11 @@
           <a:p>
             <a:r>
               <a:rPr lang="en-US" dirty="0" smtClean="0"/>
-              <a:t>Next Steps</a:t>
+              <a:t>Writing the template for </a:t>
+            </a:r>
+            <a:r>
+              <a:rPr lang="en-US" dirty="0" err="1" smtClean="0"/>
+              <a:t>BarOrder</a:t>
             </a:r>
             <a:endParaRPr lang="en-US" dirty="0"/>
           </a:p>
@@ -4475,7 +5218,7 @@
       </p:sp>
       <p:sp>
         <p:nvSpPr>
-          <p:cNvPr id="3" name="Content Placeholder 2"/>
+          <p:cNvPr id="6" name="Content Placeholder 5"/>
           <p:cNvSpPr>
             <a:spLocks noGrp="1"/>
           </p:cNvSpPr>
@@ -4485,36 +5228,229 @@
         </p:nvSpPr>
         <p:spPr/>
         <p:txBody>
-          <a:bodyPr/>
-          <a:lstStyle/>
-          <a:p>
-            <a:r>
-              <a:rPr lang="en-US" smtClean="0"/>
-              <a:t>Study the files 01-2-traffic-light-template, 01-3-book-template, and 01-4-bar-order-template in </a:t>
-            </a:r>
-            <a:r>
-              <a:rPr lang="en-US" dirty="0" smtClean="0"/>
-              <a:t>the examples folder.</a:t>
-            </a:r>
-          </a:p>
-          <a:p>
-            <a:r>
-              <a:rPr lang="en-US" dirty="0" smtClean="0"/>
-              <a:t>If you have questions about this lesson, ask them on the Discussion Board</a:t>
-            </a:r>
-          </a:p>
-          <a:p>
-            <a:r>
-              <a:rPr lang="en-US" dirty="0" smtClean="0"/>
-              <a:t>Do the Guided Practices</a:t>
-            </a:r>
-          </a:p>
-          <a:p>
-            <a:r>
-              <a:rPr lang="en-US" dirty="0" smtClean="0"/>
-              <a:t>Go on to the next lesson</a:t>
-            </a:r>
-            <a:endParaRPr lang="en-US" dirty="0"/>
+          <a:bodyPr>
+            <a:normAutofit lnSpcReduction="10000"/>
+          </a:bodyPr>
+          <a:lstStyle/>
+          <a:p>
+            <a:pPr>
+              <a:spcBef>
+                <a:spcPts val="0"/>
+              </a:spcBef>
+            </a:pPr>
+            <a:r>
+              <a:rPr lang="en-US" sz="2400" dirty="0"/>
+              <a:t>;; </a:t>
+            </a:r>
+            <a:r>
+              <a:rPr lang="en-US" sz="2400" dirty="0" err="1"/>
+              <a:t>bo-fn</a:t>
+            </a:r>
+            <a:r>
+              <a:rPr lang="en-US" sz="2400" dirty="0"/>
+              <a:t> : </a:t>
+            </a:r>
+            <a:r>
+              <a:rPr lang="en-US" sz="2400" dirty="0" err="1"/>
+              <a:t>BarOrder</a:t>
+            </a:r>
+            <a:r>
+              <a:rPr lang="en-US" sz="2400" dirty="0"/>
+              <a:t> -&gt; ??</a:t>
+            </a:r>
+          </a:p>
+          <a:p>
+            <a:pPr>
+              <a:spcBef>
+                <a:spcPts val="0"/>
+              </a:spcBef>
+            </a:pPr>
+            <a:r>
+              <a:rPr lang="en-US" sz="2400" dirty="0" smtClean="0"/>
+              <a:t>(</a:t>
+            </a:r>
+            <a:r>
+              <a:rPr lang="en-US" sz="2400" dirty="0"/>
+              <a:t>define (</a:t>
+            </a:r>
+            <a:r>
+              <a:rPr lang="en-US" sz="2400" dirty="0" err="1"/>
+              <a:t>bo-fn</a:t>
+            </a:r>
+            <a:r>
+              <a:rPr lang="en-US" sz="2400" dirty="0"/>
+              <a:t> order)</a:t>
+            </a:r>
+          </a:p>
+          <a:p>
+            <a:pPr>
+              <a:spcBef>
+                <a:spcPts val="0"/>
+              </a:spcBef>
+            </a:pPr>
+            <a:r>
+              <a:rPr lang="en-US" sz="2400" dirty="0" smtClean="0"/>
+              <a:t>  </a:t>
+            </a:r>
+            <a:r>
+              <a:rPr lang="en-US" sz="2400" dirty="0"/>
+              <a:t>(</a:t>
+            </a:r>
+            <a:r>
+              <a:rPr lang="en-US" sz="2400" dirty="0" err="1"/>
+              <a:t>cond</a:t>
+            </a:r>
+            <a:endParaRPr lang="en-US" sz="2400" dirty="0"/>
+          </a:p>
+          <a:p>
+            <a:pPr>
+              <a:spcBef>
+                <a:spcPts val="0"/>
+              </a:spcBef>
+            </a:pPr>
+            <a:r>
+              <a:rPr lang="en-US" sz="2400" dirty="0" smtClean="0"/>
+              <a:t>    </a:t>
+            </a:r>
+            <a:r>
+              <a:rPr lang="en-US" sz="2400" dirty="0"/>
+              <a:t>[(coffee? order) (...</a:t>
+            </a:r>
+          </a:p>
+          <a:p>
+            <a:pPr>
+              <a:spcBef>
+                <a:spcPts val="0"/>
+              </a:spcBef>
+            </a:pPr>
+            <a:r>
+              <a:rPr lang="en-US" sz="2400" dirty="0" smtClean="0"/>
+              <a:t>                      </a:t>
+            </a:r>
+            <a:r>
+              <a:rPr lang="en-US" sz="2400" dirty="0"/>
+              <a:t>(coffee-size order)</a:t>
+            </a:r>
+          </a:p>
+          <a:p>
+            <a:pPr>
+              <a:spcBef>
+                <a:spcPts val="0"/>
+              </a:spcBef>
+            </a:pPr>
+            <a:r>
+              <a:rPr lang="en-US" sz="2400" dirty="0" smtClean="0"/>
+              <a:t>                      </a:t>
+            </a:r>
+            <a:r>
+              <a:rPr lang="en-US" sz="2400" dirty="0"/>
+              <a:t>(coffee-type order)</a:t>
+            </a:r>
+          </a:p>
+          <a:p>
+            <a:pPr>
+              <a:spcBef>
+                <a:spcPts val="0"/>
+              </a:spcBef>
+            </a:pPr>
+            <a:r>
+              <a:rPr lang="en-US" sz="2400" dirty="0" smtClean="0"/>
+              <a:t>                      </a:t>
+            </a:r>
+            <a:r>
+              <a:rPr lang="en-US" sz="2400" dirty="0"/>
+              <a:t>(coffee-milk? order))]</a:t>
+            </a:r>
+          </a:p>
+          <a:p>
+            <a:pPr>
+              <a:spcBef>
+                <a:spcPts val="0"/>
+              </a:spcBef>
+            </a:pPr>
+            <a:r>
+              <a:rPr lang="en-US" sz="2400" dirty="0" smtClean="0"/>
+              <a:t>    </a:t>
+            </a:r>
+            <a:r>
+              <a:rPr lang="en-US" sz="2400" dirty="0"/>
+              <a:t>[(wine? order) (...</a:t>
+            </a:r>
+          </a:p>
+          <a:p>
+            <a:pPr>
+              <a:spcBef>
+                <a:spcPts val="0"/>
+              </a:spcBef>
+            </a:pPr>
+            <a:r>
+              <a:rPr lang="en-US" sz="2400" dirty="0" smtClean="0"/>
+              <a:t>                    </a:t>
+            </a:r>
+            <a:r>
+              <a:rPr lang="en-US" sz="2400" dirty="0"/>
+              <a:t>(wine-vineyard order)</a:t>
+            </a:r>
+          </a:p>
+          <a:p>
+            <a:pPr>
+              <a:spcBef>
+                <a:spcPts val="0"/>
+              </a:spcBef>
+            </a:pPr>
+            <a:r>
+              <a:rPr lang="en-US" sz="2400" dirty="0" smtClean="0"/>
+              <a:t>                    </a:t>
+            </a:r>
+            <a:r>
+              <a:rPr lang="en-US" sz="2400" dirty="0"/>
+              <a:t>(wine-year order))]</a:t>
+            </a:r>
+          </a:p>
+          <a:p>
+            <a:pPr>
+              <a:spcBef>
+                <a:spcPts val="0"/>
+              </a:spcBef>
+            </a:pPr>
+            <a:r>
+              <a:rPr lang="en-US" sz="2400" dirty="0" smtClean="0"/>
+              <a:t>    </a:t>
+            </a:r>
+            <a:r>
+              <a:rPr lang="en-US" sz="2400" dirty="0"/>
+              <a:t>[(tea? order) (...</a:t>
+            </a:r>
+          </a:p>
+          <a:p>
+            <a:pPr>
+              <a:spcBef>
+                <a:spcPts val="0"/>
+              </a:spcBef>
+            </a:pPr>
+            <a:r>
+              <a:rPr lang="en-US" sz="2400" dirty="0" smtClean="0"/>
+              <a:t>                   </a:t>
+            </a:r>
+            <a:r>
+              <a:rPr lang="en-US" sz="2400" dirty="0"/>
+              <a:t>(tea-size order)</a:t>
+            </a:r>
+          </a:p>
+          <a:p>
+            <a:pPr>
+              <a:spcBef>
+                <a:spcPts val="0"/>
+              </a:spcBef>
+            </a:pPr>
+            <a:r>
+              <a:rPr lang="en-US" sz="2400" dirty="0" smtClean="0"/>
+              <a:t>                   </a:t>
+            </a:r>
+            <a:r>
+              <a:rPr lang="en-US" sz="2400" dirty="0"/>
+              <a:t>(tea-type order))]))</a:t>
+            </a:r>
           </a:p>
         </p:txBody>
       </p:sp>
@@ -4542,27 +5478,120 @@
           </a:p>
         </p:txBody>
       </p:sp>
+      <p:sp>
+        <p:nvSpPr>
+          <p:cNvPr id="2" name="Rectangle 1"/>
+          <p:cNvSpPr/>
+          <p:nvPr/>
+        </p:nvSpPr>
+        <p:spPr>
+          <a:xfrm>
+            <a:off x="7056268" y="4869657"/>
+            <a:ext cx="2057400" cy="914400"/>
+          </a:xfrm>
+          <a:prstGeom prst="rect">
+            <a:avLst/>
+          </a:prstGeom>
+          <a:solidFill>
+            <a:schemeClr val="accent3">
+              <a:lumMod val="40000"/>
+              <a:lumOff val="60000"/>
+            </a:schemeClr>
+          </a:solidFill>
+          <a:ln/>
+        </p:spPr>
+        <p:style>
+          <a:lnRef idx="2">
+            <a:schemeClr val="accent1"/>
+          </a:lnRef>
+          <a:fillRef idx="1">
+            <a:schemeClr val="lt1"/>
+          </a:fillRef>
+          <a:effectRef idx="0">
+            <a:schemeClr val="accent1"/>
+          </a:effectRef>
+          <a:fontRef idx="minor">
+            <a:schemeClr val="dk1"/>
+          </a:fontRef>
+        </p:style>
+        <p:txBody>
+          <a:bodyPr rot="0" spcFirstLastPara="0" vertOverflow="overflow" horzOverflow="overflow" vert="horz" wrap="square" lIns="91440" tIns="45720" rIns="91440" bIns="45720" numCol="1" spcCol="0" rtlCol="0" fromWordArt="0" anchor="ctr" anchorCtr="0" forceAA="0" compatLnSpc="1">
+            <a:prstTxWarp prst="textNoShape">
+              <a:avLst/>
+            </a:prstTxWarp>
+            <a:noAutofit/>
+          </a:bodyPr>
+          <a:lstStyle/>
+          <a:p>
+            <a:r>
+              <a:rPr lang="en-US" dirty="0" smtClean="0">
+                <a:solidFill>
+                  <a:schemeClr val="tx1"/>
+                </a:solidFill>
+              </a:rPr>
+              <a:t>3. Add selectors to extract the values of the fields.</a:t>
+            </a:r>
+            <a:endParaRPr lang="en-US" dirty="0" smtClean="0">
+              <a:solidFill>
+                <a:schemeClr val="tx1"/>
+              </a:solidFill>
+            </a:endParaRPr>
+          </a:p>
+        </p:txBody>
+      </p:sp>
+      <p:sp>
+        <p:nvSpPr>
+          <p:cNvPr id="7" name="TextBox 6"/>
+          <p:cNvSpPr txBox="1"/>
+          <p:nvPr/>
+        </p:nvSpPr>
+        <p:spPr>
+          <a:xfrm>
+            <a:off x="3249398" y="6476999"/>
+            <a:ext cx="3993337" cy="369332"/>
+          </a:xfrm>
+          <a:prstGeom prst="rect">
+            <a:avLst/>
+          </a:prstGeom>
+          <a:noFill/>
+          <a:ln>
+            <a:solidFill>
+              <a:schemeClr val="accent1"/>
+            </a:solidFill>
+          </a:ln>
+        </p:spPr>
+        <p:txBody>
+          <a:bodyPr wrap="none" rtlCol="0">
+            <a:spAutoFit/>
+          </a:bodyPr>
+          <a:lstStyle/>
+          <a:p>
+            <a:r>
+              <a:rPr lang="en-US" dirty="0" smtClean="0"/>
+              <a:t>source file: </a:t>
+            </a:r>
+            <a:r>
+              <a:rPr lang="en-US" dirty="0" smtClean="0"/>
+              <a:t>01-2-template-examples.rkt</a:t>
+            </a:r>
+            <a:endParaRPr lang="en-US" dirty="0"/>
+          </a:p>
+        </p:txBody>
+      </p:sp>
     </p:spTree>
     <p:extLst>
       <p:ext uri="{BB962C8B-B14F-4D97-AF65-F5344CB8AC3E}">
-        <p14:creationId xmlns:p14="http://schemas.microsoft.com/office/powerpoint/2010/main" val="2954922602"/>
+        <p14:creationId xmlns:p14="http://schemas.microsoft.com/office/powerpoint/2010/main" val="155299784"/>
       </p:ext>
     </p:extLst>
   </p:cSld>
   <p:clrMapOvr>
     <a:masterClrMapping/>
   </p:clrMapOvr>
-  <p:timing>
-    <p:tnLst>
-      <p:par>
-        <p:cTn id="1" dur="indefinite" restart="never" nodeType="tmRoot"/>
-      </p:par>
-    </p:tnLst>
-  </p:timing>
 </p:sld>
 </file>
 
-<file path=ppt/slides/slide2.xml><?xml version="1.0" encoding="utf-8"?>
+<file path=ppt/slides/slide13.xml><?xml version="1.0" encoding="utf-8"?>
 <p:sld xmlns:a="http://schemas.openxmlformats.org/drawingml/2006/main" xmlns:r="http://schemas.openxmlformats.org/officeDocument/2006/relationships" xmlns:p="http://schemas.openxmlformats.org/presentationml/2006/main">
   <p:cSld>
     <p:spTree>
@@ -4581,7 +5610,7 @@
       </p:grpSpPr>
       <p:sp>
         <p:nvSpPr>
-          <p:cNvPr id="2" name="Title 1"/>
+          <p:cNvPr id="5" name="Title 4"/>
           <p:cNvSpPr>
             <a:spLocks noGrp="1"/>
           </p:cNvSpPr>
@@ -4592,13 +5621,13 @@
         <p:spPr/>
         <p:txBody>
           <a:bodyPr>
-            <a:normAutofit/>
+            <a:normAutofit fontScale="90000"/>
           </a:bodyPr>
           <a:lstStyle/>
           <a:p>
             <a:r>
               <a:rPr lang="en-US" dirty="0" smtClean="0"/>
-              <a:t>Learning Objectives for This Lesson</a:t>
+              <a:t>What is the destructor template good for?</a:t>
             </a:r>
             <a:endParaRPr lang="en-US" dirty="0"/>
           </a:p>
@@ -4606,7 +5635,7 @@
       </p:sp>
       <p:sp>
         <p:nvSpPr>
-          <p:cNvPr id="3" name="Content Placeholder 2"/>
+          <p:cNvPr id="6" name="Content Placeholder 5"/>
           <p:cNvSpPr>
             <a:spLocks noGrp="1"/>
           </p:cNvSpPr>
@@ -4620,23 +5649,24 @@
           <a:lstStyle/>
           <a:p>
             <a:r>
+              <a:rPr lang="en-US" dirty="0"/>
+              <a:t>The destructor template (or just the template, for short) gives a skeleton for functions that examine or use the data.</a:t>
+            </a:r>
+          </a:p>
+          <a:p>
+            <a:r>
               <a:rPr lang="en-US" dirty="0" smtClean="0"/>
-              <a:t>By the time you finish this lesson, you should be able to:</a:t>
-            </a:r>
-          </a:p>
-          <a:p>
-            <a:pPr lvl="1"/>
+              <a:t>The values after the ... give us an inventory of the values we can use on the right-hand side of the </a:t>
+            </a:r>
+            <a:r>
+              <a:rPr lang="en-US" b="1" dirty="0" smtClean="0"/>
+              <a:t>cond</a:t>
+            </a:r>
             <a:r>
               <a:rPr lang="en-US" dirty="0" smtClean="0"/>
-              <a:t>explain what a destructor template is</a:t>
-            </a:r>
-          </a:p>
-          <a:p>
-            <a:pPr lvl="1"/>
-            <a:r>
-              <a:rPr lang="en-US" dirty="0" smtClean="0"/>
-              <a:t>write destructor templates for typical data.</a:t>
-            </a:r>
+              <a:t>.</a:t>
+            </a:r>
+            <a:endParaRPr lang="en-US" dirty="0"/>
           </a:p>
         </p:txBody>
       </p:sp>
@@ -4658,33 +5688,26 @@
             <a:fld id="{8D704B19-8EED-495A-99FA-12E5518CCC54}" type="slidenum">
               <a:rPr lang="en-US" smtClean="0"/>
               <a:pPr/>
-              <a:t>2</a:t>
+              <a:t>13</a:t>
             </a:fld>
-            <a:endParaRPr lang="en-US"/>
+            <a:endParaRPr lang="en-US" dirty="0"/>
           </a:p>
         </p:txBody>
       </p:sp>
     </p:spTree>
     <p:extLst>
       <p:ext uri="{BB962C8B-B14F-4D97-AF65-F5344CB8AC3E}">
-        <p14:creationId xmlns:p14="http://schemas.microsoft.com/office/powerpoint/2010/main" val="3909313714"/>
+        <p14:creationId xmlns:p14="http://schemas.microsoft.com/office/powerpoint/2010/main" val="4106603667"/>
       </p:ext>
     </p:extLst>
   </p:cSld>
   <p:clrMapOvr>
     <a:masterClrMapping/>
   </p:clrMapOvr>
-  <p:timing>
-    <p:tnLst>
-      <p:par>
-        <p:cTn id="1" dur="indefinite" restart="never" nodeType="tmRoot"/>
-      </p:par>
-    </p:tnLst>
-  </p:timing>
 </p:sld>
 </file>
 
-<file path=ppt/slides/slide3.xml><?xml version="1.0" encoding="utf-8"?>
+<file path=ppt/slides/slide14.xml><?xml version="1.0" encoding="utf-8"?>
 <p:sld xmlns:a="http://schemas.openxmlformats.org/drawingml/2006/main" xmlns:r="http://schemas.openxmlformats.org/officeDocument/2006/relationships" xmlns:p="http://schemas.openxmlformats.org/presentationml/2006/main">
   <p:cSld>
     <p:spTree>
@@ -4713,12 +5736,51 @@
         </p:nvSpPr>
         <p:spPr/>
         <p:txBody>
+          <a:bodyPr>
+            <a:normAutofit fontScale="90000"/>
+          </a:bodyPr>
+          <a:lstStyle/>
+          <a:p>
+            <a:r>
+              <a:rPr lang="en-US" dirty="0" smtClean="0"/>
+              <a:t>How to write a template for compound data</a:t>
+            </a:r>
+            <a:endParaRPr lang="en-US" dirty="0"/>
+          </a:p>
+        </p:txBody>
+      </p:sp>
+      <p:sp>
+        <p:nvSpPr>
+          <p:cNvPr id="5" name="Content Placeholder 4"/>
+          <p:cNvSpPr>
+            <a:spLocks noGrp="1"/>
+          </p:cNvSpPr>
+          <p:nvPr>
+            <p:ph idx="1"/>
+          </p:nvPr>
+        </p:nvSpPr>
+        <p:spPr/>
+        <p:txBody>
           <a:bodyPr/>
           <a:lstStyle/>
           <a:p>
             <a:r>
               <a:rPr lang="en-US" dirty="0" smtClean="0"/>
-              <a:t>DDR Step 5: Destructor Template</a:t>
+              <a:t>Just like the one for mixed data, but you don’t need a </a:t>
+            </a:r>
+            <a:r>
+              <a:rPr lang="en-US" b="1" dirty="0" smtClean="0"/>
+              <a:t>cond</a:t>
+            </a:r>
+            <a:r>
+              <a:rPr lang="en-US" dirty="0" smtClean="0"/>
+              <a:t>.</a:t>
+            </a:r>
+          </a:p>
+          <a:p>
+            <a:r>
+              <a:rPr lang="en-US" dirty="0" smtClean="0"/>
+              <a:t>Here’s an example:</a:t>
             </a:r>
             <a:endParaRPr lang="en-US" dirty="0"/>
           </a:p>
@@ -4726,12 +5788,12 @@
       </p:sp>
       <p:sp>
         <p:nvSpPr>
-          <p:cNvPr id="4" name="Content Placeholder 3"/>
-          <p:cNvSpPr>
-            <a:spLocks noGrp="1"/>
-          </p:cNvSpPr>
-          <p:nvPr>
-            <p:ph idx="1"/>
+          <p:cNvPr id="4" name="Slide Number Placeholder 3"/>
+          <p:cNvSpPr>
+            <a:spLocks noGrp="1"/>
+          </p:cNvSpPr>
+          <p:nvPr>
+            <p:ph type="sldNum" sz="quarter" idx="12"/>
           </p:nvPr>
         </p:nvSpPr>
         <p:spPr/>
@@ -4739,73 +5801,29 @@
           <a:bodyPr/>
           <a:lstStyle/>
           <a:p>
-            <a:r>
-              <a:rPr lang="en-US" dirty="0" smtClean="0"/>
-              <a:t>The destructor template (or just the template, for short) gives a skeleton for functions that examine or use the data.</a:t>
-            </a:r>
-          </a:p>
-          <a:p>
-            <a:r>
-              <a:rPr lang="en-US" dirty="0" smtClean="0"/>
-              <a:t>Once you write the template, writing the function is just a matter of filling in the blanks.</a:t>
-            </a:r>
-          </a:p>
-          <a:p>
-            <a:r>
-              <a:rPr lang="en-US" dirty="0" smtClean="0"/>
-              <a:t>This step is a little more complicated than the preceding ones, so we have a recipe for that, too!</a:t>
-            </a:r>
-          </a:p>
-          <a:p>
+            <a:fld id="{8D704B19-8EED-495A-99FA-12E5518CCC54}" type="slidenum">
+              <a:rPr lang="en-US" smtClean="0"/>
+              <a:pPr/>
+              <a:t>14</a:t>
+            </a:fld>
             <a:endParaRPr lang="en-US" dirty="0"/>
-          </a:p>
-        </p:txBody>
-      </p:sp>
-      <p:sp>
-        <p:nvSpPr>
-          <p:cNvPr id="3" name="Slide Number Placeholder 2"/>
-          <p:cNvSpPr>
-            <a:spLocks noGrp="1"/>
-          </p:cNvSpPr>
-          <p:nvPr>
-            <p:ph type="sldNum" sz="quarter" idx="12"/>
-          </p:nvPr>
-        </p:nvSpPr>
-        <p:spPr/>
-        <p:txBody>
-          <a:bodyPr/>
-          <a:lstStyle/>
-          <a:p>
-            <a:fld id="{8D704B19-8EED-495A-99FA-12E5518CCC54}" type="slidenum">
-              <a:rPr lang="en-US" smtClean="0"/>
-              <a:pPr/>
-              <a:t>3</a:t>
-            </a:fld>
-            <a:endParaRPr lang="en-US"/>
           </a:p>
         </p:txBody>
       </p:sp>
     </p:spTree>
     <p:extLst>
       <p:ext uri="{BB962C8B-B14F-4D97-AF65-F5344CB8AC3E}">
-        <p14:creationId xmlns:p14="http://schemas.microsoft.com/office/powerpoint/2010/main" val="1542635609"/>
+        <p14:creationId xmlns:p14="http://schemas.microsoft.com/office/powerpoint/2010/main" val="3074001486"/>
       </p:ext>
     </p:extLst>
   </p:cSld>
   <p:clrMapOvr>
     <a:masterClrMapping/>
   </p:clrMapOvr>
-  <p:timing>
-    <p:tnLst>
-      <p:par>
-        <p:cTn id="1" dur="indefinite" restart="never" nodeType="tmRoot"/>
-      </p:par>
-    </p:tnLst>
-  </p:timing>
 </p:sld>
 </file>
 
-<file path=ppt/slides/slide4.xml><?xml version="1.0" encoding="utf-8"?>
+<file path=ppt/slides/slide15.xml><?xml version="1.0" encoding="utf-8"?>
 <p:sld xmlns:a="http://schemas.openxmlformats.org/drawingml/2006/main" xmlns:r="http://schemas.openxmlformats.org/officeDocument/2006/relationships" xmlns:p="http://schemas.openxmlformats.org/presentationml/2006/main">
   <p:cSld>
     <p:spTree>
@@ -4841,1871 +5859,11 @@
           <a:p>
             <a:r>
               <a:rPr lang="en-US" dirty="0" smtClean="0"/>
-              <a:t>The template recipe</a:t>
-            </a:r>
-            <a:endParaRPr lang="en-US" dirty="0"/>
-          </a:p>
-        </p:txBody>
-      </p:sp>
-      <p:graphicFrame>
-        <p:nvGraphicFramePr>
-          <p:cNvPr id="4" name="Content Placeholder 3"/>
-          <p:cNvGraphicFramePr>
-            <a:graphicFrameLocks noGrp="1"/>
-          </p:cNvGraphicFramePr>
-          <p:nvPr>
-            <p:ph idx="1"/>
-            <p:extLst/>
-          </p:nvPr>
-        </p:nvGraphicFramePr>
-        <p:xfrm>
-          <a:off x="457200" y="1524000"/>
-          <a:ext cx="8229600" cy="4480560"/>
-        </p:xfrm>
-        <a:graphic>
-          <a:graphicData uri="http://schemas.openxmlformats.org/drawingml/2006/table">
-            <a:tbl>
-              <a:tblPr firstRow="1" bandRow="1">
-                <a:tableStyleId>{5C22544A-7EE6-4342-B048-85BDC9FD1C3A}</a:tableStyleId>
-              </a:tblPr>
-              <a:tblGrid>
-                <a:gridCol w="4114800"/>
-                <a:gridCol w="4114800"/>
-              </a:tblGrid>
-              <a:tr h="370840">
-                <a:tc>
-                  <a:txBody>
-                    <a:bodyPr/>
-                    <a:lstStyle/>
-                    <a:p>
-                      <a:r>
-                        <a:rPr lang="en-US" sz="2400" dirty="0" smtClean="0"/>
-                        <a:t>Question</a:t>
-                      </a:r>
-                      <a:endParaRPr lang="en-US" sz="2400" dirty="0"/>
-                    </a:p>
-                  </a:txBody>
-                  <a:tcPr/>
-                </a:tc>
-                <a:tc>
-                  <a:txBody>
-                    <a:bodyPr/>
-                    <a:lstStyle/>
-                    <a:p>
-                      <a:r>
-                        <a:rPr lang="en-US" sz="2400" dirty="0" smtClean="0"/>
-                        <a:t>Answer</a:t>
-                      </a:r>
-                      <a:endParaRPr lang="en-US" sz="2400" dirty="0"/>
-                    </a:p>
-                  </a:txBody>
-                  <a:tcPr/>
-                </a:tc>
-              </a:tr>
-              <a:tr h="370840">
-                <a:tc>
-                  <a:txBody>
-                    <a:bodyPr/>
-                    <a:lstStyle/>
-                    <a:p>
-                      <a:r>
-                        <a:rPr lang="en-US" sz="2400" dirty="0" smtClean="0"/>
-                        <a:t>1. Does the data definition distinguish among different subclasses of data?</a:t>
-                      </a:r>
-                      <a:endParaRPr lang="en-US" sz="2400" dirty="0"/>
-                    </a:p>
-                  </a:txBody>
-                  <a:tcPr/>
-                </a:tc>
-                <a:tc>
-                  <a:txBody>
-                    <a:bodyPr/>
-                    <a:lstStyle/>
-                    <a:p>
-                      <a:r>
-                        <a:rPr lang="en-US" sz="2400" dirty="0" smtClean="0"/>
-                        <a:t>Write a </a:t>
-                      </a:r>
-                      <a:r>
-                        <a:rPr lang="en-US" sz="2400" dirty="0" err="1" smtClean="0">
-                          <a:hlinkClick r:id="rId2"/>
-                        </a:rPr>
-                        <a:t>cond</a:t>
-                      </a:r>
-                      <a:r>
-                        <a:rPr lang="en-US" sz="2400" dirty="0" smtClean="0"/>
-                        <a:t> with a</a:t>
-                      </a:r>
-                      <a:r>
-                        <a:rPr lang="en-US" sz="2400" baseline="0" dirty="0" smtClean="0"/>
-                        <a:t> </a:t>
-                      </a:r>
-                      <a:r>
-                        <a:rPr lang="en-US" sz="2400" dirty="0" smtClean="0"/>
-                        <a:t>clause for</a:t>
-                      </a:r>
-                      <a:r>
-                        <a:rPr lang="en-US" sz="2400" baseline="0" dirty="0" smtClean="0"/>
-                        <a:t> each</a:t>
-                      </a:r>
-                      <a:r>
-                        <a:rPr lang="en-US" sz="2400" dirty="0" smtClean="0"/>
-                        <a:t> subclasses.</a:t>
-                      </a:r>
-                      <a:endParaRPr lang="en-US" sz="2400" dirty="0"/>
-                    </a:p>
-                  </a:txBody>
-                  <a:tcPr/>
-                </a:tc>
-              </a:tr>
-              <a:tr h="370840">
-                <a:tc>
-                  <a:txBody>
-                    <a:bodyPr/>
-                    <a:lstStyle/>
-                    <a:p>
-                      <a:r>
-                        <a:rPr lang="en-US" sz="2400" dirty="0" smtClean="0"/>
-                        <a:t>2. How do the subclasses differ from each other?</a:t>
-                      </a:r>
-                      <a:endParaRPr lang="en-US" sz="2400" dirty="0"/>
-                    </a:p>
-                  </a:txBody>
-                  <a:tcPr/>
-                </a:tc>
-                <a:tc>
-                  <a:txBody>
-                    <a:bodyPr/>
-                    <a:lstStyle/>
-                    <a:p>
-                      <a:r>
-                        <a:rPr lang="en-US" sz="2400" dirty="0" smtClean="0"/>
-                        <a:t>Use the differences to formulate a condition per clause.</a:t>
-                      </a:r>
-                      <a:endParaRPr lang="en-US" sz="2400" dirty="0"/>
-                    </a:p>
-                  </a:txBody>
-                  <a:tcPr/>
-                </a:tc>
-              </a:tr>
-              <a:tr h="370840">
-                <a:tc>
-                  <a:txBody>
-                    <a:bodyPr/>
-                    <a:lstStyle/>
-                    <a:p>
-                      <a:r>
-                        <a:rPr lang="en-US" sz="2400" dirty="0" smtClean="0"/>
-                        <a:t>3. Do any of the clauses deal with structured</a:t>
-                      </a:r>
-                      <a:r>
-                        <a:rPr lang="en-US" sz="2400" baseline="0" dirty="0" smtClean="0"/>
-                        <a:t> values</a:t>
-                      </a:r>
-                      <a:r>
-                        <a:rPr lang="en-US" sz="2400" dirty="0" smtClean="0"/>
-                        <a:t>?</a:t>
-                      </a:r>
-                      <a:endParaRPr lang="en-US" sz="2400" dirty="0"/>
-                    </a:p>
-                  </a:txBody>
-                  <a:tcPr/>
-                </a:tc>
-                <a:tc>
-                  <a:txBody>
-                    <a:bodyPr/>
-                    <a:lstStyle/>
-                    <a:p>
-                      <a:r>
-                        <a:rPr lang="en-US" sz="2400" dirty="0" smtClean="0"/>
-                        <a:t>If so, add appropriate selector expressions to the clause.</a:t>
-                      </a:r>
-                      <a:endParaRPr lang="en-US" sz="2400" dirty="0"/>
-                    </a:p>
-                  </a:txBody>
-                  <a:tcPr/>
-                </a:tc>
-              </a:tr>
-              <a:tr h="370840">
-                <a:tc>
-                  <a:txBody>
-                    <a:bodyPr/>
-                    <a:lstStyle/>
-                    <a:p>
-                      <a:r>
-                        <a:rPr lang="en-US" sz="2400" dirty="0" smtClean="0">
-                          <a:solidFill>
-                            <a:schemeClr val="tx1"/>
-                          </a:solidFill>
-                        </a:rPr>
-                        <a:t>4. Do any of the fields contain compound</a:t>
-                      </a:r>
-                      <a:r>
-                        <a:rPr lang="en-US" sz="2400" baseline="0" dirty="0" smtClean="0">
-                          <a:solidFill>
-                            <a:schemeClr val="tx1"/>
-                          </a:solidFill>
-                        </a:rPr>
-                        <a:t> or mixed data?</a:t>
-                      </a:r>
-                      <a:endParaRPr lang="en-US" sz="2400" dirty="0">
-                        <a:solidFill>
-                          <a:schemeClr val="tx1"/>
-                        </a:solidFill>
-                      </a:endParaRPr>
-                    </a:p>
-                  </a:txBody>
-                  <a:tcPr/>
-                </a:tc>
-                <a:tc>
-                  <a:txBody>
-                    <a:bodyPr/>
-                    <a:lstStyle/>
-                    <a:p>
-                      <a:r>
-                        <a:rPr lang="en-US" sz="2400" dirty="0" smtClean="0">
-                          <a:solidFill>
-                            <a:schemeClr val="tx1"/>
-                          </a:solidFill>
-                        </a:rPr>
-                        <a:t>If the value of a field is a foo,</a:t>
-                      </a:r>
-                      <a:r>
-                        <a:rPr lang="en-US" sz="2400" baseline="0" dirty="0" smtClean="0">
-                          <a:solidFill>
-                            <a:schemeClr val="tx1"/>
-                          </a:solidFill>
-                        </a:rPr>
-                        <a:t> add a call to a foo-</a:t>
-                      </a:r>
-                      <a:r>
-                        <a:rPr lang="en-US" sz="2400" baseline="0" dirty="0" err="1" smtClean="0">
-                          <a:solidFill>
-                            <a:schemeClr val="tx1"/>
-                          </a:solidFill>
-                        </a:rPr>
-                        <a:t>fn</a:t>
-                      </a:r>
-                      <a:r>
-                        <a:rPr lang="en-US" sz="2400" baseline="0" dirty="0" smtClean="0">
-                          <a:solidFill>
-                            <a:schemeClr val="tx1"/>
-                          </a:solidFill>
-                        </a:rPr>
-                        <a:t> to use it.</a:t>
-                      </a:r>
-                      <a:endParaRPr lang="en-US" sz="2400" dirty="0">
-                        <a:solidFill>
-                          <a:schemeClr val="tx1"/>
-                        </a:solidFill>
-                      </a:endParaRPr>
-                    </a:p>
-                  </a:txBody>
-                  <a:tcPr/>
-                </a:tc>
-              </a:tr>
-            </a:tbl>
-          </a:graphicData>
-        </a:graphic>
-      </p:graphicFrame>
-      <p:sp>
-        <p:nvSpPr>
-          <p:cNvPr id="3" name="Slide Number Placeholder 2"/>
-          <p:cNvSpPr>
-            <a:spLocks noGrp="1"/>
-          </p:cNvSpPr>
-          <p:nvPr>
-            <p:ph type="sldNum" sz="quarter" idx="12"/>
-          </p:nvPr>
-        </p:nvSpPr>
-        <p:spPr/>
-        <p:txBody>
-          <a:bodyPr/>
-          <a:lstStyle/>
-          <a:p>
-            <a:fld id="{8D704B19-8EED-495A-99FA-12E5518CCC54}" type="slidenum">
-              <a:rPr lang="en-US" smtClean="0"/>
-              <a:pPr/>
-              <a:t>4</a:t>
-            </a:fld>
-            <a:endParaRPr lang="en-US"/>
-          </a:p>
-        </p:txBody>
-      </p:sp>
-    </p:spTree>
-    <p:extLst>
-      <p:ext uri="{BB962C8B-B14F-4D97-AF65-F5344CB8AC3E}">
-        <p14:creationId xmlns:p14="http://schemas.microsoft.com/office/powerpoint/2010/main" val="3561463172"/>
-      </p:ext>
-    </p:extLst>
-  </p:cSld>
-  <p:clrMapOvr>
-    <a:masterClrMapping/>
-  </p:clrMapOvr>
-  <p:timing>
-    <p:tnLst>
-      <p:par>
-        <p:cTn id="1" dur="indefinite" restart="never" nodeType="tmRoot"/>
-      </p:par>
-    </p:tnLst>
-  </p:timing>
-</p:sld>
-</file>
-
-<file path=ppt/slides/slide5.xml><?xml version="1.0" encoding="utf-8"?>
-<p:sld xmlns:a="http://schemas.openxmlformats.org/drawingml/2006/main" xmlns:r="http://schemas.openxmlformats.org/officeDocument/2006/relationships" xmlns:p="http://schemas.openxmlformats.org/presentationml/2006/main">
-  <p:cSld>
-    <p:spTree>
-      <p:nvGrpSpPr>
-        <p:cNvPr id="1" name=""/>
-        <p:cNvGrpSpPr/>
-        <p:nvPr/>
-      </p:nvGrpSpPr>
-      <p:grpSpPr>
-        <a:xfrm>
-          <a:off x="0" y="0"/>
-          <a:ext cx="0" cy="0"/>
-          <a:chOff x="0" y="0"/>
-          <a:chExt cx="0" cy="0"/>
-        </a:xfrm>
-      </p:grpSpPr>
-      <p:sp>
-        <p:nvSpPr>
-          <p:cNvPr id="2" name="Title 1"/>
-          <p:cNvSpPr>
-            <a:spLocks noGrp="1"/>
-          </p:cNvSpPr>
-          <p:nvPr>
-            <p:ph type="title"/>
-          </p:nvPr>
-        </p:nvSpPr>
-        <p:spPr>
-          <a:xfrm>
-            <a:off x="457200" y="304800"/>
-            <a:ext cx="8229600" cy="1143000"/>
-          </a:xfrm>
-        </p:spPr>
-        <p:txBody>
-          <a:bodyPr/>
-          <a:lstStyle/>
-          <a:p>
+              <a:t>Template </a:t>
+            </a:r>
             <a:r>
               <a:rPr lang="en-US" dirty="0" smtClean="0"/>
-              <a:t>Let's see where we are</a:t>
-            </a:r>
-            <a:endParaRPr lang="en-US" dirty="0"/>
-          </a:p>
-        </p:txBody>
-      </p:sp>
-      <p:graphicFrame>
-        <p:nvGraphicFramePr>
-          <p:cNvPr id="4" name="Content Placeholder 3"/>
-          <p:cNvGraphicFramePr>
-            <a:graphicFrameLocks noGrp="1"/>
-          </p:cNvGraphicFramePr>
-          <p:nvPr>
-            <p:ph idx="1"/>
-            <p:extLst>
-              <p:ext uri="{D42A27DB-BD31-4B8C-83A1-F6EECF244321}">
-                <p14:modId xmlns:p14="http://schemas.microsoft.com/office/powerpoint/2010/main" val="455277333"/>
-              </p:ext>
-            </p:extLst>
-          </p:nvPr>
-        </p:nvGraphicFramePr>
-        <p:xfrm>
-          <a:off x="381000" y="1417638"/>
-          <a:ext cx="2057400" cy="2103120"/>
-        </p:xfrm>
-        <a:graphic>
-          <a:graphicData uri="http://schemas.openxmlformats.org/drawingml/2006/table">
-            <a:tbl>
-              <a:tblPr firstRow="1" bandRow="1">
-                <a:tableStyleId>{5C22544A-7EE6-4342-B048-85BDC9FD1C3A}</a:tableStyleId>
-              </a:tblPr>
-              <a:tblGrid>
-                <a:gridCol w="2057400"/>
-              </a:tblGrid>
-              <a:tr h="262236">
-                <a:tc>
-                  <a:txBody>
-                    <a:bodyPr/>
-                    <a:lstStyle/>
-                    <a:p>
-                      <a:pPr algn="ctr"/>
-                      <a:r>
-                        <a:rPr lang="en-US" sz="1200" dirty="0" smtClean="0"/>
-                        <a:t>The Function Design Recipe</a:t>
-                      </a:r>
-                      <a:endParaRPr lang="en-US" sz="1200" dirty="0"/>
-                    </a:p>
-                  </a:txBody>
-                  <a:tcPr/>
-                </a:tc>
-              </a:tr>
-              <a:tr h="262236">
-                <a:tc>
-                  <a:txBody>
-                    <a:bodyPr/>
-                    <a:lstStyle/>
-                    <a:p>
-                      <a:r>
-                        <a:rPr lang="en-US" sz="1200" dirty="0" smtClean="0"/>
-                        <a:t>1. Data Design</a:t>
-                      </a:r>
-                      <a:endParaRPr lang="en-US" sz="1200" dirty="0"/>
-                    </a:p>
-                  </a:txBody>
-                  <a:tcPr/>
-                </a:tc>
-              </a:tr>
-              <a:tr h="285546">
-                <a:tc>
-                  <a:txBody>
-                    <a:bodyPr/>
-                    <a:lstStyle/>
-                    <a:p>
-                      <a:r>
-                        <a:rPr lang="en-US" sz="1200" dirty="0" smtClean="0"/>
-                        <a:t>2. Contract and Purpose Statement</a:t>
-                      </a:r>
-                      <a:endParaRPr lang="en-US" sz="1200" dirty="0"/>
-                    </a:p>
-                  </a:txBody>
-                  <a:tcPr/>
-                </a:tc>
-              </a:tr>
-              <a:tr h="262236">
-                <a:tc>
-                  <a:txBody>
-                    <a:bodyPr/>
-                    <a:lstStyle/>
-                    <a:p>
-                      <a:r>
-                        <a:rPr lang="en-US" sz="1200" dirty="0" smtClean="0"/>
-                        <a:t>3.</a:t>
-                      </a:r>
-                      <a:r>
-                        <a:rPr lang="en-US" sz="1200" baseline="0" dirty="0" smtClean="0"/>
-                        <a:t> Examples and Tests</a:t>
-                      </a:r>
-                      <a:endParaRPr lang="en-US" sz="1200" dirty="0"/>
-                    </a:p>
-                  </a:txBody>
-                  <a:tcPr/>
-                </a:tc>
-              </a:tr>
-              <a:tr h="262236">
-                <a:tc>
-                  <a:txBody>
-                    <a:bodyPr/>
-                    <a:lstStyle/>
-                    <a:p>
-                      <a:r>
-                        <a:rPr lang="en-US" sz="1200" dirty="0" smtClean="0"/>
-                        <a:t>4. Design Strategy</a:t>
-                      </a:r>
-                    </a:p>
-                  </a:txBody>
-                  <a:tcPr/>
-                </a:tc>
-              </a:tr>
-              <a:tr h="262236">
-                <a:tc>
-                  <a:txBody>
-                    <a:bodyPr/>
-                    <a:lstStyle/>
-                    <a:p>
-                      <a:r>
-                        <a:rPr lang="en-US" sz="1200" dirty="0" smtClean="0"/>
-                        <a:t>5. Function Definition</a:t>
-                      </a:r>
-                      <a:endParaRPr lang="en-US" sz="1200" dirty="0"/>
-                    </a:p>
-                  </a:txBody>
-                  <a:tcPr/>
-                </a:tc>
-              </a:tr>
-              <a:tr h="262236">
-                <a:tc>
-                  <a:txBody>
-                    <a:bodyPr/>
-                    <a:lstStyle/>
-                    <a:p>
-                      <a:r>
-                        <a:rPr lang="en-US" sz="1200" dirty="0" smtClean="0"/>
-                        <a:t>6. Program</a:t>
-                      </a:r>
-                      <a:r>
-                        <a:rPr lang="en-US" sz="1200" baseline="0" dirty="0" smtClean="0"/>
-                        <a:t> Review</a:t>
-                      </a:r>
-                      <a:endParaRPr lang="en-US" sz="1200" dirty="0"/>
-                    </a:p>
-                  </a:txBody>
-                  <a:tcPr/>
-                </a:tc>
-              </a:tr>
-            </a:tbl>
-          </a:graphicData>
-        </a:graphic>
-      </p:graphicFrame>
-      <p:graphicFrame>
-        <p:nvGraphicFramePr>
-          <p:cNvPr id="5" name="Content Placeholder 3"/>
-          <p:cNvGraphicFramePr>
-            <a:graphicFrameLocks/>
-          </p:cNvGraphicFramePr>
-          <p:nvPr>
-            <p:extLst>
-              <p:ext uri="{D42A27DB-BD31-4B8C-83A1-F6EECF244321}">
-                <p14:modId xmlns:p14="http://schemas.microsoft.com/office/powerpoint/2010/main" val="1646651394"/>
-              </p:ext>
-            </p:extLst>
-          </p:nvPr>
-        </p:nvGraphicFramePr>
-        <p:xfrm>
-          <a:off x="3002902" y="1676400"/>
-          <a:ext cx="2286000" cy="2743200"/>
-        </p:xfrm>
-        <a:graphic>
-          <a:graphicData uri="http://schemas.openxmlformats.org/drawingml/2006/table">
-            <a:tbl>
-              <a:tblPr firstRow="1" bandRow="1">
-                <a:tableStyleId>{5C22544A-7EE6-4342-B048-85BDC9FD1C3A}</a:tableStyleId>
-              </a:tblPr>
-              <a:tblGrid>
-                <a:gridCol w="2286000"/>
-              </a:tblGrid>
-              <a:tr h="230779">
-                <a:tc>
-                  <a:txBody>
-                    <a:bodyPr/>
-                    <a:lstStyle/>
-                    <a:p>
-                      <a:pPr algn="ctr"/>
-                      <a:r>
-                        <a:rPr lang="en-US" sz="1200" dirty="0" smtClean="0"/>
-                        <a:t>The</a:t>
-                      </a:r>
-                      <a:r>
-                        <a:rPr lang="en-US" sz="1200" baseline="0" dirty="0" smtClean="0"/>
-                        <a:t> Data</a:t>
-                      </a:r>
-                      <a:r>
-                        <a:rPr lang="en-US" sz="1200" dirty="0" smtClean="0"/>
-                        <a:t> Design Recipe</a:t>
-                      </a:r>
-                      <a:endParaRPr lang="en-US" sz="1200" dirty="0"/>
-                    </a:p>
-                  </a:txBody>
-                  <a:tcPr/>
-                </a:tc>
-              </a:tr>
-              <a:tr h="594349">
-                <a:tc>
-                  <a:txBody>
-                    <a:bodyPr/>
-                    <a:lstStyle/>
-                    <a:p>
-                      <a:pPr marL="0" marR="0" indent="0" algn="l" defTabSz="914400" rtl="0" eaLnBrk="1" fontAlgn="auto" latinLnBrk="0" hangingPunct="1">
-                        <a:lnSpc>
-                          <a:spcPct val="100000"/>
-                        </a:lnSpc>
-                        <a:spcBef>
-                          <a:spcPts val="0"/>
-                        </a:spcBef>
-                        <a:spcAft>
-                          <a:spcPts val="0"/>
-                        </a:spcAft>
-                        <a:buClrTx/>
-                        <a:buSzTx/>
-                        <a:buFontTx/>
-                        <a:buNone/>
-                        <a:tabLst/>
-                        <a:defRPr/>
-                      </a:pPr>
-                      <a:r>
-                        <a:rPr lang="en-US" sz="1200" dirty="0" smtClean="0"/>
-                        <a:t>1. What</a:t>
-                      </a:r>
-                      <a:r>
-                        <a:rPr lang="en-US" sz="1200" baseline="0" dirty="0" smtClean="0"/>
-                        <a:t> information needs to be represented in your program? </a:t>
-                      </a:r>
-                      <a:r>
-                        <a:rPr lang="en-US" sz="1200" dirty="0" smtClean="0"/>
-                        <a:t>What</a:t>
-                      </a:r>
-                      <a:r>
-                        <a:rPr lang="en-US" sz="1200" baseline="0" dirty="0" smtClean="0"/>
-                        <a:t> kind of information is each piece?</a:t>
-                      </a:r>
-                      <a:endParaRPr lang="en-US" sz="1200" dirty="0"/>
-                    </a:p>
-                  </a:txBody>
-                  <a:tcPr/>
-                </a:tc>
-              </a:tr>
-              <a:tr h="230779">
-                <a:tc>
-                  <a:txBody>
-                    <a:bodyPr/>
-                    <a:lstStyle/>
-                    <a:p>
-                      <a:r>
-                        <a:rPr lang="en-US" sz="1200" dirty="0" smtClean="0"/>
-                        <a:t>2. </a:t>
-                      </a:r>
-                      <a:r>
-                        <a:rPr lang="en-US" sz="1200" dirty="0" err="1" smtClean="0"/>
-                        <a:t>Struct</a:t>
-                      </a:r>
-                      <a:r>
-                        <a:rPr lang="en-US" sz="1200" baseline="0" dirty="0" smtClean="0"/>
-                        <a:t> Definitions</a:t>
-                      </a:r>
-                      <a:endParaRPr lang="en-US" sz="1200" dirty="0"/>
-                    </a:p>
-                  </a:txBody>
-                  <a:tcPr/>
-                </a:tc>
-              </a:tr>
-              <a:tr h="230779">
-                <a:tc>
-                  <a:txBody>
-                    <a:bodyPr/>
-                    <a:lstStyle/>
-                    <a:p>
-                      <a:r>
-                        <a:rPr lang="en-US" sz="1200" dirty="0" smtClean="0"/>
-                        <a:t>3.</a:t>
-                      </a:r>
-                      <a:r>
-                        <a:rPr lang="en-US" sz="1200" baseline="0" dirty="0" smtClean="0"/>
-                        <a:t> Constructor Template</a:t>
-                      </a:r>
-                      <a:endParaRPr lang="en-US" sz="1200" dirty="0"/>
-                    </a:p>
-                  </a:txBody>
-                  <a:tcPr/>
-                </a:tc>
-              </a:tr>
-              <a:tr h="230779">
-                <a:tc>
-                  <a:txBody>
-                    <a:bodyPr/>
-                    <a:lstStyle/>
-                    <a:p>
-                      <a:r>
-                        <a:rPr lang="en-US" sz="1200" dirty="0" smtClean="0"/>
-                        <a:t>4. Interpretation</a:t>
-                      </a:r>
-                    </a:p>
-                  </a:txBody>
-                  <a:tcPr/>
-                </a:tc>
-              </a:tr>
-              <a:tr h="230779">
-                <a:tc>
-                  <a:txBody>
-                    <a:bodyPr/>
-                    <a:lstStyle/>
-                    <a:p>
-                      <a:r>
-                        <a:rPr lang="en-US" sz="1200" dirty="0" smtClean="0"/>
-                        <a:t>5. Destructor</a:t>
-                      </a:r>
-                      <a:r>
-                        <a:rPr lang="en-US" sz="1200" baseline="0" dirty="0" smtClean="0"/>
-                        <a:t> Template</a:t>
-                      </a:r>
-                      <a:endParaRPr lang="en-US" sz="1200" dirty="0"/>
-                    </a:p>
-                  </a:txBody>
-                  <a:tcPr/>
-                </a:tc>
-              </a:tr>
-              <a:tr h="230779">
-                <a:tc>
-                  <a:txBody>
-                    <a:bodyPr/>
-                    <a:lstStyle/>
-                    <a:p>
-                      <a:r>
-                        <a:rPr lang="en-US" sz="1200" dirty="0" smtClean="0"/>
-                        <a:t>6. Examples</a:t>
-                      </a:r>
-                      <a:endParaRPr lang="en-US" sz="1200" dirty="0"/>
-                    </a:p>
-                  </a:txBody>
-                  <a:tcPr/>
-                </a:tc>
-              </a:tr>
-              <a:tr h="230779">
-                <a:tc>
-                  <a:txBody>
-                    <a:bodyPr/>
-                    <a:lstStyle/>
-                    <a:p>
-                      <a:r>
-                        <a:rPr lang="en-US" sz="1200" dirty="0" smtClean="0"/>
-                        <a:t>7. Review</a:t>
-                      </a:r>
-                      <a:endParaRPr lang="en-US" sz="1200" dirty="0"/>
-                    </a:p>
-                  </a:txBody>
-                  <a:tcPr/>
-                </a:tc>
-              </a:tr>
-            </a:tbl>
-          </a:graphicData>
-        </a:graphic>
-      </p:graphicFrame>
-      <p:graphicFrame>
-        <p:nvGraphicFramePr>
-          <p:cNvPr id="6" name="Content Placeholder 3"/>
-          <p:cNvGraphicFramePr>
-            <a:graphicFrameLocks/>
-          </p:cNvGraphicFramePr>
-          <p:nvPr>
-            <p:extLst>
-              <p:ext uri="{D42A27DB-BD31-4B8C-83A1-F6EECF244321}">
-                <p14:modId xmlns:p14="http://schemas.microsoft.com/office/powerpoint/2010/main" val="4019177551"/>
-              </p:ext>
-            </p:extLst>
-          </p:nvPr>
-        </p:nvGraphicFramePr>
-        <p:xfrm>
-          <a:off x="4038600" y="4267200"/>
-          <a:ext cx="4953000" cy="2382520"/>
-        </p:xfrm>
-        <a:graphic>
-          <a:graphicData uri="http://schemas.openxmlformats.org/drawingml/2006/table">
-            <a:tbl>
-              <a:tblPr firstRow="1" bandRow="1">
-                <a:tableStyleId>{5C22544A-7EE6-4342-B048-85BDC9FD1C3A}</a:tableStyleId>
-              </a:tblPr>
-              <a:tblGrid>
-                <a:gridCol w="2476500"/>
-                <a:gridCol w="2476500"/>
-              </a:tblGrid>
-              <a:tr h="370840">
-                <a:tc>
-                  <a:txBody>
-                    <a:bodyPr/>
-                    <a:lstStyle/>
-                    <a:p>
-                      <a:r>
-                        <a:rPr lang="en-US" sz="1200" dirty="0" smtClean="0"/>
-                        <a:t>Question</a:t>
-                      </a:r>
-                      <a:endParaRPr lang="en-US" sz="1200" dirty="0"/>
-                    </a:p>
-                  </a:txBody>
-                  <a:tcPr/>
-                </a:tc>
-                <a:tc>
-                  <a:txBody>
-                    <a:bodyPr/>
-                    <a:lstStyle/>
-                    <a:p>
-                      <a:r>
-                        <a:rPr lang="en-US" sz="1200" dirty="0" smtClean="0"/>
-                        <a:t>Answer</a:t>
-                      </a:r>
-                      <a:endParaRPr lang="en-US" sz="1200" dirty="0"/>
-                    </a:p>
-                  </a:txBody>
-                  <a:tcPr/>
-                </a:tc>
-              </a:tr>
-              <a:tr h="370840">
-                <a:tc>
-                  <a:txBody>
-                    <a:bodyPr/>
-                    <a:lstStyle/>
-                    <a:p>
-                      <a:r>
-                        <a:rPr lang="en-US" sz="1200" dirty="0" smtClean="0"/>
-                        <a:t>1. Does the data definition distinguish among different subclasses of data?</a:t>
-                      </a:r>
-                      <a:endParaRPr lang="en-US" sz="1200" dirty="0"/>
-                    </a:p>
-                  </a:txBody>
-                  <a:tcPr/>
-                </a:tc>
-                <a:tc>
-                  <a:txBody>
-                    <a:bodyPr/>
-                    <a:lstStyle/>
-                    <a:p>
-                      <a:r>
-                        <a:rPr lang="en-US" sz="1200" dirty="0" smtClean="0"/>
-                        <a:t>Write a </a:t>
-                      </a:r>
-                      <a:r>
-                        <a:rPr lang="en-US" sz="1200" dirty="0" err="1" smtClean="0">
-                          <a:hlinkClick r:id="rId2"/>
-                        </a:rPr>
-                        <a:t>cond</a:t>
-                      </a:r>
-                      <a:r>
-                        <a:rPr lang="en-US" sz="1200" dirty="0" smtClean="0"/>
-                        <a:t> with a</a:t>
-                      </a:r>
-                      <a:r>
-                        <a:rPr lang="en-US" sz="1200" baseline="0" dirty="0" smtClean="0"/>
-                        <a:t> </a:t>
-                      </a:r>
-                      <a:r>
-                        <a:rPr lang="en-US" sz="1200" dirty="0" smtClean="0"/>
-                        <a:t>clause for</a:t>
-                      </a:r>
-                      <a:r>
-                        <a:rPr lang="en-US" sz="1200" baseline="0" dirty="0" smtClean="0"/>
-                        <a:t> each</a:t>
-                      </a:r>
-                      <a:r>
-                        <a:rPr lang="en-US" sz="1200" dirty="0" smtClean="0"/>
-                        <a:t> subclasses.</a:t>
-                      </a:r>
-                      <a:endParaRPr lang="en-US" sz="1200" dirty="0"/>
-                    </a:p>
-                  </a:txBody>
-                  <a:tcPr/>
-                </a:tc>
-              </a:tr>
-              <a:tr h="370840">
-                <a:tc>
-                  <a:txBody>
-                    <a:bodyPr/>
-                    <a:lstStyle/>
-                    <a:p>
-                      <a:r>
-                        <a:rPr lang="en-US" sz="1200" dirty="0" smtClean="0"/>
-                        <a:t>2. How do the subclasses differ from each other?</a:t>
-                      </a:r>
-                      <a:endParaRPr lang="en-US" sz="1200" dirty="0"/>
-                    </a:p>
-                  </a:txBody>
-                  <a:tcPr/>
-                </a:tc>
-                <a:tc>
-                  <a:txBody>
-                    <a:bodyPr/>
-                    <a:lstStyle/>
-                    <a:p>
-                      <a:r>
-                        <a:rPr lang="en-US" sz="1200" dirty="0" smtClean="0"/>
-                        <a:t>Use the differences to formulate a condition per clause.</a:t>
-                      </a:r>
-                      <a:endParaRPr lang="en-US" sz="1200" dirty="0"/>
-                    </a:p>
-                  </a:txBody>
-                  <a:tcPr/>
-                </a:tc>
-              </a:tr>
-              <a:tr h="370840">
-                <a:tc>
-                  <a:txBody>
-                    <a:bodyPr/>
-                    <a:lstStyle/>
-                    <a:p>
-                      <a:r>
-                        <a:rPr lang="en-US" sz="1200" dirty="0" smtClean="0"/>
-                        <a:t>3. Do any of the clauses deal with structured</a:t>
-                      </a:r>
-                      <a:r>
-                        <a:rPr lang="en-US" sz="1200" baseline="0" dirty="0" smtClean="0"/>
-                        <a:t> values</a:t>
-                      </a:r>
-                      <a:r>
-                        <a:rPr lang="en-US" sz="1200" dirty="0" smtClean="0"/>
-                        <a:t>?</a:t>
-                      </a:r>
-                      <a:endParaRPr lang="en-US" sz="1200" dirty="0"/>
-                    </a:p>
-                  </a:txBody>
-                  <a:tcPr/>
-                </a:tc>
-                <a:tc>
-                  <a:txBody>
-                    <a:bodyPr/>
-                    <a:lstStyle/>
-                    <a:p>
-                      <a:r>
-                        <a:rPr lang="en-US" sz="1200" dirty="0" smtClean="0"/>
-                        <a:t>If so, add appropriate selector expressions to the clause.</a:t>
-                      </a:r>
-                      <a:endParaRPr lang="en-US" sz="1200" dirty="0"/>
-                    </a:p>
-                  </a:txBody>
-                  <a:tcPr/>
-                </a:tc>
-              </a:tr>
-              <a:tr h="370840">
-                <a:tc>
-                  <a:txBody>
-                    <a:bodyPr/>
-                    <a:lstStyle/>
-                    <a:p>
-                      <a:r>
-                        <a:rPr lang="en-US" sz="1200" dirty="0" smtClean="0">
-                          <a:solidFill>
-                            <a:schemeClr val="tx1"/>
-                          </a:solidFill>
-                        </a:rPr>
-                        <a:t>4. Do any of the fields contain compound</a:t>
-                      </a:r>
-                      <a:r>
-                        <a:rPr lang="en-US" sz="1200" baseline="0" dirty="0" smtClean="0">
-                          <a:solidFill>
-                            <a:schemeClr val="tx1"/>
-                          </a:solidFill>
-                        </a:rPr>
-                        <a:t> or mixed data?</a:t>
-                      </a:r>
-                      <a:endParaRPr lang="en-US" sz="1200" dirty="0">
-                        <a:solidFill>
-                          <a:schemeClr val="tx1"/>
-                        </a:solidFill>
-                      </a:endParaRPr>
-                    </a:p>
-                  </a:txBody>
-                  <a:tcPr/>
-                </a:tc>
-                <a:tc>
-                  <a:txBody>
-                    <a:bodyPr/>
-                    <a:lstStyle/>
-                    <a:p>
-                      <a:r>
-                        <a:rPr lang="en-US" sz="1200" dirty="0" smtClean="0">
-                          <a:solidFill>
-                            <a:schemeClr val="tx1"/>
-                          </a:solidFill>
-                        </a:rPr>
-                        <a:t>If the value of a field is a foo,</a:t>
-                      </a:r>
-                      <a:r>
-                        <a:rPr lang="en-US" sz="1200" baseline="0" dirty="0" smtClean="0">
-                          <a:solidFill>
-                            <a:schemeClr val="tx1"/>
-                          </a:solidFill>
-                        </a:rPr>
-                        <a:t> add a call to a foo-</a:t>
-                      </a:r>
-                      <a:r>
-                        <a:rPr lang="en-US" sz="1200" baseline="0" dirty="0" err="1" smtClean="0">
-                          <a:solidFill>
-                            <a:schemeClr val="tx1"/>
-                          </a:solidFill>
-                        </a:rPr>
-                        <a:t>fn</a:t>
-                      </a:r>
-                      <a:r>
-                        <a:rPr lang="en-US" sz="1200" baseline="0" dirty="0" smtClean="0">
-                          <a:solidFill>
-                            <a:schemeClr val="tx1"/>
-                          </a:solidFill>
-                        </a:rPr>
-                        <a:t> to use it.</a:t>
-                      </a:r>
-                      <a:endParaRPr lang="en-US" sz="1200" dirty="0">
-                        <a:solidFill>
-                          <a:schemeClr val="tx1"/>
-                        </a:solidFill>
-                      </a:endParaRPr>
-                    </a:p>
-                  </a:txBody>
-                  <a:tcPr/>
-                </a:tc>
-              </a:tr>
-            </a:tbl>
-          </a:graphicData>
-        </a:graphic>
-      </p:graphicFrame>
-      <p:sp>
-        <p:nvSpPr>
-          <p:cNvPr id="10" name="Right Arrow 9"/>
-          <p:cNvSpPr/>
-          <p:nvPr/>
-        </p:nvSpPr>
-        <p:spPr>
-          <a:xfrm>
-            <a:off x="2438400" y="1676400"/>
-            <a:ext cx="533400" cy="228600"/>
-          </a:xfrm>
-          <a:prstGeom prst="rightArrow">
-            <a:avLst/>
-          </a:prstGeom>
-        </p:spPr>
-        <p:style>
-          <a:lnRef idx="2">
-            <a:schemeClr val="accent1">
-              <a:shade val="50000"/>
-            </a:schemeClr>
-          </a:lnRef>
-          <a:fillRef idx="1">
-            <a:schemeClr val="accent1"/>
-          </a:fillRef>
-          <a:effectRef idx="0">
-            <a:schemeClr val="accent1"/>
-          </a:effectRef>
-          <a:fontRef idx="minor">
-            <a:schemeClr val="lt1"/>
-          </a:fontRef>
-        </p:style>
-        <p:txBody>
-          <a:bodyPr rtlCol="0" anchor="ctr"/>
-          <a:lstStyle/>
-          <a:p>
-            <a:pPr algn="ctr"/>
-            <a:endParaRPr lang="en-US"/>
-          </a:p>
-        </p:txBody>
-      </p:sp>
-      <p:sp>
-        <p:nvSpPr>
-          <p:cNvPr id="11" name="Bent-Up Arrow 10"/>
-          <p:cNvSpPr/>
-          <p:nvPr/>
-        </p:nvSpPr>
-        <p:spPr>
-          <a:xfrm flipV="1">
-            <a:off x="5257800" y="3657600"/>
-            <a:ext cx="926592" cy="609600"/>
-          </a:xfrm>
-          <a:prstGeom prst="bentUpArrow">
-            <a:avLst/>
-          </a:prstGeom>
-        </p:spPr>
-        <p:style>
-          <a:lnRef idx="2">
-            <a:schemeClr val="accent1">
-              <a:shade val="50000"/>
-            </a:schemeClr>
-          </a:lnRef>
-          <a:fillRef idx="1">
-            <a:schemeClr val="accent1"/>
-          </a:fillRef>
-          <a:effectRef idx="0">
-            <a:schemeClr val="accent1"/>
-          </a:effectRef>
-          <a:fontRef idx="minor">
-            <a:schemeClr val="lt1"/>
-          </a:fontRef>
-        </p:style>
-        <p:txBody>
-          <a:bodyPr rtlCol="0" anchor="ctr"/>
-          <a:lstStyle/>
-          <a:p>
-            <a:pPr algn="ctr"/>
-            <a:endParaRPr lang="en-US"/>
-          </a:p>
-        </p:txBody>
-      </p:sp>
-      <p:sp>
-        <p:nvSpPr>
-          <p:cNvPr id="3" name="Slide Number Placeholder 2"/>
-          <p:cNvSpPr>
-            <a:spLocks noGrp="1"/>
-          </p:cNvSpPr>
-          <p:nvPr>
-            <p:ph type="sldNum" sz="quarter" idx="12"/>
-          </p:nvPr>
-        </p:nvSpPr>
-        <p:spPr/>
-        <p:txBody>
-          <a:bodyPr/>
-          <a:lstStyle/>
-          <a:p>
-            <a:fld id="{8D704B19-8EED-495A-99FA-12E5518CCC54}" type="slidenum">
-              <a:rPr lang="en-US" smtClean="0"/>
-              <a:pPr/>
-              <a:t>5</a:t>
-            </a:fld>
-            <a:endParaRPr lang="en-US"/>
-          </a:p>
-        </p:txBody>
-      </p:sp>
-    </p:spTree>
-    <p:extLst>
-      <p:ext uri="{BB962C8B-B14F-4D97-AF65-F5344CB8AC3E}">
-        <p14:creationId xmlns:p14="http://schemas.microsoft.com/office/powerpoint/2010/main" val="1458634971"/>
-      </p:ext>
-    </p:extLst>
-  </p:cSld>
-  <p:clrMapOvr>
-    <a:masterClrMapping/>
-  </p:clrMapOvr>
-  <p:timing>
-    <p:tnLst>
-      <p:par>
-        <p:cTn id="1" dur="indefinite" restart="never" nodeType="tmRoot"/>
-      </p:par>
-    </p:tnLst>
-  </p:timing>
-</p:sld>
-</file>
-
-<file path=ppt/slides/slide6.xml><?xml version="1.0" encoding="utf-8"?>
-<p:sld xmlns:a="http://schemas.openxmlformats.org/drawingml/2006/main" xmlns:r="http://schemas.openxmlformats.org/officeDocument/2006/relationships" xmlns:p="http://schemas.openxmlformats.org/presentationml/2006/main">
-  <p:cSld>
-    <p:spTree>
-      <p:nvGrpSpPr>
-        <p:cNvPr id="1" name=""/>
-        <p:cNvGrpSpPr/>
-        <p:nvPr/>
-      </p:nvGrpSpPr>
-      <p:grpSpPr>
-        <a:xfrm>
-          <a:off x="0" y="0"/>
-          <a:ext cx="0" cy="0"/>
-          <a:chOff x="0" y="0"/>
-          <a:chExt cx="0" cy="0"/>
-        </a:xfrm>
-      </p:grpSpPr>
-      <p:sp>
-        <p:nvSpPr>
-          <p:cNvPr id="2" name="Title 1"/>
-          <p:cNvSpPr>
-            <a:spLocks noGrp="1"/>
-          </p:cNvSpPr>
-          <p:nvPr>
-            <p:ph type="title"/>
-          </p:nvPr>
-        </p:nvSpPr>
-        <p:spPr/>
-        <p:txBody>
-          <a:bodyPr>
-            <a:normAutofit/>
-          </a:bodyPr>
-          <a:lstStyle/>
-          <a:p>
-            <a:r>
-              <a:rPr lang="en-US" dirty="0" smtClean="0"/>
-              <a:t>In this lesson</a:t>
-            </a:r>
-            <a:endParaRPr lang="en-US" dirty="0"/>
-          </a:p>
-        </p:txBody>
-      </p:sp>
-      <p:graphicFrame>
-        <p:nvGraphicFramePr>
-          <p:cNvPr id="4" name="Content Placeholder 3"/>
-          <p:cNvGraphicFramePr>
-            <a:graphicFrameLocks noGrp="1"/>
-          </p:cNvGraphicFramePr>
-          <p:nvPr>
-            <p:ph idx="1"/>
-            <p:extLst>
-              <p:ext uri="{D42A27DB-BD31-4B8C-83A1-F6EECF244321}">
-                <p14:modId xmlns:p14="http://schemas.microsoft.com/office/powerpoint/2010/main" val="3485196190"/>
-              </p:ext>
-            </p:extLst>
-          </p:nvPr>
-        </p:nvGraphicFramePr>
-        <p:xfrm>
-          <a:off x="457200" y="1524000"/>
-          <a:ext cx="8229600" cy="4480560"/>
-        </p:xfrm>
-        <a:graphic>
-          <a:graphicData uri="http://schemas.openxmlformats.org/drawingml/2006/table">
-            <a:tbl>
-              <a:tblPr firstRow="1" bandRow="1">
-                <a:tableStyleId>{5C22544A-7EE6-4342-B048-85BDC9FD1C3A}</a:tableStyleId>
-              </a:tblPr>
-              <a:tblGrid>
-                <a:gridCol w="4114800"/>
-                <a:gridCol w="4114800"/>
-              </a:tblGrid>
-              <a:tr h="370840">
-                <a:tc>
-                  <a:txBody>
-                    <a:bodyPr/>
-                    <a:lstStyle/>
-                    <a:p>
-                      <a:r>
-                        <a:rPr lang="en-US" sz="2400" dirty="0" smtClean="0"/>
-                        <a:t>Question</a:t>
-                      </a:r>
-                      <a:endParaRPr lang="en-US" sz="2400" dirty="0"/>
-                    </a:p>
-                  </a:txBody>
-                  <a:tcPr/>
-                </a:tc>
-                <a:tc>
-                  <a:txBody>
-                    <a:bodyPr/>
-                    <a:lstStyle/>
-                    <a:p>
-                      <a:r>
-                        <a:rPr lang="en-US" sz="2400" dirty="0" smtClean="0"/>
-                        <a:t>Answer</a:t>
-                      </a:r>
-                      <a:endParaRPr lang="en-US" sz="2400" dirty="0"/>
-                    </a:p>
-                  </a:txBody>
-                  <a:tcPr/>
-                </a:tc>
-              </a:tr>
-              <a:tr h="370840">
-                <a:tc>
-                  <a:txBody>
-                    <a:bodyPr/>
-                    <a:lstStyle/>
-                    <a:p>
-                      <a:r>
-                        <a:rPr lang="en-US" sz="2400" dirty="0" smtClean="0"/>
-                        <a:t>1. Does the data definition distinguish among different subclasses of data?</a:t>
-                      </a:r>
-                      <a:endParaRPr lang="en-US" sz="2400" dirty="0"/>
-                    </a:p>
-                  </a:txBody>
-                  <a:tcPr/>
-                </a:tc>
-                <a:tc>
-                  <a:txBody>
-                    <a:bodyPr/>
-                    <a:lstStyle/>
-                    <a:p>
-                      <a:r>
-                        <a:rPr lang="en-US" sz="2400" dirty="0" smtClean="0"/>
-                        <a:t>Write a </a:t>
-                      </a:r>
-                      <a:r>
-                        <a:rPr lang="en-US" sz="2400" dirty="0" err="1" smtClean="0">
-                          <a:hlinkClick r:id="rId2"/>
-                        </a:rPr>
-                        <a:t>cond</a:t>
-                      </a:r>
-                      <a:r>
-                        <a:rPr lang="en-US" sz="2400" dirty="0" smtClean="0"/>
-                        <a:t> with a</a:t>
-                      </a:r>
-                      <a:r>
-                        <a:rPr lang="en-US" sz="2400" baseline="0" dirty="0" smtClean="0"/>
-                        <a:t> </a:t>
-                      </a:r>
-                      <a:r>
-                        <a:rPr lang="en-US" sz="2400" dirty="0" smtClean="0"/>
-                        <a:t>clause for</a:t>
-                      </a:r>
-                      <a:r>
-                        <a:rPr lang="en-US" sz="2400" baseline="0" dirty="0" smtClean="0"/>
-                        <a:t> each</a:t>
-                      </a:r>
-                      <a:r>
-                        <a:rPr lang="en-US" sz="2400" dirty="0" smtClean="0"/>
-                        <a:t> subclasses.</a:t>
-                      </a:r>
-                      <a:endParaRPr lang="en-US" sz="2400" dirty="0"/>
-                    </a:p>
-                  </a:txBody>
-                  <a:tcPr/>
-                </a:tc>
-              </a:tr>
-              <a:tr h="370840">
-                <a:tc>
-                  <a:txBody>
-                    <a:bodyPr/>
-                    <a:lstStyle/>
-                    <a:p>
-                      <a:r>
-                        <a:rPr lang="en-US" sz="2400" dirty="0" smtClean="0"/>
-                        <a:t>2. How do the subclasses differ from each other?</a:t>
-                      </a:r>
-                      <a:endParaRPr lang="en-US" sz="2400" dirty="0"/>
-                    </a:p>
-                  </a:txBody>
-                  <a:tcPr/>
-                </a:tc>
-                <a:tc>
-                  <a:txBody>
-                    <a:bodyPr/>
-                    <a:lstStyle/>
-                    <a:p>
-                      <a:r>
-                        <a:rPr lang="en-US" sz="2400" dirty="0" smtClean="0"/>
-                        <a:t>Use the differences to formulate a condition per clause.</a:t>
-                      </a:r>
-                      <a:endParaRPr lang="en-US" sz="2400" dirty="0"/>
-                    </a:p>
-                  </a:txBody>
-                  <a:tcPr/>
-                </a:tc>
-              </a:tr>
-              <a:tr h="370840">
-                <a:tc>
-                  <a:txBody>
-                    <a:bodyPr/>
-                    <a:lstStyle/>
-                    <a:p>
-                      <a:r>
-                        <a:rPr lang="en-US" sz="2400" dirty="0" smtClean="0"/>
-                        <a:t>3. Do any of the clauses deal with structured</a:t>
-                      </a:r>
-                      <a:r>
-                        <a:rPr lang="en-US" sz="2400" baseline="0" dirty="0" smtClean="0"/>
-                        <a:t> values</a:t>
-                      </a:r>
-                      <a:r>
-                        <a:rPr lang="en-US" sz="2400" dirty="0" smtClean="0"/>
-                        <a:t>?</a:t>
-                      </a:r>
-                      <a:endParaRPr lang="en-US" sz="2400" dirty="0"/>
-                    </a:p>
-                  </a:txBody>
-                  <a:tcPr/>
-                </a:tc>
-                <a:tc>
-                  <a:txBody>
-                    <a:bodyPr/>
-                    <a:lstStyle/>
-                    <a:p>
-                      <a:r>
-                        <a:rPr lang="en-US" sz="2400" dirty="0" smtClean="0"/>
-                        <a:t>If so, add appropriate selector expressions to the clause.</a:t>
-                      </a:r>
-                      <a:endParaRPr lang="en-US" sz="2400" dirty="0"/>
-                    </a:p>
-                  </a:txBody>
-                  <a:tcPr/>
-                </a:tc>
-              </a:tr>
-              <a:tr h="370840">
-                <a:tc>
-                  <a:txBody>
-                    <a:bodyPr/>
-                    <a:lstStyle/>
-                    <a:p>
-                      <a:r>
-                        <a:rPr lang="en-US" sz="2400" dirty="0" smtClean="0">
-                          <a:solidFill>
-                            <a:schemeClr val="bg1">
-                              <a:lumMod val="65000"/>
-                            </a:schemeClr>
-                          </a:solidFill>
-                        </a:rPr>
-                        <a:t>4. Do any of the fields contain compound</a:t>
-                      </a:r>
-                      <a:r>
-                        <a:rPr lang="en-US" sz="2400" baseline="0" dirty="0" smtClean="0">
-                          <a:solidFill>
-                            <a:schemeClr val="bg1">
-                              <a:lumMod val="65000"/>
-                            </a:schemeClr>
-                          </a:solidFill>
-                        </a:rPr>
-                        <a:t> or mixed data?</a:t>
-                      </a:r>
-                      <a:endParaRPr lang="en-US" sz="2400" dirty="0">
-                        <a:solidFill>
-                          <a:schemeClr val="bg1">
-                            <a:lumMod val="65000"/>
-                          </a:schemeClr>
-                        </a:solidFill>
-                      </a:endParaRPr>
-                    </a:p>
-                  </a:txBody>
-                  <a:tcPr/>
-                </a:tc>
-                <a:tc>
-                  <a:txBody>
-                    <a:bodyPr/>
-                    <a:lstStyle/>
-                    <a:p>
-                      <a:r>
-                        <a:rPr lang="en-US" sz="2400" dirty="0" smtClean="0">
-                          <a:solidFill>
-                            <a:schemeClr val="bg1">
-                              <a:lumMod val="65000"/>
-                            </a:schemeClr>
-                          </a:solidFill>
-                        </a:rPr>
-                        <a:t>If the value of a field is a foo,</a:t>
-                      </a:r>
-                      <a:r>
-                        <a:rPr lang="en-US" sz="2400" baseline="0" dirty="0" smtClean="0">
-                          <a:solidFill>
-                            <a:schemeClr val="bg1">
-                              <a:lumMod val="65000"/>
-                            </a:schemeClr>
-                          </a:solidFill>
-                        </a:rPr>
-                        <a:t> add a call to a foo-</a:t>
-                      </a:r>
-                      <a:r>
-                        <a:rPr lang="en-US" sz="2400" baseline="0" dirty="0" err="1" smtClean="0">
-                          <a:solidFill>
-                            <a:schemeClr val="bg1">
-                              <a:lumMod val="65000"/>
-                            </a:schemeClr>
-                          </a:solidFill>
-                        </a:rPr>
-                        <a:t>fn</a:t>
-                      </a:r>
-                      <a:r>
-                        <a:rPr lang="en-US" sz="2400" baseline="0" dirty="0" smtClean="0">
-                          <a:solidFill>
-                            <a:schemeClr val="bg1">
-                              <a:lumMod val="65000"/>
-                            </a:schemeClr>
-                          </a:solidFill>
-                        </a:rPr>
-                        <a:t> to use it.</a:t>
-                      </a:r>
-                      <a:endParaRPr lang="en-US" sz="2400" dirty="0">
-                        <a:solidFill>
-                          <a:schemeClr val="bg1">
-                            <a:lumMod val="65000"/>
-                          </a:schemeClr>
-                        </a:solidFill>
-                      </a:endParaRPr>
-                    </a:p>
-                  </a:txBody>
-                  <a:tcPr/>
-                </a:tc>
-              </a:tr>
-            </a:tbl>
-          </a:graphicData>
-        </a:graphic>
-      </p:graphicFrame>
-      <p:sp>
-        <p:nvSpPr>
-          <p:cNvPr id="5" name="Rounded Rectangle 4"/>
-          <p:cNvSpPr/>
-          <p:nvPr/>
-        </p:nvSpPr>
-        <p:spPr>
-          <a:xfrm>
-            <a:off x="457200" y="1981200"/>
-            <a:ext cx="8229600" cy="3200400"/>
-          </a:xfrm>
-          <a:prstGeom prst="roundRect">
-            <a:avLst>
-              <a:gd name="adj" fmla="val 4685"/>
-            </a:avLst>
-          </a:prstGeom>
-          <a:noFill/>
-          <a:ln w="38100">
-            <a:solidFill>
-              <a:srgbClr val="AC0000"/>
-            </a:solidFill>
-          </a:ln>
-        </p:spPr>
-        <p:style>
-          <a:lnRef idx="2">
-            <a:schemeClr val="accent1">
-              <a:shade val="50000"/>
-            </a:schemeClr>
-          </a:lnRef>
-          <a:fillRef idx="1">
-            <a:schemeClr val="accent1"/>
-          </a:fillRef>
-          <a:effectRef idx="0">
-            <a:schemeClr val="accent1"/>
-          </a:effectRef>
-          <a:fontRef idx="minor">
-            <a:schemeClr val="lt1"/>
-          </a:fontRef>
-        </p:style>
-        <p:txBody>
-          <a:bodyPr rtlCol="0" anchor="ctr"/>
-          <a:lstStyle/>
-          <a:p>
-            <a:pPr algn="ctr"/>
-            <a:endParaRPr lang="en-US"/>
-          </a:p>
-        </p:txBody>
-      </p:sp>
-      <p:sp>
-        <p:nvSpPr>
-          <p:cNvPr id="3" name="Slide Number Placeholder 2"/>
-          <p:cNvSpPr>
-            <a:spLocks noGrp="1"/>
-          </p:cNvSpPr>
-          <p:nvPr>
-            <p:ph type="sldNum" sz="quarter" idx="12"/>
-          </p:nvPr>
-        </p:nvSpPr>
-        <p:spPr/>
-        <p:txBody>
-          <a:bodyPr/>
-          <a:lstStyle/>
-          <a:p>
-            <a:fld id="{8D704B19-8EED-495A-99FA-12E5518CCC54}" type="slidenum">
-              <a:rPr lang="en-US" smtClean="0"/>
-              <a:pPr/>
-              <a:t>6</a:t>
-            </a:fld>
-            <a:endParaRPr lang="en-US"/>
-          </a:p>
-        </p:txBody>
-      </p:sp>
-    </p:spTree>
-    <p:extLst>
-      <p:ext uri="{BB962C8B-B14F-4D97-AF65-F5344CB8AC3E}">
-        <p14:creationId xmlns:p14="http://schemas.microsoft.com/office/powerpoint/2010/main" val="871142231"/>
-      </p:ext>
-    </p:extLst>
-  </p:cSld>
-  <p:clrMapOvr>
-    <a:masterClrMapping/>
-  </p:clrMapOvr>
-  <p:timing>
-    <p:tnLst>
-      <p:par>
-        <p:cTn id="1" dur="indefinite" restart="never" nodeType="tmRoot"/>
-      </p:par>
-    </p:tnLst>
-  </p:timing>
-</p:sld>
-</file>
-
-<file path=ppt/slides/slide7.xml><?xml version="1.0" encoding="utf-8"?>
-<p:sld xmlns:a="http://schemas.openxmlformats.org/drawingml/2006/main" xmlns:r="http://schemas.openxmlformats.org/officeDocument/2006/relationships" xmlns:p="http://schemas.openxmlformats.org/presentationml/2006/main">
-  <p:cSld>
-    <p:spTree>
-      <p:nvGrpSpPr>
-        <p:cNvPr id="1" name=""/>
-        <p:cNvGrpSpPr/>
-        <p:nvPr/>
-      </p:nvGrpSpPr>
-      <p:grpSpPr>
-        <a:xfrm>
-          <a:off x="0" y="0"/>
-          <a:ext cx="0" cy="0"/>
-          <a:chOff x="0" y="0"/>
-          <a:chExt cx="0" cy="0"/>
-        </a:xfrm>
-      </p:grpSpPr>
-      <p:sp>
-        <p:nvSpPr>
-          <p:cNvPr id="2" name="Title 1"/>
-          <p:cNvSpPr>
-            <a:spLocks noGrp="1"/>
-          </p:cNvSpPr>
-          <p:nvPr>
-            <p:ph type="title"/>
-          </p:nvPr>
-        </p:nvSpPr>
-        <p:spPr/>
-        <p:txBody>
-          <a:bodyPr/>
-          <a:lstStyle/>
-          <a:p>
-            <a:r>
-              <a:rPr lang="en-US" dirty="0" smtClean="0"/>
-              <a:t>Lesson Outline</a:t>
-            </a:r>
-            <a:endParaRPr lang="en-US" dirty="0"/>
-          </a:p>
-        </p:txBody>
-      </p:sp>
-      <p:sp>
-        <p:nvSpPr>
-          <p:cNvPr id="3" name="Content Placeholder 2"/>
-          <p:cNvSpPr>
-            <a:spLocks noGrp="1"/>
-          </p:cNvSpPr>
-          <p:nvPr>
-            <p:ph idx="1"/>
-          </p:nvPr>
-        </p:nvSpPr>
-        <p:spPr/>
-        <p:txBody>
-          <a:bodyPr/>
-          <a:lstStyle/>
-          <a:p>
-            <a:r>
-              <a:rPr lang="en-US" dirty="0" smtClean="0"/>
-              <a:t>In this lesson, we'll learn how to apply the template recipe to itemization, compound, and mixed data.</a:t>
-            </a:r>
-          </a:p>
-          <a:p>
-            <a:r>
-              <a:rPr lang="en-US" dirty="0" smtClean="0"/>
-              <a:t>Itemization Data will require Steps 1 and 2 of the recipe</a:t>
-            </a:r>
-          </a:p>
-          <a:p>
-            <a:r>
-              <a:rPr lang="en-US" dirty="0" smtClean="0"/>
-              <a:t>Compound Data requires only Step 3 of the recipe.</a:t>
-            </a:r>
-          </a:p>
-          <a:p>
-            <a:r>
-              <a:rPr lang="en-US" dirty="0" smtClean="0"/>
-              <a:t>Mixed data will require Steps 1-4 of the recipe</a:t>
-            </a:r>
-            <a:endParaRPr lang="en-US" dirty="0"/>
-          </a:p>
-        </p:txBody>
-      </p:sp>
-      <p:sp>
-        <p:nvSpPr>
-          <p:cNvPr id="4" name="Slide Number Placeholder 3"/>
-          <p:cNvSpPr>
-            <a:spLocks noGrp="1"/>
-          </p:cNvSpPr>
-          <p:nvPr>
-            <p:ph type="sldNum" sz="quarter" idx="12"/>
-          </p:nvPr>
-        </p:nvSpPr>
-        <p:spPr/>
-        <p:txBody>
-          <a:bodyPr/>
-          <a:lstStyle/>
-          <a:p>
-            <a:fld id="{8D704B19-8EED-495A-99FA-12E5518CCC54}" type="slidenum">
-              <a:rPr lang="en-US" smtClean="0"/>
-              <a:pPr/>
-              <a:t>7</a:t>
-            </a:fld>
-            <a:endParaRPr lang="en-US"/>
-          </a:p>
-        </p:txBody>
-      </p:sp>
-    </p:spTree>
-    <p:extLst>
-      <p:ext uri="{BB962C8B-B14F-4D97-AF65-F5344CB8AC3E}">
-        <p14:creationId xmlns:p14="http://schemas.microsoft.com/office/powerpoint/2010/main" val="1733570875"/>
-      </p:ext>
-    </p:extLst>
-  </p:cSld>
-  <p:clrMapOvr>
-    <a:masterClrMapping/>
-  </p:clrMapOvr>
-  <p:timing>
-    <p:tnLst>
-      <p:par>
-        <p:cTn id="1" dur="indefinite" restart="never" nodeType="tmRoot"/>
-      </p:par>
-    </p:tnLst>
-  </p:timing>
-</p:sld>
-</file>
-
-<file path=ppt/slides/slide8.xml><?xml version="1.0" encoding="utf-8"?>
-<p:sld xmlns:a="http://schemas.openxmlformats.org/drawingml/2006/main" xmlns:r="http://schemas.openxmlformats.org/officeDocument/2006/relationships" xmlns:p="http://schemas.openxmlformats.org/presentationml/2006/main">
-  <p:cSld>
-    <p:spTree>
-      <p:nvGrpSpPr>
-        <p:cNvPr id="1" name=""/>
-        <p:cNvGrpSpPr/>
-        <p:nvPr/>
-      </p:nvGrpSpPr>
-      <p:grpSpPr>
-        <a:xfrm>
-          <a:off x="0" y="0"/>
-          <a:ext cx="0" cy="0"/>
-          <a:chOff x="0" y="0"/>
-          <a:chExt cx="0" cy="0"/>
-        </a:xfrm>
-      </p:grpSpPr>
-      <p:sp>
-        <p:nvSpPr>
-          <p:cNvPr id="2" name="Title 1"/>
-          <p:cNvSpPr>
-            <a:spLocks noGrp="1"/>
-          </p:cNvSpPr>
-          <p:nvPr>
-            <p:ph type="title"/>
-          </p:nvPr>
-        </p:nvSpPr>
-        <p:spPr/>
-        <p:txBody>
-          <a:bodyPr>
-            <a:normAutofit fontScale="90000"/>
-          </a:bodyPr>
-          <a:lstStyle/>
-          <a:p>
-            <a:r>
-              <a:rPr lang="en-US" dirty="0" smtClean="0"/>
-              <a:t>How to write a template for itemization data</a:t>
-            </a:r>
-            <a:endParaRPr lang="en-US" dirty="0"/>
-          </a:p>
-        </p:txBody>
-      </p:sp>
-      <p:pic>
-        <p:nvPicPr>
-          <p:cNvPr id="6" name="jQDH-Boa3_8"/>
-          <p:cNvPicPr>
-            <a:picLocks noGrp="1" noRot="1" noChangeAspect="1"/>
-          </p:cNvPicPr>
-          <p:nvPr>
-            <p:ph idx="1"/>
-            <a:videoFile r:link="rId1"/>
-          </p:nvPr>
-        </p:nvPicPr>
-        <p:blipFill>
-          <a:blip r:embed="rId3"/>
-          <a:stretch>
-            <a:fillRect/>
-          </a:stretch>
-        </p:blipFill>
-        <p:spPr>
-          <a:xfrm>
-            <a:off x="1227666" y="1981200"/>
-            <a:ext cx="7044266" cy="3962400"/>
-          </a:xfrm>
-          <a:prstGeom prst="rect">
-            <a:avLst/>
-          </a:prstGeom>
-        </p:spPr>
-      </p:pic>
-      <p:sp>
-        <p:nvSpPr>
-          <p:cNvPr id="5" name="Slide Number Placeholder 4"/>
-          <p:cNvSpPr>
-            <a:spLocks noGrp="1"/>
-          </p:cNvSpPr>
-          <p:nvPr>
-            <p:ph type="sldNum" sz="quarter" idx="12"/>
-          </p:nvPr>
-        </p:nvSpPr>
-        <p:spPr/>
-        <p:txBody>
-          <a:bodyPr/>
-          <a:lstStyle/>
-          <a:p>
-            <a:fld id="{8D704B19-8EED-495A-99FA-12E5518CCC54}" type="slidenum">
-              <a:rPr lang="en-US" smtClean="0"/>
-              <a:pPr/>
-              <a:t>8</a:t>
-            </a:fld>
-            <a:endParaRPr lang="en-US"/>
-          </a:p>
-        </p:txBody>
-      </p:sp>
-      <p:sp>
-        <p:nvSpPr>
-          <p:cNvPr id="4" name="TextBox 3"/>
-          <p:cNvSpPr txBox="1"/>
-          <p:nvPr/>
-        </p:nvSpPr>
-        <p:spPr>
-          <a:xfrm>
-            <a:off x="4242944" y="6144479"/>
-            <a:ext cx="4028988" cy="369332"/>
-          </a:xfrm>
-          <a:prstGeom prst="rect">
-            <a:avLst/>
-          </a:prstGeom>
-          <a:noFill/>
-          <a:ln>
-            <a:solidFill>
-              <a:schemeClr val="accent1"/>
-            </a:solidFill>
-          </a:ln>
-        </p:spPr>
-        <p:txBody>
-          <a:bodyPr wrap="none" rtlCol="0">
-            <a:spAutoFit/>
-          </a:bodyPr>
-          <a:lstStyle/>
-          <a:p>
-            <a:r>
-              <a:rPr lang="en-US" dirty="0" smtClean="0"/>
-              <a:t>source file: 01-2-traffic-light-template.rkt</a:t>
-            </a:r>
-            <a:endParaRPr lang="en-US" dirty="0"/>
-          </a:p>
-        </p:txBody>
-      </p:sp>
-      <p:sp>
-        <p:nvSpPr>
-          <p:cNvPr id="3" name="TextBox 2"/>
-          <p:cNvSpPr txBox="1"/>
-          <p:nvPr/>
-        </p:nvSpPr>
-        <p:spPr>
-          <a:xfrm>
-            <a:off x="1227666" y="6144479"/>
-            <a:ext cx="1364989" cy="369332"/>
-          </a:xfrm>
-          <a:prstGeom prst="rect">
-            <a:avLst/>
-          </a:prstGeom>
-          <a:noFill/>
-        </p:spPr>
-        <p:txBody>
-          <a:bodyPr wrap="none" rtlCol="0">
-            <a:spAutoFit/>
-          </a:bodyPr>
-          <a:lstStyle/>
-          <a:p>
-            <a:r>
-              <a:rPr lang="en-US" dirty="0" smtClean="0">
-                <a:hlinkClick r:id="rId4"/>
-              </a:rPr>
-              <a:t>YouTube link</a:t>
-            </a:r>
-            <a:endParaRPr lang="en-US" dirty="0"/>
-          </a:p>
-        </p:txBody>
-      </p:sp>
-    </p:spTree>
-    <p:extLst>
-      <p:ext uri="{BB962C8B-B14F-4D97-AF65-F5344CB8AC3E}">
-        <p14:creationId xmlns:p14="http://schemas.microsoft.com/office/powerpoint/2010/main" val="361644802"/>
-      </p:ext>
-    </p:extLst>
-  </p:cSld>
-  <p:clrMapOvr>
-    <a:masterClrMapping/>
-  </p:clrMapOvr>
-  <p:timing>
-    <p:tnLst>
-      <p:par>
-        <p:cTn id="1" dur="indefinite" restart="never" nodeType="tmRoot"/>
-      </p:par>
-    </p:tnLst>
-  </p:timing>
-</p:sld>
-</file>
-
-<file path=ppt/slides/slide9.xml><?xml version="1.0" encoding="utf-8"?>
-<p:sld xmlns:a="http://schemas.openxmlformats.org/drawingml/2006/main" xmlns:r="http://schemas.openxmlformats.org/officeDocument/2006/relationships" xmlns:p="http://schemas.openxmlformats.org/presentationml/2006/main">
-  <p:cSld>
-    <p:spTree>
-      <p:nvGrpSpPr>
-        <p:cNvPr id="1" name=""/>
-        <p:cNvGrpSpPr/>
-        <p:nvPr/>
-      </p:nvGrpSpPr>
-      <p:grpSpPr>
-        <a:xfrm>
-          <a:off x="0" y="0"/>
-          <a:ext cx="0" cy="0"/>
-          <a:chOff x="0" y="0"/>
-          <a:chExt cx="0" cy="0"/>
-        </a:xfrm>
-      </p:grpSpPr>
-      <p:sp>
-        <p:nvSpPr>
-          <p:cNvPr id="2" name="Title 1"/>
-          <p:cNvSpPr>
-            <a:spLocks noGrp="1"/>
-          </p:cNvSpPr>
-          <p:nvPr>
-            <p:ph type="title"/>
-          </p:nvPr>
-        </p:nvSpPr>
-        <p:spPr/>
-        <p:txBody>
-          <a:bodyPr>
-            <a:normAutofit fontScale="90000"/>
-          </a:bodyPr>
-          <a:lstStyle/>
-          <a:p>
-            <a:r>
-              <a:rPr lang="en-US" dirty="0" smtClean="0"/>
-              <a:t>How to write a template for compound data</a:t>
+              <a:t>for compound data</a:t>
             </a:r>
             <a:endParaRPr lang="en-US" dirty="0"/>
           </a:p>
@@ -6879,7 +6037,7 @@
         </p:nvGrpSpPr>
         <p:grpSpPr>
           <a:xfrm>
-            <a:off x="5410201" y="2258504"/>
+            <a:off x="6030759" y="2241565"/>
             <a:ext cx="2971799" cy="646331"/>
             <a:chOff x="2706808" y="1481743"/>
             <a:chExt cx="2971799" cy="646331"/>
@@ -7405,7 +6563,7 @@
             <a:fld id="{8D704B19-8EED-495A-99FA-12E5518CCC54}" type="slidenum">
               <a:rPr lang="en-US" smtClean="0"/>
               <a:pPr/>
-              <a:t>9</a:t>
+              <a:t>15</a:t>
             </a:fld>
             <a:endParaRPr lang="en-US" dirty="0"/>
           </a:p>
@@ -7413,56 +6571,14 @@
       </p:sp>
       <p:sp>
         <p:nvSpPr>
-          <p:cNvPr id="7" name="Rectangle 6"/>
-          <p:cNvSpPr/>
+          <p:cNvPr id="25" name="TextBox 24"/>
+          <p:cNvSpPr txBox="1"/>
           <p:nvPr/>
         </p:nvSpPr>
         <p:spPr>
           <a:xfrm>
-            <a:off x="152400" y="899319"/>
-            <a:ext cx="2712709" cy="609600"/>
-          </a:xfrm>
-          <a:prstGeom prst="rect">
-            <a:avLst/>
-          </a:prstGeom>
-        </p:spPr>
-        <p:style>
-          <a:lnRef idx="1">
-            <a:schemeClr val="accent5"/>
-          </a:lnRef>
-          <a:fillRef idx="2">
-            <a:schemeClr val="accent5"/>
-          </a:fillRef>
-          <a:effectRef idx="1">
-            <a:schemeClr val="accent5"/>
-          </a:effectRef>
-          <a:fontRef idx="minor">
-            <a:schemeClr val="dk1"/>
-          </a:fontRef>
-        </p:style>
-        <p:txBody>
-          <a:bodyPr rtlCol="0" anchor="ctr"/>
-          <a:lstStyle/>
-          <a:p>
-            <a:pPr algn="ctr"/>
-            <a:r>
-              <a:rPr lang="en-US" dirty="0" smtClean="0"/>
-              <a:t>This one is a little easier, so we don't need a video</a:t>
-            </a:r>
-            <a:endParaRPr lang="en-US" dirty="0"/>
-          </a:p>
-        </p:txBody>
-      </p:sp>
-      <p:sp>
-        <p:nvSpPr>
-          <p:cNvPr id="24" name="TextBox 23"/>
-          <p:cNvSpPr txBox="1"/>
-          <p:nvPr/>
-        </p:nvSpPr>
-        <p:spPr>
-          <a:xfrm>
-            <a:off x="3249398" y="6476999"/>
-            <a:ext cx="3465564" cy="369332"/>
+            <a:off x="3810440" y="6419010"/>
+            <a:ext cx="3993337" cy="369332"/>
           </a:xfrm>
           <a:prstGeom prst="rect">
             <a:avLst/>
@@ -7482,7 +6598,11 @@
           <a:p>
             <a:r>
               <a:rPr lang="en-US" dirty="0" smtClean="0"/>
-              <a:t>source file: 01-3-book-template.rkt</a:t>
+              <a:t>source file: </a:t>
+            </a:r>
+            <a:r>
+              <a:rPr lang="en-US" dirty="0" smtClean="0"/>
+              <a:t>01-2-template-examples.rkt</a:t>
             </a:r>
             <a:endParaRPr lang="en-US" dirty="0"/>
           </a:p>
@@ -7740,6 +6860,3964 @@
       </p:par>
     </p:tnLst>
   </p:timing>
+</p:sld>
+</file>
+
+<file path=ppt/slides/slide16.xml><?xml version="1.0" encoding="utf-8"?>
+<p:sld xmlns:a="http://schemas.openxmlformats.org/drawingml/2006/main" xmlns:r="http://schemas.openxmlformats.org/officeDocument/2006/relationships" xmlns:p="http://schemas.openxmlformats.org/presentationml/2006/main">
+  <p:cSld>
+    <p:spTree>
+      <p:nvGrpSpPr>
+        <p:cNvPr id="1" name=""/>
+        <p:cNvGrpSpPr/>
+        <p:nvPr/>
+      </p:nvGrpSpPr>
+      <p:grpSpPr>
+        <a:xfrm>
+          <a:off x="0" y="0"/>
+          <a:ext cx="0" cy="0"/>
+          <a:chOff x="0" y="0"/>
+          <a:chExt cx="0" cy="0"/>
+        </a:xfrm>
+      </p:grpSpPr>
+      <p:sp>
+        <p:nvSpPr>
+          <p:cNvPr id="2" name="Title 1"/>
+          <p:cNvSpPr>
+            <a:spLocks noGrp="1"/>
+          </p:cNvSpPr>
+          <p:nvPr>
+            <p:ph type="title"/>
+          </p:nvPr>
+        </p:nvSpPr>
+        <p:spPr/>
+        <p:txBody>
+          <a:bodyPr/>
+          <a:lstStyle/>
+          <a:p>
+            <a:r>
+              <a:rPr lang="en-US" dirty="0" smtClean="0"/>
+              <a:t>Template for Itemization Data</a:t>
+            </a:r>
+            <a:endParaRPr lang="en-US" dirty="0"/>
+          </a:p>
+        </p:txBody>
+      </p:sp>
+      <p:sp>
+        <p:nvSpPr>
+          <p:cNvPr id="5" name="Content Placeholder 4"/>
+          <p:cNvSpPr>
+            <a:spLocks noGrp="1"/>
+          </p:cNvSpPr>
+          <p:nvPr>
+            <p:ph idx="1"/>
+          </p:nvPr>
+        </p:nvSpPr>
+        <p:spPr/>
+        <p:txBody>
+          <a:bodyPr/>
+          <a:lstStyle/>
+          <a:p>
+            <a:r>
+              <a:rPr lang="en-US" dirty="0" smtClean="0"/>
+              <a:t>No selectors, just a </a:t>
+            </a:r>
+            <a:r>
+              <a:rPr lang="en-US" b="1" dirty="0" err="1" smtClean="0"/>
+              <a:t>cond</a:t>
+            </a:r>
+            <a:endParaRPr lang="en-US" b="1" dirty="0" smtClean="0"/>
+          </a:p>
+          <a:p>
+            <a:r>
+              <a:rPr lang="en-US" dirty="0" smtClean="0"/>
+              <a:t>Here’s a simple example:</a:t>
+            </a:r>
+          </a:p>
+          <a:p>
+            <a:endParaRPr lang="en-US" dirty="0"/>
+          </a:p>
+        </p:txBody>
+      </p:sp>
+      <p:sp>
+        <p:nvSpPr>
+          <p:cNvPr id="4" name="Slide Number Placeholder 3"/>
+          <p:cNvSpPr>
+            <a:spLocks noGrp="1"/>
+          </p:cNvSpPr>
+          <p:nvPr>
+            <p:ph type="sldNum" sz="quarter" idx="12"/>
+          </p:nvPr>
+        </p:nvSpPr>
+        <p:spPr/>
+        <p:txBody>
+          <a:bodyPr/>
+          <a:lstStyle/>
+          <a:p>
+            <a:fld id="{8D704B19-8EED-495A-99FA-12E5518CCC54}" type="slidenum">
+              <a:rPr lang="en-US" smtClean="0"/>
+              <a:pPr/>
+              <a:t>16</a:t>
+            </a:fld>
+            <a:endParaRPr lang="en-US" dirty="0"/>
+          </a:p>
+        </p:txBody>
+      </p:sp>
+      <p:sp>
+        <p:nvSpPr>
+          <p:cNvPr id="6" name="Rectangle 5"/>
+          <p:cNvSpPr/>
+          <p:nvPr/>
+        </p:nvSpPr>
+        <p:spPr>
+          <a:xfrm>
+            <a:off x="1143000" y="2819400"/>
+            <a:ext cx="5638800" cy="3139321"/>
+          </a:xfrm>
+          <a:prstGeom prst="rect">
+            <a:avLst/>
+          </a:prstGeom>
+        </p:spPr>
+        <p:txBody>
+          <a:bodyPr wrap="square">
+            <a:spAutoFit/>
+          </a:bodyPr>
+          <a:lstStyle/>
+          <a:p>
+            <a:r>
+              <a:rPr lang="en-US" b="1" dirty="0">
+                <a:latin typeface="Consolas" panose="020B0609020204030204" pitchFamily="49" charset="0"/>
+                <a:cs typeface="Consolas" panose="020B0609020204030204" pitchFamily="49" charset="0"/>
+              </a:rPr>
+              <a:t>;; A Size is one of</a:t>
+            </a:r>
+          </a:p>
+          <a:p>
+            <a:r>
+              <a:rPr lang="en-US" b="1" dirty="0">
+                <a:latin typeface="Consolas" panose="020B0609020204030204" pitchFamily="49" charset="0"/>
+                <a:cs typeface="Consolas" panose="020B0609020204030204" pitchFamily="49" charset="0"/>
+              </a:rPr>
+              <a:t>;; -- "small"</a:t>
+            </a:r>
+          </a:p>
+          <a:p>
+            <a:r>
+              <a:rPr lang="en-US" b="1" dirty="0">
+                <a:latin typeface="Consolas" panose="020B0609020204030204" pitchFamily="49" charset="0"/>
+                <a:cs typeface="Consolas" panose="020B0609020204030204" pitchFamily="49" charset="0"/>
+              </a:rPr>
+              <a:t>;; -- "medium"</a:t>
+            </a:r>
+          </a:p>
+          <a:p>
+            <a:r>
+              <a:rPr lang="en-US" b="1" dirty="0">
+                <a:latin typeface="Consolas" panose="020B0609020204030204" pitchFamily="49" charset="0"/>
+                <a:cs typeface="Consolas" panose="020B0609020204030204" pitchFamily="49" charset="0"/>
+              </a:rPr>
+              <a:t>;; -- "large"</a:t>
+            </a:r>
+          </a:p>
+          <a:p>
+            <a:endParaRPr lang="en-US" b="1" dirty="0">
+              <a:latin typeface="Consolas" panose="020B0609020204030204" pitchFamily="49" charset="0"/>
+              <a:cs typeface="Consolas" panose="020B0609020204030204" pitchFamily="49" charset="0"/>
+            </a:endParaRPr>
+          </a:p>
+          <a:p>
+            <a:r>
+              <a:rPr lang="en-US" b="1" dirty="0">
+                <a:latin typeface="Consolas" panose="020B0609020204030204" pitchFamily="49" charset="0"/>
+                <a:cs typeface="Consolas" panose="020B0609020204030204" pitchFamily="49" charset="0"/>
+              </a:rPr>
+              <a:t>;; size-</a:t>
+            </a:r>
+            <a:r>
+              <a:rPr lang="en-US" b="1" dirty="0" err="1">
+                <a:latin typeface="Consolas" panose="020B0609020204030204" pitchFamily="49" charset="0"/>
+                <a:cs typeface="Consolas" panose="020B0609020204030204" pitchFamily="49" charset="0"/>
+              </a:rPr>
+              <a:t>fn</a:t>
+            </a:r>
+            <a:r>
+              <a:rPr lang="en-US" b="1" dirty="0">
+                <a:latin typeface="Consolas" panose="020B0609020204030204" pitchFamily="49" charset="0"/>
+                <a:cs typeface="Consolas" panose="020B0609020204030204" pitchFamily="49" charset="0"/>
+              </a:rPr>
+              <a:t> : Size -&gt; ??</a:t>
+            </a:r>
+          </a:p>
+          <a:p>
+            <a:r>
+              <a:rPr lang="en-US" b="1" dirty="0">
+                <a:latin typeface="Consolas" panose="020B0609020204030204" pitchFamily="49" charset="0"/>
+                <a:cs typeface="Consolas" panose="020B0609020204030204" pitchFamily="49" charset="0"/>
+              </a:rPr>
+              <a:t>(define (size-</a:t>
+            </a:r>
+            <a:r>
+              <a:rPr lang="en-US" b="1" dirty="0" err="1">
+                <a:latin typeface="Consolas" panose="020B0609020204030204" pitchFamily="49" charset="0"/>
+                <a:cs typeface="Consolas" panose="020B0609020204030204" pitchFamily="49" charset="0"/>
+              </a:rPr>
+              <a:t>fn</a:t>
+            </a:r>
+            <a:r>
+              <a:rPr lang="en-US" b="1" dirty="0">
+                <a:latin typeface="Consolas" panose="020B0609020204030204" pitchFamily="49" charset="0"/>
+                <a:cs typeface="Consolas" panose="020B0609020204030204" pitchFamily="49" charset="0"/>
+              </a:rPr>
+              <a:t> s)</a:t>
+            </a:r>
+          </a:p>
+          <a:p>
+            <a:r>
+              <a:rPr lang="en-US" b="1" dirty="0">
+                <a:latin typeface="Consolas" panose="020B0609020204030204" pitchFamily="49" charset="0"/>
+                <a:cs typeface="Consolas" panose="020B0609020204030204" pitchFamily="49" charset="0"/>
+              </a:rPr>
+              <a:t>  (</a:t>
+            </a:r>
+            <a:r>
+              <a:rPr lang="en-US" b="1" dirty="0" err="1">
+                <a:latin typeface="Consolas" panose="020B0609020204030204" pitchFamily="49" charset="0"/>
+                <a:cs typeface="Consolas" panose="020B0609020204030204" pitchFamily="49" charset="0"/>
+              </a:rPr>
+              <a:t>cond</a:t>
+            </a:r>
+            <a:endParaRPr lang="en-US" b="1" dirty="0">
+              <a:latin typeface="Consolas" panose="020B0609020204030204" pitchFamily="49" charset="0"/>
+              <a:cs typeface="Consolas" panose="020B0609020204030204" pitchFamily="49" charset="0"/>
+            </a:endParaRPr>
+          </a:p>
+          <a:p>
+            <a:r>
+              <a:rPr lang="en-US" b="1" dirty="0">
+                <a:latin typeface="Consolas" panose="020B0609020204030204" pitchFamily="49" charset="0"/>
+                <a:cs typeface="Consolas" panose="020B0609020204030204" pitchFamily="49" charset="0"/>
+              </a:rPr>
+              <a:t>    [(string=? s "small") ...]</a:t>
+            </a:r>
+          </a:p>
+          <a:p>
+            <a:r>
+              <a:rPr lang="en-US" b="1" dirty="0">
+                <a:latin typeface="Consolas" panose="020B0609020204030204" pitchFamily="49" charset="0"/>
+                <a:cs typeface="Consolas" panose="020B0609020204030204" pitchFamily="49" charset="0"/>
+              </a:rPr>
+              <a:t>    [(string=? s "medium") ...]</a:t>
+            </a:r>
+          </a:p>
+          <a:p>
+            <a:r>
+              <a:rPr lang="en-US" b="1" dirty="0">
+                <a:latin typeface="Consolas" panose="020B0609020204030204" pitchFamily="49" charset="0"/>
+                <a:cs typeface="Consolas" panose="020B0609020204030204" pitchFamily="49" charset="0"/>
+              </a:rPr>
+              <a:t>    [(string=? s "large") ...]))</a:t>
+            </a:r>
+          </a:p>
+        </p:txBody>
+      </p:sp>
+    </p:spTree>
+    <p:extLst>
+      <p:ext uri="{BB962C8B-B14F-4D97-AF65-F5344CB8AC3E}">
+        <p14:creationId xmlns:p14="http://schemas.microsoft.com/office/powerpoint/2010/main" val="2759256843"/>
+      </p:ext>
+    </p:extLst>
+  </p:cSld>
+  <p:clrMapOvr>
+    <a:masterClrMapping/>
+  </p:clrMapOvr>
+</p:sld>
+</file>
+
+<file path=ppt/slides/slide17.xml><?xml version="1.0" encoding="utf-8"?>
+<p:sld xmlns:a="http://schemas.openxmlformats.org/drawingml/2006/main" xmlns:r="http://schemas.openxmlformats.org/officeDocument/2006/relationships" xmlns:p="http://schemas.openxmlformats.org/presentationml/2006/main">
+  <p:cSld>
+    <p:spTree>
+      <p:nvGrpSpPr>
+        <p:cNvPr id="1" name=""/>
+        <p:cNvGrpSpPr/>
+        <p:nvPr/>
+      </p:nvGrpSpPr>
+      <p:grpSpPr>
+        <a:xfrm>
+          <a:off x="0" y="0"/>
+          <a:ext cx="0" cy="0"/>
+          <a:chOff x="0" y="0"/>
+          <a:chExt cx="0" cy="0"/>
+        </a:xfrm>
+      </p:grpSpPr>
+      <p:sp>
+        <p:nvSpPr>
+          <p:cNvPr id="5" name="Title 4"/>
+          <p:cNvSpPr>
+            <a:spLocks noGrp="1"/>
+          </p:cNvSpPr>
+          <p:nvPr>
+            <p:ph type="title"/>
+          </p:nvPr>
+        </p:nvSpPr>
+        <p:spPr/>
+        <p:txBody>
+          <a:bodyPr/>
+          <a:lstStyle/>
+          <a:p>
+            <a:r>
+              <a:rPr lang="en-US" dirty="0" smtClean="0"/>
+              <a:t>Summary</a:t>
+            </a:r>
+            <a:endParaRPr lang="en-US" dirty="0"/>
+          </a:p>
+        </p:txBody>
+      </p:sp>
+      <p:sp>
+        <p:nvSpPr>
+          <p:cNvPr id="6" name="Content Placeholder 5"/>
+          <p:cNvSpPr>
+            <a:spLocks noGrp="1"/>
+          </p:cNvSpPr>
+          <p:nvPr>
+            <p:ph idx="1"/>
+          </p:nvPr>
+        </p:nvSpPr>
+        <p:spPr/>
+        <p:txBody>
+          <a:bodyPr/>
+          <a:lstStyle/>
+          <a:p>
+            <a:r>
+              <a:rPr lang="en-US" dirty="0" smtClean="0"/>
+              <a:t>You should now be able to write </a:t>
+            </a:r>
+            <a:r>
+              <a:rPr lang="en-US" dirty="0" smtClean="0"/>
+              <a:t>destructor templates </a:t>
+            </a:r>
+            <a:r>
+              <a:rPr lang="en-US" dirty="0" smtClean="0"/>
+              <a:t>for itemization, compound, and mixed data.</a:t>
+            </a:r>
+          </a:p>
+          <a:p>
+            <a:endParaRPr lang="en-US" dirty="0"/>
+          </a:p>
+        </p:txBody>
+      </p:sp>
+      <p:sp>
+        <p:nvSpPr>
+          <p:cNvPr id="4" name="Slide Number Placeholder 3"/>
+          <p:cNvSpPr>
+            <a:spLocks noGrp="1"/>
+          </p:cNvSpPr>
+          <p:nvPr>
+            <p:ph type="sldNum" sz="quarter" idx="12"/>
+          </p:nvPr>
+        </p:nvSpPr>
+        <p:spPr/>
+        <p:txBody>
+          <a:bodyPr/>
+          <a:lstStyle/>
+          <a:p>
+            <a:fld id="{8D704B19-8EED-495A-99FA-12E5518CCC54}" type="slidenum">
+              <a:rPr lang="en-US" smtClean="0"/>
+              <a:pPr/>
+              <a:t>17</a:t>
+            </a:fld>
+            <a:endParaRPr lang="en-US" dirty="0"/>
+          </a:p>
+        </p:txBody>
+      </p:sp>
+    </p:spTree>
+    <p:extLst>
+      <p:ext uri="{BB962C8B-B14F-4D97-AF65-F5344CB8AC3E}">
+        <p14:creationId xmlns:p14="http://schemas.microsoft.com/office/powerpoint/2010/main" val="2238838004"/>
+      </p:ext>
+    </p:extLst>
+  </p:cSld>
+  <p:clrMapOvr>
+    <a:masterClrMapping/>
+  </p:clrMapOvr>
+  <p:timing>
+    <p:tnLst>
+      <p:par>
+        <p:cTn id="1" dur="indefinite" restart="never" nodeType="tmRoot"/>
+      </p:par>
+    </p:tnLst>
+  </p:timing>
+</p:sld>
+</file>
+
+<file path=ppt/slides/slide18.xml><?xml version="1.0" encoding="utf-8"?>
+<p:sld xmlns:a="http://schemas.openxmlformats.org/drawingml/2006/main" xmlns:r="http://schemas.openxmlformats.org/officeDocument/2006/relationships" xmlns:p="http://schemas.openxmlformats.org/presentationml/2006/main">
+  <p:cSld>
+    <p:spTree>
+      <p:nvGrpSpPr>
+        <p:cNvPr id="1" name=""/>
+        <p:cNvGrpSpPr/>
+        <p:nvPr/>
+      </p:nvGrpSpPr>
+      <p:grpSpPr>
+        <a:xfrm>
+          <a:off x="0" y="0"/>
+          <a:ext cx="0" cy="0"/>
+          <a:chOff x="0" y="0"/>
+          <a:chExt cx="0" cy="0"/>
+        </a:xfrm>
+      </p:grpSpPr>
+      <p:sp>
+        <p:nvSpPr>
+          <p:cNvPr id="2" name="Title 1"/>
+          <p:cNvSpPr>
+            <a:spLocks noGrp="1"/>
+          </p:cNvSpPr>
+          <p:nvPr>
+            <p:ph type="title"/>
+          </p:nvPr>
+        </p:nvSpPr>
+        <p:spPr/>
+        <p:txBody>
+          <a:bodyPr/>
+          <a:lstStyle/>
+          <a:p>
+            <a:r>
+              <a:rPr lang="en-US" dirty="0" smtClean="0"/>
+              <a:t>Next Steps</a:t>
+            </a:r>
+            <a:endParaRPr lang="en-US" dirty="0"/>
+          </a:p>
+        </p:txBody>
+      </p:sp>
+      <p:sp>
+        <p:nvSpPr>
+          <p:cNvPr id="3" name="Content Placeholder 2"/>
+          <p:cNvSpPr>
+            <a:spLocks noGrp="1"/>
+          </p:cNvSpPr>
+          <p:nvPr>
+            <p:ph idx="1"/>
+          </p:nvPr>
+        </p:nvSpPr>
+        <p:spPr/>
+        <p:txBody>
+          <a:bodyPr/>
+          <a:lstStyle/>
+          <a:p>
+            <a:r>
+              <a:rPr lang="en-US" dirty="0" smtClean="0"/>
+              <a:t>Study the files </a:t>
+            </a:r>
+            <a:r>
+              <a:rPr lang="en-US" smtClean="0"/>
+              <a:t>01-2-template-examples.rkt in </a:t>
+            </a:r>
+            <a:r>
+              <a:rPr lang="en-US" dirty="0" smtClean="0"/>
+              <a:t>the examples folder.</a:t>
+            </a:r>
+          </a:p>
+          <a:p>
+            <a:r>
+              <a:rPr lang="en-US" dirty="0" smtClean="0"/>
+              <a:t>If you have questions about this lesson, ask them on the Discussion Board</a:t>
+            </a:r>
+          </a:p>
+          <a:p>
+            <a:r>
+              <a:rPr lang="en-US" dirty="0" smtClean="0"/>
+              <a:t>Do the Guided Practices</a:t>
+            </a:r>
+          </a:p>
+          <a:p>
+            <a:r>
+              <a:rPr lang="en-US" dirty="0" smtClean="0"/>
+              <a:t>Go on to the next lesson</a:t>
+            </a:r>
+            <a:endParaRPr lang="en-US" dirty="0"/>
+          </a:p>
+        </p:txBody>
+      </p:sp>
+      <p:sp>
+        <p:nvSpPr>
+          <p:cNvPr id="4" name="Slide Number Placeholder 3"/>
+          <p:cNvSpPr>
+            <a:spLocks noGrp="1"/>
+          </p:cNvSpPr>
+          <p:nvPr>
+            <p:ph type="sldNum" sz="quarter" idx="12"/>
+          </p:nvPr>
+        </p:nvSpPr>
+        <p:spPr/>
+        <p:txBody>
+          <a:bodyPr/>
+          <a:lstStyle/>
+          <a:p>
+            <a:fld id="{8D704B19-8EED-495A-99FA-12E5518CCC54}" type="slidenum">
+              <a:rPr lang="en-US" smtClean="0"/>
+              <a:pPr/>
+              <a:t>18</a:t>
+            </a:fld>
+            <a:endParaRPr lang="en-US"/>
+          </a:p>
+        </p:txBody>
+      </p:sp>
+    </p:spTree>
+    <p:extLst>
+      <p:ext uri="{BB962C8B-B14F-4D97-AF65-F5344CB8AC3E}">
+        <p14:creationId xmlns:p14="http://schemas.microsoft.com/office/powerpoint/2010/main" val="2954922602"/>
+      </p:ext>
+    </p:extLst>
+  </p:cSld>
+  <p:clrMapOvr>
+    <a:masterClrMapping/>
+  </p:clrMapOvr>
+  <p:timing>
+    <p:tnLst>
+      <p:par>
+        <p:cTn id="1" dur="indefinite" restart="never" nodeType="tmRoot"/>
+      </p:par>
+    </p:tnLst>
+  </p:timing>
+</p:sld>
+</file>
+
+<file path=ppt/slides/slide2.xml><?xml version="1.0" encoding="utf-8"?>
+<p:sld xmlns:a="http://schemas.openxmlformats.org/drawingml/2006/main" xmlns:r="http://schemas.openxmlformats.org/officeDocument/2006/relationships" xmlns:p="http://schemas.openxmlformats.org/presentationml/2006/main">
+  <p:cSld>
+    <p:spTree>
+      <p:nvGrpSpPr>
+        <p:cNvPr id="1" name=""/>
+        <p:cNvGrpSpPr/>
+        <p:nvPr/>
+      </p:nvGrpSpPr>
+      <p:grpSpPr>
+        <a:xfrm>
+          <a:off x="0" y="0"/>
+          <a:ext cx="0" cy="0"/>
+          <a:chOff x="0" y="0"/>
+          <a:chExt cx="0" cy="0"/>
+        </a:xfrm>
+      </p:grpSpPr>
+      <p:sp>
+        <p:nvSpPr>
+          <p:cNvPr id="2" name="Title 1"/>
+          <p:cNvSpPr>
+            <a:spLocks noGrp="1"/>
+          </p:cNvSpPr>
+          <p:nvPr>
+            <p:ph type="title"/>
+          </p:nvPr>
+        </p:nvSpPr>
+        <p:spPr/>
+        <p:txBody>
+          <a:bodyPr>
+            <a:normAutofit/>
+          </a:bodyPr>
+          <a:lstStyle/>
+          <a:p>
+            <a:r>
+              <a:rPr lang="en-US" dirty="0" smtClean="0"/>
+              <a:t>Learning Objectives for This Lesson</a:t>
+            </a:r>
+            <a:endParaRPr lang="en-US" dirty="0"/>
+          </a:p>
+        </p:txBody>
+      </p:sp>
+      <p:sp>
+        <p:nvSpPr>
+          <p:cNvPr id="3" name="Content Placeholder 2"/>
+          <p:cNvSpPr>
+            <a:spLocks noGrp="1"/>
+          </p:cNvSpPr>
+          <p:nvPr>
+            <p:ph idx="1"/>
+          </p:nvPr>
+        </p:nvSpPr>
+        <p:spPr/>
+        <p:txBody>
+          <a:bodyPr/>
+          <a:lstStyle/>
+          <a:p>
+            <a:r>
+              <a:rPr lang="en-US" dirty="0" smtClean="0"/>
+              <a:t>By the time you finish this lesson, you should be able to:</a:t>
+            </a:r>
+          </a:p>
+          <a:p>
+            <a:pPr lvl="1"/>
+            <a:r>
+              <a:rPr lang="en-US" dirty="0" smtClean="0"/>
+              <a:t>explain what a destructor template is</a:t>
+            </a:r>
+          </a:p>
+          <a:p>
+            <a:pPr lvl="1"/>
+            <a:r>
+              <a:rPr lang="en-US" dirty="0" smtClean="0"/>
+              <a:t>write destructor templates for typical data.</a:t>
+            </a:r>
+          </a:p>
+        </p:txBody>
+      </p:sp>
+      <p:sp>
+        <p:nvSpPr>
+          <p:cNvPr id="4" name="Slide Number Placeholder 3"/>
+          <p:cNvSpPr>
+            <a:spLocks noGrp="1"/>
+          </p:cNvSpPr>
+          <p:nvPr>
+            <p:ph type="sldNum" sz="quarter" idx="12"/>
+          </p:nvPr>
+        </p:nvSpPr>
+        <p:spPr/>
+        <p:txBody>
+          <a:bodyPr/>
+          <a:lstStyle/>
+          <a:p>
+            <a:fld id="{8D704B19-8EED-495A-99FA-12E5518CCC54}" type="slidenum">
+              <a:rPr lang="en-US" smtClean="0"/>
+              <a:pPr/>
+              <a:t>2</a:t>
+            </a:fld>
+            <a:endParaRPr lang="en-US"/>
+          </a:p>
+        </p:txBody>
+      </p:sp>
+    </p:spTree>
+    <p:extLst>
+      <p:ext uri="{BB962C8B-B14F-4D97-AF65-F5344CB8AC3E}">
+        <p14:creationId xmlns:p14="http://schemas.microsoft.com/office/powerpoint/2010/main" val="3909313714"/>
+      </p:ext>
+    </p:extLst>
+  </p:cSld>
+  <p:clrMapOvr>
+    <a:masterClrMapping/>
+  </p:clrMapOvr>
+  <p:timing>
+    <p:tnLst>
+      <p:par>
+        <p:cTn id="1" dur="indefinite" restart="never" nodeType="tmRoot"/>
+      </p:par>
+    </p:tnLst>
+  </p:timing>
+</p:sld>
+</file>
+
+<file path=ppt/slides/slide3.xml><?xml version="1.0" encoding="utf-8"?>
+<p:sld xmlns:a="http://schemas.openxmlformats.org/drawingml/2006/main" xmlns:r="http://schemas.openxmlformats.org/officeDocument/2006/relationships" xmlns:p="http://schemas.openxmlformats.org/presentationml/2006/main">
+  <p:cSld>
+    <p:spTree>
+      <p:nvGrpSpPr>
+        <p:cNvPr id="1" name=""/>
+        <p:cNvGrpSpPr/>
+        <p:nvPr/>
+      </p:nvGrpSpPr>
+      <p:grpSpPr>
+        <a:xfrm>
+          <a:off x="0" y="0"/>
+          <a:ext cx="0" cy="0"/>
+          <a:chOff x="0" y="0"/>
+          <a:chExt cx="0" cy="0"/>
+        </a:xfrm>
+      </p:grpSpPr>
+      <p:sp>
+        <p:nvSpPr>
+          <p:cNvPr id="2" name="Title 1"/>
+          <p:cNvSpPr>
+            <a:spLocks noGrp="1"/>
+          </p:cNvSpPr>
+          <p:nvPr>
+            <p:ph type="title"/>
+          </p:nvPr>
+        </p:nvSpPr>
+        <p:spPr/>
+        <p:txBody>
+          <a:bodyPr/>
+          <a:lstStyle/>
+          <a:p>
+            <a:r>
+              <a:rPr lang="en-US" dirty="0" smtClean="0"/>
+              <a:t>DDR Step 5: Destructor Template</a:t>
+            </a:r>
+            <a:endParaRPr lang="en-US" dirty="0"/>
+          </a:p>
+        </p:txBody>
+      </p:sp>
+      <p:sp>
+        <p:nvSpPr>
+          <p:cNvPr id="4" name="Content Placeholder 3"/>
+          <p:cNvSpPr>
+            <a:spLocks noGrp="1"/>
+          </p:cNvSpPr>
+          <p:nvPr>
+            <p:ph idx="1"/>
+          </p:nvPr>
+        </p:nvSpPr>
+        <p:spPr/>
+        <p:txBody>
+          <a:bodyPr/>
+          <a:lstStyle/>
+          <a:p>
+            <a:r>
+              <a:rPr lang="en-US" dirty="0" smtClean="0"/>
+              <a:t>The destructor template (or just the template, for short) gives a skeleton for functions that examine or use the data.</a:t>
+            </a:r>
+          </a:p>
+          <a:p>
+            <a:r>
+              <a:rPr lang="en-US" dirty="0" smtClean="0"/>
+              <a:t>Once you write the template, writing the function is just a matter of filling in the blanks.</a:t>
+            </a:r>
+          </a:p>
+          <a:p>
+            <a:r>
+              <a:rPr lang="en-US" dirty="0" smtClean="0"/>
+              <a:t>This step is a little more complicated than the preceding ones, so we have a recipe for </a:t>
+            </a:r>
+            <a:r>
+              <a:rPr lang="en-US" dirty="0" smtClean="0"/>
+              <a:t>this, </a:t>
+            </a:r>
+            <a:r>
+              <a:rPr lang="en-US" dirty="0" smtClean="0"/>
+              <a:t>too!</a:t>
+            </a:r>
+          </a:p>
+          <a:p>
+            <a:endParaRPr lang="en-US" dirty="0"/>
+          </a:p>
+        </p:txBody>
+      </p:sp>
+      <p:sp>
+        <p:nvSpPr>
+          <p:cNvPr id="3" name="Slide Number Placeholder 2"/>
+          <p:cNvSpPr>
+            <a:spLocks noGrp="1"/>
+          </p:cNvSpPr>
+          <p:nvPr>
+            <p:ph type="sldNum" sz="quarter" idx="12"/>
+          </p:nvPr>
+        </p:nvSpPr>
+        <p:spPr/>
+        <p:txBody>
+          <a:bodyPr/>
+          <a:lstStyle/>
+          <a:p>
+            <a:fld id="{8D704B19-8EED-495A-99FA-12E5518CCC54}" type="slidenum">
+              <a:rPr lang="en-US" smtClean="0"/>
+              <a:pPr/>
+              <a:t>3</a:t>
+            </a:fld>
+            <a:endParaRPr lang="en-US"/>
+          </a:p>
+        </p:txBody>
+      </p:sp>
+    </p:spTree>
+    <p:extLst>
+      <p:ext uri="{BB962C8B-B14F-4D97-AF65-F5344CB8AC3E}">
+        <p14:creationId xmlns:p14="http://schemas.microsoft.com/office/powerpoint/2010/main" val="1542635609"/>
+      </p:ext>
+    </p:extLst>
+  </p:cSld>
+  <p:clrMapOvr>
+    <a:masterClrMapping/>
+  </p:clrMapOvr>
+  <p:timing>
+    <p:tnLst>
+      <p:par>
+        <p:cTn id="1" dur="indefinite" restart="never" nodeType="tmRoot"/>
+      </p:par>
+    </p:tnLst>
+  </p:timing>
+</p:sld>
+</file>
+
+<file path=ppt/slides/slide4.xml><?xml version="1.0" encoding="utf-8"?>
+<p:sld xmlns:a="http://schemas.openxmlformats.org/drawingml/2006/main" xmlns:r="http://schemas.openxmlformats.org/officeDocument/2006/relationships" xmlns:p="http://schemas.openxmlformats.org/presentationml/2006/main">
+  <p:cSld>
+    <p:spTree>
+      <p:nvGrpSpPr>
+        <p:cNvPr id="1" name=""/>
+        <p:cNvGrpSpPr/>
+        <p:nvPr/>
+      </p:nvGrpSpPr>
+      <p:grpSpPr>
+        <a:xfrm>
+          <a:off x="0" y="0"/>
+          <a:ext cx="0" cy="0"/>
+          <a:chOff x="0" y="0"/>
+          <a:chExt cx="0" cy="0"/>
+        </a:xfrm>
+      </p:grpSpPr>
+      <p:sp>
+        <p:nvSpPr>
+          <p:cNvPr id="2" name="Title 1"/>
+          <p:cNvSpPr>
+            <a:spLocks noGrp="1"/>
+          </p:cNvSpPr>
+          <p:nvPr>
+            <p:ph type="title"/>
+          </p:nvPr>
+        </p:nvSpPr>
+        <p:spPr/>
+        <p:txBody>
+          <a:bodyPr>
+            <a:normAutofit/>
+          </a:bodyPr>
+          <a:lstStyle/>
+          <a:p>
+            <a:r>
+              <a:rPr lang="en-US" dirty="0" smtClean="0"/>
+              <a:t>The template recipe</a:t>
+            </a:r>
+            <a:endParaRPr lang="en-US" dirty="0"/>
+          </a:p>
+        </p:txBody>
+      </p:sp>
+      <p:graphicFrame>
+        <p:nvGraphicFramePr>
+          <p:cNvPr id="4" name="Content Placeholder 3"/>
+          <p:cNvGraphicFramePr>
+            <a:graphicFrameLocks noGrp="1"/>
+          </p:cNvGraphicFramePr>
+          <p:nvPr>
+            <p:ph idx="1"/>
+            <p:extLst>
+              <p:ext uri="{D42A27DB-BD31-4B8C-83A1-F6EECF244321}">
+                <p14:modId xmlns:p14="http://schemas.microsoft.com/office/powerpoint/2010/main" val="3543673160"/>
+              </p:ext>
+            </p:extLst>
+          </p:nvPr>
+        </p:nvGraphicFramePr>
+        <p:xfrm>
+          <a:off x="457200" y="1524000"/>
+          <a:ext cx="8229600" cy="4480560"/>
+        </p:xfrm>
+        <a:graphic>
+          <a:graphicData uri="http://schemas.openxmlformats.org/drawingml/2006/table">
+            <a:tbl>
+              <a:tblPr firstRow="1" bandRow="1">
+                <a:tableStyleId>{5C22544A-7EE6-4342-B048-85BDC9FD1C3A}</a:tableStyleId>
+              </a:tblPr>
+              <a:tblGrid>
+                <a:gridCol w="4114800"/>
+                <a:gridCol w="4114800"/>
+              </a:tblGrid>
+              <a:tr h="370840">
+                <a:tc>
+                  <a:txBody>
+                    <a:bodyPr/>
+                    <a:lstStyle/>
+                    <a:p>
+                      <a:r>
+                        <a:rPr lang="en-US" sz="2400" dirty="0" smtClean="0"/>
+                        <a:t>Question</a:t>
+                      </a:r>
+                      <a:endParaRPr lang="en-US" sz="2400" dirty="0"/>
+                    </a:p>
+                  </a:txBody>
+                  <a:tcPr/>
+                </a:tc>
+                <a:tc>
+                  <a:txBody>
+                    <a:bodyPr/>
+                    <a:lstStyle/>
+                    <a:p>
+                      <a:r>
+                        <a:rPr lang="en-US" sz="2400" dirty="0" smtClean="0"/>
+                        <a:t>Answer</a:t>
+                      </a:r>
+                      <a:endParaRPr lang="en-US" sz="2400" dirty="0"/>
+                    </a:p>
+                  </a:txBody>
+                  <a:tcPr/>
+                </a:tc>
+              </a:tr>
+              <a:tr h="370840">
+                <a:tc>
+                  <a:txBody>
+                    <a:bodyPr/>
+                    <a:lstStyle/>
+                    <a:p>
+                      <a:r>
+                        <a:rPr lang="en-US" sz="2400" dirty="0" smtClean="0"/>
+                        <a:t>1. Does the data definition distinguish among different subclasses of data?</a:t>
+                      </a:r>
+                      <a:endParaRPr lang="en-US" sz="2400" dirty="0"/>
+                    </a:p>
+                  </a:txBody>
+                  <a:tcPr/>
+                </a:tc>
+                <a:tc>
+                  <a:txBody>
+                    <a:bodyPr/>
+                    <a:lstStyle/>
+                    <a:p>
+                      <a:r>
+                        <a:rPr lang="en-US" sz="2400" dirty="0" smtClean="0"/>
+                        <a:t>Write a </a:t>
+                      </a:r>
+                      <a:r>
+                        <a:rPr lang="en-US" sz="2400" dirty="0" err="1" smtClean="0">
+                          <a:hlinkClick r:id="rId2"/>
+                        </a:rPr>
+                        <a:t>cond</a:t>
+                      </a:r>
+                      <a:r>
+                        <a:rPr lang="en-US" sz="2400" dirty="0" smtClean="0"/>
+                        <a:t> with a</a:t>
+                      </a:r>
+                      <a:r>
+                        <a:rPr lang="en-US" sz="2400" baseline="0" dirty="0" smtClean="0"/>
+                        <a:t> </a:t>
+                      </a:r>
+                      <a:r>
+                        <a:rPr lang="en-US" sz="2400" dirty="0" smtClean="0"/>
+                        <a:t>clause for</a:t>
+                      </a:r>
+                      <a:r>
+                        <a:rPr lang="en-US" sz="2400" baseline="0" dirty="0" smtClean="0"/>
+                        <a:t> each</a:t>
+                      </a:r>
+                      <a:r>
+                        <a:rPr lang="en-US" sz="2400" dirty="0" smtClean="0"/>
+                        <a:t> subclasses.</a:t>
+                      </a:r>
+                      <a:endParaRPr lang="en-US" sz="2400" dirty="0"/>
+                    </a:p>
+                  </a:txBody>
+                  <a:tcPr/>
+                </a:tc>
+              </a:tr>
+              <a:tr h="370840">
+                <a:tc>
+                  <a:txBody>
+                    <a:bodyPr/>
+                    <a:lstStyle/>
+                    <a:p>
+                      <a:r>
+                        <a:rPr lang="en-US" sz="2400" dirty="0" smtClean="0"/>
+                        <a:t>2. How do the subclasses differ from each other?</a:t>
+                      </a:r>
+                      <a:endParaRPr lang="en-US" sz="2400" dirty="0"/>
+                    </a:p>
+                  </a:txBody>
+                  <a:tcPr/>
+                </a:tc>
+                <a:tc>
+                  <a:txBody>
+                    <a:bodyPr/>
+                    <a:lstStyle/>
+                    <a:p>
+                      <a:r>
+                        <a:rPr lang="en-US" sz="2400" dirty="0" smtClean="0"/>
+                        <a:t>Use the differences to formulate a condition per clause.</a:t>
+                      </a:r>
+                      <a:endParaRPr lang="en-US" sz="2400" dirty="0"/>
+                    </a:p>
+                  </a:txBody>
+                  <a:tcPr/>
+                </a:tc>
+              </a:tr>
+              <a:tr h="370840">
+                <a:tc>
+                  <a:txBody>
+                    <a:bodyPr/>
+                    <a:lstStyle/>
+                    <a:p>
+                      <a:r>
+                        <a:rPr lang="en-US" sz="2400" dirty="0" smtClean="0"/>
+                        <a:t>3. Do any of the clauses deal with structured</a:t>
+                      </a:r>
+                      <a:r>
+                        <a:rPr lang="en-US" sz="2400" baseline="0" dirty="0" smtClean="0"/>
+                        <a:t> values</a:t>
+                      </a:r>
+                      <a:r>
+                        <a:rPr lang="en-US" sz="2400" dirty="0" smtClean="0"/>
+                        <a:t>?</a:t>
+                      </a:r>
+                      <a:endParaRPr lang="en-US" sz="2400" dirty="0"/>
+                    </a:p>
+                  </a:txBody>
+                  <a:tcPr/>
+                </a:tc>
+                <a:tc>
+                  <a:txBody>
+                    <a:bodyPr/>
+                    <a:lstStyle/>
+                    <a:p>
+                      <a:r>
+                        <a:rPr lang="en-US" sz="2400" dirty="0" smtClean="0"/>
+                        <a:t>If so, add appropriate selector expressions to the clause.</a:t>
+                      </a:r>
+                      <a:endParaRPr lang="en-US" sz="2400" dirty="0"/>
+                    </a:p>
+                  </a:txBody>
+                  <a:tcPr/>
+                </a:tc>
+              </a:tr>
+              <a:tr h="370840">
+                <a:tc>
+                  <a:txBody>
+                    <a:bodyPr/>
+                    <a:lstStyle/>
+                    <a:p>
+                      <a:r>
+                        <a:rPr lang="en-US" sz="2400" dirty="0" smtClean="0">
+                          <a:solidFill>
+                            <a:schemeClr val="tx1"/>
+                          </a:solidFill>
+                        </a:rPr>
+                        <a:t>4. Do any of the fields contain compound</a:t>
+                      </a:r>
+                      <a:r>
+                        <a:rPr lang="en-US" sz="2400" baseline="0" dirty="0" smtClean="0">
+                          <a:solidFill>
+                            <a:schemeClr val="tx1"/>
+                          </a:solidFill>
+                        </a:rPr>
+                        <a:t> or mixed data?</a:t>
+                      </a:r>
+                      <a:endParaRPr lang="en-US" sz="2400" dirty="0">
+                        <a:solidFill>
+                          <a:schemeClr val="tx1"/>
+                        </a:solidFill>
+                      </a:endParaRPr>
+                    </a:p>
+                  </a:txBody>
+                  <a:tcPr/>
+                </a:tc>
+                <a:tc>
+                  <a:txBody>
+                    <a:bodyPr/>
+                    <a:lstStyle/>
+                    <a:p>
+                      <a:r>
+                        <a:rPr lang="en-US" sz="2400" dirty="0" smtClean="0">
+                          <a:solidFill>
+                            <a:schemeClr val="tx1"/>
+                          </a:solidFill>
+                        </a:rPr>
+                        <a:t>If the value of a field is a </a:t>
+                      </a:r>
+                      <a:r>
+                        <a:rPr lang="en-US" sz="2400" i="1" dirty="0" smtClean="0">
+                          <a:solidFill>
+                            <a:schemeClr val="tx1"/>
+                          </a:solidFill>
+                        </a:rPr>
+                        <a:t>foo</a:t>
+                      </a:r>
+                      <a:r>
+                        <a:rPr lang="en-US" sz="2400" dirty="0" smtClean="0">
+                          <a:solidFill>
+                            <a:schemeClr val="tx1"/>
+                          </a:solidFill>
+                        </a:rPr>
+                        <a:t>,</a:t>
+                      </a:r>
+                      <a:r>
+                        <a:rPr lang="en-US" sz="2400" baseline="0" dirty="0" smtClean="0">
+                          <a:solidFill>
+                            <a:schemeClr val="tx1"/>
+                          </a:solidFill>
+                        </a:rPr>
+                        <a:t> add a call to a </a:t>
+                      </a:r>
+                      <a:r>
+                        <a:rPr lang="en-US" sz="2400" i="1" baseline="0" dirty="0" smtClean="0">
+                          <a:solidFill>
+                            <a:schemeClr val="tx1"/>
+                          </a:solidFill>
+                        </a:rPr>
+                        <a:t>foo-</a:t>
+                      </a:r>
+                      <a:r>
+                        <a:rPr lang="en-US" sz="2400" i="1" baseline="0" dirty="0" err="1" smtClean="0">
+                          <a:solidFill>
+                            <a:schemeClr val="tx1"/>
+                          </a:solidFill>
+                        </a:rPr>
+                        <a:t>fn</a:t>
+                      </a:r>
+                      <a:r>
+                        <a:rPr lang="en-US" sz="2400" baseline="0" dirty="0" smtClean="0">
+                          <a:solidFill>
+                            <a:schemeClr val="tx1"/>
+                          </a:solidFill>
+                        </a:rPr>
+                        <a:t> to use it.</a:t>
+                      </a:r>
+                      <a:endParaRPr lang="en-US" sz="2400" dirty="0">
+                        <a:solidFill>
+                          <a:schemeClr val="tx1"/>
+                        </a:solidFill>
+                      </a:endParaRPr>
+                    </a:p>
+                  </a:txBody>
+                  <a:tcPr/>
+                </a:tc>
+              </a:tr>
+            </a:tbl>
+          </a:graphicData>
+        </a:graphic>
+      </p:graphicFrame>
+      <p:sp>
+        <p:nvSpPr>
+          <p:cNvPr id="3" name="Slide Number Placeholder 2"/>
+          <p:cNvSpPr>
+            <a:spLocks noGrp="1"/>
+          </p:cNvSpPr>
+          <p:nvPr>
+            <p:ph type="sldNum" sz="quarter" idx="12"/>
+          </p:nvPr>
+        </p:nvSpPr>
+        <p:spPr/>
+        <p:txBody>
+          <a:bodyPr/>
+          <a:lstStyle/>
+          <a:p>
+            <a:fld id="{8D704B19-8EED-495A-99FA-12E5518CCC54}" type="slidenum">
+              <a:rPr lang="en-US" smtClean="0"/>
+              <a:pPr/>
+              <a:t>4</a:t>
+            </a:fld>
+            <a:endParaRPr lang="en-US"/>
+          </a:p>
+        </p:txBody>
+      </p:sp>
+    </p:spTree>
+    <p:extLst>
+      <p:ext uri="{BB962C8B-B14F-4D97-AF65-F5344CB8AC3E}">
+        <p14:creationId xmlns:p14="http://schemas.microsoft.com/office/powerpoint/2010/main" val="3561463172"/>
+      </p:ext>
+    </p:extLst>
+  </p:cSld>
+  <p:clrMapOvr>
+    <a:masterClrMapping/>
+  </p:clrMapOvr>
+  <p:timing>
+    <p:tnLst>
+      <p:par>
+        <p:cTn id="1" dur="indefinite" restart="never" nodeType="tmRoot"/>
+      </p:par>
+    </p:tnLst>
+  </p:timing>
+</p:sld>
+</file>
+
+<file path=ppt/slides/slide5.xml><?xml version="1.0" encoding="utf-8"?>
+<p:sld xmlns:a="http://schemas.openxmlformats.org/drawingml/2006/main" xmlns:r="http://schemas.openxmlformats.org/officeDocument/2006/relationships" xmlns:p="http://schemas.openxmlformats.org/presentationml/2006/main">
+  <p:cSld>
+    <p:spTree>
+      <p:nvGrpSpPr>
+        <p:cNvPr id="1" name=""/>
+        <p:cNvGrpSpPr/>
+        <p:nvPr/>
+      </p:nvGrpSpPr>
+      <p:grpSpPr>
+        <a:xfrm>
+          <a:off x="0" y="0"/>
+          <a:ext cx="0" cy="0"/>
+          <a:chOff x="0" y="0"/>
+          <a:chExt cx="0" cy="0"/>
+        </a:xfrm>
+      </p:grpSpPr>
+      <p:sp>
+        <p:nvSpPr>
+          <p:cNvPr id="2" name="Title 1"/>
+          <p:cNvSpPr>
+            <a:spLocks noGrp="1"/>
+          </p:cNvSpPr>
+          <p:nvPr>
+            <p:ph type="title"/>
+          </p:nvPr>
+        </p:nvSpPr>
+        <p:spPr>
+          <a:xfrm>
+            <a:off x="457200" y="304800"/>
+            <a:ext cx="8229600" cy="1143000"/>
+          </a:xfrm>
+        </p:spPr>
+        <p:txBody>
+          <a:bodyPr/>
+          <a:lstStyle/>
+          <a:p>
+            <a:r>
+              <a:rPr lang="en-US" dirty="0" smtClean="0"/>
+              <a:t>Let's see where we are</a:t>
+            </a:r>
+            <a:endParaRPr lang="en-US" dirty="0"/>
+          </a:p>
+        </p:txBody>
+      </p:sp>
+      <p:graphicFrame>
+        <p:nvGraphicFramePr>
+          <p:cNvPr id="4" name="Content Placeholder 3"/>
+          <p:cNvGraphicFramePr>
+            <a:graphicFrameLocks noGrp="1"/>
+          </p:cNvGraphicFramePr>
+          <p:nvPr>
+            <p:ph idx="1"/>
+            <p:extLst>
+              <p:ext uri="{D42A27DB-BD31-4B8C-83A1-F6EECF244321}">
+                <p14:modId xmlns:p14="http://schemas.microsoft.com/office/powerpoint/2010/main" val="455277333"/>
+              </p:ext>
+            </p:extLst>
+          </p:nvPr>
+        </p:nvGraphicFramePr>
+        <p:xfrm>
+          <a:off x="381000" y="1417638"/>
+          <a:ext cx="2057400" cy="2103120"/>
+        </p:xfrm>
+        <a:graphic>
+          <a:graphicData uri="http://schemas.openxmlformats.org/drawingml/2006/table">
+            <a:tbl>
+              <a:tblPr firstRow="1" bandRow="1">
+                <a:tableStyleId>{5C22544A-7EE6-4342-B048-85BDC9FD1C3A}</a:tableStyleId>
+              </a:tblPr>
+              <a:tblGrid>
+                <a:gridCol w="2057400"/>
+              </a:tblGrid>
+              <a:tr h="262236">
+                <a:tc>
+                  <a:txBody>
+                    <a:bodyPr/>
+                    <a:lstStyle/>
+                    <a:p>
+                      <a:pPr algn="ctr"/>
+                      <a:r>
+                        <a:rPr lang="en-US" sz="1200" dirty="0" smtClean="0"/>
+                        <a:t>The Function Design Recipe</a:t>
+                      </a:r>
+                      <a:endParaRPr lang="en-US" sz="1200" dirty="0"/>
+                    </a:p>
+                  </a:txBody>
+                  <a:tcPr/>
+                </a:tc>
+              </a:tr>
+              <a:tr h="262236">
+                <a:tc>
+                  <a:txBody>
+                    <a:bodyPr/>
+                    <a:lstStyle/>
+                    <a:p>
+                      <a:r>
+                        <a:rPr lang="en-US" sz="1200" dirty="0" smtClean="0"/>
+                        <a:t>1. Data Design</a:t>
+                      </a:r>
+                      <a:endParaRPr lang="en-US" sz="1200" dirty="0"/>
+                    </a:p>
+                  </a:txBody>
+                  <a:tcPr/>
+                </a:tc>
+              </a:tr>
+              <a:tr h="285546">
+                <a:tc>
+                  <a:txBody>
+                    <a:bodyPr/>
+                    <a:lstStyle/>
+                    <a:p>
+                      <a:r>
+                        <a:rPr lang="en-US" sz="1200" dirty="0" smtClean="0"/>
+                        <a:t>2. Contract and Purpose Statement</a:t>
+                      </a:r>
+                      <a:endParaRPr lang="en-US" sz="1200" dirty="0"/>
+                    </a:p>
+                  </a:txBody>
+                  <a:tcPr/>
+                </a:tc>
+              </a:tr>
+              <a:tr h="262236">
+                <a:tc>
+                  <a:txBody>
+                    <a:bodyPr/>
+                    <a:lstStyle/>
+                    <a:p>
+                      <a:r>
+                        <a:rPr lang="en-US" sz="1200" dirty="0" smtClean="0"/>
+                        <a:t>3.</a:t>
+                      </a:r>
+                      <a:r>
+                        <a:rPr lang="en-US" sz="1200" baseline="0" dirty="0" smtClean="0"/>
+                        <a:t> Examples and Tests</a:t>
+                      </a:r>
+                      <a:endParaRPr lang="en-US" sz="1200" dirty="0"/>
+                    </a:p>
+                  </a:txBody>
+                  <a:tcPr/>
+                </a:tc>
+              </a:tr>
+              <a:tr h="262236">
+                <a:tc>
+                  <a:txBody>
+                    <a:bodyPr/>
+                    <a:lstStyle/>
+                    <a:p>
+                      <a:r>
+                        <a:rPr lang="en-US" sz="1200" dirty="0" smtClean="0"/>
+                        <a:t>4. Design Strategy</a:t>
+                      </a:r>
+                    </a:p>
+                  </a:txBody>
+                  <a:tcPr/>
+                </a:tc>
+              </a:tr>
+              <a:tr h="262236">
+                <a:tc>
+                  <a:txBody>
+                    <a:bodyPr/>
+                    <a:lstStyle/>
+                    <a:p>
+                      <a:r>
+                        <a:rPr lang="en-US" sz="1200" dirty="0" smtClean="0"/>
+                        <a:t>5. Function Definition</a:t>
+                      </a:r>
+                      <a:endParaRPr lang="en-US" sz="1200" dirty="0"/>
+                    </a:p>
+                  </a:txBody>
+                  <a:tcPr/>
+                </a:tc>
+              </a:tr>
+              <a:tr h="262236">
+                <a:tc>
+                  <a:txBody>
+                    <a:bodyPr/>
+                    <a:lstStyle/>
+                    <a:p>
+                      <a:r>
+                        <a:rPr lang="en-US" sz="1200" dirty="0" smtClean="0"/>
+                        <a:t>6. Program</a:t>
+                      </a:r>
+                      <a:r>
+                        <a:rPr lang="en-US" sz="1200" baseline="0" dirty="0" smtClean="0"/>
+                        <a:t> Review</a:t>
+                      </a:r>
+                      <a:endParaRPr lang="en-US" sz="1200" dirty="0"/>
+                    </a:p>
+                  </a:txBody>
+                  <a:tcPr/>
+                </a:tc>
+              </a:tr>
+            </a:tbl>
+          </a:graphicData>
+        </a:graphic>
+      </p:graphicFrame>
+      <p:graphicFrame>
+        <p:nvGraphicFramePr>
+          <p:cNvPr id="5" name="Content Placeholder 3"/>
+          <p:cNvGraphicFramePr>
+            <a:graphicFrameLocks/>
+          </p:cNvGraphicFramePr>
+          <p:nvPr>
+            <p:extLst>
+              <p:ext uri="{D42A27DB-BD31-4B8C-83A1-F6EECF244321}">
+                <p14:modId xmlns:p14="http://schemas.microsoft.com/office/powerpoint/2010/main" val="1646651394"/>
+              </p:ext>
+            </p:extLst>
+          </p:nvPr>
+        </p:nvGraphicFramePr>
+        <p:xfrm>
+          <a:off x="3002902" y="1676400"/>
+          <a:ext cx="2286000" cy="2743200"/>
+        </p:xfrm>
+        <a:graphic>
+          <a:graphicData uri="http://schemas.openxmlformats.org/drawingml/2006/table">
+            <a:tbl>
+              <a:tblPr firstRow="1" bandRow="1">
+                <a:tableStyleId>{5C22544A-7EE6-4342-B048-85BDC9FD1C3A}</a:tableStyleId>
+              </a:tblPr>
+              <a:tblGrid>
+                <a:gridCol w="2286000"/>
+              </a:tblGrid>
+              <a:tr h="230779">
+                <a:tc>
+                  <a:txBody>
+                    <a:bodyPr/>
+                    <a:lstStyle/>
+                    <a:p>
+                      <a:pPr algn="ctr"/>
+                      <a:r>
+                        <a:rPr lang="en-US" sz="1200" dirty="0" smtClean="0"/>
+                        <a:t>The</a:t>
+                      </a:r>
+                      <a:r>
+                        <a:rPr lang="en-US" sz="1200" baseline="0" dirty="0" smtClean="0"/>
+                        <a:t> Data</a:t>
+                      </a:r>
+                      <a:r>
+                        <a:rPr lang="en-US" sz="1200" dirty="0" smtClean="0"/>
+                        <a:t> Design Recipe</a:t>
+                      </a:r>
+                      <a:endParaRPr lang="en-US" sz="1200" dirty="0"/>
+                    </a:p>
+                  </a:txBody>
+                  <a:tcPr/>
+                </a:tc>
+              </a:tr>
+              <a:tr h="594349">
+                <a:tc>
+                  <a:txBody>
+                    <a:bodyPr/>
+                    <a:lstStyle/>
+                    <a:p>
+                      <a:pPr marL="0" marR="0" indent="0" algn="l" defTabSz="914400" rtl="0" eaLnBrk="1" fontAlgn="auto" latinLnBrk="0" hangingPunct="1">
+                        <a:lnSpc>
+                          <a:spcPct val="100000"/>
+                        </a:lnSpc>
+                        <a:spcBef>
+                          <a:spcPts val="0"/>
+                        </a:spcBef>
+                        <a:spcAft>
+                          <a:spcPts val="0"/>
+                        </a:spcAft>
+                        <a:buClrTx/>
+                        <a:buSzTx/>
+                        <a:buFontTx/>
+                        <a:buNone/>
+                        <a:tabLst/>
+                        <a:defRPr/>
+                      </a:pPr>
+                      <a:r>
+                        <a:rPr lang="en-US" sz="1200" dirty="0" smtClean="0"/>
+                        <a:t>1. What</a:t>
+                      </a:r>
+                      <a:r>
+                        <a:rPr lang="en-US" sz="1200" baseline="0" dirty="0" smtClean="0"/>
+                        <a:t> information needs to be represented in your program? </a:t>
+                      </a:r>
+                      <a:r>
+                        <a:rPr lang="en-US" sz="1200" dirty="0" smtClean="0"/>
+                        <a:t>What</a:t>
+                      </a:r>
+                      <a:r>
+                        <a:rPr lang="en-US" sz="1200" baseline="0" dirty="0" smtClean="0"/>
+                        <a:t> kind of information is each piece?</a:t>
+                      </a:r>
+                      <a:endParaRPr lang="en-US" sz="1200" dirty="0"/>
+                    </a:p>
+                  </a:txBody>
+                  <a:tcPr/>
+                </a:tc>
+              </a:tr>
+              <a:tr h="230779">
+                <a:tc>
+                  <a:txBody>
+                    <a:bodyPr/>
+                    <a:lstStyle/>
+                    <a:p>
+                      <a:r>
+                        <a:rPr lang="en-US" sz="1200" dirty="0" smtClean="0"/>
+                        <a:t>2. </a:t>
+                      </a:r>
+                      <a:r>
+                        <a:rPr lang="en-US" sz="1200" dirty="0" err="1" smtClean="0"/>
+                        <a:t>Struct</a:t>
+                      </a:r>
+                      <a:r>
+                        <a:rPr lang="en-US" sz="1200" baseline="0" dirty="0" smtClean="0"/>
+                        <a:t> Definitions</a:t>
+                      </a:r>
+                      <a:endParaRPr lang="en-US" sz="1200" dirty="0"/>
+                    </a:p>
+                  </a:txBody>
+                  <a:tcPr/>
+                </a:tc>
+              </a:tr>
+              <a:tr h="230779">
+                <a:tc>
+                  <a:txBody>
+                    <a:bodyPr/>
+                    <a:lstStyle/>
+                    <a:p>
+                      <a:r>
+                        <a:rPr lang="en-US" sz="1200" dirty="0" smtClean="0"/>
+                        <a:t>3.</a:t>
+                      </a:r>
+                      <a:r>
+                        <a:rPr lang="en-US" sz="1200" baseline="0" dirty="0" smtClean="0"/>
+                        <a:t> Constructor Template</a:t>
+                      </a:r>
+                      <a:endParaRPr lang="en-US" sz="1200" dirty="0"/>
+                    </a:p>
+                  </a:txBody>
+                  <a:tcPr/>
+                </a:tc>
+              </a:tr>
+              <a:tr h="230779">
+                <a:tc>
+                  <a:txBody>
+                    <a:bodyPr/>
+                    <a:lstStyle/>
+                    <a:p>
+                      <a:r>
+                        <a:rPr lang="en-US" sz="1200" dirty="0" smtClean="0"/>
+                        <a:t>4. Interpretation</a:t>
+                      </a:r>
+                    </a:p>
+                  </a:txBody>
+                  <a:tcPr/>
+                </a:tc>
+              </a:tr>
+              <a:tr h="230779">
+                <a:tc>
+                  <a:txBody>
+                    <a:bodyPr/>
+                    <a:lstStyle/>
+                    <a:p>
+                      <a:r>
+                        <a:rPr lang="en-US" sz="1200" dirty="0" smtClean="0"/>
+                        <a:t>5. Destructor</a:t>
+                      </a:r>
+                      <a:r>
+                        <a:rPr lang="en-US" sz="1200" baseline="0" dirty="0" smtClean="0"/>
+                        <a:t> Template</a:t>
+                      </a:r>
+                      <a:endParaRPr lang="en-US" sz="1200" dirty="0"/>
+                    </a:p>
+                  </a:txBody>
+                  <a:tcPr/>
+                </a:tc>
+              </a:tr>
+              <a:tr h="230779">
+                <a:tc>
+                  <a:txBody>
+                    <a:bodyPr/>
+                    <a:lstStyle/>
+                    <a:p>
+                      <a:r>
+                        <a:rPr lang="en-US" sz="1200" dirty="0" smtClean="0"/>
+                        <a:t>6. Examples</a:t>
+                      </a:r>
+                      <a:endParaRPr lang="en-US" sz="1200" dirty="0"/>
+                    </a:p>
+                  </a:txBody>
+                  <a:tcPr/>
+                </a:tc>
+              </a:tr>
+              <a:tr h="230779">
+                <a:tc>
+                  <a:txBody>
+                    <a:bodyPr/>
+                    <a:lstStyle/>
+                    <a:p>
+                      <a:r>
+                        <a:rPr lang="en-US" sz="1200" dirty="0" smtClean="0"/>
+                        <a:t>7. Review</a:t>
+                      </a:r>
+                      <a:endParaRPr lang="en-US" sz="1200" dirty="0"/>
+                    </a:p>
+                  </a:txBody>
+                  <a:tcPr/>
+                </a:tc>
+              </a:tr>
+            </a:tbl>
+          </a:graphicData>
+        </a:graphic>
+      </p:graphicFrame>
+      <p:graphicFrame>
+        <p:nvGraphicFramePr>
+          <p:cNvPr id="6" name="Content Placeholder 3"/>
+          <p:cNvGraphicFramePr>
+            <a:graphicFrameLocks/>
+          </p:cNvGraphicFramePr>
+          <p:nvPr>
+            <p:extLst>
+              <p:ext uri="{D42A27DB-BD31-4B8C-83A1-F6EECF244321}">
+                <p14:modId xmlns:p14="http://schemas.microsoft.com/office/powerpoint/2010/main" val="4019177551"/>
+              </p:ext>
+            </p:extLst>
+          </p:nvPr>
+        </p:nvGraphicFramePr>
+        <p:xfrm>
+          <a:off x="4038600" y="4267200"/>
+          <a:ext cx="4953000" cy="2382520"/>
+        </p:xfrm>
+        <a:graphic>
+          <a:graphicData uri="http://schemas.openxmlformats.org/drawingml/2006/table">
+            <a:tbl>
+              <a:tblPr firstRow="1" bandRow="1">
+                <a:tableStyleId>{5C22544A-7EE6-4342-B048-85BDC9FD1C3A}</a:tableStyleId>
+              </a:tblPr>
+              <a:tblGrid>
+                <a:gridCol w="2476500"/>
+                <a:gridCol w="2476500"/>
+              </a:tblGrid>
+              <a:tr h="370840">
+                <a:tc>
+                  <a:txBody>
+                    <a:bodyPr/>
+                    <a:lstStyle/>
+                    <a:p>
+                      <a:r>
+                        <a:rPr lang="en-US" sz="1200" dirty="0" smtClean="0"/>
+                        <a:t>Question</a:t>
+                      </a:r>
+                      <a:endParaRPr lang="en-US" sz="1200" dirty="0"/>
+                    </a:p>
+                  </a:txBody>
+                  <a:tcPr/>
+                </a:tc>
+                <a:tc>
+                  <a:txBody>
+                    <a:bodyPr/>
+                    <a:lstStyle/>
+                    <a:p>
+                      <a:r>
+                        <a:rPr lang="en-US" sz="1200" dirty="0" smtClean="0"/>
+                        <a:t>Answer</a:t>
+                      </a:r>
+                      <a:endParaRPr lang="en-US" sz="1200" dirty="0"/>
+                    </a:p>
+                  </a:txBody>
+                  <a:tcPr/>
+                </a:tc>
+              </a:tr>
+              <a:tr h="370840">
+                <a:tc>
+                  <a:txBody>
+                    <a:bodyPr/>
+                    <a:lstStyle/>
+                    <a:p>
+                      <a:r>
+                        <a:rPr lang="en-US" sz="1200" dirty="0" smtClean="0"/>
+                        <a:t>1. Does the data definition distinguish among different subclasses of data?</a:t>
+                      </a:r>
+                      <a:endParaRPr lang="en-US" sz="1200" dirty="0"/>
+                    </a:p>
+                  </a:txBody>
+                  <a:tcPr/>
+                </a:tc>
+                <a:tc>
+                  <a:txBody>
+                    <a:bodyPr/>
+                    <a:lstStyle/>
+                    <a:p>
+                      <a:r>
+                        <a:rPr lang="en-US" sz="1200" dirty="0" smtClean="0"/>
+                        <a:t>Write a </a:t>
+                      </a:r>
+                      <a:r>
+                        <a:rPr lang="en-US" sz="1200" dirty="0" err="1" smtClean="0">
+                          <a:hlinkClick r:id="rId2"/>
+                        </a:rPr>
+                        <a:t>cond</a:t>
+                      </a:r>
+                      <a:r>
+                        <a:rPr lang="en-US" sz="1200" dirty="0" smtClean="0"/>
+                        <a:t> with a</a:t>
+                      </a:r>
+                      <a:r>
+                        <a:rPr lang="en-US" sz="1200" baseline="0" dirty="0" smtClean="0"/>
+                        <a:t> </a:t>
+                      </a:r>
+                      <a:r>
+                        <a:rPr lang="en-US" sz="1200" dirty="0" smtClean="0"/>
+                        <a:t>clause for</a:t>
+                      </a:r>
+                      <a:r>
+                        <a:rPr lang="en-US" sz="1200" baseline="0" dirty="0" smtClean="0"/>
+                        <a:t> each</a:t>
+                      </a:r>
+                      <a:r>
+                        <a:rPr lang="en-US" sz="1200" dirty="0" smtClean="0"/>
+                        <a:t> subclasses.</a:t>
+                      </a:r>
+                      <a:endParaRPr lang="en-US" sz="1200" dirty="0"/>
+                    </a:p>
+                  </a:txBody>
+                  <a:tcPr/>
+                </a:tc>
+              </a:tr>
+              <a:tr h="370840">
+                <a:tc>
+                  <a:txBody>
+                    <a:bodyPr/>
+                    <a:lstStyle/>
+                    <a:p>
+                      <a:r>
+                        <a:rPr lang="en-US" sz="1200" dirty="0" smtClean="0"/>
+                        <a:t>2. How do the subclasses differ from each other?</a:t>
+                      </a:r>
+                      <a:endParaRPr lang="en-US" sz="1200" dirty="0"/>
+                    </a:p>
+                  </a:txBody>
+                  <a:tcPr/>
+                </a:tc>
+                <a:tc>
+                  <a:txBody>
+                    <a:bodyPr/>
+                    <a:lstStyle/>
+                    <a:p>
+                      <a:r>
+                        <a:rPr lang="en-US" sz="1200" dirty="0" smtClean="0"/>
+                        <a:t>Use the differences to formulate a condition per clause.</a:t>
+                      </a:r>
+                      <a:endParaRPr lang="en-US" sz="1200" dirty="0"/>
+                    </a:p>
+                  </a:txBody>
+                  <a:tcPr/>
+                </a:tc>
+              </a:tr>
+              <a:tr h="370840">
+                <a:tc>
+                  <a:txBody>
+                    <a:bodyPr/>
+                    <a:lstStyle/>
+                    <a:p>
+                      <a:r>
+                        <a:rPr lang="en-US" sz="1200" dirty="0" smtClean="0"/>
+                        <a:t>3. Do any of the clauses deal with structured</a:t>
+                      </a:r>
+                      <a:r>
+                        <a:rPr lang="en-US" sz="1200" baseline="0" dirty="0" smtClean="0"/>
+                        <a:t> values</a:t>
+                      </a:r>
+                      <a:r>
+                        <a:rPr lang="en-US" sz="1200" dirty="0" smtClean="0"/>
+                        <a:t>?</a:t>
+                      </a:r>
+                      <a:endParaRPr lang="en-US" sz="1200" dirty="0"/>
+                    </a:p>
+                  </a:txBody>
+                  <a:tcPr/>
+                </a:tc>
+                <a:tc>
+                  <a:txBody>
+                    <a:bodyPr/>
+                    <a:lstStyle/>
+                    <a:p>
+                      <a:r>
+                        <a:rPr lang="en-US" sz="1200" dirty="0" smtClean="0"/>
+                        <a:t>If so, add appropriate selector expressions to the clause.</a:t>
+                      </a:r>
+                      <a:endParaRPr lang="en-US" sz="1200" dirty="0"/>
+                    </a:p>
+                  </a:txBody>
+                  <a:tcPr/>
+                </a:tc>
+              </a:tr>
+              <a:tr h="370840">
+                <a:tc>
+                  <a:txBody>
+                    <a:bodyPr/>
+                    <a:lstStyle/>
+                    <a:p>
+                      <a:r>
+                        <a:rPr lang="en-US" sz="1200" dirty="0" smtClean="0">
+                          <a:solidFill>
+                            <a:schemeClr val="tx1"/>
+                          </a:solidFill>
+                        </a:rPr>
+                        <a:t>4. Do any of the fields contain compound</a:t>
+                      </a:r>
+                      <a:r>
+                        <a:rPr lang="en-US" sz="1200" baseline="0" dirty="0" smtClean="0">
+                          <a:solidFill>
+                            <a:schemeClr val="tx1"/>
+                          </a:solidFill>
+                        </a:rPr>
+                        <a:t> or mixed data?</a:t>
+                      </a:r>
+                      <a:endParaRPr lang="en-US" sz="1200" dirty="0">
+                        <a:solidFill>
+                          <a:schemeClr val="tx1"/>
+                        </a:solidFill>
+                      </a:endParaRPr>
+                    </a:p>
+                  </a:txBody>
+                  <a:tcPr/>
+                </a:tc>
+                <a:tc>
+                  <a:txBody>
+                    <a:bodyPr/>
+                    <a:lstStyle/>
+                    <a:p>
+                      <a:r>
+                        <a:rPr lang="en-US" sz="1200" dirty="0" smtClean="0">
+                          <a:solidFill>
+                            <a:schemeClr val="tx1"/>
+                          </a:solidFill>
+                        </a:rPr>
+                        <a:t>If the value of a field is a foo,</a:t>
+                      </a:r>
+                      <a:r>
+                        <a:rPr lang="en-US" sz="1200" baseline="0" dirty="0" smtClean="0">
+                          <a:solidFill>
+                            <a:schemeClr val="tx1"/>
+                          </a:solidFill>
+                        </a:rPr>
+                        <a:t> add a call to a foo-</a:t>
+                      </a:r>
+                      <a:r>
+                        <a:rPr lang="en-US" sz="1200" baseline="0" dirty="0" err="1" smtClean="0">
+                          <a:solidFill>
+                            <a:schemeClr val="tx1"/>
+                          </a:solidFill>
+                        </a:rPr>
+                        <a:t>fn</a:t>
+                      </a:r>
+                      <a:r>
+                        <a:rPr lang="en-US" sz="1200" baseline="0" dirty="0" smtClean="0">
+                          <a:solidFill>
+                            <a:schemeClr val="tx1"/>
+                          </a:solidFill>
+                        </a:rPr>
+                        <a:t> to use it.</a:t>
+                      </a:r>
+                      <a:endParaRPr lang="en-US" sz="1200" dirty="0">
+                        <a:solidFill>
+                          <a:schemeClr val="tx1"/>
+                        </a:solidFill>
+                      </a:endParaRPr>
+                    </a:p>
+                  </a:txBody>
+                  <a:tcPr/>
+                </a:tc>
+              </a:tr>
+            </a:tbl>
+          </a:graphicData>
+        </a:graphic>
+      </p:graphicFrame>
+      <p:sp>
+        <p:nvSpPr>
+          <p:cNvPr id="10" name="Right Arrow 9"/>
+          <p:cNvSpPr/>
+          <p:nvPr/>
+        </p:nvSpPr>
+        <p:spPr>
+          <a:xfrm>
+            <a:off x="2438400" y="1676400"/>
+            <a:ext cx="533400" cy="228600"/>
+          </a:xfrm>
+          <a:prstGeom prst="rightArrow">
+            <a:avLst/>
+          </a:prstGeom>
+        </p:spPr>
+        <p:style>
+          <a:lnRef idx="2">
+            <a:schemeClr val="accent1">
+              <a:shade val="50000"/>
+            </a:schemeClr>
+          </a:lnRef>
+          <a:fillRef idx="1">
+            <a:schemeClr val="accent1"/>
+          </a:fillRef>
+          <a:effectRef idx="0">
+            <a:schemeClr val="accent1"/>
+          </a:effectRef>
+          <a:fontRef idx="minor">
+            <a:schemeClr val="lt1"/>
+          </a:fontRef>
+        </p:style>
+        <p:txBody>
+          <a:bodyPr rtlCol="0" anchor="ctr"/>
+          <a:lstStyle/>
+          <a:p>
+            <a:pPr algn="ctr"/>
+            <a:endParaRPr lang="en-US"/>
+          </a:p>
+        </p:txBody>
+      </p:sp>
+      <p:sp>
+        <p:nvSpPr>
+          <p:cNvPr id="11" name="Bent-Up Arrow 10"/>
+          <p:cNvSpPr/>
+          <p:nvPr/>
+        </p:nvSpPr>
+        <p:spPr>
+          <a:xfrm flipV="1">
+            <a:off x="5257800" y="3657600"/>
+            <a:ext cx="926592" cy="609600"/>
+          </a:xfrm>
+          <a:prstGeom prst="bentUpArrow">
+            <a:avLst/>
+          </a:prstGeom>
+        </p:spPr>
+        <p:style>
+          <a:lnRef idx="2">
+            <a:schemeClr val="accent1">
+              <a:shade val="50000"/>
+            </a:schemeClr>
+          </a:lnRef>
+          <a:fillRef idx="1">
+            <a:schemeClr val="accent1"/>
+          </a:fillRef>
+          <a:effectRef idx="0">
+            <a:schemeClr val="accent1"/>
+          </a:effectRef>
+          <a:fontRef idx="minor">
+            <a:schemeClr val="lt1"/>
+          </a:fontRef>
+        </p:style>
+        <p:txBody>
+          <a:bodyPr rtlCol="0" anchor="ctr"/>
+          <a:lstStyle/>
+          <a:p>
+            <a:pPr algn="ctr"/>
+            <a:endParaRPr lang="en-US"/>
+          </a:p>
+        </p:txBody>
+      </p:sp>
+      <p:sp>
+        <p:nvSpPr>
+          <p:cNvPr id="3" name="Slide Number Placeholder 2"/>
+          <p:cNvSpPr>
+            <a:spLocks noGrp="1"/>
+          </p:cNvSpPr>
+          <p:nvPr>
+            <p:ph type="sldNum" sz="quarter" idx="12"/>
+          </p:nvPr>
+        </p:nvSpPr>
+        <p:spPr/>
+        <p:txBody>
+          <a:bodyPr/>
+          <a:lstStyle/>
+          <a:p>
+            <a:fld id="{8D704B19-8EED-495A-99FA-12E5518CCC54}" type="slidenum">
+              <a:rPr lang="en-US" smtClean="0"/>
+              <a:pPr/>
+              <a:t>5</a:t>
+            </a:fld>
+            <a:endParaRPr lang="en-US"/>
+          </a:p>
+        </p:txBody>
+      </p:sp>
+    </p:spTree>
+    <p:extLst>
+      <p:ext uri="{BB962C8B-B14F-4D97-AF65-F5344CB8AC3E}">
+        <p14:creationId xmlns:p14="http://schemas.microsoft.com/office/powerpoint/2010/main" val="1458634971"/>
+      </p:ext>
+    </p:extLst>
+  </p:cSld>
+  <p:clrMapOvr>
+    <a:masterClrMapping/>
+  </p:clrMapOvr>
+  <p:timing>
+    <p:tnLst>
+      <p:par>
+        <p:cTn id="1" dur="indefinite" restart="never" nodeType="tmRoot"/>
+      </p:par>
+    </p:tnLst>
+  </p:timing>
+</p:sld>
+</file>
+
+<file path=ppt/slides/slide6.xml><?xml version="1.0" encoding="utf-8"?>
+<p:sld xmlns:a="http://schemas.openxmlformats.org/drawingml/2006/main" xmlns:r="http://schemas.openxmlformats.org/officeDocument/2006/relationships" xmlns:p="http://schemas.openxmlformats.org/presentationml/2006/main">
+  <p:cSld>
+    <p:spTree>
+      <p:nvGrpSpPr>
+        <p:cNvPr id="1" name=""/>
+        <p:cNvGrpSpPr/>
+        <p:nvPr/>
+      </p:nvGrpSpPr>
+      <p:grpSpPr>
+        <a:xfrm>
+          <a:off x="0" y="0"/>
+          <a:ext cx="0" cy="0"/>
+          <a:chOff x="0" y="0"/>
+          <a:chExt cx="0" cy="0"/>
+        </a:xfrm>
+      </p:grpSpPr>
+      <p:sp>
+        <p:nvSpPr>
+          <p:cNvPr id="2" name="Title 1"/>
+          <p:cNvSpPr>
+            <a:spLocks noGrp="1"/>
+          </p:cNvSpPr>
+          <p:nvPr>
+            <p:ph type="title"/>
+          </p:nvPr>
+        </p:nvSpPr>
+        <p:spPr/>
+        <p:txBody>
+          <a:bodyPr>
+            <a:normAutofit/>
+          </a:bodyPr>
+          <a:lstStyle/>
+          <a:p>
+            <a:r>
+              <a:rPr lang="en-US" dirty="0" smtClean="0"/>
+              <a:t>In this lesson</a:t>
+            </a:r>
+            <a:endParaRPr lang="en-US" dirty="0"/>
+          </a:p>
+        </p:txBody>
+      </p:sp>
+      <p:graphicFrame>
+        <p:nvGraphicFramePr>
+          <p:cNvPr id="4" name="Content Placeholder 3"/>
+          <p:cNvGraphicFramePr>
+            <a:graphicFrameLocks noGrp="1"/>
+          </p:cNvGraphicFramePr>
+          <p:nvPr>
+            <p:ph idx="1"/>
+            <p:extLst>
+              <p:ext uri="{D42A27DB-BD31-4B8C-83A1-F6EECF244321}">
+                <p14:modId xmlns:p14="http://schemas.microsoft.com/office/powerpoint/2010/main" val="3485196190"/>
+              </p:ext>
+            </p:extLst>
+          </p:nvPr>
+        </p:nvGraphicFramePr>
+        <p:xfrm>
+          <a:off x="457200" y="1524000"/>
+          <a:ext cx="8229600" cy="4480560"/>
+        </p:xfrm>
+        <a:graphic>
+          <a:graphicData uri="http://schemas.openxmlformats.org/drawingml/2006/table">
+            <a:tbl>
+              <a:tblPr firstRow="1" bandRow="1">
+                <a:tableStyleId>{5C22544A-7EE6-4342-B048-85BDC9FD1C3A}</a:tableStyleId>
+              </a:tblPr>
+              <a:tblGrid>
+                <a:gridCol w="4114800"/>
+                <a:gridCol w="4114800"/>
+              </a:tblGrid>
+              <a:tr h="370840">
+                <a:tc>
+                  <a:txBody>
+                    <a:bodyPr/>
+                    <a:lstStyle/>
+                    <a:p>
+                      <a:r>
+                        <a:rPr lang="en-US" sz="2400" dirty="0" smtClean="0"/>
+                        <a:t>Question</a:t>
+                      </a:r>
+                      <a:endParaRPr lang="en-US" sz="2400" dirty="0"/>
+                    </a:p>
+                  </a:txBody>
+                  <a:tcPr/>
+                </a:tc>
+                <a:tc>
+                  <a:txBody>
+                    <a:bodyPr/>
+                    <a:lstStyle/>
+                    <a:p>
+                      <a:r>
+                        <a:rPr lang="en-US" sz="2400" dirty="0" smtClean="0"/>
+                        <a:t>Answer</a:t>
+                      </a:r>
+                      <a:endParaRPr lang="en-US" sz="2400" dirty="0"/>
+                    </a:p>
+                  </a:txBody>
+                  <a:tcPr/>
+                </a:tc>
+              </a:tr>
+              <a:tr h="370840">
+                <a:tc>
+                  <a:txBody>
+                    <a:bodyPr/>
+                    <a:lstStyle/>
+                    <a:p>
+                      <a:r>
+                        <a:rPr lang="en-US" sz="2400" dirty="0" smtClean="0"/>
+                        <a:t>1. Does the data definition distinguish among different subclasses of data?</a:t>
+                      </a:r>
+                      <a:endParaRPr lang="en-US" sz="2400" dirty="0"/>
+                    </a:p>
+                  </a:txBody>
+                  <a:tcPr/>
+                </a:tc>
+                <a:tc>
+                  <a:txBody>
+                    <a:bodyPr/>
+                    <a:lstStyle/>
+                    <a:p>
+                      <a:r>
+                        <a:rPr lang="en-US" sz="2400" dirty="0" smtClean="0"/>
+                        <a:t>Write a </a:t>
+                      </a:r>
+                      <a:r>
+                        <a:rPr lang="en-US" sz="2400" dirty="0" err="1" smtClean="0">
+                          <a:hlinkClick r:id="rId2"/>
+                        </a:rPr>
+                        <a:t>cond</a:t>
+                      </a:r>
+                      <a:r>
+                        <a:rPr lang="en-US" sz="2400" dirty="0" smtClean="0"/>
+                        <a:t> with a</a:t>
+                      </a:r>
+                      <a:r>
+                        <a:rPr lang="en-US" sz="2400" baseline="0" dirty="0" smtClean="0"/>
+                        <a:t> </a:t>
+                      </a:r>
+                      <a:r>
+                        <a:rPr lang="en-US" sz="2400" dirty="0" smtClean="0"/>
+                        <a:t>clause for</a:t>
+                      </a:r>
+                      <a:r>
+                        <a:rPr lang="en-US" sz="2400" baseline="0" dirty="0" smtClean="0"/>
+                        <a:t> each</a:t>
+                      </a:r>
+                      <a:r>
+                        <a:rPr lang="en-US" sz="2400" dirty="0" smtClean="0"/>
+                        <a:t> subclasses.</a:t>
+                      </a:r>
+                      <a:endParaRPr lang="en-US" sz="2400" dirty="0"/>
+                    </a:p>
+                  </a:txBody>
+                  <a:tcPr/>
+                </a:tc>
+              </a:tr>
+              <a:tr h="370840">
+                <a:tc>
+                  <a:txBody>
+                    <a:bodyPr/>
+                    <a:lstStyle/>
+                    <a:p>
+                      <a:r>
+                        <a:rPr lang="en-US" sz="2400" dirty="0" smtClean="0"/>
+                        <a:t>2. How do the subclasses differ from each other?</a:t>
+                      </a:r>
+                      <a:endParaRPr lang="en-US" sz="2400" dirty="0"/>
+                    </a:p>
+                  </a:txBody>
+                  <a:tcPr/>
+                </a:tc>
+                <a:tc>
+                  <a:txBody>
+                    <a:bodyPr/>
+                    <a:lstStyle/>
+                    <a:p>
+                      <a:r>
+                        <a:rPr lang="en-US" sz="2400" dirty="0" smtClean="0"/>
+                        <a:t>Use the differences to formulate a condition per clause.</a:t>
+                      </a:r>
+                      <a:endParaRPr lang="en-US" sz="2400" dirty="0"/>
+                    </a:p>
+                  </a:txBody>
+                  <a:tcPr/>
+                </a:tc>
+              </a:tr>
+              <a:tr h="370840">
+                <a:tc>
+                  <a:txBody>
+                    <a:bodyPr/>
+                    <a:lstStyle/>
+                    <a:p>
+                      <a:r>
+                        <a:rPr lang="en-US" sz="2400" dirty="0" smtClean="0"/>
+                        <a:t>3. Do any of the clauses deal with structured</a:t>
+                      </a:r>
+                      <a:r>
+                        <a:rPr lang="en-US" sz="2400" baseline="0" dirty="0" smtClean="0"/>
+                        <a:t> values</a:t>
+                      </a:r>
+                      <a:r>
+                        <a:rPr lang="en-US" sz="2400" dirty="0" smtClean="0"/>
+                        <a:t>?</a:t>
+                      </a:r>
+                      <a:endParaRPr lang="en-US" sz="2400" dirty="0"/>
+                    </a:p>
+                  </a:txBody>
+                  <a:tcPr/>
+                </a:tc>
+                <a:tc>
+                  <a:txBody>
+                    <a:bodyPr/>
+                    <a:lstStyle/>
+                    <a:p>
+                      <a:r>
+                        <a:rPr lang="en-US" sz="2400" dirty="0" smtClean="0"/>
+                        <a:t>If so, add appropriate selector expressions to the clause.</a:t>
+                      </a:r>
+                      <a:endParaRPr lang="en-US" sz="2400" dirty="0"/>
+                    </a:p>
+                  </a:txBody>
+                  <a:tcPr/>
+                </a:tc>
+              </a:tr>
+              <a:tr h="370840">
+                <a:tc>
+                  <a:txBody>
+                    <a:bodyPr/>
+                    <a:lstStyle/>
+                    <a:p>
+                      <a:r>
+                        <a:rPr lang="en-US" sz="2400" dirty="0" smtClean="0">
+                          <a:solidFill>
+                            <a:schemeClr val="bg1">
+                              <a:lumMod val="65000"/>
+                            </a:schemeClr>
+                          </a:solidFill>
+                        </a:rPr>
+                        <a:t>4. Do any of the fields contain compound</a:t>
+                      </a:r>
+                      <a:r>
+                        <a:rPr lang="en-US" sz="2400" baseline="0" dirty="0" smtClean="0">
+                          <a:solidFill>
+                            <a:schemeClr val="bg1">
+                              <a:lumMod val="65000"/>
+                            </a:schemeClr>
+                          </a:solidFill>
+                        </a:rPr>
+                        <a:t> or mixed data?</a:t>
+                      </a:r>
+                      <a:endParaRPr lang="en-US" sz="2400" dirty="0">
+                        <a:solidFill>
+                          <a:schemeClr val="bg1">
+                            <a:lumMod val="65000"/>
+                          </a:schemeClr>
+                        </a:solidFill>
+                      </a:endParaRPr>
+                    </a:p>
+                  </a:txBody>
+                  <a:tcPr/>
+                </a:tc>
+                <a:tc>
+                  <a:txBody>
+                    <a:bodyPr/>
+                    <a:lstStyle/>
+                    <a:p>
+                      <a:r>
+                        <a:rPr lang="en-US" sz="2400" dirty="0" smtClean="0">
+                          <a:solidFill>
+                            <a:schemeClr val="bg1">
+                              <a:lumMod val="65000"/>
+                            </a:schemeClr>
+                          </a:solidFill>
+                        </a:rPr>
+                        <a:t>If the value of a field is a foo,</a:t>
+                      </a:r>
+                      <a:r>
+                        <a:rPr lang="en-US" sz="2400" baseline="0" dirty="0" smtClean="0">
+                          <a:solidFill>
+                            <a:schemeClr val="bg1">
+                              <a:lumMod val="65000"/>
+                            </a:schemeClr>
+                          </a:solidFill>
+                        </a:rPr>
+                        <a:t> add a call to a foo-</a:t>
+                      </a:r>
+                      <a:r>
+                        <a:rPr lang="en-US" sz="2400" baseline="0" dirty="0" err="1" smtClean="0">
+                          <a:solidFill>
+                            <a:schemeClr val="bg1">
+                              <a:lumMod val="65000"/>
+                            </a:schemeClr>
+                          </a:solidFill>
+                        </a:rPr>
+                        <a:t>fn</a:t>
+                      </a:r>
+                      <a:r>
+                        <a:rPr lang="en-US" sz="2400" baseline="0" dirty="0" smtClean="0">
+                          <a:solidFill>
+                            <a:schemeClr val="bg1">
+                              <a:lumMod val="65000"/>
+                            </a:schemeClr>
+                          </a:solidFill>
+                        </a:rPr>
+                        <a:t> to use it.</a:t>
+                      </a:r>
+                      <a:endParaRPr lang="en-US" sz="2400" dirty="0">
+                        <a:solidFill>
+                          <a:schemeClr val="bg1">
+                            <a:lumMod val="65000"/>
+                          </a:schemeClr>
+                        </a:solidFill>
+                      </a:endParaRPr>
+                    </a:p>
+                  </a:txBody>
+                  <a:tcPr/>
+                </a:tc>
+              </a:tr>
+            </a:tbl>
+          </a:graphicData>
+        </a:graphic>
+      </p:graphicFrame>
+      <p:sp>
+        <p:nvSpPr>
+          <p:cNvPr id="5" name="Rounded Rectangle 4"/>
+          <p:cNvSpPr/>
+          <p:nvPr/>
+        </p:nvSpPr>
+        <p:spPr>
+          <a:xfrm>
+            <a:off x="457200" y="1981200"/>
+            <a:ext cx="8229600" cy="3200400"/>
+          </a:xfrm>
+          <a:prstGeom prst="roundRect">
+            <a:avLst>
+              <a:gd name="adj" fmla="val 4685"/>
+            </a:avLst>
+          </a:prstGeom>
+          <a:noFill/>
+          <a:ln w="38100">
+            <a:solidFill>
+              <a:srgbClr val="AC0000"/>
+            </a:solidFill>
+          </a:ln>
+        </p:spPr>
+        <p:style>
+          <a:lnRef idx="2">
+            <a:schemeClr val="accent1">
+              <a:shade val="50000"/>
+            </a:schemeClr>
+          </a:lnRef>
+          <a:fillRef idx="1">
+            <a:schemeClr val="accent1"/>
+          </a:fillRef>
+          <a:effectRef idx="0">
+            <a:schemeClr val="accent1"/>
+          </a:effectRef>
+          <a:fontRef idx="minor">
+            <a:schemeClr val="lt1"/>
+          </a:fontRef>
+        </p:style>
+        <p:txBody>
+          <a:bodyPr rtlCol="0" anchor="ctr"/>
+          <a:lstStyle/>
+          <a:p>
+            <a:pPr algn="ctr"/>
+            <a:endParaRPr lang="en-US"/>
+          </a:p>
+        </p:txBody>
+      </p:sp>
+      <p:sp>
+        <p:nvSpPr>
+          <p:cNvPr id="3" name="Slide Number Placeholder 2"/>
+          <p:cNvSpPr>
+            <a:spLocks noGrp="1"/>
+          </p:cNvSpPr>
+          <p:nvPr>
+            <p:ph type="sldNum" sz="quarter" idx="12"/>
+          </p:nvPr>
+        </p:nvSpPr>
+        <p:spPr/>
+        <p:txBody>
+          <a:bodyPr/>
+          <a:lstStyle/>
+          <a:p>
+            <a:fld id="{8D704B19-8EED-495A-99FA-12E5518CCC54}" type="slidenum">
+              <a:rPr lang="en-US" smtClean="0"/>
+              <a:pPr/>
+              <a:t>6</a:t>
+            </a:fld>
+            <a:endParaRPr lang="en-US"/>
+          </a:p>
+        </p:txBody>
+      </p:sp>
+    </p:spTree>
+    <p:extLst>
+      <p:ext uri="{BB962C8B-B14F-4D97-AF65-F5344CB8AC3E}">
+        <p14:creationId xmlns:p14="http://schemas.microsoft.com/office/powerpoint/2010/main" val="871142231"/>
+      </p:ext>
+    </p:extLst>
+  </p:cSld>
+  <p:clrMapOvr>
+    <a:masterClrMapping/>
+  </p:clrMapOvr>
+  <p:timing>
+    <p:tnLst>
+      <p:par>
+        <p:cTn id="1" dur="indefinite" restart="never" nodeType="tmRoot"/>
+      </p:par>
+    </p:tnLst>
+  </p:timing>
+</p:sld>
+</file>
+
+<file path=ppt/slides/slide7.xml><?xml version="1.0" encoding="utf-8"?>
+<p:sld xmlns:a="http://schemas.openxmlformats.org/drawingml/2006/main" xmlns:r="http://schemas.openxmlformats.org/officeDocument/2006/relationships" xmlns:p="http://schemas.openxmlformats.org/presentationml/2006/main">
+  <p:cSld>
+    <p:spTree>
+      <p:nvGrpSpPr>
+        <p:cNvPr id="1" name=""/>
+        <p:cNvGrpSpPr/>
+        <p:nvPr/>
+      </p:nvGrpSpPr>
+      <p:grpSpPr>
+        <a:xfrm>
+          <a:off x="0" y="0"/>
+          <a:ext cx="0" cy="0"/>
+          <a:chOff x="0" y="0"/>
+          <a:chExt cx="0" cy="0"/>
+        </a:xfrm>
+      </p:grpSpPr>
+      <p:sp>
+        <p:nvSpPr>
+          <p:cNvPr id="2" name="Title 1"/>
+          <p:cNvSpPr>
+            <a:spLocks noGrp="1"/>
+          </p:cNvSpPr>
+          <p:nvPr>
+            <p:ph type="title"/>
+          </p:nvPr>
+        </p:nvSpPr>
+        <p:spPr/>
+        <p:txBody>
+          <a:bodyPr/>
+          <a:lstStyle/>
+          <a:p>
+            <a:r>
+              <a:rPr lang="en-US" dirty="0" smtClean="0"/>
+              <a:t>Lesson Outline</a:t>
+            </a:r>
+            <a:endParaRPr lang="en-US" dirty="0"/>
+          </a:p>
+        </p:txBody>
+      </p:sp>
+      <p:sp>
+        <p:nvSpPr>
+          <p:cNvPr id="3" name="Content Placeholder 2"/>
+          <p:cNvSpPr>
+            <a:spLocks noGrp="1"/>
+          </p:cNvSpPr>
+          <p:nvPr>
+            <p:ph idx="1"/>
+          </p:nvPr>
+        </p:nvSpPr>
+        <p:spPr/>
+        <p:txBody>
+          <a:bodyPr/>
+          <a:lstStyle/>
+          <a:p>
+            <a:r>
+              <a:rPr lang="en-US" dirty="0" smtClean="0"/>
+              <a:t>In this lesson, we'll learn how to apply the template recipe to itemization, compound, and mixed data.</a:t>
+            </a:r>
+          </a:p>
+          <a:p>
+            <a:r>
+              <a:rPr lang="en-US" dirty="0" smtClean="0"/>
+              <a:t>We’ll start with mixed data, and then see how to work out the special cases of compound and itemization data.</a:t>
+            </a:r>
+          </a:p>
+          <a:p>
+            <a:r>
+              <a:rPr lang="en-US" dirty="0" smtClean="0"/>
+              <a:t>Let’s start with the </a:t>
+            </a:r>
+            <a:r>
+              <a:rPr lang="en-US" dirty="0" err="1" smtClean="0"/>
+              <a:t>BarOrder</a:t>
+            </a:r>
+            <a:r>
+              <a:rPr lang="en-US" dirty="0" smtClean="0"/>
+              <a:t> example.  We’ll follow the template recipe.</a:t>
+            </a:r>
+            <a:endParaRPr lang="en-US" dirty="0"/>
+          </a:p>
+        </p:txBody>
+      </p:sp>
+      <p:sp>
+        <p:nvSpPr>
+          <p:cNvPr id="4" name="Slide Number Placeholder 3"/>
+          <p:cNvSpPr>
+            <a:spLocks noGrp="1"/>
+          </p:cNvSpPr>
+          <p:nvPr>
+            <p:ph type="sldNum" sz="quarter" idx="12"/>
+          </p:nvPr>
+        </p:nvSpPr>
+        <p:spPr/>
+        <p:txBody>
+          <a:bodyPr/>
+          <a:lstStyle/>
+          <a:p>
+            <a:fld id="{8D704B19-8EED-495A-99FA-12E5518CCC54}" type="slidenum">
+              <a:rPr lang="en-US" smtClean="0"/>
+              <a:pPr/>
+              <a:t>7</a:t>
+            </a:fld>
+            <a:endParaRPr lang="en-US"/>
+          </a:p>
+        </p:txBody>
+      </p:sp>
+    </p:spTree>
+    <p:extLst>
+      <p:ext uri="{BB962C8B-B14F-4D97-AF65-F5344CB8AC3E}">
+        <p14:creationId xmlns:p14="http://schemas.microsoft.com/office/powerpoint/2010/main" val="1733570875"/>
+      </p:ext>
+    </p:extLst>
+  </p:cSld>
+  <p:clrMapOvr>
+    <a:masterClrMapping/>
+  </p:clrMapOvr>
+  <p:timing>
+    <p:tnLst>
+      <p:par>
+        <p:cTn id="1" dur="indefinite" restart="never" nodeType="tmRoot"/>
+      </p:par>
+    </p:tnLst>
+  </p:timing>
+</p:sld>
+</file>
+
+<file path=ppt/slides/slide8.xml><?xml version="1.0" encoding="utf-8"?>
+<p:sld xmlns:a="http://schemas.openxmlformats.org/drawingml/2006/main" xmlns:r="http://schemas.openxmlformats.org/officeDocument/2006/relationships" xmlns:p="http://schemas.openxmlformats.org/presentationml/2006/main">
+  <p:cSld>
+    <p:spTree>
+      <p:nvGrpSpPr>
+        <p:cNvPr id="1" name=""/>
+        <p:cNvGrpSpPr/>
+        <p:nvPr/>
+      </p:nvGrpSpPr>
+      <p:grpSpPr>
+        <a:xfrm>
+          <a:off x="0" y="0"/>
+          <a:ext cx="0" cy="0"/>
+          <a:chOff x="0" y="0"/>
+          <a:chExt cx="0" cy="0"/>
+        </a:xfrm>
+      </p:grpSpPr>
+      <p:sp>
+        <p:nvSpPr>
+          <p:cNvPr id="3" name="Content Placeholder 2"/>
+          <p:cNvSpPr>
+            <a:spLocks noGrp="1"/>
+          </p:cNvSpPr>
+          <p:nvPr>
+            <p:ph idx="1"/>
+          </p:nvPr>
+        </p:nvSpPr>
+        <p:spPr>
+          <a:xfrm>
+            <a:off x="457200" y="1295400"/>
+            <a:ext cx="7772400" cy="5029200"/>
+          </a:xfrm>
+        </p:spPr>
+        <p:txBody>
+          <a:bodyPr>
+            <a:noAutofit/>
+          </a:bodyPr>
+          <a:lstStyle/>
+          <a:p>
+            <a:pPr>
+              <a:buNone/>
+            </a:pPr>
+            <a:r>
+              <a:rPr lang="en-US" sz="1600" b="1" dirty="0" smtClean="0">
+                <a:latin typeface="Consolas" pitchFamily="49" charset="0"/>
+                <a:cs typeface="Consolas" pitchFamily="49" charset="0"/>
+              </a:rPr>
+              <a:t>(</a:t>
+            </a:r>
+            <a:r>
+              <a:rPr lang="en-US" sz="1600" b="1" dirty="0">
+                <a:latin typeface="Consolas" pitchFamily="49" charset="0"/>
+                <a:cs typeface="Consolas" pitchFamily="49" charset="0"/>
+              </a:rPr>
+              <a:t>define-struct </a:t>
+            </a:r>
+            <a:r>
+              <a:rPr lang="en-US" sz="1600" b="1" dirty="0" smtClean="0">
+                <a:latin typeface="Consolas" pitchFamily="49" charset="0"/>
+                <a:cs typeface="Consolas" pitchFamily="49" charset="0"/>
+              </a:rPr>
+              <a:t>coffee (size </a:t>
+            </a:r>
+            <a:r>
+              <a:rPr lang="en-US" sz="1600" b="1" dirty="0">
+                <a:latin typeface="Consolas" pitchFamily="49" charset="0"/>
+                <a:cs typeface="Consolas" pitchFamily="49" charset="0"/>
+              </a:rPr>
+              <a:t>type milk?))</a:t>
+            </a:r>
+          </a:p>
+          <a:p>
+            <a:pPr>
+              <a:buNone/>
+            </a:pPr>
+            <a:r>
+              <a:rPr lang="en-US" sz="1600" b="1" dirty="0">
+                <a:latin typeface="Consolas" pitchFamily="49" charset="0"/>
+                <a:cs typeface="Consolas" pitchFamily="49" charset="0"/>
+              </a:rPr>
+              <a:t>(define-struct wine (vineyard year))</a:t>
+            </a:r>
+          </a:p>
+          <a:p>
+            <a:pPr>
+              <a:buNone/>
+            </a:pPr>
+            <a:r>
+              <a:rPr lang="en-US" sz="1600" b="1" dirty="0">
+                <a:latin typeface="Consolas" pitchFamily="49" charset="0"/>
+                <a:cs typeface="Consolas" pitchFamily="49" charset="0"/>
+              </a:rPr>
+              <a:t>(define-struct tea (size type))</a:t>
+            </a:r>
+          </a:p>
+          <a:p>
+            <a:pPr>
+              <a:buNone/>
+            </a:pPr>
+            <a:endParaRPr lang="en-US" sz="1600" b="1" dirty="0">
+              <a:latin typeface="Consolas" pitchFamily="49" charset="0"/>
+              <a:cs typeface="Consolas" pitchFamily="49" charset="0"/>
+            </a:endParaRPr>
+          </a:p>
+          <a:p>
+            <a:pPr>
+              <a:buNone/>
+            </a:pPr>
+            <a:r>
+              <a:rPr lang="en-US" sz="1600" b="1" dirty="0">
+                <a:latin typeface="Consolas" pitchFamily="49" charset="0"/>
+                <a:cs typeface="Consolas" pitchFamily="49" charset="0"/>
+              </a:rPr>
+              <a:t>;; A </a:t>
+            </a:r>
+            <a:r>
+              <a:rPr lang="en-US" sz="1600" b="1" dirty="0" err="1">
+                <a:latin typeface="Consolas" pitchFamily="49" charset="0"/>
+                <a:cs typeface="Consolas" pitchFamily="49" charset="0"/>
+              </a:rPr>
+              <a:t>BarOrder</a:t>
+            </a:r>
+            <a:r>
+              <a:rPr lang="en-US" sz="1600" b="1" dirty="0">
+                <a:latin typeface="Consolas" pitchFamily="49" charset="0"/>
+                <a:cs typeface="Consolas" pitchFamily="49" charset="0"/>
+              </a:rPr>
+              <a:t> is one of</a:t>
+            </a:r>
+          </a:p>
+          <a:p>
+            <a:pPr>
+              <a:buNone/>
+            </a:pPr>
+            <a:r>
+              <a:rPr lang="en-US" sz="1600" b="1" dirty="0">
+                <a:latin typeface="Consolas" pitchFamily="49" charset="0"/>
+                <a:cs typeface="Consolas" pitchFamily="49" charset="0"/>
+              </a:rPr>
+              <a:t>;; -- (make-coffee Size </a:t>
+            </a:r>
+            <a:r>
+              <a:rPr lang="en-US" sz="1600" b="1" dirty="0" smtClean="0">
+                <a:latin typeface="Consolas" pitchFamily="49" charset="0"/>
+                <a:cs typeface="Consolas" pitchFamily="49" charset="0"/>
+              </a:rPr>
+              <a:t>Type Boolean</a:t>
+            </a:r>
+            <a:r>
+              <a:rPr lang="en-US" sz="1600" b="1" dirty="0">
+                <a:latin typeface="Consolas" pitchFamily="49" charset="0"/>
+                <a:cs typeface="Consolas" pitchFamily="49" charset="0"/>
+              </a:rPr>
+              <a:t>)</a:t>
+            </a:r>
+          </a:p>
+          <a:p>
+            <a:pPr>
+              <a:buNone/>
+            </a:pPr>
+            <a:r>
+              <a:rPr lang="en-US" sz="1600" b="1" dirty="0">
+                <a:solidFill>
+                  <a:srgbClr val="FF0000"/>
+                </a:solidFill>
+                <a:latin typeface="Consolas" pitchFamily="49" charset="0"/>
+                <a:cs typeface="Consolas" pitchFamily="49" charset="0"/>
+              </a:rPr>
+              <a:t>;;  </a:t>
+            </a:r>
+            <a:r>
+              <a:rPr lang="en-US" sz="1600" b="1" dirty="0" smtClean="0">
+                <a:solidFill>
+                  <a:srgbClr val="FF0000"/>
+                </a:solidFill>
+                <a:latin typeface="Consolas" pitchFamily="49" charset="0"/>
+                <a:cs typeface="Consolas" pitchFamily="49" charset="0"/>
+              </a:rPr>
+              <a:t>INTERP: </a:t>
+            </a:r>
+            <a:endParaRPr lang="en-US" sz="1600" b="1" dirty="0">
+              <a:solidFill>
+                <a:srgbClr val="FF0000"/>
+              </a:solidFill>
+              <a:latin typeface="Consolas" pitchFamily="49" charset="0"/>
+              <a:cs typeface="Consolas" pitchFamily="49" charset="0"/>
+            </a:endParaRPr>
+          </a:p>
+          <a:p>
+            <a:pPr>
+              <a:buNone/>
+            </a:pPr>
+            <a:r>
+              <a:rPr lang="en-US" sz="1600" b="1" dirty="0">
+                <a:solidFill>
+                  <a:srgbClr val="FF0000"/>
+                </a:solidFill>
+                <a:latin typeface="Consolas" pitchFamily="49" charset="0"/>
+                <a:cs typeface="Consolas" pitchFamily="49" charset="0"/>
+              </a:rPr>
+              <a:t>;;   size is the size of cup desired</a:t>
+            </a:r>
+          </a:p>
+          <a:p>
+            <a:pPr>
+              <a:buNone/>
+            </a:pPr>
+            <a:r>
+              <a:rPr lang="en-US" sz="1600" b="1" dirty="0">
+                <a:solidFill>
+                  <a:srgbClr val="FF0000"/>
+                </a:solidFill>
+                <a:latin typeface="Consolas" pitchFamily="49" charset="0"/>
+                <a:cs typeface="Consolas" pitchFamily="49" charset="0"/>
+              </a:rPr>
+              <a:t>;;   type is the origin of the </a:t>
+            </a:r>
+            <a:r>
+              <a:rPr lang="en-US" sz="1600" b="1" dirty="0" smtClean="0">
+                <a:solidFill>
+                  <a:srgbClr val="FF0000"/>
+                </a:solidFill>
+                <a:latin typeface="Consolas" pitchFamily="49" charset="0"/>
+                <a:cs typeface="Consolas" pitchFamily="49" charset="0"/>
+              </a:rPr>
+              <a:t>coffee </a:t>
+            </a:r>
+            <a:endParaRPr lang="en-US" sz="1600" b="1" dirty="0" smtClean="0">
+              <a:solidFill>
+                <a:srgbClr val="FF0000"/>
+              </a:solidFill>
+              <a:latin typeface="Consolas" pitchFamily="49" charset="0"/>
+              <a:cs typeface="Consolas" pitchFamily="49" charset="0"/>
+            </a:endParaRPr>
+          </a:p>
+          <a:p>
+            <a:pPr>
+              <a:buNone/>
+            </a:pPr>
+            <a:r>
+              <a:rPr lang="en-US" sz="1600" b="1" dirty="0" smtClean="0">
+                <a:solidFill>
+                  <a:srgbClr val="FF0000"/>
+                </a:solidFill>
+                <a:latin typeface="Consolas" pitchFamily="49" charset="0"/>
+                <a:cs typeface="Consolas" pitchFamily="49" charset="0"/>
+              </a:rPr>
+              <a:t>;;   milk? tells whether milk is desired.</a:t>
+            </a:r>
+          </a:p>
+          <a:p>
+            <a:pPr>
+              <a:buNone/>
+            </a:pPr>
+            <a:r>
+              <a:rPr lang="en-US" sz="1600" b="1" dirty="0" smtClean="0">
+                <a:latin typeface="Consolas" pitchFamily="49" charset="0"/>
+                <a:cs typeface="Consolas" pitchFamily="49" charset="0"/>
+              </a:rPr>
+              <a:t>;; -- </a:t>
+            </a:r>
+            <a:r>
+              <a:rPr lang="en-US" sz="1600" b="1" dirty="0">
+                <a:latin typeface="Consolas" pitchFamily="49" charset="0"/>
+                <a:cs typeface="Consolas" pitchFamily="49" charset="0"/>
+              </a:rPr>
+              <a:t>(make-wine Vineyard Year)</a:t>
+            </a:r>
+          </a:p>
+          <a:p>
+            <a:pPr>
+              <a:buNone/>
+            </a:pPr>
+            <a:r>
+              <a:rPr lang="en-US" sz="1600" b="1" dirty="0">
+                <a:solidFill>
+                  <a:srgbClr val="FF0000"/>
+                </a:solidFill>
+                <a:latin typeface="Consolas" pitchFamily="49" charset="0"/>
+                <a:cs typeface="Consolas" pitchFamily="49" charset="0"/>
+              </a:rPr>
+              <a:t>;; </a:t>
+            </a:r>
+            <a:r>
+              <a:rPr lang="en-US" sz="1600" b="1" dirty="0" smtClean="0">
+                <a:solidFill>
+                  <a:srgbClr val="FF0000"/>
+                </a:solidFill>
+                <a:latin typeface="Consolas" pitchFamily="49" charset="0"/>
+                <a:cs typeface="Consolas" pitchFamily="49" charset="0"/>
+              </a:rPr>
+              <a:t> INTERP:</a:t>
+            </a:r>
+            <a:endParaRPr lang="en-US" sz="1600" b="1" dirty="0">
+              <a:solidFill>
+                <a:srgbClr val="FF0000"/>
+              </a:solidFill>
+              <a:latin typeface="Consolas" pitchFamily="49" charset="0"/>
+              <a:cs typeface="Consolas" pitchFamily="49" charset="0"/>
+            </a:endParaRPr>
+          </a:p>
+          <a:p>
+            <a:pPr>
+              <a:buNone/>
+            </a:pPr>
+            <a:r>
+              <a:rPr lang="en-US" sz="1600" b="1" dirty="0">
+                <a:solidFill>
+                  <a:srgbClr val="FF0000"/>
+                </a:solidFill>
+                <a:latin typeface="Consolas" pitchFamily="49" charset="0"/>
+                <a:cs typeface="Consolas" pitchFamily="49" charset="0"/>
+              </a:rPr>
+              <a:t>;;   vineyard is the origin of the grapes</a:t>
+            </a:r>
+          </a:p>
+          <a:p>
+            <a:pPr>
+              <a:buNone/>
+            </a:pPr>
+            <a:r>
+              <a:rPr lang="en-US" sz="1600" b="1" dirty="0">
+                <a:solidFill>
+                  <a:srgbClr val="FF0000"/>
+                </a:solidFill>
+                <a:latin typeface="Consolas" pitchFamily="49" charset="0"/>
+                <a:cs typeface="Consolas" pitchFamily="49" charset="0"/>
+              </a:rPr>
+              <a:t>;;   year is the year of harvest</a:t>
+            </a:r>
+          </a:p>
+          <a:p>
+            <a:pPr>
+              <a:buNone/>
+            </a:pPr>
+            <a:r>
+              <a:rPr lang="en-US" sz="1600" b="1" dirty="0">
+                <a:latin typeface="Consolas" pitchFamily="49" charset="0"/>
+                <a:cs typeface="Consolas" pitchFamily="49" charset="0"/>
+              </a:rPr>
+              <a:t>;; -- (make-tea Size String)</a:t>
+            </a:r>
+          </a:p>
+          <a:p>
+            <a:pPr>
+              <a:buNone/>
+            </a:pPr>
+            <a:r>
+              <a:rPr lang="en-US" sz="1600" b="1" dirty="0">
+                <a:latin typeface="Consolas" pitchFamily="49" charset="0"/>
+                <a:cs typeface="Consolas" pitchFamily="49" charset="0"/>
+              </a:rPr>
+              <a:t>;;  </a:t>
+            </a:r>
+            <a:r>
+              <a:rPr lang="en-US" sz="1600" b="1" dirty="0" smtClean="0">
+                <a:latin typeface="Consolas" pitchFamily="49" charset="0"/>
+                <a:cs typeface="Consolas" pitchFamily="49" charset="0"/>
+              </a:rPr>
+              <a:t>INTERP: </a:t>
+            </a:r>
+            <a:endParaRPr lang="en-US" sz="1600" b="1" dirty="0">
+              <a:latin typeface="Consolas" pitchFamily="49" charset="0"/>
+              <a:cs typeface="Consolas" pitchFamily="49" charset="0"/>
+            </a:endParaRPr>
+          </a:p>
+          <a:p>
+            <a:pPr>
+              <a:buNone/>
+            </a:pPr>
+            <a:r>
+              <a:rPr lang="en-US" sz="1600" b="1" dirty="0">
+                <a:solidFill>
+                  <a:srgbClr val="FF0000"/>
+                </a:solidFill>
+                <a:latin typeface="Consolas" pitchFamily="49" charset="0"/>
+                <a:cs typeface="Consolas" pitchFamily="49" charset="0"/>
+              </a:rPr>
+              <a:t>;;   size is the size of cup desired</a:t>
+            </a:r>
+          </a:p>
+          <a:p>
+            <a:pPr>
+              <a:buNone/>
+            </a:pPr>
+            <a:r>
+              <a:rPr lang="en-US" sz="1600" b="1" dirty="0">
+                <a:solidFill>
+                  <a:srgbClr val="FF0000"/>
+                </a:solidFill>
+                <a:latin typeface="Consolas" pitchFamily="49" charset="0"/>
+                <a:cs typeface="Consolas" pitchFamily="49" charset="0"/>
+              </a:rPr>
+              <a:t>;;   type is the type of tea (as a string</a:t>
+            </a:r>
+            <a:r>
+              <a:rPr lang="en-US" sz="1600" b="1" dirty="0" smtClean="0">
+                <a:solidFill>
+                  <a:srgbClr val="FF0000"/>
+                </a:solidFill>
+                <a:latin typeface="Consolas" pitchFamily="49" charset="0"/>
+                <a:cs typeface="Consolas" pitchFamily="49" charset="0"/>
+              </a:rPr>
+              <a:t>)</a:t>
+            </a:r>
+            <a:endParaRPr lang="en-US" sz="1600" b="1" dirty="0">
+              <a:solidFill>
+                <a:srgbClr val="FF0000"/>
+              </a:solidFill>
+              <a:latin typeface="Consolas" pitchFamily="49" charset="0"/>
+              <a:cs typeface="Consolas" pitchFamily="49" charset="0"/>
+            </a:endParaRPr>
+          </a:p>
+        </p:txBody>
+      </p:sp>
+      <p:sp>
+        <p:nvSpPr>
+          <p:cNvPr id="10" name="Title 1"/>
+          <p:cNvSpPr txBox="1">
+            <a:spLocks/>
+          </p:cNvSpPr>
+          <p:nvPr/>
+        </p:nvSpPr>
+        <p:spPr>
+          <a:xfrm>
+            <a:off x="304800" y="199044"/>
+            <a:ext cx="8534400" cy="887958"/>
+          </a:xfrm>
+          <a:prstGeom prst="rect">
+            <a:avLst/>
+          </a:prstGeom>
+        </p:spPr>
+        <p:style>
+          <a:lnRef idx="2">
+            <a:schemeClr val="accent1"/>
+          </a:lnRef>
+          <a:fillRef idx="1">
+            <a:schemeClr val="lt1"/>
+          </a:fillRef>
+          <a:effectRef idx="0">
+            <a:schemeClr val="accent1"/>
+          </a:effectRef>
+          <a:fontRef idx="minor">
+            <a:schemeClr val="dk1"/>
+          </a:fontRef>
+        </p:style>
+        <p:txBody>
+          <a:bodyPr vert="horz" lIns="91440" tIns="45720" rIns="91440" bIns="45720" rtlCol="0" anchor="ctr">
+            <a:normAutofit fontScale="25000" lnSpcReduction="20000"/>
+          </a:bodyPr>
+          <a:lstStyle>
+            <a:lvl1pPr algn="ctr" defTabSz="457200" rtl="0" eaLnBrk="1" latinLnBrk="0" hangingPunct="1">
+              <a:spcBef>
+                <a:spcPct val="0"/>
+              </a:spcBef>
+              <a:buNone/>
+              <a:defRPr sz="4400" kern="1200">
+                <a:solidFill>
+                  <a:schemeClr val="tx1"/>
+                </a:solidFill>
+                <a:latin typeface="+mj-lt"/>
+                <a:ea typeface="+mj-ea"/>
+                <a:cs typeface="+mj-cs"/>
+              </a:defRPr>
+            </a:lvl1pPr>
+          </a:lstStyle>
+          <a:p>
+            <a:pPr algn="l"/>
+            <a:r>
+              <a:rPr lang="en-US" sz="16000" dirty="0" smtClean="0"/>
+              <a:t>Data Definition for mixed data: </a:t>
+            </a:r>
+            <a:r>
+              <a:rPr lang="en-US" sz="16000" dirty="0" smtClean="0"/>
+              <a:t>example</a:t>
+            </a:r>
+            <a:endParaRPr lang="en-US" dirty="0"/>
+          </a:p>
+        </p:txBody>
+      </p:sp>
+      <p:grpSp>
+        <p:nvGrpSpPr>
+          <p:cNvPr id="5" name="Group 4"/>
+          <p:cNvGrpSpPr/>
+          <p:nvPr/>
+        </p:nvGrpSpPr>
+        <p:grpSpPr>
+          <a:xfrm>
+            <a:off x="5029200" y="1699511"/>
+            <a:ext cx="3173431" cy="369332"/>
+            <a:chOff x="5719141" y="1600200"/>
+            <a:chExt cx="3173431" cy="369332"/>
+          </a:xfrm>
+        </p:grpSpPr>
+        <p:sp>
+          <p:nvSpPr>
+            <p:cNvPr id="6" name="TextBox 5"/>
+            <p:cNvSpPr txBox="1"/>
+            <p:nvPr/>
+          </p:nvSpPr>
+          <p:spPr>
+            <a:xfrm>
+              <a:off x="6400800" y="1600200"/>
+              <a:ext cx="2491772" cy="369332"/>
+            </a:xfrm>
+            <a:prstGeom prst="rect">
+              <a:avLst/>
+            </a:prstGeom>
+            <a:ln/>
+          </p:spPr>
+          <p:style>
+            <a:lnRef idx="2">
+              <a:schemeClr val="accent1"/>
+            </a:lnRef>
+            <a:fillRef idx="1">
+              <a:schemeClr val="lt1"/>
+            </a:fillRef>
+            <a:effectRef idx="0">
+              <a:schemeClr val="accent1"/>
+            </a:effectRef>
+            <a:fontRef idx="minor">
+              <a:schemeClr val="dk1"/>
+            </a:fontRef>
+          </p:style>
+          <p:txBody>
+            <a:bodyPr wrap="none" rtlCol="0">
+              <a:spAutoFit/>
+            </a:bodyPr>
+            <a:lstStyle/>
+            <a:p>
+              <a:r>
+                <a:rPr lang="en-US" dirty="0" smtClean="0"/>
+                <a:t>The structure definitions</a:t>
+              </a:r>
+            </a:p>
+          </p:txBody>
+        </p:sp>
+        <p:cxnSp>
+          <p:nvCxnSpPr>
+            <p:cNvPr id="7" name="Straight Arrow Connector 6"/>
+            <p:cNvCxnSpPr>
+              <a:stCxn id="6" idx="1"/>
+            </p:cNvCxnSpPr>
+            <p:nvPr/>
+          </p:nvCxnSpPr>
+          <p:spPr>
+            <a:xfrm flipH="1">
+              <a:off x="5719141" y="1784866"/>
+              <a:ext cx="681659" cy="0"/>
+            </a:xfrm>
+            <a:prstGeom prst="straightConnector1">
+              <a:avLst/>
+            </a:prstGeom>
+            <a:ln w="19050">
+              <a:tailEnd type="arrow"/>
+            </a:ln>
+          </p:spPr>
+          <p:style>
+            <a:lnRef idx="1">
+              <a:schemeClr val="accent1"/>
+            </a:lnRef>
+            <a:fillRef idx="0">
+              <a:schemeClr val="accent1"/>
+            </a:fillRef>
+            <a:effectRef idx="0">
+              <a:schemeClr val="accent1"/>
+            </a:effectRef>
+            <a:fontRef idx="minor">
+              <a:schemeClr val="tx1"/>
+            </a:fontRef>
+          </p:style>
+        </p:cxnSp>
+      </p:grpSp>
+      <p:sp>
+        <p:nvSpPr>
+          <p:cNvPr id="14" name="Rectangle 13"/>
+          <p:cNvSpPr/>
+          <p:nvPr/>
+        </p:nvSpPr>
+        <p:spPr>
+          <a:xfrm>
+            <a:off x="6400800" y="3276600"/>
+            <a:ext cx="2438400" cy="2220310"/>
+          </a:xfrm>
+          <a:prstGeom prst="rect">
+            <a:avLst/>
+          </a:prstGeom>
+          <a:solidFill>
+            <a:schemeClr val="accent3">
+              <a:lumMod val="40000"/>
+              <a:lumOff val="60000"/>
+            </a:schemeClr>
+          </a:solidFill>
+          <a:ln/>
+        </p:spPr>
+        <p:style>
+          <a:lnRef idx="2">
+            <a:schemeClr val="accent1"/>
+          </a:lnRef>
+          <a:fillRef idx="1">
+            <a:schemeClr val="lt1"/>
+          </a:fillRef>
+          <a:effectRef idx="0">
+            <a:schemeClr val="accent1"/>
+          </a:effectRef>
+          <a:fontRef idx="minor">
+            <a:schemeClr val="dk1"/>
+          </a:fontRef>
+        </p:style>
+        <p:txBody>
+          <a:bodyPr rot="0" spcFirstLastPara="0" vertOverflow="overflow" horzOverflow="overflow" vert="horz" wrap="square" lIns="91440" tIns="45720" rIns="91440" bIns="45720" numCol="1" spcCol="0" rtlCol="0" fromWordArt="0" anchor="ctr" anchorCtr="0" forceAA="0" compatLnSpc="1">
+            <a:prstTxWarp prst="textNoShape">
+              <a:avLst/>
+            </a:prstTxWarp>
+            <a:noAutofit/>
+          </a:bodyPr>
+          <a:lstStyle/>
+          <a:p>
+            <a:pPr>
+              <a:defRPr/>
+            </a:pPr>
+            <a:r>
+              <a:rPr lang="en-US" dirty="0" smtClean="0">
+                <a:solidFill>
+                  <a:schemeClr val="tx1"/>
+                </a:solidFill>
+              </a:rPr>
+              <a:t>Here it's clear what the alternatives </a:t>
+            </a:r>
+            <a:r>
+              <a:rPr lang="en-US" dirty="0" smtClean="0">
+                <a:solidFill>
+                  <a:schemeClr val="tx1"/>
+                </a:solidFill>
+              </a:rPr>
+              <a:t>mean, </a:t>
+            </a:r>
+            <a:r>
+              <a:rPr lang="en-US" dirty="0" smtClean="0">
+                <a:solidFill>
+                  <a:schemeClr val="tx1"/>
+                </a:solidFill>
+              </a:rPr>
+              <a:t>so all we need to provide is the interpretation of each field in each alternative.</a:t>
+            </a:r>
+            <a:endParaRPr lang="en-US" dirty="0">
+              <a:solidFill>
+                <a:schemeClr val="tx1"/>
+              </a:solidFill>
+            </a:endParaRPr>
+          </a:p>
+        </p:txBody>
+      </p:sp>
+      <p:sp>
+        <p:nvSpPr>
+          <p:cNvPr id="2" name="Slide Number Placeholder 1"/>
+          <p:cNvSpPr>
+            <a:spLocks noGrp="1"/>
+          </p:cNvSpPr>
+          <p:nvPr>
+            <p:ph type="sldNum" sz="quarter" idx="12"/>
+          </p:nvPr>
+        </p:nvSpPr>
+        <p:spPr/>
+        <p:txBody>
+          <a:bodyPr/>
+          <a:lstStyle/>
+          <a:p>
+            <a:fld id="{8D704B19-8EED-495A-99FA-12E5518CCC54}" type="slidenum">
+              <a:rPr lang="en-US" smtClean="0"/>
+              <a:pPr/>
+              <a:t>8</a:t>
+            </a:fld>
+            <a:endParaRPr lang="en-US"/>
+          </a:p>
+        </p:txBody>
+      </p:sp>
+      <p:sp>
+        <p:nvSpPr>
+          <p:cNvPr id="4" name="TextBox 3"/>
+          <p:cNvSpPr txBox="1"/>
+          <p:nvPr/>
+        </p:nvSpPr>
+        <p:spPr>
+          <a:xfrm>
+            <a:off x="5680208" y="2356483"/>
+            <a:ext cx="3048000" cy="646331"/>
+          </a:xfrm>
+          <a:prstGeom prst="rect">
+            <a:avLst/>
+          </a:prstGeom>
+          <a:ln/>
+        </p:spPr>
+        <p:style>
+          <a:lnRef idx="2">
+            <a:schemeClr val="accent1"/>
+          </a:lnRef>
+          <a:fillRef idx="1">
+            <a:schemeClr val="lt1"/>
+          </a:fillRef>
+          <a:effectRef idx="0">
+            <a:schemeClr val="accent1"/>
+          </a:effectRef>
+          <a:fontRef idx="minor">
+            <a:schemeClr val="dk1"/>
+          </a:fontRef>
+        </p:style>
+        <p:txBody>
+          <a:bodyPr wrap="square" rtlCol="0">
+            <a:spAutoFit/>
+          </a:bodyPr>
+          <a:lstStyle/>
+          <a:p>
+            <a:r>
+              <a:rPr lang="en-US" dirty="0" smtClean="0"/>
+              <a:t>Presumably Size </a:t>
+            </a:r>
+            <a:r>
+              <a:rPr lang="en-US" dirty="0" smtClean="0"/>
+              <a:t>and Type are </a:t>
+            </a:r>
+            <a:r>
+              <a:rPr lang="en-US" dirty="0" smtClean="0"/>
+              <a:t>data </a:t>
+            </a:r>
+            <a:r>
+              <a:rPr lang="en-US" dirty="0" smtClean="0"/>
+              <a:t>types </a:t>
+            </a:r>
+            <a:r>
+              <a:rPr lang="en-US" dirty="0" smtClean="0"/>
+              <a:t>defined elsewhere.</a:t>
+            </a:r>
+            <a:endParaRPr lang="en-US" dirty="0"/>
+          </a:p>
+        </p:txBody>
+      </p:sp>
+      <p:sp>
+        <p:nvSpPr>
+          <p:cNvPr id="17" name="Freeform 16"/>
+          <p:cNvSpPr/>
+          <p:nvPr/>
+        </p:nvSpPr>
+        <p:spPr>
+          <a:xfrm>
+            <a:off x="3210113" y="2238355"/>
+            <a:ext cx="2479964" cy="499400"/>
+          </a:xfrm>
+          <a:custGeom>
+            <a:avLst/>
+            <a:gdLst>
+              <a:gd name="connsiteX0" fmla="*/ 2479964 w 2479964"/>
+              <a:gd name="connsiteY0" fmla="*/ 416273 h 499400"/>
+              <a:gd name="connsiteX1" fmla="*/ 1648691 w 2479964"/>
+              <a:gd name="connsiteY1" fmla="*/ 636 h 499400"/>
+              <a:gd name="connsiteX2" fmla="*/ 0 w 2479964"/>
+              <a:gd name="connsiteY2" fmla="*/ 499400 h 499400"/>
+            </a:gdLst>
+            <a:ahLst/>
+            <a:cxnLst>
+              <a:cxn ang="0">
+                <a:pos x="connsiteX0" y="connsiteY0"/>
+              </a:cxn>
+              <a:cxn ang="0">
+                <a:pos x="connsiteX1" y="connsiteY1"/>
+              </a:cxn>
+              <a:cxn ang="0">
+                <a:pos x="connsiteX2" y="connsiteY2"/>
+              </a:cxn>
+            </a:cxnLst>
+            <a:rect l="l" t="t" r="r" b="b"/>
+            <a:pathLst>
+              <a:path w="2479964" h="499400">
+                <a:moveTo>
+                  <a:pt x="2479964" y="416273"/>
+                </a:moveTo>
+                <a:cubicBezTo>
+                  <a:pt x="2270991" y="201527"/>
+                  <a:pt x="2062018" y="-13218"/>
+                  <a:pt x="1648691" y="636"/>
+                </a:cubicBezTo>
+                <a:cubicBezTo>
+                  <a:pt x="1235364" y="14490"/>
+                  <a:pt x="617682" y="256945"/>
+                  <a:pt x="0" y="499400"/>
+                </a:cubicBezTo>
+              </a:path>
+            </a:pathLst>
+          </a:custGeom>
+          <a:noFill/>
+          <a:ln w="12700">
+            <a:tailEnd type="arrow"/>
+          </a:ln>
+        </p:spPr>
+        <p:style>
+          <a:lnRef idx="2">
+            <a:schemeClr val="accent1">
+              <a:shade val="50000"/>
+            </a:schemeClr>
+          </a:lnRef>
+          <a:fillRef idx="1">
+            <a:schemeClr val="accent1"/>
+          </a:fillRef>
+          <a:effectRef idx="0">
+            <a:schemeClr val="accent1"/>
+          </a:effectRef>
+          <a:fontRef idx="minor">
+            <a:schemeClr val="lt1"/>
+          </a:fontRef>
+        </p:style>
+        <p:txBody>
+          <a:bodyPr rtlCol="0" anchor="ctr"/>
+          <a:lstStyle/>
+          <a:p>
+            <a:pPr algn="ctr"/>
+            <a:endParaRPr lang="en-US"/>
+          </a:p>
+        </p:txBody>
+      </p:sp>
+      <p:sp>
+        <p:nvSpPr>
+          <p:cNvPr id="11" name="TextBox 10"/>
+          <p:cNvSpPr txBox="1"/>
+          <p:nvPr/>
+        </p:nvSpPr>
+        <p:spPr>
+          <a:xfrm>
+            <a:off x="5430904" y="5705308"/>
+            <a:ext cx="3048000" cy="646331"/>
+          </a:xfrm>
+          <a:prstGeom prst="rect">
+            <a:avLst/>
+          </a:prstGeom>
+          <a:ln/>
+        </p:spPr>
+        <p:style>
+          <a:lnRef idx="2">
+            <a:schemeClr val="accent1"/>
+          </a:lnRef>
+          <a:fillRef idx="1">
+            <a:schemeClr val="lt1"/>
+          </a:fillRef>
+          <a:effectRef idx="0">
+            <a:schemeClr val="accent1"/>
+          </a:effectRef>
+          <a:fontRef idx="minor">
+            <a:schemeClr val="dk1"/>
+          </a:fontRef>
+        </p:style>
+        <p:txBody>
+          <a:bodyPr wrap="square" rtlCol="0">
+            <a:spAutoFit/>
+          </a:bodyPr>
+          <a:lstStyle/>
+          <a:p>
+            <a:r>
+              <a:rPr lang="en-US" dirty="0" smtClean="0"/>
+              <a:t>Presumably </a:t>
+            </a:r>
+            <a:r>
+              <a:rPr lang="en-US" dirty="0" smtClean="0"/>
+              <a:t>Vineyard is also a data type </a:t>
+            </a:r>
+            <a:r>
+              <a:rPr lang="en-US" dirty="0" smtClean="0"/>
+              <a:t>defined elsewhere.</a:t>
+            </a:r>
+            <a:endParaRPr lang="en-US" dirty="0"/>
+          </a:p>
+        </p:txBody>
+      </p:sp>
+      <p:cxnSp>
+        <p:nvCxnSpPr>
+          <p:cNvPr id="9" name="Curved Connector 8"/>
+          <p:cNvCxnSpPr/>
+          <p:nvPr/>
+        </p:nvCxnSpPr>
+        <p:spPr>
+          <a:xfrm rot="10800000">
+            <a:off x="3048000" y="4586672"/>
+            <a:ext cx="2382904" cy="1108934"/>
+          </a:xfrm>
+          <a:prstGeom prst="curvedConnector3">
+            <a:avLst>
+              <a:gd name="adj1" fmla="val 101990"/>
+            </a:avLst>
+          </a:prstGeom>
+          <a:ln>
+            <a:headEnd type="none" w="med" len="med"/>
+            <a:tailEnd type="triangle" w="med" len="med"/>
+          </a:ln>
+        </p:spPr>
+        <p:style>
+          <a:lnRef idx="1">
+            <a:schemeClr val="accent1"/>
+          </a:lnRef>
+          <a:fillRef idx="0">
+            <a:schemeClr val="accent1"/>
+          </a:fillRef>
+          <a:effectRef idx="0">
+            <a:schemeClr val="accent1"/>
+          </a:effectRef>
+          <a:fontRef idx="minor">
+            <a:schemeClr val="tx1"/>
+          </a:fontRef>
+        </p:style>
+      </p:cxnSp>
+    </p:spTree>
+    <p:extLst>
+      <p:ext uri="{BB962C8B-B14F-4D97-AF65-F5344CB8AC3E}">
+        <p14:creationId xmlns:p14="http://schemas.microsoft.com/office/powerpoint/2010/main" val="3257104936"/>
+      </p:ext>
+    </p:extLst>
+  </p:cSld>
+  <p:clrMapOvr>
+    <a:masterClrMapping/>
+  </p:clrMapOvr>
+  <p:timing>
+    <p:tnLst>
+      <p:par>
+        <p:cTn id="1" dur="indefinite" restart="never" nodeType="tmRoot">
+          <p:childTnLst>
+            <p:seq concurrent="1" nextAc="seek">
+              <p:cTn id="2" dur="indefinite" nodeType="mainSeq">
+                <p:childTnLst>
+                  <p:par>
+                    <p:cTn id="3" fill="hold">
+                      <p:stCondLst>
+                        <p:cond delay="indefinite"/>
+                      </p:stCondLst>
+                      <p:childTnLst>
+                        <p:par>
+                          <p:cTn id="4" fill="hold">
+                            <p:stCondLst>
+                              <p:cond delay="0"/>
+                            </p:stCondLst>
+                            <p:childTnLst>
+                              <p:par>
+                                <p:cTn id="5" presetID="10" presetClass="entr" presetSubtype="0" fill="hold" nodeType="clickEffect">
+                                  <p:stCondLst>
+                                    <p:cond delay="0"/>
+                                  </p:stCondLst>
+                                  <p:childTnLst>
+                                    <p:set>
+                                      <p:cBhvr>
+                                        <p:cTn id="6" dur="1" fill="hold">
+                                          <p:stCondLst>
+                                            <p:cond delay="0"/>
+                                          </p:stCondLst>
+                                        </p:cTn>
+                                        <p:tgtEl>
+                                          <p:spTgt spid="5"/>
+                                        </p:tgtEl>
+                                        <p:attrNameLst>
+                                          <p:attrName>style.visibility</p:attrName>
+                                        </p:attrNameLst>
+                                      </p:cBhvr>
+                                      <p:to>
+                                        <p:strVal val="visible"/>
+                                      </p:to>
+                                    </p:set>
+                                    <p:animEffect transition="in" filter="fade">
+                                      <p:cBhvr>
+                                        <p:cTn id="7" dur="500"/>
+                                        <p:tgtEl>
+                                          <p:spTgt spid="5"/>
+                                        </p:tgtEl>
+                                      </p:cBhvr>
+                                    </p:animEffect>
+                                  </p:childTnLst>
+                                </p:cTn>
+                              </p:par>
+                            </p:childTnLst>
+                          </p:cTn>
+                        </p:par>
+                      </p:childTnLst>
+                    </p:cTn>
+                  </p:par>
+                </p:childTnLst>
+              </p:cTn>
+              <p:prevCondLst>
+                <p:cond evt="onPrev" delay="0">
+                  <p:tgtEl>
+                    <p:sldTgt/>
+                  </p:tgtEl>
+                </p:cond>
+              </p:prevCondLst>
+              <p:nextCondLst>
+                <p:cond evt="onNext" delay="0">
+                  <p:tgtEl>
+                    <p:sldTgt/>
+                  </p:tgtEl>
+                </p:cond>
+              </p:nextCondLst>
+            </p:seq>
+          </p:childTnLst>
+        </p:cTn>
+      </p:par>
+    </p:tnLst>
+  </p:timing>
+</p:sld>
+</file>
+
+<file path=ppt/slides/slide9.xml><?xml version="1.0" encoding="utf-8"?>
+<p:sld xmlns:a="http://schemas.openxmlformats.org/drawingml/2006/main" xmlns:r="http://schemas.openxmlformats.org/officeDocument/2006/relationships" xmlns:p="http://schemas.openxmlformats.org/presentationml/2006/main">
+  <p:cSld>
+    <p:spTree>
+      <p:nvGrpSpPr>
+        <p:cNvPr id="1" name=""/>
+        <p:cNvGrpSpPr/>
+        <p:nvPr/>
+      </p:nvGrpSpPr>
+      <p:grpSpPr>
+        <a:xfrm>
+          <a:off x="0" y="0"/>
+          <a:ext cx="0" cy="0"/>
+          <a:chOff x="0" y="0"/>
+          <a:chExt cx="0" cy="0"/>
+        </a:xfrm>
+      </p:grpSpPr>
+      <p:sp>
+        <p:nvSpPr>
+          <p:cNvPr id="5" name="Title 4"/>
+          <p:cNvSpPr>
+            <a:spLocks noGrp="1"/>
+          </p:cNvSpPr>
+          <p:nvPr>
+            <p:ph type="title"/>
+          </p:nvPr>
+        </p:nvSpPr>
+        <p:spPr/>
+        <p:txBody>
+          <a:bodyPr/>
+          <a:lstStyle/>
+          <a:p>
+            <a:r>
+              <a:rPr lang="en-US" dirty="0" smtClean="0"/>
+              <a:t>Writing the template for </a:t>
+            </a:r>
+            <a:r>
+              <a:rPr lang="en-US" dirty="0" err="1" smtClean="0"/>
+              <a:t>BarOrder</a:t>
+            </a:r>
+            <a:endParaRPr lang="en-US" dirty="0"/>
+          </a:p>
+        </p:txBody>
+      </p:sp>
+      <p:sp>
+        <p:nvSpPr>
+          <p:cNvPr id="6" name="Content Placeholder 5"/>
+          <p:cNvSpPr>
+            <a:spLocks noGrp="1"/>
+          </p:cNvSpPr>
+          <p:nvPr>
+            <p:ph idx="1"/>
+          </p:nvPr>
+        </p:nvSpPr>
+        <p:spPr/>
+        <p:txBody>
+          <a:bodyPr>
+            <a:normAutofit lnSpcReduction="10000"/>
+          </a:bodyPr>
+          <a:lstStyle/>
+          <a:p>
+            <a:pPr>
+              <a:spcBef>
+                <a:spcPts val="0"/>
+              </a:spcBef>
+            </a:pPr>
+            <a:r>
+              <a:rPr lang="en-US" sz="2400" dirty="0"/>
+              <a:t>;; </a:t>
+            </a:r>
+            <a:r>
+              <a:rPr lang="en-US" sz="2400" dirty="0" err="1"/>
+              <a:t>bo-fn</a:t>
+            </a:r>
+            <a:r>
+              <a:rPr lang="en-US" sz="2400" dirty="0"/>
+              <a:t> : </a:t>
+            </a:r>
+            <a:r>
+              <a:rPr lang="en-US" sz="2400" dirty="0" err="1"/>
+              <a:t>BarOrder</a:t>
+            </a:r>
+            <a:r>
+              <a:rPr lang="en-US" sz="2400" dirty="0"/>
+              <a:t> -&gt; ??</a:t>
+            </a:r>
+          </a:p>
+          <a:p>
+            <a:pPr>
+              <a:spcBef>
+                <a:spcPts val="0"/>
+              </a:spcBef>
+            </a:pPr>
+            <a:r>
+              <a:rPr lang="en-US" sz="2400" dirty="0" smtClean="0"/>
+              <a:t>(</a:t>
+            </a:r>
+            <a:r>
+              <a:rPr lang="en-US" sz="2400" dirty="0"/>
+              <a:t>define (</a:t>
+            </a:r>
+            <a:r>
+              <a:rPr lang="en-US" sz="2400" dirty="0" err="1"/>
+              <a:t>bo-fn</a:t>
+            </a:r>
+            <a:r>
+              <a:rPr lang="en-US" sz="2400" dirty="0"/>
+              <a:t> order</a:t>
+            </a:r>
+            <a:r>
+              <a:rPr lang="en-US" sz="2400" dirty="0" smtClean="0"/>
+              <a:t>) ...)</a:t>
+            </a:r>
+            <a:endParaRPr lang="en-US" sz="2400" dirty="0"/>
+          </a:p>
+          <a:p>
+            <a:pPr>
+              <a:spcBef>
+                <a:spcPts val="0"/>
+              </a:spcBef>
+            </a:pPr>
+            <a:r>
+              <a:rPr lang="en-US" sz="2400" dirty="0" smtClean="0"/>
+              <a:t>  </a:t>
+            </a:r>
+            <a:r>
+              <a:rPr lang="en-US" sz="2400" dirty="0">
+                <a:solidFill>
+                  <a:schemeClr val="bg1"/>
+                </a:solidFill>
+              </a:rPr>
+              <a:t>(</a:t>
+            </a:r>
+            <a:r>
+              <a:rPr lang="en-US" sz="2400" dirty="0" err="1">
+                <a:solidFill>
+                  <a:schemeClr val="bg1"/>
+                </a:solidFill>
+              </a:rPr>
+              <a:t>cond</a:t>
+            </a:r>
+            <a:endParaRPr lang="en-US" sz="2400" dirty="0">
+              <a:solidFill>
+                <a:schemeClr val="bg1"/>
+              </a:solidFill>
+            </a:endParaRPr>
+          </a:p>
+          <a:p>
+            <a:pPr>
+              <a:spcBef>
+                <a:spcPts val="0"/>
+              </a:spcBef>
+            </a:pPr>
+            <a:r>
+              <a:rPr lang="en-US" sz="2400" dirty="0" smtClean="0">
+                <a:solidFill>
+                  <a:schemeClr val="bg1"/>
+                </a:solidFill>
+              </a:rPr>
+              <a:t>    [... ...]</a:t>
+            </a:r>
+            <a:endParaRPr lang="en-US" sz="2400" dirty="0">
+              <a:solidFill>
+                <a:schemeClr val="bg1"/>
+              </a:solidFill>
+            </a:endParaRPr>
+          </a:p>
+          <a:p>
+            <a:pPr>
+              <a:spcBef>
+                <a:spcPts val="0"/>
+              </a:spcBef>
+            </a:pPr>
+            <a:r>
+              <a:rPr lang="en-US" sz="2400" dirty="0" smtClean="0">
+                <a:solidFill>
+                  <a:schemeClr val="bg1"/>
+                </a:solidFill>
+              </a:rPr>
+              <a:t>                      </a:t>
+            </a:r>
+            <a:r>
+              <a:rPr lang="en-US" sz="2400" dirty="0">
+                <a:solidFill>
+                  <a:schemeClr val="bg1"/>
+                </a:solidFill>
+              </a:rPr>
+              <a:t>(coffee-size order)</a:t>
+            </a:r>
+          </a:p>
+          <a:p>
+            <a:pPr>
+              <a:spcBef>
+                <a:spcPts val="0"/>
+              </a:spcBef>
+            </a:pPr>
+            <a:r>
+              <a:rPr lang="en-US" sz="2400" dirty="0" smtClean="0">
+                <a:solidFill>
+                  <a:schemeClr val="bg1"/>
+                </a:solidFill>
+              </a:rPr>
+              <a:t>                      </a:t>
+            </a:r>
+            <a:r>
+              <a:rPr lang="en-US" sz="2400" dirty="0">
+                <a:solidFill>
+                  <a:schemeClr val="bg1"/>
+                </a:solidFill>
+              </a:rPr>
+              <a:t>(coffee-type order)</a:t>
+            </a:r>
+          </a:p>
+          <a:p>
+            <a:pPr>
+              <a:spcBef>
+                <a:spcPts val="0"/>
+              </a:spcBef>
+            </a:pPr>
+            <a:r>
+              <a:rPr lang="en-US" sz="2400" dirty="0" smtClean="0">
+                <a:solidFill>
+                  <a:schemeClr val="bg1"/>
+                </a:solidFill>
+              </a:rPr>
+              <a:t>                      </a:t>
+            </a:r>
+            <a:r>
+              <a:rPr lang="en-US" sz="2400" dirty="0">
+                <a:solidFill>
+                  <a:schemeClr val="bg1"/>
+                </a:solidFill>
+              </a:rPr>
+              <a:t>(coffee-milk? order))]</a:t>
+            </a:r>
+          </a:p>
+          <a:p>
+            <a:pPr>
+              <a:spcBef>
+                <a:spcPts val="0"/>
+              </a:spcBef>
+            </a:pPr>
+            <a:r>
+              <a:rPr lang="en-US" sz="2400" dirty="0" smtClean="0">
+                <a:solidFill>
+                  <a:schemeClr val="bg1"/>
+                </a:solidFill>
+              </a:rPr>
+              <a:t>    [... ...] </a:t>
+            </a:r>
+            <a:r>
+              <a:rPr lang="en-US" sz="2400" dirty="0">
+                <a:solidFill>
+                  <a:schemeClr val="bg1"/>
+                </a:solidFill>
+              </a:rPr>
+              <a:t>(...</a:t>
+            </a:r>
+          </a:p>
+          <a:p>
+            <a:pPr>
+              <a:spcBef>
+                <a:spcPts val="0"/>
+              </a:spcBef>
+            </a:pPr>
+            <a:r>
+              <a:rPr lang="en-US" sz="2400" dirty="0" smtClean="0">
+                <a:solidFill>
+                  <a:schemeClr val="bg1"/>
+                </a:solidFill>
+              </a:rPr>
+              <a:t>                    </a:t>
+            </a:r>
+            <a:r>
+              <a:rPr lang="en-US" sz="2400" dirty="0">
+                <a:solidFill>
+                  <a:schemeClr val="bg1"/>
+                </a:solidFill>
+              </a:rPr>
+              <a:t>(wine-vineyard order)</a:t>
+            </a:r>
+          </a:p>
+          <a:p>
+            <a:pPr>
+              <a:spcBef>
+                <a:spcPts val="0"/>
+              </a:spcBef>
+            </a:pPr>
+            <a:r>
+              <a:rPr lang="en-US" sz="2400" dirty="0" smtClean="0">
+                <a:solidFill>
+                  <a:schemeClr val="bg1"/>
+                </a:solidFill>
+              </a:rPr>
+              <a:t>                    </a:t>
+            </a:r>
+            <a:r>
+              <a:rPr lang="en-US" sz="2400" dirty="0">
+                <a:solidFill>
+                  <a:schemeClr val="bg1"/>
+                </a:solidFill>
+              </a:rPr>
+              <a:t>(wine-year order))]</a:t>
+            </a:r>
+          </a:p>
+          <a:p>
+            <a:pPr>
+              <a:spcBef>
+                <a:spcPts val="0"/>
+              </a:spcBef>
+            </a:pPr>
+            <a:r>
+              <a:rPr lang="en-US" sz="2400" dirty="0" smtClean="0">
+                <a:solidFill>
+                  <a:schemeClr val="bg1"/>
+                </a:solidFill>
+              </a:rPr>
+              <a:t>    [... ...]) </a:t>
+            </a:r>
+            <a:endParaRPr lang="en-US" sz="2400" dirty="0"/>
+          </a:p>
+          <a:p>
+            <a:pPr>
+              <a:spcBef>
+                <a:spcPts val="0"/>
+              </a:spcBef>
+            </a:pPr>
+            <a:r>
+              <a:rPr lang="en-US" sz="2400" dirty="0" smtClean="0">
+                <a:solidFill>
+                  <a:schemeClr val="bg1"/>
+                </a:solidFill>
+              </a:rPr>
+              <a:t>                   </a:t>
+            </a:r>
+            <a:r>
+              <a:rPr lang="en-US" sz="2400" dirty="0">
+                <a:solidFill>
+                  <a:schemeClr val="bg1"/>
+                </a:solidFill>
+              </a:rPr>
+              <a:t>(tea-size order)</a:t>
+            </a:r>
+          </a:p>
+          <a:p>
+            <a:pPr>
+              <a:spcBef>
+                <a:spcPts val="0"/>
+              </a:spcBef>
+            </a:pPr>
+            <a:r>
+              <a:rPr lang="en-US" sz="2400" dirty="0" smtClean="0">
+                <a:solidFill>
+                  <a:schemeClr val="bg1"/>
+                </a:solidFill>
+              </a:rPr>
+              <a:t>                   </a:t>
+            </a:r>
+            <a:r>
+              <a:rPr lang="en-US" sz="2400" dirty="0">
+                <a:solidFill>
+                  <a:schemeClr val="bg1"/>
+                </a:solidFill>
+              </a:rPr>
+              <a:t>(tea-type order))]))</a:t>
+            </a:r>
+          </a:p>
+        </p:txBody>
+      </p:sp>
+      <p:sp>
+        <p:nvSpPr>
+          <p:cNvPr id="4" name="Slide Number Placeholder 3"/>
+          <p:cNvSpPr>
+            <a:spLocks noGrp="1"/>
+          </p:cNvSpPr>
+          <p:nvPr>
+            <p:ph type="sldNum" sz="quarter" idx="12"/>
+          </p:nvPr>
+        </p:nvSpPr>
+        <p:spPr/>
+        <p:txBody>
+          <a:bodyPr/>
+          <a:lstStyle/>
+          <a:p>
+            <a:fld id="{8D704B19-8EED-495A-99FA-12E5518CCC54}" type="slidenum">
+              <a:rPr lang="en-US" smtClean="0"/>
+              <a:pPr/>
+              <a:t>9</a:t>
+            </a:fld>
+            <a:endParaRPr lang="en-US"/>
+          </a:p>
+        </p:txBody>
+      </p:sp>
+      <p:sp>
+        <p:nvSpPr>
+          <p:cNvPr id="7" name="Rectangle 6"/>
+          <p:cNvSpPr/>
+          <p:nvPr/>
+        </p:nvSpPr>
+        <p:spPr>
+          <a:xfrm>
+            <a:off x="6081944" y="1219200"/>
+            <a:ext cx="2590800" cy="1447800"/>
+          </a:xfrm>
+          <a:prstGeom prst="rect">
+            <a:avLst/>
+          </a:prstGeom>
+          <a:solidFill>
+            <a:schemeClr val="accent3">
+              <a:lumMod val="40000"/>
+              <a:lumOff val="60000"/>
+            </a:schemeClr>
+          </a:solidFill>
+          <a:ln/>
+        </p:spPr>
+        <p:style>
+          <a:lnRef idx="2">
+            <a:schemeClr val="accent1"/>
+          </a:lnRef>
+          <a:fillRef idx="1">
+            <a:schemeClr val="lt1"/>
+          </a:fillRef>
+          <a:effectRef idx="0">
+            <a:schemeClr val="accent1"/>
+          </a:effectRef>
+          <a:fontRef idx="minor">
+            <a:schemeClr val="dk1"/>
+          </a:fontRef>
+        </p:style>
+        <p:txBody>
+          <a:bodyPr rot="0" spcFirstLastPara="0" vertOverflow="overflow" horzOverflow="overflow" vert="horz" wrap="square" lIns="91440" tIns="45720" rIns="91440" bIns="45720" numCol="1" spcCol="0" rtlCol="0" fromWordArt="0" anchor="ctr" anchorCtr="0" forceAA="0" compatLnSpc="1">
+            <a:prstTxWarp prst="textNoShape">
+              <a:avLst/>
+            </a:prstTxWarp>
+            <a:noAutofit/>
+          </a:bodyPr>
+          <a:lstStyle/>
+          <a:p>
+            <a:pPr>
+              <a:defRPr/>
+            </a:pPr>
+            <a:r>
+              <a:rPr lang="en-US" dirty="0" smtClean="0">
+                <a:solidFill>
+                  <a:schemeClr val="tx1"/>
+                </a:solidFill>
+              </a:rPr>
+              <a:t>Start by writing a template for the contract and the beginning of a function definition</a:t>
+            </a:r>
+            <a:endParaRPr lang="en-US" dirty="0">
+              <a:solidFill>
+                <a:schemeClr val="tx1"/>
+              </a:solidFill>
+            </a:endParaRPr>
+          </a:p>
+        </p:txBody>
+      </p:sp>
+    </p:spTree>
+    <p:extLst>
+      <p:ext uri="{BB962C8B-B14F-4D97-AF65-F5344CB8AC3E}">
+        <p14:creationId xmlns:p14="http://schemas.microsoft.com/office/powerpoint/2010/main" val="451225637"/>
+      </p:ext>
+    </p:extLst>
+  </p:cSld>
+  <p:clrMapOvr>
+    <a:masterClrMapping/>
+  </p:clrMapOvr>
 </p:sld>
 </file>
 
@@ -8023,7 +11101,48 @@
       </a:bgFillStyleLst>
     </a:fmtScheme>
   </a:themeElements>
-  <a:objectDefaults/>
+  <a:objectDefaults>
+    <a:spDef>
+      <a:spPr>
+        <a:solidFill>
+          <a:schemeClr val="accent3">
+            <a:lumMod val="40000"/>
+            <a:lumOff val="60000"/>
+          </a:schemeClr>
+        </a:solidFill>
+        <a:ln/>
+      </a:spPr>
+      <a:bodyPr rot="0" spcFirstLastPara="0" vertOverflow="overflow" horzOverflow="overflow" vert="horz" wrap="square" lIns="91440" tIns="45720" rIns="91440" bIns="45720" numCol="1" spcCol="0" rtlCol="0" fromWordArt="0" anchor="ctr" anchorCtr="0" forceAA="0" compatLnSpc="1">
+        <a:prstTxWarp prst="textNoShape">
+          <a:avLst/>
+        </a:prstTxWarp>
+        <a:noAutofit/>
+      </a:bodyPr>
+      <a:lstStyle>
+        <a:defPPr>
+          <a:defRPr dirty="0" smtClean="0">
+            <a:solidFill>
+              <a:schemeClr val="tx1"/>
+            </a:solidFill>
+          </a:defRPr>
+        </a:defPPr>
+      </a:lstStyle>
+      <a:style>
+        <a:lnRef idx="2">
+          <a:schemeClr val="accent1"/>
+        </a:lnRef>
+        <a:fillRef idx="1">
+          <a:schemeClr val="lt1"/>
+        </a:fillRef>
+        <a:effectRef idx="0">
+          <a:schemeClr val="accent1"/>
+        </a:effectRef>
+        <a:fontRef idx="minor">
+          <a:schemeClr val="dk1"/>
+        </a:fontRef>
+      </a:style>
+    </a:spDef>
+  </a:objectDefaults>
   <a:extraClrSchemeLst/>
 </a:theme>
 </file>

--- a/Slides/Lesson 1.4 Templates.pptx
+++ b/Slides/Lesson 1.4 Templates.pptx
@@ -252,7 +252,7 @@
             <a:fld id="{E3057DDA-BF5C-4879-9957-16E91151DE1E}" type="datetimeFigureOut">
               <a:rPr lang="en-US" smtClean="0"/>
               <a:pPr/>
-              <a:t>8/3/2015</a:t>
+              <a:t>8/12/2015</a:t>
             </a:fld>
             <a:endParaRPr lang="en-US"/>
           </a:p>
@@ -965,7 +965,7 @@
           <a:p>
             <a:fld id="{CAAAFF14-1BC9-4610-BFA0-C87B2AACFE8D}" type="datetime1">
               <a:rPr lang="en-US" smtClean="0"/>
-              <a:t>8/3/2015</a:t>
+              <a:t>8/12/2015</a:t>
             </a:fld>
             <a:endParaRPr lang="en-US"/>
           </a:p>
@@ -1242,7 +1242,7 @@
           <a:p>
             <a:fld id="{FAD7056C-BFB3-40E3-9733-6F195C01469E}" type="datetime1">
               <a:rPr lang="en-US" smtClean="0"/>
-              <a:t>8/3/2015</a:t>
+              <a:t>8/12/2015</a:t>
             </a:fld>
             <a:endParaRPr lang="en-US"/>
           </a:p>
@@ -1429,7 +1429,7 @@
           <a:p>
             <a:fld id="{40BD4659-8546-4E47-9D07-034853389A67}" type="datetime1">
               <a:rPr lang="en-US" smtClean="0"/>
-              <a:t>8/3/2015</a:t>
+              <a:t>8/12/2015</a:t>
             </a:fld>
             <a:endParaRPr lang="en-US"/>
           </a:p>
@@ -1626,7 +1626,7 @@
           <a:p>
             <a:fld id="{C9450362-88EC-413A-A7DE-77EC0CB7C703}" type="datetime1">
               <a:rPr lang="en-US" smtClean="0"/>
-              <a:t>8/3/2015</a:t>
+              <a:t>8/12/2015</a:t>
             </a:fld>
             <a:endParaRPr lang="en-US"/>
           </a:p>
@@ -1832,7 +1832,7 @@
           <a:p>
             <a:fld id="{ED46C774-8990-4016-9EE3-ACC994C5189A}" type="datetime1">
               <a:rPr lang="en-US" smtClean="0"/>
-              <a:t>8/3/2015</a:t>
+              <a:t>8/12/2015</a:t>
             </a:fld>
             <a:endParaRPr lang="en-US"/>
           </a:p>
@@ -2046,7 +2046,7 @@
           <a:p>
             <a:fld id="{1DB9F825-44C0-4EFB-9C1C-5E851688C025}" type="datetime1">
               <a:rPr lang="en-US" smtClean="0"/>
-              <a:t>8/3/2015</a:t>
+              <a:t>8/12/2015</a:t>
             </a:fld>
             <a:endParaRPr lang="en-US"/>
           </a:p>
@@ -2316,7 +2316,7 @@
           <a:p>
             <a:fld id="{959DD8E5-22B2-4478-851D-885FCB226F71}" type="datetime1">
               <a:rPr lang="en-US" smtClean="0"/>
-              <a:t>8/3/2015</a:t>
+              <a:t>8/12/2015</a:t>
             </a:fld>
             <a:endParaRPr lang="en-US"/>
           </a:p>
@@ -2628,7 +2628,7 @@
           <a:p>
             <a:fld id="{F40F6FA6-FD17-4F81-ABC4-490C048865FD}" type="datetime1">
               <a:rPr lang="en-US" smtClean="0"/>
-              <a:t>8/3/2015</a:t>
+              <a:t>8/12/2015</a:t>
             </a:fld>
             <a:endParaRPr lang="en-US"/>
           </a:p>
@@ -3074,7 +3074,7 @@
           <a:p>
             <a:fld id="{457CCA0C-FB56-4D67-9F51-5ABD4832742B}" type="datetime1">
               <a:rPr lang="en-US" smtClean="0"/>
-              <a:t>8/3/2015</a:t>
+              <a:t>8/12/2015</a:t>
             </a:fld>
             <a:endParaRPr lang="en-US"/>
           </a:p>
@@ -3216,7 +3216,7 @@
           <a:p>
             <a:fld id="{6182F7E9-D0DC-4949-B133-573D5E263951}" type="datetime1">
               <a:rPr lang="en-US" smtClean="0"/>
-              <a:t>8/3/2015</a:t>
+              <a:t>8/12/2015</a:t>
             </a:fld>
             <a:endParaRPr lang="en-US"/>
           </a:p>
@@ -3328,7 +3328,7 @@
           <a:p>
             <a:fld id="{3D5E4CC7-5194-4C53-9EBA-A9F28050092C}" type="datetime1">
               <a:rPr lang="en-US" smtClean="0"/>
-              <a:t>8/3/2015</a:t>
+              <a:t>8/12/2015</a:t>
             </a:fld>
             <a:endParaRPr lang="en-US"/>
           </a:p>
@@ -3622,7 +3622,7 @@
           <a:p>
             <a:fld id="{437CCA39-776F-4284-AEFC-64A85D246C48}" type="datetime1">
               <a:rPr lang="en-US" smtClean="0"/>
-              <a:t>8/3/2015</a:t>
+              <a:t>8/12/2015</a:t>
             </a:fld>
             <a:endParaRPr lang="en-US"/>
           </a:p>
@@ -4693,11 +4693,6 @@
               </a:rPr>
               <a:t> with as many alternatives as the data definition has.</a:t>
             </a:r>
-            <a:endParaRPr lang="en-US" dirty="0" smtClean="0">
-              <a:solidFill>
-                <a:schemeClr val="tx1"/>
-              </a:solidFill>
-            </a:endParaRPr>
           </a:p>
         </p:txBody>
       </p:sp>
@@ -5151,11 +5146,6 @@
               </a:rPr>
               <a:t>2. Add predicates that distinguish the different cases</a:t>
             </a:r>
-            <a:endParaRPr lang="en-US" dirty="0" smtClean="0">
-              <a:solidFill>
-                <a:schemeClr val="tx1"/>
-              </a:solidFill>
-            </a:endParaRPr>
           </a:p>
         </p:txBody>
       </p:sp>
@@ -5531,11 +5521,6 @@
               </a:rPr>
               <a:t>3. Add selectors to extract the values of the fields.</a:t>
             </a:r>
-            <a:endParaRPr lang="en-US" dirty="0" smtClean="0">
-              <a:solidFill>
-                <a:schemeClr val="tx1"/>
-              </a:solidFill>
-            </a:endParaRPr>
           </a:p>
         </p:txBody>
       </p:sp>
@@ -5568,11 +5553,7 @@
           <a:p>
             <a:r>
               <a:rPr lang="en-US" dirty="0" smtClean="0"/>
-              <a:t>source file: </a:t>
-            </a:r>
-            <a:r>
-              <a:rPr lang="en-US" dirty="0" smtClean="0"/>
-              <a:t>01-2-template-examples.rkt</a:t>
+              <a:t>source file: 01-2-template-examples.rkt</a:t>
             </a:r>
             <a:endParaRPr lang="en-US" dirty="0"/>
           </a:p>
@@ -5859,11 +5840,7 @@
           <a:p>
             <a:r>
               <a:rPr lang="en-US" dirty="0" smtClean="0"/>
-              <a:t>Template </a:t>
-            </a:r>
-            <a:r>
-              <a:rPr lang="en-US" dirty="0" smtClean="0"/>
-              <a:t>for compound data</a:t>
+              <a:t>Template for compound data</a:t>
             </a:r>
             <a:endParaRPr lang="en-US" dirty="0"/>
           </a:p>
@@ -6598,11 +6575,7 @@
           <a:p>
             <a:r>
               <a:rPr lang="en-US" dirty="0" smtClean="0"/>
-              <a:t>source file: </a:t>
-            </a:r>
-            <a:r>
-              <a:rPr lang="en-US" dirty="0" smtClean="0"/>
-              <a:t>01-2-template-examples.rkt</a:t>
+              <a:t>source file: 01-2-template-examples.rkt</a:t>
             </a:r>
             <a:endParaRPr lang="en-US" dirty="0"/>
           </a:p>
@@ -7190,15 +7163,7 @@
           <a:p>
             <a:r>
               <a:rPr lang="en-US" dirty="0" smtClean="0"/>
-              <a:t>You should now be able to write </a:t>
-            </a:r>
-            <a:r>
-              <a:rPr lang="en-US" dirty="0" smtClean="0"/>
-              <a:t>destructor templates </a:t>
-            </a:r>
-            <a:r>
-              <a:rPr lang="en-US" dirty="0" smtClean="0"/>
-              <a:t>for itemization, compound, and mixed data.</a:t>
+              <a:t>You should now be able to write destructor templates for itemization, compound, and mixed data.</a:t>
             </a:r>
           </a:p>
           <a:p>
@@ -7307,16 +7272,23 @@
           <a:p>
             <a:r>
               <a:rPr lang="en-US" dirty="0" smtClean="0"/>
-              <a:t>Study the files </a:t>
-            </a:r>
-            <a:r>
-              <a:rPr lang="en-US" smtClean="0"/>
-              <a:t>01-2-template-examples.rkt in </a:t>
+              <a:t>Study the files 01-2-template-examples.rkt in the examples folder</a:t>
             </a:r>
             <a:r>
               <a:rPr lang="en-US" dirty="0" smtClean="0"/>
-              <a:t>the examples folder.</a:t>
-            </a:r>
+              <a:t>.</a:t>
+            </a:r>
+          </a:p>
+          <a:p>
+            <a:r>
+              <a:rPr lang="en-US" dirty="0" smtClean="0"/>
+              <a:t>Do </a:t>
+            </a:r>
+            <a:r>
+              <a:rPr lang="en-US" smtClean="0"/>
+              <a:t>Guided Practice 1.2.</a:t>
+            </a:r>
+            <a:endParaRPr lang="en-US" dirty="0" smtClean="0"/>
           </a:p>
           <a:p>
             <a:r>
@@ -7574,15 +7546,7 @@
           <a:p>
             <a:r>
               <a:rPr lang="en-US" dirty="0" smtClean="0"/>
-              <a:t>This step is a little more complicated than the preceding ones, so we have a recipe for </a:t>
-            </a:r>
-            <a:r>
-              <a:rPr lang="en-US" dirty="0" smtClean="0"/>
-              <a:t>this, </a:t>
-            </a:r>
-            <a:r>
-              <a:rPr lang="en-US" dirty="0" smtClean="0"/>
-              <a:t>too!</a:t>
+              <a:t>This step is a little more complicated than the preceding ones, so we have a recipe for this, too!</a:t>
             </a:r>
           </a:p>
           <a:p>
@@ -9575,13 +9539,6 @@
               </a:rPr>
               <a:t>coffee </a:t>
             </a:r>
-            <a:endParaRPr lang="en-US" sz="1600" b="1" dirty="0" smtClean="0">
-              <a:solidFill>
-                <a:srgbClr val="FF0000"/>
-              </a:solidFill>
-              <a:latin typeface="Consolas" pitchFamily="49" charset="0"/>
-              <a:cs typeface="Consolas" pitchFamily="49" charset="0"/>
-            </a:endParaRPr>
           </a:p>
           <a:p>
             <a:pPr>
@@ -9818,11 +9775,7 @@
             <a:pPr algn="l"/>
             <a:r>
               <a:rPr lang="en-US" sz="16000" dirty="0" smtClean="0"/>
-              <a:t>Data Definition for mixed data: </a:t>
-            </a:r>
-            <a:r>
-              <a:rPr lang="en-US" sz="16000" dirty="0" smtClean="0"/>
-              <a:t>example</a:t>
+              <a:t>Data Definition for mixed data: example</a:t>
             </a:r>
             <a:endParaRPr lang="en-US" dirty="0"/>
           </a:p>
@@ -9975,23 +9928,7 @@
                   <a:schemeClr val="tx1"/>
                 </a:solidFill>
               </a:rPr>
-              <a:t>Here it's clear what the alternatives </a:t>
-            </a:r>
-            <a:r>
-              <a:rPr lang="en-US" dirty="0" smtClean="0">
-                <a:solidFill>
-                  <a:schemeClr val="tx1"/>
-                </a:solidFill>
-              </a:rPr>
-              <a:t>mean, </a:t>
-            </a:r>
-            <a:r>
-              <a:rPr lang="en-US" dirty="0" smtClean="0">
-                <a:solidFill>
-                  <a:schemeClr val="tx1"/>
-                </a:solidFill>
-              </a:rPr>
-              <a:t>so all we need to provide is the interpretation of each field in each alternative.</a:t>
+              <a:t>Here it's clear what the alternatives mean, so all we need to provide is the interpretation of each field in each alternative.</a:t>
             </a:r>
             <a:endParaRPr lang="en-US" dirty="0">
               <a:solidFill>
@@ -10063,23 +10000,7 @@
           <a:p>
             <a:r>
               <a:rPr lang="en-US" dirty="0" smtClean="0"/>
-              <a:t>Presumably Size </a:t>
-            </a:r>
-            <a:r>
-              <a:rPr lang="en-US" dirty="0" smtClean="0"/>
-              <a:t>and Type are </a:t>
-            </a:r>
-            <a:r>
-              <a:rPr lang="en-US" dirty="0" smtClean="0"/>
-              <a:t>data </a:t>
-            </a:r>
-            <a:r>
-              <a:rPr lang="en-US" dirty="0" smtClean="0"/>
-              <a:t>types </a:t>
-            </a:r>
-            <a:r>
-              <a:rPr lang="en-US" dirty="0" smtClean="0"/>
-              <a:t>defined elsewhere.</a:t>
+              <a:t>Presumably Size and Type are data types defined elsewhere.</a:t>
             </a:r>
             <a:endParaRPr lang="en-US" dirty="0"/>
           </a:p>
@@ -10205,15 +10126,7 @@
           <a:p>
             <a:r>
               <a:rPr lang="en-US" dirty="0" smtClean="0"/>
-              <a:t>Presumably </a:t>
-            </a:r>
-            <a:r>
-              <a:rPr lang="en-US" dirty="0" smtClean="0"/>
-              <a:t>Vineyard is also a data type </a:t>
-            </a:r>
-            <a:r>
-              <a:rPr lang="en-US" dirty="0" smtClean="0"/>
-              <a:t>defined elsewhere.</a:t>
+              <a:t>Presumably Vineyard is also a data type defined elsewhere.</a:t>
             </a:r>
             <a:endParaRPr lang="en-US" dirty="0"/>
           </a:p>

--- a/Slides/Lesson 1.4 Templates.pptx
+++ b/Slides/Lesson 1.4 Templates.pptx
@@ -252,7 +252,7 @@
             <a:fld id="{E3057DDA-BF5C-4879-9957-16E91151DE1E}" type="datetimeFigureOut">
               <a:rPr lang="en-US" smtClean="0"/>
               <a:pPr/>
-              <a:t>8/12/2015</a:t>
+              <a:t>7/25/2016</a:t>
             </a:fld>
             <a:endParaRPr lang="en-US"/>
           </a:p>
@@ -316,38 +316,37 @@
           <a:p>
             <a:pPr lvl="0"/>
             <a:r>
-              <a:rPr lang="en-US" smtClean="0"/>
+              <a:rPr lang="en-US"/>
               <a:t>Click to edit Master text styles</a:t>
             </a:r>
           </a:p>
           <a:p>
             <a:pPr lvl="1"/>
             <a:r>
-              <a:rPr lang="en-US" smtClean="0"/>
+              <a:rPr lang="en-US"/>
               <a:t>Second level</a:t>
             </a:r>
           </a:p>
           <a:p>
             <a:pPr lvl="2"/>
             <a:r>
-              <a:rPr lang="en-US" smtClean="0"/>
+              <a:rPr lang="en-US"/>
               <a:t>Third level</a:t>
             </a:r>
           </a:p>
           <a:p>
             <a:pPr lvl="3"/>
             <a:r>
-              <a:rPr lang="en-US" smtClean="0"/>
+              <a:rPr lang="en-US"/>
               <a:t>Fourth level</a:t>
             </a:r>
           </a:p>
           <a:p>
             <a:pPr lvl="4"/>
             <a:r>
-              <a:rPr lang="en-US" smtClean="0"/>
+              <a:rPr lang="en-US"/>
               <a:t>Fifth level</a:t>
             </a:r>
-            <a:endParaRPr lang="en-US"/>
           </a:p>
         </p:txBody>
       </p:sp>
@@ -814,10 +813,9 @@
           <a:lstStyle/>
           <a:p>
             <a:r>
-              <a:rPr lang="en-US" smtClean="0"/>
+              <a:rPr lang="en-US"/>
               <a:t>Click to edit Master title style</a:t>
             </a:r>
-            <a:endParaRPr lang="en-US"/>
           </a:p>
         </p:txBody>
       </p:sp>
@@ -933,10 +931,9 @@
           </a:lstStyle>
           <a:p>
             <a:r>
-              <a:rPr lang="en-US" smtClean="0"/>
+              <a:rPr lang="en-US"/>
               <a:t>Click to edit Master subtitle style</a:t>
             </a:r>
-            <a:endParaRPr lang="en-US"/>
           </a:p>
         </p:txBody>
       </p:sp>
@@ -965,7 +962,7 @@
           <a:p>
             <a:fld id="{CAAAFF14-1BC9-4610-BFA0-C87B2AACFE8D}" type="datetime1">
               <a:rPr lang="en-US" smtClean="0"/>
-              <a:t>8/12/2015</a:t>
+              <a:t>7/25/2016</a:t>
             </a:fld>
             <a:endParaRPr lang="en-US"/>
           </a:p>
@@ -1032,13 +1029,6 @@
   <p:clrMapOvr>
     <a:masterClrMapping/>
   </p:clrMapOvr>
-  <p:timing>
-    <p:tnLst>
-      <p:par>
-        <p:cTn id="1" dur="indefinite" restart="never" nodeType="tmRoot"/>
-      </p:par>
-    </p:tnLst>
-  </p:timing>
 </p:sldLayout>
 </file>
 
@@ -1084,10 +1074,9 @@
           </a:lstStyle>
           <a:p>
             <a:r>
-              <a:rPr lang="en-US" smtClean="0"/>
+              <a:rPr lang="en-US"/>
               <a:t>Click to edit Master title style</a:t>
             </a:r>
-            <a:endParaRPr lang="en-US"/>
           </a:p>
         </p:txBody>
       </p:sp>
@@ -1211,7 +1200,7 @@
           <a:p>
             <a:pPr lvl="0"/>
             <a:r>
-              <a:rPr lang="en-US" smtClean="0"/>
+              <a:rPr lang="en-US"/>
               <a:t>Click to edit Master text styles</a:t>
             </a:r>
           </a:p>
@@ -1242,7 +1231,7 @@
           <a:p>
             <a:fld id="{FAD7056C-BFB3-40E3-9733-6F195C01469E}" type="datetime1">
               <a:rPr lang="en-US" smtClean="0"/>
-              <a:t>8/12/2015</a:t>
+              <a:t>7/25/2016</a:t>
             </a:fld>
             <a:endParaRPr lang="en-US"/>
           </a:p>
@@ -1345,10 +1334,9 @@
           <a:lstStyle/>
           <a:p>
             <a:r>
-              <a:rPr lang="en-US" smtClean="0"/>
+              <a:rPr lang="en-US"/>
               <a:t>Click to edit Master title style</a:t>
             </a:r>
-            <a:endParaRPr lang="en-US"/>
           </a:p>
         </p:txBody>
       </p:sp>
@@ -1369,38 +1357,37 @@
           <a:p>
             <a:pPr lvl="0"/>
             <a:r>
-              <a:rPr lang="en-US" smtClean="0"/>
+              <a:rPr lang="en-US"/>
               <a:t>Click to edit Master text styles</a:t>
             </a:r>
           </a:p>
           <a:p>
             <a:pPr lvl="1"/>
             <a:r>
-              <a:rPr lang="en-US" smtClean="0"/>
+              <a:rPr lang="en-US"/>
               <a:t>Second level</a:t>
             </a:r>
           </a:p>
           <a:p>
             <a:pPr lvl="2"/>
             <a:r>
-              <a:rPr lang="en-US" smtClean="0"/>
+              <a:rPr lang="en-US"/>
               <a:t>Third level</a:t>
             </a:r>
           </a:p>
           <a:p>
             <a:pPr lvl="3"/>
             <a:r>
-              <a:rPr lang="en-US" smtClean="0"/>
+              <a:rPr lang="en-US"/>
               <a:t>Fourth level</a:t>
             </a:r>
           </a:p>
           <a:p>
             <a:pPr lvl="4"/>
             <a:r>
-              <a:rPr lang="en-US" smtClean="0"/>
+              <a:rPr lang="en-US"/>
               <a:t>Fifth level</a:t>
             </a:r>
-            <a:endParaRPr lang="en-US"/>
           </a:p>
         </p:txBody>
       </p:sp>
@@ -1429,7 +1416,7 @@
           <a:p>
             <a:fld id="{40BD4659-8546-4E47-9D07-034853389A67}" type="datetime1">
               <a:rPr lang="en-US" smtClean="0"/>
-              <a:t>8/12/2015</a:t>
+              <a:t>7/25/2016</a:t>
             </a:fld>
             <a:endParaRPr lang="en-US"/>
           </a:p>
@@ -1537,10 +1524,9 @@
           <a:lstStyle/>
           <a:p>
             <a:r>
-              <a:rPr lang="en-US" smtClean="0"/>
+              <a:rPr lang="en-US"/>
               <a:t>Click to edit Master title style</a:t>
             </a:r>
-            <a:endParaRPr lang="en-US"/>
           </a:p>
         </p:txBody>
       </p:sp>
@@ -1566,38 +1552,37 @@
           <a:p>
             <a:pPr lvl="0"/>
             <a:r>
-              <a:rPr lang="en-US" smtClean="0"/>
+              <a:rPr lang="en-US"/>
               <a:t>Click to edit Master text styles</a:t>
             </a:r>
           </a:p>
           <a:p>
             <a:pPr lvl="1"/>
             <a:r>
-              <a:rPr lang="en-US" smtClean="0"/>
+              <a:rPr lang="en-US"/>
               <a:t>Second level</a:t>
             </a:r>
           </a:p>
           <a:p>
             <a:pPr lvl="2"/>
             <a:r>
-              <a:rPr lang="en-US" smtClean="0"/>
+              <a:rPr lang="en-US"/>
               <a:t>Third level</a:t>
             </a:r>
           </a:p>
           <a:p>
             <a:pPr lvl="3"/>
             <a:r>
-              <a:rPr lang="en-US" smtClean="0"/>
+              <a:rPr lang="en-US"/>
               <a:t>Fourth level</a:t>
             </a:r>
           </a:p>
           <a:p>
             <a:pPr lvl="4"/>
             <a:r>
-              <a:rPr lang="en-US" smtClean="0"/>
+              <a:rPr lang="en-US"/>
               <a:t>Fifth level</a:t>
             </a:r>
-            <a:endParaRPr lang="en-US"/>
           </a:p>
         </p:txBody>
       </p:sp>
@@ -1626,7 +1611,7 @@
           <a:p>
             <a:fld id="{C9450362-88EC-413A-A7DE-77EC0CB7C703}" type="datetime1">
               <a:rPr lang="en-US" smtClean="0"/>
-              <a:t>8/12/2015</a:t>
+              <a:t>7/25/2016</a:t>
             </a:fld>
             <a:endParaRPr lang="en-US"/>
           </a:p>
@@ -1693,13 +1678,6 @@
   <p:clrMapOvr>
     <a:masterClrMapping/>
   </p:clrMapOvr>
-  <p:timing>
-    <p:tnLst>
-      <p:par>
-        <p:cTn id="1" dur="indefinite" restart="never" nodeType="tmRoot"/>
-      </p:par>
-    </p:tnLst>
-  </p:timing>
 </p:sldLayout>
 </file>
 
@@ -1748,10 +1726,9 @@
           <a:lstStyle/>
           <a:p>
             <a:r>
-              <a:rPr lang="en-US" smtClean="0"/>
+              <a:rPr lang="en-US"/>
               <a:t>Click to edit Master title style</a:t>
             </a:r>
-            <a:endParaRPr lang="en-US"/>
           </a:p>
         </p:txBody>
       </p:sp>
@@ -1772,38 +1749,37 @@
           <a:p>
             <a:pPr lvl="0"/>
             <a:r>
-              <a:rPr lang="en-US" smtClean="0"/>
+              <a:rPr lang="en-US"/>
               <a:t>Click to edit Master text styles</a:t>
             </a:r>
           </a:p>
           <a:p>
             <a:pPr lvl="1"/>
             <a:r>
-              <a:rPr lang="en-US" smtClean="0"/>
+              <a:rPr lang="en-US"/>
               <a:t>Second level</a:t>
             </a:r>
           </a:p>
           <a:p>
             <a:pPr lvl="2"/>
             <a:r>
-              <a:rPr lang="en-US" smtClean="0"/>
+              <a:rPr lang="en-US"/>
               <a:t>Third level</a:t>
             </a:r>
           </a:p>
           <a:p>
             <a:pPr lvl="3"/>
             <a:r>
-              <a:rPr lang="en-US" smtClean="0"/>
+              <a:rPr lang="en-US"/>
               <a:t>Fourth level</a:t>
             </a:r>
           </a:p>
           <a:p>
             <a:pPr lvl="4"/>
             <a:r>
-              <a:rPr lang="en-US" smtClean="0"/>
+              <a:rPr lang="en-US"/>
               <a:t>Fifth level</a:t>
             </a:r>
-            <a:endParaRPr lang="en-US"/>
           </a:p>
         </p:txBody>
       </p:sp>
@@ -1832,7 +1808,7 @@
           <a:p>
             <a:fld id="{ED46C774-8990-4016-9EE3-ACC994C5189A}" type="datetime1">
               <a:rPr lang="en-US" smtClean="0"/>
-              <a:t>8/12/2015</a:t>
+              <a:t>7/25/2016</a:t>
             </a:fld>
             <a:endParaRPr lang="en-US"/>
           </a:p>
@@ -1899,13 +1875,6 @@
   <p:clrMapOvr>
     <a:masterClrMapping/>
   </p:clrMapOvr>
-  <p:timing>
-    <p:tnLst>
-      <p:par>
-        <p:cTn id="1" dur="indefinite" restart="never" nodeType="tmRoot"/>
-      </p:par>
-    </p:tnLst>
-  </p:timing>
 </p:sldLayout>
 </file>
 
@@ -1954,10 +1923,9 @@
           <a:lstStyle/>
           <a:p>
             <a:r>
-              <a:rPr lang="en-US" smtClean="0"/>
+              <a:rPr lang="en-US"/>
               <a:t>Click to edit Master title style</a:t>
             </a:r>
-            <a:endParaRPr lang="en-US"/>
           </a:p>
         </p:txBody>
       </p:sp>
@@ -1986,38 +1954,37 @@
           <a:p>
             <a:pPr lvl="0"/>
             <a:r>
-              <a:rPr lang="en-US" dirty="0" smtClean="0"/>
+              <a:rPr lang="en-US" dirty="0"/>
               <a:t>Click to edit Master text styles</a:t>
             </a:r>
           </a:p>
           <a:p>
             <a:pPr lvl="1"/>
             <a:r>
-              <a:rPr lang="en-US" dirty="0" smtClean="0"/>
+              <a:rPr lang="en-US" dirty="0"/>
               <a:t>Second level</a:t>
             </a:r>
           </a:p>
           <a:p>
             <a:pPr lvl="2"/>
             <a:r>
-              <a:rPr lang="en-US" dirty="0" smtClean="0"/>
+              <a:rPr lang="en-US" dirty="0"/>
               <a:t>Third level</a:t>
             </a:r>
           </a:p>
           <a:p>
             <a:pPr lvl="3"/>
             <a:r>
-              <a:rPr lang="en-US" dirty="0" smtClean="0"/>
+              <a:rPr lang="en-US" dirty="0"/>
               <a:t>Fourth level</a:t>
             </a:r>
           </a:p>
           <a:p>
             <a:pPr lvl="4"/>
             <a:r>
-              <a:rPr lang="en-US" dirty="0" smtClean="0"/>
+              <a:rPr lang="en-US" dirty="0"/>
               <a:t>Fifth level</a:t>
             </a:r>
-            <a:endParaRPr lang="en-US" dirty="0"/>
           </a:p>
         </p:txBody>
       </p:sp>
@@ -2046,7 +2013,7 @@
           <a:p>
             <a:fld id="{1DB9F825-44C0-4EFB-9C1C-5E851688C025}" type="datetime1">
               <a:rPr lang="en-US" smtClean="0"/>
-              <a:t>8/12/2015</a:t>
+              <a:t>7/25/2016</a:t>
             </a:fld>
             <a:endParaRPr lang="en-US"/>
           </a:p>
@@ -2113,13 +2080,6 @@
   <p:clrMapOvr>
     <a:masterClrMapping/>
   </p:clrMapOvr>
-  <p:timing>
-    <p:tnLst>
-      <p:par>
-        <p:cTn id="1" dur="indefinite" restart="never" nodeType="tmRoot"/>
-      </p:par>
-    </p:tnLst>
-  </p:timing>
 </p:sldLayout>
 </file>
 
@@ -2165,10 +2125,9 @@
           </a:lstStyle>
           <a:p>
             <a:r>
-              <a:rPr lang="en-US" smtClean="0"/>
+              <a:rPr lang="en-US"/>
               <a:t>Click to edit Master title style</a:t>
             </a:r>
-            <a:endParaRPr lang="en-US"/>
           </a:p>
         </p:txBody>
       </p:sp>
@@ -2285,7 +2244,7 @@
           <a:p>
             <a:pPr lvl="0"/>
             <a:r>
-              <a:rPr lang="en-US" smtClean="0"/>
+              <a:rPr lang="en-US"/>
               <a:t>Click to edit Master text styles</a:t>
             </a:r>
           </a:p>
@@ -2316,7 +2275,7 @@
           <a:p>
             <a:fld id="{959DD8E5-22B2-4478-851D-885FCB226F71}" type="datetime1">
               <a:rPr lang="en-US" smtClean="0"/>
-              <a:t>8/12/2015</a:t>
+              <a:t>7/25/2016</a:t>
             </a:fld>
             <a:endParaRPr lang="en-US"/>
           </a:p>
@@ -2383,13 +2342,6 @@
   <p:clrMapOvr>
     <a:masterClrMapping/>
   </p:clrMapOvr>
-  <p:timing>
-    <p:tnLst>
-      <p:par>
-        <p:cTn id="1" dur="indefinite" restart="never" nodeType="tmRoot"/>
-      </p:par>
-    </p:tnLst>
-  </p:timing>
 </p:sldLayout>
 </file>
 
@@ -2426,10 +2378,9 @@
           <a:lstStyle/>
           <a:p>
             <a:r>
-              <a:rPr lang="en-US" smtClean="0"/>
+              <a:rPr lang="en-US"/>
               <a:t>Click to edit Master title style</a:t>
             </a:r>
-            <a:endParaRPr lang="en-US"/>
           </a:p>
         </p:txBody>
       </p:sp>
@@ -2483,38 +2434,37 @@
           <a:p>
             <a:pPr lvl="0"/>
             <a:r>
-              <a:rPr lang="en-US" smtClean="0"/>
+              <a:rPr lang="en-US"/>
               <a:t>Click to edit Master text styles</a:t>
             </a:r>
           </a:p>
           <a:p>
             <a:pPr lvl="1"/>
             <a:r>
-              <a:rPr lang="en-US" smtClean="0"/>
+              <a:rPr lang="en-US"/>
               <a:t>Second level</a:t>
             </a:r>
           </a:p>
           <a:p>
             <a:pPr lvl="2"/>
             <a:r>
-              <a:rPr lang="en-US" smtClean="0"/>
+              <a:rPr lang="en-US"/>
               <a:t>Third level</a:t>
             </a:r>
           </a:p>
           <a:p>
             <a:pPr lvl="3"/>
             <a:r>
-              <a:rPr lang="en-US" smtClean="0"/>
+              <a:rPr lang="en-US"/>
               <a:t>Fourth level</a:t>
             </a:r>
           </a:p>
           <a:p>
             <a:pPr lvl="4"/>
             <a:r>
-              <a:rPr lang="en-US" smtClean="0"/>
+              <a:rPr lang="en-US"/>
               <a:t>Fifth level</a:t>
             </a:r>
-            <a:endParaRPr lang="en-US"/>
           </a:p>
         </p:txBody>
       </p:sp>
@@ -2568,38 +2518,37 @@
           <a:p>
             <a:pPr lvl="0"/>
             <a:r>
-              <a:rPr lang="en-US" smtClean="0"/>
+              <a:rPr lang="en-US"/>
               <a:t>Click to edit Master text styles</a:t>
             </a:r>
           </a:p>
           <a:p>
             <a:pPr lvl="1"/>
             <a:r>
-              <a:rPr lang="en-US" smtClean="0"/>
+              <a:rPr lang="en-US"/>
               <a:t>Second level</a:t>
             </a:r>
           </a:p>
           <a:p>
             <a:pPr lvl="2"/>
             <a:r>
-              <a:rPr lang="en-US" smtClean="0"/>
+              <a:rPr lang="en-US"/>
               <a:t>Third level</a:t>
             </a:r>
           </a:p>
           <a:p>
             <a:pPr lvl="3"/>
             <a:r>
-              <a:rPr lang="en-US" smtClean="0"/>
+              <a:rPr lang="en-US"/>
               <a:t>Fourth level</a:t>
             </a:r>
           </a:p>
           <a:p>
             <a:pPr lvl="4"/>
             <a:r>
-              <a:rPr lang="en-US" smtClean="0"/>
+              <a:rPr lang="en-US"/>
               <a:t>Fifth level</a:t>
             </a:r>
-            <a:endParaRPr lang="en-US"/>
           </a:p>
         </p:txBody>
       </p:sp>
@@ -2628,7 +2577,7 @@
           <a:p>
             <a:fld id="{F40F6FA6-FD17-4F81-ABC4-490C048865FD}" type="datetime1">
               <a:rPr lang="en-US" smtClean="0"/>
-              <a:t>8/12/2015</a:t>
+              <a:t>7/25/2016</a:t>
             </a:fld>
             <a:endParaRPr lang="en-US"/>
           </a:p>
@@ -2695,13 +2644,6 @@
   <p:clrMapOvr>
     <a:masterClrMapping/>
   </p:clrMapOvr>
-  <p:timing>
-    <p:tnLst>
-      <p:par>
-        <p:cTn id="1" dur="indefinite" restart="never" nodeType="tmRoot"/>
-      </p:par>
-    </p:tnLst>
-  </p:timing>
 </p:sldLayout>
 </file>
 
@@ -2742,10 +2684,9 @@
           </a:lstStyle>
           <a:p>
             <a:r>
-              <a:rPr lang="en-US" smtClean="0"/>
+              <a:rPr lang="en-US"/>
               <a:t>Click to edit Master title style</a:t>
             </a:r>
-            <a:endParaRPr lang="en-US"/>
           </a:p>
         </p:txBody>
       </p:sp>
@@ -2808,7 +2749,7 @@
           <a:p>
             <a:pPr lvl="0"/>
             <a:r>
-              <a:rPr lang="en-US" smtClean="0"/>
+              <a:rPr lang="en-US"/>
               <a:t>Click to edit Master text styles</a:t>
             </a:r>
           </a:p>
@@ -2864,38 +2805,37 @@
           <a:p>
             <a:pPr lvl="0"/>
             <a:r>
-              <a:rPr lang="en-US" smtClean="0"/>
+              <a:rPr lang="en-US"/>
               <a:t>Click to edit Master text styles</a:t>
             </a:r>
           </a:p>
           <a:p>
             <a:pPr lvl="1"/>
             <a:r>
-              <a:rPr lang="en-US" smtClean="0"/>
+              <a:rPr lang="en-US"/>
               <a:t>Second level</a:t>
             </a:r>
           </a:p>
           <a:p>
             <a:pPr lvl="2"/>
             <a:r>
-              <a:rPr lang="en-US" smtClean="0"/>
+              <a:rPr lang="en-US"/>
               <a:t>Third level</a:t>
             </a:r>
           </a:p>
           <a:p>
             <a:pPr lvl="3"/>
             <a:r>
-              <a:rPr lang="en-US" smtClean="0"/>
+              <a:rPr lang="en-US"/>
               <a:t>Fourth level</a:t>
             </a:r>
           </a:p>
           <a:p>
             <a:pPr lvl="4"/>
             <a:r>
-              <a:rPr lang="en-US" smtClean="0"/>
+              <a:rPr lang="en-US"/>
               <a:t>Fifth level</a:t>
             </a:r>
-            <a:endParaRPr lang="en-US"/>
           </a:p>
         </p:txBody>
       </p:sp>
@@ -2958,7 +2898,7 @@
           <a:p>
             <a:pPr lvl="0"/>
             <a:r>
-              <a:rPr lang="en-US" smtClean="0"/>
+              <a:rPr lang="en-US"/>
               <a:t>Click to edit Master text styles</a:t>
             </a:r>
           </a:p>
@@ -3014,38 +2954,37 @@
           <a:p>
             <a:pPr lvl="0"/>
             <a:r>
-              <a:rPr lang="en-US" smtClean="0"/>
+              <a:rPr lang="en-US"/>
               <a:t>Click to edit Master text styles</a:t>
             </a:r>
           </a:p>
           <a:p>
             <a:pPr lvl="1"/>
             <a:r>
-              <a:rPr lang="en-US" smtClean="0"/>
+              <a:rPr lang="en-US"/>
               <a:t>Second level</a:t>
             </a:r>
           </a:p>
           <a:p>
             <a:pPr lvl="2"/>
             <a:r>
-              <a:rPr lang="en-US" smtClean="0"/>
+              <a:rPr lang="en-US"/>
               <a:t>Third level</a:t>
             </a:r>
           </a:p>
           <a:p>
             <a:pPr lvl="3"/>
             <a:r>
-              <a:rPr lang="en-US" smtClean="0"/>
+              <a:rPr lang="en-US"/>
               <a:t>Fourth level</a:t>
             </a:r>
           </a:p>
           <a:p>
             <a:pPr lvl="4"/>
             <a:r>
-              <a:rPr lang="en-US" smtClean="0"/>
+              <a:rPr lang="en-US"/>
               <a:t>Fifth level</a:t>
             </a:r>
-            <a:endParaRPr lang="en-US"/>
           </a:p>
         </p:txBody>
       </p:sp>
@@ -3074,7 +3013,7 @@
           <a:p>
             <a:fld id="{457CCA0C-FB56-4D67-9F51-5ABD4832742B}" type="datetime1">
               <a:rPr lang="en-US" smtClean="0"/>
-              <a:t>8/12/2015</a:t>
+              <a:t>7/25/2016</a:t>
             </a:fld>
             <a:endParaRPr lang="en-US"/>
           </a:p>
@@ -3141,13 +3080,6 @@
   <p:clrMapOvr>
     <a:masterClrMapping/>
   </p:clrMapOvr>
-  <p:timing>
-    <p:tnLst>
-      <p:par>
-        <p:cTn id="1" dur="indefinite" restart="never" nodeType="tmRoot"/>
-      </p:par>
-    </p:tnLst>
-  </p:timing>
 </p:sldLayout>
 </file>
 
@@ -3184,10 +3116,9 @@
           <a:lstStyle/>
           <a:p>
             <a:r>
-              <a:rPr lang="en-US" smtClean="0"/>
+              <a:rPr lang="en-US"/>
               <a:t>Click to edit Master title style</a:t>
             </a:r>
-            <a:endParaRPr lang="en-US"/>
           </a:p>
         </p:txBody>
       </p:sp>
@@ -3216,7 +3147,7 @@
           <a:p>
             <a:fld id="{6182F7E9-D0DC-4949-B133-573D5E263951}" type="datetime1">
               <a:rPr lang="en-US" smtClean="0"/>
-              <a:t>8/12/2015</a:t>
+              <a:t>7/25/2016</a:t>
             </a:fld>
             <a:endParaRPr lang="en-US"/>
           </a:p>
@@ -3328,7 +3259,7 @@
           <a:p>
             <a:fld id="{3D5E4CC7-5194-4C53-9EBA-A9F28050092C}" type="datetime1">
               <a:rPr lang="en-US" smtClean="0"/>
-              <a:t>8/12/2015</a:t>
+              <a:t>7/25/2016</a:t>
             </a:fld>
             <a:endParaRPr lang="en-US"/>
           </a:p>
@@ -3440,10 +3371,9 @@
           </a:lstStyle>
           <a:p>
             <a:r>
-              <a:rPr lang="en-US" smtClean="0"/>
+              <a:rPr lang="en-US"/>
               <a:t>Click to edit Master title style</a:t>
             </a:r>
-            <a:endParaRPr lang="en-US"/>
           </a:p>
         </p:txBody>
       </p:sp>
@@ -3497,38 +3427,37 @@
           <a:p>
             <a:pPr lvl="0"/>
             <a:r>
-              <a:rPr lang="en-US" smtClean="0"/>
+              <a:rPr lang="en-US"/>
               <a:t>Click to edit Master text styles</a:t>
             </a:r>
           </a:p>
           <a:p>
             <a:pPr lvl="1"/>
             <a:r>
-              <a:rPr lang="en-US" smtClean="0"/>
+              <a:rPr lang="en-US"/>
               <a:t>Second level</a:t>
             </a:r>
           </a:p>
           <a:p>
             <a:pPr lvl="2"/>
             <a:r>
-              <a:rPr lang="en-US" smtClean="0"/>
+              <a:rPr lang="en-US"/>
               <a:t>Third level</a:t>
             </a:r>
           </a:p>
           <a:p>
             <a:pPr lvl="3"/>
             <a:r>
-              <a:rPr lang="en-US" smtClean="0"/>
+              <a:rPr lang="en-US"/>
               <a:t>Fourth level</a:t>
             </a:r>
           </a:p>
           <a:p>
             <a:pPr lvl="4"/>
             <a:r>
-              <a:rPr lang="en-US" smtClean="0"/>
+              <a:rPr lang="en-US"/>
               <a:t>Fifth level</a:t>
             </a:r>
-            <a:endParaRPr lang="en-US"/>
           </a:p>
         </p:txBody>
       </p:sp>
@@ -3591,7 +3520,7 @@
           <a:p>
             <a:pPr lvl="0"/>
             <a:r>
-              <a:rPr lang="en-US" smtClean="0"/>
+              <a:rPr lang="en-US"/>
               <a:t>Click to edit Master text styles</a:t>
             </a:r>
           </a:p>
@@ -3622,7 +3551,7 @@
           <a:p>
             <a:fld id="{437CCA39-776F-4284-AEFC-64A85D246C48}" type="datetime1">
               <a:rPr lang="en-US" smtClean="0"/>
-              <a:t>8/12/2015</a:t>
+              <a:t>7/25/2016</a:t>
             </a:fld>
             <a:endParaRPr lang="en-US"/>
           </a:p>
@@ -3740,10 +3669,9 @@
           <a:lstStyle/>
           <a:p>
             <a:r>
-              <a:rPr lang="en-US" smtClean="0"/>
+              <a:rPr lang="en-US"/>
               <a:t>Click to edit Master title style</a:t>
             </a:r>
-            <a:endParaRPr lang="en-US"/>
           </a:p>
         </p:txBody>
       </p:sp>
@@ -3774,38 +3702,37 @@
           <a:p>
             <a:pPr lvl="0"/>
             <a:r>
-              <a:rPr lang="en-US" smtClean="0"/>
+              <a:rPr lang="en-US"/>
               <a:t>Click to edit Master text styles</a:t>
             </a:r>
           </a:p>
           <a:p>
             <a:pPr lvl="1"/>
             <a:r>
-              <a:rPr lang="en-US" smtClean="0"/>
+              <a:rPr lang="en-US"/>
               <a:t>Second level</a:t>
             </a:r>
           </a:p>
           <a:p>
             <a:pPr lvl="2"/>
             <a:r>
-              <a:rPr lang="en-US" smtClean="0"/>
+              <a:rPr lang="en-US"/>
               <a:t>Third level</a:t>
             </a:r>
           </a:p>
           <a:p>
             <a:pPr lvl="3"/>
             <a:r>
-              <a:rPr lang="en-US" smtClean="0"/>
+              <a:rPr lang="en-US"/>
               <a:t>Fourth level</a:t>
             </a:r>
           </a:p>
           <a:p>
             <a:pPr lvl="4"/>
             <a:r>
-              <a:rPr lang="en-US" smtClean="0"/>
+              <a:rPr lang="en-US"/>
               <a:t>Fifth level</a:t>
             </a:r>
-            <a:endParaRPr lang="en-US"/>
           </a:p>
         </p:txBody>
       </p:sp>
@@ -3873,13 +3800,6 @@
     <p:sldLayoutId id="2147483658" r:id="rId11"/>
     <p:sldLayoutId id="2147483659" r:id="rId12"/>
   </p:sldLayoutIdLst>
-  <p:timing>
-    <p:tnLst>
-      <p:par>
-        <p:cTn id="1" dur="indefinite" restart="never" nodeType="tmRoot"/>
-      </p:par>
-    </p:tnLst>
-  </p:timing>
   <p:hf hdr="0" ftr="0" dt="0"/>
   <p:txStyles>
     <p:titleStyle>
@@ -4161,18 +4081,23 @@
             <p:ph type="ctrTitle"/>
           </p:nvPr>
         </p:nvSpPr>
-        <p:spPr/>
-        <p:txBody>
-          <a:bodyPr>
+        <p:spPr>
+          <a:ln w="28575">
+            <a:solidFill>
+              <a:schemeClr val="accent1"/>
+            </a:solidFill>
+          </a:ln>
+        </p:spPr>
+        <p:txBody>
+          <a:bodyPr vert="horz" lIns="91440" tIns="45720" rIns="91440" bIns="45720" rtlCol="0" anchor="ctr">
             <a:normAutofit/>
           </a:bodyPr>
           <a:lstStyle/>
           <a:p>
             <a:r>
-              <a:rPr lang="en-US" dirty="0" smtClean="0"/>
-              <a:t>Destructor Templates</a:t>
-            </a:r>
-            <a:endParaRPr lang="en-US" dirty="0"/>
+              <a:rPr lang="en-US" dirty="0"/>
+              <a:t>Observer Templates</a:t>
+            </a:r>
           </a:p>
         </p:txBody>
       </p:sp>
@@ -4207,13 +4132,8 @@
           <a:p>
             <a:r>
               <a:rPr lang="en-US" dirty="0"/>
-              <a:t>Lesson </a:t>
-            </a:r>
-            <a:r>
-              <a:rPr lang="en-US" dirty="0" smtClean="0"/>
-              <a:t>1.4</a:t>
-            </a:r>
-            <a:endParaRPr lang="en-US" dirty="0"/>
+              <a:t>Lesson 1.4</a:t>
+            </a:r>
           </a:p>
           <a:p>
             <a:endParaRPr lang="en-US" dirty="0"/>
@@ -4244,6 +4164,120 @@
           </a:p>
         </p:txBody>
       </p:sp>
+      <p:grpSp>
+        <p:nvGrpSpPr>
+          <p:cNvPr id="6" name="Group 5"/>
+          <p:cNvGrpSpPr/>
+          <p:nvPr/>
+        </p:nvGrpSpPr>
+        <p:grpSpPr>
+          <a:xfrm>
+            <a:off x="120650" y="6314759"/>
+            <a:ext cx="8902700" cy="400110"/>
+            <a:chOff x="120650" y="6314759"/>
+            <a:chExt cx="8902700" cy="400110"/>
+          </a:xfrm>
+        </p:grpSpPr>
+        <p:pic>
+          <p:nvPicPr>
+            <p:cNvPr id="7" name="Picture 6"/>
+            <p:cNvPicPr>
+              <a:picLocks/>
+            </p:cNvPicPr>
+            <p:nvPr/>
+          </p:nvPicPr>
+          <p:blipFill>
+            <a:blip r:embed="rId3">
+              <a:extLst>
+                <a:ext uri="{28A0092B-C50C-407E-A947-70E740481C1C}">
+                  <a14:useLocalDpi xmlns:a14="http://schemas.microsoft.com/office/drawing/2010/main" val="0"/>
+                </a:ext>
+              </a:extLst>
+            </a:blip>
+            <a:stretch>
+              <a:fillRect/>
+            </a:stretch>
+          </p:blipFill>
+          <p:spPr>
+            <a:xfrm>
+              <a:off x="120650" y="6373082"/>
+              <a:ext cx="804672" cy="283464"/>
+            </a:xfrm>
+            <a:prstGeom prst="rect">
+              <a:avLst/>
+            </a:prstGeom>
+          </p:spPr>
+        </p:pic>
+        <p:sp>
+          <p:nvSpPr>
+            <p:cNvPr id="8" name="TextBox 7"/>
+            <p:cNvSpPr txBox="1"/>
+            <p:nvPr/>
+          </p:nvSpPr>
+          <p:spPr>
+            <a:xfrm>
+              <a:off x="925322" y="6314759"/>
+              <a:ext cx="8098028" cy="400110"/>
+            </a:xfrm>
+            <a:prstGeom prst="rect">
+              <a:avLst/>
+            </a:prstGeom>
+            <a:noFill/>
+          </p:spPr>
+          <p:txBody>
+            <a:bodyPr vert="horz" wrap="square" rtlCol="0">
+              <a:spAutoFit/>
+            </a:bodyPr>
+            <a:lstStyle/>
+            <a:p>
+              <a:r>
+                <a:rPr lang="en-US" sz="1000" dirty="0"/>
+                <a:t>© Mitchell Wand, 2012-2014</a:t>
+              </a:r>
+            </a:p>
+            <a:p>
+              <a:r>
+                <a:rPr lang="en-US" sz="1000" dirty="0"/>
+                <a:t>This work is licensed under a </a:t>
+              </a:r>
+              <a:r>
+                <a:rPr lang="en-US" altLang="en-US" sz="1000" dirty="0">
+                  <a:solidFill>
+                    <a:srgbClr val="4374B7"/>
+                  </a:solidFill>
+                  <a:latin typeface="Arial Unicode MS" panose="020B0604020202020204" pitchFamily="34" charset="-128"/>
+                  <a:hlinkClick r:id="rId4"/>
+                </a:rPr>
+                <a:t>Creative Commons Attribution-</a:t>
+              </a:r>
+              <a:r>
+                <a:rPr lang="en-US" altLang="en-US" sz="1000" dirty="0" err="1">
+                  <a:solidFill>
+                    <a:srgbClr val="4374B7"/>
+                  </a:solidFill>
+                  <a:latin typeface="Arial Unicode MS" panose="020B0604020202020204" pitchFamily="34" charset="-128"/>
+                  <a:hlinkClick r:id="rId4"/>
+                </a:rPr>
+                <a:t>NonCommercial</a:t>
+              </a:r>
+              <a:r>
+                <a:rPr lang="en-US" altLang="en-US" sz="1000" dirty="0">
+                  <a:solidFill>
+                    <a:srgbClr val="4374B7"/>
+                  </a:solidFill>
+                  <a:latin typeface="Arial Unicode MS" panose="020B0604020202020204" pitchFamily="34" charset="-128"/>
+                  <a:hlinkClick r:id="rId4"/>
+                </a:rPr>
+                <a:t> 4.0 International License</a:t>
+              </a:r>
+              <a:r>
+                <a:rPr lang="en-US" sz="1000" dirty="0"/>
+                <a:t>.</a:t>
+              </a:r>
+            </a:p>
+          </p:txBody>
+        </p:sp>
+      </p:grpSp>
     </p:spTree>
     <p:extLst>
       <p:ext uri="{BB962C8B-B14F-4D97-AF65-F5344CB8AC3E}">
@@ -4254,13 +4288,6 @@
   <p:clrMapOvr>
     <a:masterClrMapping/>
   </p:clrMapOvr>
-  <p:timing>
-    <p:tnLst>
-      <p:par>
-        <p:cTn id="1" dur="indefinite" restart="never" nodeType="tmRoot"/>
-      </p:par>
-    </p:tnLst>
-  </p:timing>
 </p:sld>
 </file>
 
@@ -4297,11 +4324,11 @@
           <a:lstStyle/>
           <a:p>
             <a:r>
-              <a:rPr lang="en-US" dirty="0" smtClean="0"/>
+              <a:rPr lang="en-US" dirty="0"/>
               <a:t>Writing the template for </a:t>
             </a:r>
             <a:r>
-              <a:rPr lang="en-US" dirty="0" err="1" smtClean="0"/>
+              <a:rPr lang="en-US" dirty="0" err="1"/>
               <a:t>BarOrder</a:t>
             </a:r>
             <a:endParaRPr lang="en-US" dirty="0"/>
@@ -4358,12 +4385,8 @@
               </a:spcBef>
             </a:pPr>
             <a:r>
-              <a:rPr lang="en-US" sz="2400" dirty="0" smtClean="0"/>
-              <a:t>(</a:t>
-            </a:r>
-            <a:r>
               <a:rPr lang="en-US" sz="2400" dirty="0"/>
-              <a:t>define (</a:t>
+              <a:t>(define (</a:t>
             </a:r>
             <a:r>
               <a:rPr lang="en-US" sz="2400" dirty="0" err="1"/>
@@ -4381,12 +4404,8 @@
               </a:spcBef>
             </a:pPr>
             <a:r>
-              <a:rPr lang="en-US" sz="2400" dirty="0" smtClean="0"/>
-              <a:t>  </a:t>
-            </a:r>
-            <a:r>
               <a:rPr lang="en-US" sz="2400" dirty="0"/>
-              <a:t>(</a:t>
+              <a:t>  (</a:t>
             </a:r>
             <a:r>
               <a:rPr lang="en-US" sz="2400" dirty="0" err="1"/>
@@ -4401,10 +4420,9 @@
               </a:spcBef>
             </a:pPr>
             <a:r>
-              <a:rPr lang="en-US" sz="2400" dirty="0" smtClean="0"/>
+              <a:rPr lang="en-US" sz="2400" dirty="0"/>
               <a:t>    [... ...]</a:t>
             </a:r>
-            <a:endParaRPr lang="en-US" sz="2400" dirty="0"/>
           </a:p>
           <a:p>
             <a:pPr>
@@ -4413,20 +4431,12 @@
               </a:spcBef>
             </a:pPr>
             <a:r>
-              <a:rPr lang="en-US" sz="2400" dirty="0" smtClean="0">
-                <a:solidFill>
-                  <a:schemeClr val="bg1"/>
-                </a:solidFill>
-              </a:rPr>
-              <a:t>                      </a:t>
-            </a:r>
-            <a:r>
               <a:rPr lang="en-US" sz="2400" dirty="0">
                 <a:solidFill>
                   <a:schemeClr val="bg1"/>
                 </a:solidFill>
               </a:rPr>
-              <a:t>(coffee-size order)</a:t>
+              <a:t>                      (coffee-size order)</a:t>
             </a:r>
           </a:p>
           <a:p>
@@ -4436,20 +4446,12 @@
               </a:spcBef>
             </a:pPr>
             <a:r>
-              <a:rPr lang="en-US" sz="2400" dirty="0" smtClean="0">
-                <a:solidFill>
-                  <a:schemeClr val="bg1"/>
-                </a:solidFill>
-              </a:rPr>
-              <a:t>                      </a:t>
-            </a:r>
-            <a:r>
               <a:rPr lang="en-US" sz="2400" dirty="0">
                 <a:solidFill>
                   <a:schemeClr val="bg1"/>
                 </a:solidFill>
               </a:rPr>
-              <a:t>(coffee-type order)</a:t>
+              <a:t>                      (coffee-type order)</a:t>
             </a:r>
           </a:p>
           <a:p>
@@ -4459,20 +4461,12 @@
               </a:spcBef>
             </a:pPr>
             <a:r>
-              <a:rPr lang="en-US" sz="2400" dirty="0" smtClean="0">
-                <a:solidFill>
-                  <a:schemeClr val="bg1"/>
-                </a:solidFill>
-              </a:rPr>
-              <a:t>                      </a:t>
-            </a:r>
-            <a:r>
               <a:rPr lang="en-US" sz="2400" dirty="0">
                 <a:solidFill>
                   <a:schemeClr val="bg1"/>
                 </a:solidFill>
               </a:rPr>
-              <a:t>(coffee-milk? order))]</a:t>
+              <a:t>                      (coffee-milk? order))]</a:t>
             </a:r>
           </a:p>
           <a:p>
@@ -4482,7 +4476,7 @@
               </a:spcBef>
             </a:pPr>
             <a:r>
-              <a:rPr lang="en-US" sz="2400" dirty="0" smtClean="0"/>
+              <a:rPr lang="en-US" sz="2400" dirty="0"/>
               <a:t>    [... ...] </a:t>
             </a:r>
             <a:r>
@@ -4501,20 +4495,12 @@
               </a:spcBef>
             </a:pPr>
             <a:r>
-              <a:rPr lang="en-US" sz="2400" dirty="0" smtClean="0">
-                <a:solidFill>
-                  <a:schemeClr val="bg1"/>
-                </a:solidFill>
-              </a:rPr>
-              <a:t>                    </a:t>
-            </a:r>
-            <a:r>
               <a:rPr lang="en-US" sz="2400" dirty="0">
                 <a:solidFill>
                   <a:schemeClr val="bg1"/>
                 </a:solidFill>
               </a:rPr>
-              <a:t>(wine-vineyard order)</a:t>
+              <a:t>                    (wine-vineyard order)</a:t>
             </a:r>
           </a:p>
           <a:p>
@@ -4524,20 +4510,12 @@
               </a:spcBef>
             </a:pPr>
             <a:r>
-              <a:rPr lang="en-US" sz="2400" dirty="0" smtClean="0">
-                <a:solidFill>
-                  <a:schemeClr val="bg1"/>
-                </a:solidFill>
-              </a:rPr>
-              <a:t>                    </a:t>
-            </a:r>
-            <a:r>
               <a:rPr lang="en-US" sz="2400" dirty="0">
                 <a:solidFill>
                   <a:schemeClr val="bg1"/>
                 </a:solidFill>
               </a:rPr>
-              <a:t>(wine-year order))]</a:t>
+              <a:t>                    (wine-year order))]</a:t>
             </a:r>
           </a:p>
           <a:p>
@@ -4547,10 +4525,9 @@
               </a:spcBef>
             </a:pPr>
             <a:r>
-              <a:rPr lang="en-US" sz="2400" dirty="0" smtClean="0"/>
+              <a:rPr lang="en-US" sz="2400" dirty="0"/>
               <a:t>    [... ...]))</a:t>
             </a:r>
-            <a:endParaRPr lang="en-US" sz="2400" dirty="0"/>
           </a:p>
           <a:p>
             <a:pPr>
@@ -4559,20 +4536,12 @@
               </a:spcBef>
             </a:pPr>
             <a:r>
-              <a:rPr lang="en-US" sz="2400" dirty="0" smtClean="0">
-                <a:solidFill>
-                  <a:schemeClr val="bg1"/>
-                </a:solidFill>
-              </a:rPr>
-              <a:t>                   </a:t>
-            </a:r>
-            <a:r>
               <a:rPr lang="en-US" sz="2400" dirty="0">
                 <a:solidFill>
                   <a:schemeClr val="bg1"/>
                 </a:solidFill>
               </a:rPr>
-              <a:t>(tea-size order)</a:t>
+              <a:t>                   (tea-size order)</a:t>
             </a:r>
           </a:p>
           <a:p>
@@ -4582,20 +4551,12 @@
               </a:spcBef>
             </a:pPr>
             <a:r>
-              <a:rPr lang="en-US" sz="2400" dirty="0" smtClean="0">
-                <a:solidFill>
-                  <a:schemeClr val="bg1"/>
-                </a:solidFill>
-              </a:rPr>
-              <a:t>                   </a:t>
-            </a:r>
-            <a:r>
               <a:rPr lang="en-US" sz="2400" dirty="0">
                 <a:solidFill>
                   <a:schemeClr val="bg1"/>
                 </a:solidFill>
               </a:rPr>
-              <a:t>(tea-type order))]))</a:t>
+              <a:t>                   (tea-type order))]))</a:t>
             </a:r>
           </a:p>
         </p:txBody>
@@ -4670,7 +4631,7 @@
           <a:lstStyle/>
           <a:p>
             <a:r>
-              <a:rPr lang="en-US" dirty="0" smtClean="0">
+              <a:rPr lang="en-US" dirty="0">
                 <a:solidFill>
                   <a:schemeClr val="tx1"/>
                 </a:solidFill>
@@ -4678,7 +4639,7 @@
               <a:t>1. Write a </a:t>
             </a:r>
             <a:r>
-              <a:rPr lang="en-US" b="1" dirty="0" err="1" smtClean="0">
+              <a:rPr lang="en-US" b="1" dirty="0" err="1">
                 <a:solidFill>
                   <a:schemeClr val="tx1"/>
                 </a:solidFill>
@@ -4686,7 +4647,7 @@
               <a:t>cond</a:t>
             </a:r>
             <a:r>
-              <a:rPr lang="en-US" dirty="0" smtClean="0">
+              <a:rPr lang="en-US" dirty="0">
                 <a:solidFill>
                   <a:schemeClr val="tx1"/>
                 </a:solidFill>
@@ -4742,11 +4703,11 @@
           <a:lstStyle/>
           <a:p>
             <a:r>
-              <a:rPr lang="en-US" dirty="0" smtClean="0"/>
+              <a:rPr lang="en-US" dirty="0"/>
               <a:t>Writing the template for </a:t>
             </a:r>
             <a:r>
-              <a:rPr lang="en-US" dirty="0" err="1" smtClean="0"/>
+              <a:rPr lang="en-US" dirty="0" err="1"/>
               <a:t>BarOrder</a:t>
             </a:r>
             <a:endParaRPr lang="en-US" dirty="0"/>
@@ -4803,12 +4764,8 @@
               </a:spcBef>
             </a:pPr>
             <a:r>
-              <a:rPr lang="en-US" sz="2400" dirty="0" smtClean="0"/>
-              <a:t>(</a:t>
-            </a:r>
-            <a:r>
               <a:rPr lang="en-US" sz="2400" dirty="0"/>
-              <a:t>define (</a:t>
+              <a:t>(define (</a:t>
             </a:r>
             <a:r>
               <a:rPr lang="en-US" sz="2400" dirty="0" err="1"/>
@@ -4826,12 +4783,8 @@
               </a:spcBef>
             </a:pPr>
             <a:r>
-              <a:rPr lang="en-US" sz="2400" dirty="0" smtClean="0"/>
-              <a:t>  </a:t>
-            </a:r>
-            <a:r>
               <a:rPr lang="en-US" sz="2400" dirty="0"/>
-              <a:t>(</a:t>
+              <a:t>  (</a:t>
             </a:r>
             <a:r>
               <a:rPr lang="en-US" sz="2400" dirty="0" err="1"/>
@@ -4846,18 +4799,9 @@
               </a:spcBef>
             </a:pPr>
             <a:r>
-              <a:rPr lang="en-US" sz="2400" dirty="0" smtClean="0"/>
-              <a:t>    </a:t>
-            </a:r>
-            <a:r>
               <a:rPr lang="en-US" sz="2400" dirty="0"/>
-              <a:t>[(coffee? order) </a:t>
-            </a:r>
-            <a:r>
-              <a:rPr lang="en-US" sz="2400" dirty="0" smtClean="0"/>
-              <a:t>...]</a:t>
-            </a:r>
-            <a:endParaRPr lang="en-US" sz="2400" dirty="0"/>
+              <a:t>    [(coffee? order) ...]</a:t>
+            </a:r>
           </a:p>
           <a:p>
             <a:pPr>
@@ -4866,20 +4810,12 @@
               </a:spcBef>
             </a:pPr>
             <a:r>
-              <a:rPr lang="en-US" sz="2400" dirty="0" smtClean="0">
-                <a:solidFill>
-                  <a:schemeClr val="bg1"/>
-                </a:solidFill>
-              </a:rPr>
-              <a:t>                      </a:t>
-            </a:r>
-            <a:r>
               <a:rPr lang="en-US" sz="2400" dirty="0">
                 <a:solidFill>
                   <a:schemeClr val="bg1"/>
                 </a:solidFill>
               </a:rPr>
-              <a:t>(coffee-size order)</a:t>
+              <a:t>                      (coffee-size order)</a:t>
             </a:r>
           </a:p>
           <a:p>
@@ -4889,20 +4825,12 @@
               </a:spcBef>
             </a:pPr>
             <a:r>
-              <a:rPr lang="en-US" sz="2400" dirty="0" smtClean="0">
-                <a:solidFill>
-                  <a:schemeClr val="bg1"/>
-                </a:solidFill>
-              </a:rPr>
-              <a:t>                      </a:t>
-            </a:r>
-            <a:r>
               <a:rPr lang="en-US" sz="2400" dirty="0">
                 <a:solidFill>
                   <a:schemeClr val="bg1"/>
                 </a:solidFill>
               </a:rPr>
-              <a:t>(coffee-type order)</a:t>
+              <a:t>                      (coffee-type order)</a:t>
             </a:r>
           </a:p>
           <a:p>
@@ -4912,20 +4840,12 @@
               </a:spcBef>
             </a:pPr>
             <a:r>
-              <a:rPr lang="en-US" sz="2400" dirty="0" smtClean="0">
-                <a:solidFill>
-                  <a:schemeClr val="bg1"/>
-                </a:solidFill>
-              </a:rPr>
-              <a:t>                      </a:t>
-            </a:r>
-            <a:r>
               <a:rPr lang="en-US" sz="2400" dirty="0">
                 <a:solidFill>
                   <a:schemeClr val="bg1"/>
                 </a:solidFill>
               </a:rPr>
-              <a:t>(coffee-milk? order))]</a:t>
+              <a:t>                      (coffee-milk? order))]</a:t>
             </a:r>
           </a:p>
           <a:p>
@@ -4935,16 +4855,8 @@
               </a:spcBef>
             </a:pPr>
             <a:r>
-              <a:rPr lang="en-US" sz="2400" dirty="0" smtClean="0"/>
-              <a:t>    </a:t>
-            </a:r>
-            <a:r>
               <a:rPr lang="en-US" sz="2400" dirty="0"/>
-              <a:t>[(wine? order</a:t>
-            </a:r>
-            <a:r>
-              <a:rPr lang="en-US" sz="2400" dirty="0" smtClean="0"/>
-              <a:t>) ...] </a:t>
+              <a:t>    [(wine? order) ...] </a:t>
             </a:r>
             <a:r>
               <a:rPr lang="en-US" sz="2400" dirty="0">
@@ -4962,20 +4874,12 @@
               </a:spcBef>
             </a:pPr>
             <a:r>
-              <a:rPr lang="en-US" sz="2400" dirty="0" smtClean="0">
-                <a:solidFill>
-                  <a:schemeClr val="bg1"/>
-                </a:solidFill>
-              </a:rPr>
-              <a:t>                    </a:t>
-            </a:r>
-            <a:r>
               <a:rPr lang="en-US" sz="2400" dirty="0">
                 <a:solidFill>
                   <a:schemeClr val="bg1"/>
                 </a:solidFill>
               </a:rPr>
-              <a:t>(wine-vineyard order)</a:t>
+              <a:t>                    (wine-vineyard order)</a:t>
             </a:r>
           </a:p>
           <a:p>
@@ -4985,20 +4889,12 @@
               </a:spcBef>
             </a:pPr>
             <a:r>
-              <a:rPr lang="en-US" sz="2400" dirty="0" smtClean="0">
-                <a:solidFill>
-                  <a:schemeClr val="bg1"/>
-                </a:solidFill>
-              </a:rPr>
-              <a:t>                    </a:t>
-            </a:r>
-            <a:r>
               <a:rPr lang="en-US" sz="2400" dirty="0">
                 <a:solidFill>
                   <a:schemeClr val="bg1"/>
                 </a:solidFill>
               </a:rPr>
-              <a:t>(wine-year order))]</a:t>
+              <a:t>                    (wine-year order))]</a:t>
             </a:r>
           </a:p>
           <a:p>
@@ -5008,18 +4904,9 @@
               </a:spcBef>
             </a:pPr>
             <a:r>
-              <a:rPr lang="en-US" sz="2400" dirty="0" smtClean="0"/>
-              <a:t>    </a:t>
-            </a:r>
-            <a:r>
               <a:rPr lang="en-US" sz="2400" dirty="0"/>
-              <a:t>[(tea? order) </a:t>
-            </a:r>
-            <a:r>
-              <a:rPr lang="en-US" sz="2400" dirty="0" smtClean="0"/>
-              <a:t>...]))</a:t>
-            </a:r>
-            <a:endParaRPr lang="en-US" sz="2400" dirty="0"/>
+              <a:t>    [(tea? order) ...]))</a:t>
+            </a:r>
           </a:p>
           <a:p>
             <a:pPr>
@@ -5028,20 +4915,12 @@
               </a:spcBef>
             </a:pPr>
             <a:r>
-              <a:rPr lang="en-US" sz="2400" dirty="0" smtClean="0">
-                <a:solidFill>
-                  <a:schemeClr val="bg1"/>
-                </a:solidFill>
-              </a:rPr>
-              <a:t>                   </a:t>
-            </a:r>
-            <a:r>
               <a:rPr lang="en-US" sz="2400" dirty="0">
                 <a:solidFill>
                   <a:schemeClr val="bg1"/>
                 </a:solidFill>
               </a:rPr>
-              <a:t>(tea-size order)</a:t>
+              <a:t>                   (tea-size order)</a:t>
             </a:r>
           </a:p>
           <a:p>
@@ -5051,20 +4930,12 @@
               </a:spcBef>
             </a:pPr>
             <a:r>
-              <a:rPr lang="en-US" sz="2400" dirty="0" smtClean="0">
-                <a:solidFill>
-                  <a:schemeClr val="bg1"/>
-                </a:solidFill>
-              </a:rPr>
-              <a:t>                   </a:t>
-            </a:r>
-            <a:r>
               <a:rPr lang="en-US" sz="2400" dirty="0">
                 <a:solidFill>
                   <a:schemeClr val="bg1"/>
                 </a:solidFill>
               </a:rPr>
-              <a:t>(tea-type order))]))</a:t>
+              <a:t>                   (tea-type order))]))</a:t>
             </a:r>
           </a:p>
         </p:txBody>
@@ -5139,7 +5010,7 @@
           <a:lstStyle/>
           <a:p>
             <a:r>
-              <a:rPr lang="en-US" dirty="0" smtClean="0">
+              <a:rPr lang="en-US" dirty="0">
                 <a:solidFill>
                   <a:schemeClr val="tx1"/>
                 </a:solidFill>
@@ -5195,11 +5066,11 @@
           <a:lstStyle/>
           <a:p>
             <a:r>
-              <a:rPr lang="en-US" dirty="0" smtClean="0"/>
+              <a:rPr lang="en-US" dirty="0"/>
               <a:t>Writing the template for </a:t>
             </a:r>
             <a:r>
-              <a:rPr lang="en-US" dirty="0" err="1" smtClean="0"/>
+              <a:rPr lang="en-US" dirty="0" err="1"/>
               <a:t>BarOrder</a:t>
             </a:r>
             <a:endParaRPr lang="en-US" dirty="0"/>
@@ -5256,12 +5127,8 @@
               </a:spcBef>
             </a:pPr>
             <a:r>
-              <a:rPr lang="en-US" sz="2400" dirty="0" smtClean="0"/>
-              <a:t>(</a:t>
-            </a:r>
-            <a:r>
               <a:rPr lang="en-US" sz="2400" dirty="0"/>
-              <a:t>define (</a:t>
+              <a:t>(define (</a:t>
             </a:r>
             <a:r>
               <a:rPr lang="en-US" sz="2400" dirty="0" err="1"/>
@@ -5279,12 +5146,8 @@
               </a:spcBef>
             </a:pPr>
             <a:r>
-              <a:rPr lang="en-US" sz="2400" dirty="0" smtClean="0"/>
-              <a:t>  </a:t>
-            </a:r>
-            <a:r>
               <a:rPr lang="en-US" sz="2400" dirty="0"/>
-              <a:t>(</a:t>
+              <a:t>  (</a:t>
             </a:r>
             <a:r>
               <a:rPr lang="en-US" sz="2400" dirty="0" err="1"/>
@@ -5299,12 +5162,8 @@
               </a:spcBef>
             </a:pPr>
             <a:r>
-              <a:rPr lang="en-US" sz="2400" dirty="0" smtClean="0"/>
-              <a:t>    </a:t>
-            </a:r>
-            <a:r>
               <a:rPr lang="en-US" sz="2400" dirty="0"/>
-              <a:t>[(coffee? order) (...</a:t>
+              <a:t>    [(coffee? order) (...</a:t>
             </a:r>
           </a:p>
           <a:p>
@@ -5314,12 +5173,8 @@
               </a:spcBef>
             </a:pPr>
             <a:r>
-              <a:rPr lang="en-US" sz="2400" dirty="0" smtClean="0"/>
-              <a:t>                      </a:t>
-            </a:r>
-            <a:r>
               <a:rPr lang="en-US" sz="2400" dirty="0"/>
-              <a:t>(coffee-size order)</a:t>
+              <a:t>                      (coffee-size order)</a:t>
             </a:r>
           </a:p>
           <a:p>
@@ -5329,12 +5184,8 @@
               </a:spcBef>
             </a:pPr>
             <a:r>
-              <a:rPr lang="en-US" sz="2400" dirty="0" smtClean="0"/>
-              <a:t>                      </a:t>
-            </a:r>
-            <a:r>
               <a:rPr lang="en-US" sz="2400" dirty="0"/>
-              <a:t>(coffee-type order)</a:t>
+              <a:t>                      (coffee-type order)</a:t>
             </a:r>
           </a:p>
           <a:p>
@@ -5344,12 +5195,8 @@
               </a:spcBef>
             </a:pPr>
             <a:r>
-              <a:rPr lang="en-US" sz="2400" dirty="0" smtClean="0"/>
-              <a:t>                      </a:t>
-            </a:r>
-            <a:r>
               <a:rPr lang="en-US" sz="2400" dirty="0"/>
-              <a:t>(coffee-milk? order))]</a:t>
+              <a:t>                      (coffee-milk? order))]</a:t>
             </a:r>
           </a:p>
           <a:p>
@@ -5359,12 +5206,8 @@
               </a:spcBef>
             </a:pPr>
             <a:r>
-              <a:rPr lang="en-US" sz="2400" dirty="0" smtClean="0"/>
-              <a:t>    </a:t>
-            </a:r>
-            <a:r>
               <a:rPr lang="en-US" sz="2400" dirty="0"/>
-              <a:t>[(wine? order) (...</a:t>
+              <a:t>    [(wine? order) (...</a:t>
             </a:r>
           </a:p>
           <a:p>
@@ -5374,12 +5217,8 @@
               </a:spcBef>
             </a:pPr>
             <a:r>
-              <a:rPr lang="en-US" sz="2400" dirty="0" smtClean="0"/>
-              <a:t>                    </a:t>
-            </a:r>
-            <a:r>
               <a:rPr lang="en-US" sz="2400" dirty="0"/>
-              <a:t>(wine-vineyard order)</a:t>
+              <a:t>                    (wine-vineyard order)</a:t>
             </a:r>
           </a:p>
           <a:p>
@@ -5389,12 +5228,8 @@
               </a:spcBef>
             </a:pPr>
             <a:r>
-              <a:rPr lang="en-US" sz="2400" dirty="0" smtClean="0"/>
-              <a:t>                    </a:t>
-            </a:r>
-            <a:r>
               <a:rPr lang="en-US" sz="2400" dirty="0"/>
-              <a:t>(wine-year order))]</a:t>
+              <a:t>                    (wine-year order))]</a:t>
             </a:r>
           </a:p>
           <a:p>
@@ -5404,12 +5239,8 @@
               </a:spcBef>
             </a:pPr>
             <a:r>
-              <a:rPr lang="en-US" sz="2400" dirty="0" smtClean="0"/>
-              <a:t>    </a:t>
-            </a:r>
-            <a:r>
               <a:rPr lang="en-US" sz="2400" dirty="0"/>
-              <a:t>[(tea? order) (...</a:t>
+              <a:t>    [(tea? order) (...</a:t>
             </a:r>
           </a:p>
           <a:p>
@@ -5419,12 +5250,8 @@
               </a:spcBef>
             </a:pPr>
             <a:r>
-              <a:rPr lang="en-US" sz="2400" dirty="0" smtClean="0"/>
-              <a:t>                   </a:t>
-            </a:r>
-            <a:r>
               <a:rPr lang="en-US" sz="2400" dirty="0"/>
-              <a:t>(tea-size order)</a:t>
+              <a:t>                   (tea-size order)</a:t>
             </a:r>
           </a:p>
           <a:p>
@@ -5434,12 +5261,8 @@
               </a:spcBef>
             </a:pPr>
             <a:r>
-              <a:rPr lang="en-US" sz="2400" dirty="0" smtClean="0"/>
-              <a:t>                   </a:t>
-            </a:r>
-            <a:r>
               <a:rPr lang="en-US" sz="2400" dirty="0"/>
-              <a:t>(tea-type order))]))</a:t>
+              <a:t>                   (tea-type order))]))</a:t>
             </a:r>
           </a:p>
         </p:txBody>
@@ -5514,7 +5337,7 @@
           <a:lstStyle/>
           <a:p>
             <a:r>
-              <a:rPr lang="en-US" dirty="0" smtClean="0">
+              <a:rPr lang="en-US" dirty="0">
                 <a:solidFill>
                   <a:schemeClr val="tx1"/>
                 </a:solidFill>
@@ -5552,10 +5375,9 @@
           <a:lstStyle/>
           <a:p>
             <a:r>
-              <a:rPr lang="en-US" dirty="0" smtClean="0"/>
+              <a:rPr lang="en-US" dirty="0"/>
               <a:t>source file: 01-2-template-examples.rkt</a:t>
             </a:r>
-            <a:endParaRPr lang="en-US" dirty="0"/>
           </a:p>
         </p:txBody>
       </p:sp>
@@ -5607,10 +5429,9 @@
           <a:lstStyle/>
           <a:p>
             <a:r>
-              <a:rPr lang="en-US" dirty="0" smtClean="0"/>
-              <a:t>What is the destructor template good for?</a:t>
-            </a:r>
-            <a:endParaRPr lang="en-US" dirty="0"/>
+              <a:rPr lang="en-US" dirty="0"/>
+              <a:t>What is the observer template good for?</a:t>
+            </a:r>
           </a:p>
         </p:txBody>
       </p:sp>
@@ -5631,23 +5452,22 @@
           <a:p>
             <a:r>
               <a:rPr lang="en-US" dirty="0"/>
-              <a:t>The destructor template (or just the template, for short) gives a skeleton for functions that examine or use the data.</a:t>
-            </a:r>
-          </a:p>
-          <a:p>
-            <a:r>
-              <a:rPr lang="en-US" dirty="0" smtClean="0"/>
+              <a:t>The observer template (or just the template, for short) gives a skeleton for functions that examine or use the data.</a:t>
+            </a:r>
+          </a:p>
+          <a:p>
+            <a:r>
+              <a:rPr lang="en-US" dirty="0"/>
               <a:t>The values after the ... give us an inventory of the values we can use on the right-hand side of the </a:t>
             </a:r>
             <a:r>
-              <a:rPr lang="en-US" b="1" dirty="0" smtClean="0"/>
+              <a:rPr lang="en-US" b="1" dirty="0"/>
               <a:t>cond</a:t>
             </a:r>
             <a:r>
-              <a:rPr lang="en-US" dirty="0" smtClean="0"/>
+              <a:rPr lang="en-US" dirty="0"/>
               <a:t>.</a:t>
             </a:r>
-            <a:endParaRPr lang="en-US" dirty="0"/>
           </a:p>
         </p:txBody>
       </p:sp>
@@ -5723,10 +5543,9 @@
           <a:lstStyle/>
           <a:p>
             <a:r>
-              <a:rPr lang="en-US" dirty="0" smtClean="0"/>
+              <a:rPr lang="en-US" dirty="0"/>
               <a:t>How to write a template for compound data</a:t>
             </a:r>
-            <a:endParaRPr lang="en-US" dirty="0"/>
           </a:p>
         </p:txBody>
       </p:sp>
@@ -5746,24 +5565,23 @@
           <a:lstStyle/>
           <a:p>
             <a:r>
-              <a:rPr lang="en-US" dirty="0" smtClean="0"/>
+              <a:rPr lang="en-US" dirty="0"/>
               <a:t>Just like the one for mixed data, but you don’t need a </a:t>
             </a:r>
             <a:r>
-              <a:rPr lang="en-US" b="1" dirty="0" smtClean="0"/>
+              <a:rPr lang="en-US" b="1" dirty="0"/>
               <a:t>cond</a:t>
             </a:r>
             <a:r>
-              <a:rPr lang="en-US" dirty="0" smtClean="0"/>
+              <a:rPr lang="en-US" dirty="0"/>
               <a:t>.</a:t>
             </a:r>
           </a:p>
           <a:p>
             <a:r>
-              <a:rPr lang="en-US" dirty="0" smtClean="0"/>
+              <a:rPr lang="en-US" dirty="0"/>
               <a:t>Here’s an example:</a:t>
             </a:r>
-            <a:endParaRPr lang="en-US" dirty="0"/>
           </a:p>
         </p:txBody>
       </p:sp>
@@ -5839,10 +5657,9 @@
           <a:lstStyle/>
           <a:p>
             <a:r>
-              <a:rPr lang="en-US" dirty="0" smtClean="0"/>
+              <a:rPr lang="en-US" dirty="0"/>
               <a:t>Template for compound data</a:t>
             </a:r>
-            <a:endParaRPr lang="en-US" dirty="0"/>
           </a:p>
         </p:txBody>
       </p:sp>
@@ -5891,22 +5708,21 @@
               <a:t> </a:t>
             </a:r>
             <a:r>
-              <a:rPr lang="en-US" sz="1600" dirty="0" err="1" smtClean="0"/>
+              <a:rPr lang="en-US" sz="1600" dirty="0" err="1"/>
               <a:t>NonNegInt</a:t>
             </a:r>
             <a:r>
-              <a:rPr lang="en-US" sz="1600" dirty="0" smtClean="0"/>
+              <a:rPr lang="en-US" sz="1600" dirty="0"/>
               <a:t> </a:t>
             </a:r>
             <a:r>
-              <a:rPr lang="en-US" sz="1600" dirty="0" err="1" smtClean="0"/>
+              <a:rPr lang="en-US" sz="1600" dirty="0" err="1"/>
               <a:t>NonNegInt</a:t>
             </a:r>
             <a:r>
-              <a:rPr lang="en-US" sz="1600" dirty="0" smtClean="0"/>
+              <a:rPr lang="en-US" sz="1600" dirty="0"/>
               <a:t>)</a:t>
             </a:r>
-            <a:endParaRPr lang="en-US" sz="1600" dirty="0"/>
           </a:p>
           <a:p>
             <a:r>
@@ -5935,13 +5751,8 @@
           <a:p>
             <a:r>
               <a:rPr lang="en-US" sz="1600" dirty="0"/>
-              <a:t>;;   price is the price in </a:t>
-            </a:r>
-            <a:r>
-              <a:rPr lang="en-US" sz="1600" dirty="0" smtClean="0"/>
-              <a:t>USD*100</a:t>
-            </a:r>
-            <a:endParaRPr lang="en-US" sz="1600" dirty="0"/>
+              <a:t>;;   price is the price in USD*100</a:t>
+            </a:r>
           </a:p>
           <a:p>
             <a:endParaRPr lang="en-US" sz="1600" dirty="0"/>
@@ -6057,10 +5868,9 @@
             <a:lstStyle/>
             <a:p>
               <a:r>
-                <a:rPr lang="en-US" dirty="0" smtClean="0"/>
+                <a:rPr lang="en-US" dirty="0"/>
                 <a:t>The constructor template</a:t>
               </a:r>
-              <a:endParaRPr lang="en-US" dirty="0"/>
             </a:p>
           </p:txBody>
         </p:sp>
@@ -6187,10 +5997,9 @@
             <a:lstStyle/>
             <a:p>
               <a:r>
-                <a:rPr lang="en-US" dirty="0" smtClean="0"/>
+                <a:rPr lang="en-US" dirty="0"/>
                 <a:t>The interpretation of each field</a:t>
               </a:r>
-              <a:endParaRPr lang="en-US" dirty="0"/>
             </a:p>
           </p:txBody>
         </p:sp>
@@ -6327,7 +6136,7 @@
             <a:lstStyle/>
             <a:p>
               <a:r>
-                <a:rPr lang="en-US" dirty="0" smtClean="0"/>
+                <a:rPr lang="en-US" dirty="0"/>
                 <a:t>The structure definition</a:t>
               </a:r>
             </a:p>
@@ -6423,7 +6232,7 @@
                 <a:buAutoNum type="arabicPeriod"/>
               </a:pPr>
               <a:r>
-                <a:rPr lang="en-US" dirty="0" smtClean="0"/>
+                <a:rPr lang="en-US" dirty="0"/>
                 <a:t>No subclasses, so no cond.</a:t>
               </a:r>
             </a:p>
@@ -6432,10 +6241,9 @@
                 <a:buAutoNum type="arabicPeriod"/>
               </a:pPr>
               <a:r>
-                <a:rPr lang="en-US" dirty="0" smtClean="0"/>
+                <a:rPr lang="en-US" dirty="0"/>
                 <a:t>The selector functions give you the pieces of data that you can calculate with.</a:t>
               </a:r>
-              <a:endParaRPr lang="en-US" dirty="0"/>
             </a:p>
           </p:txBody>
         </p:sp>
@@ -6574,10 +6382,9 @@
           <a:lstStyle/>
           <a:p>
             <a:r>
-              <a:rPr lang="en-US" dirty="0" smtClean="0"/>
+              <a:rPr lang="en-US" dirty="0"/>
               <a:t>source file: 01-2-template-examples.rkt</a:t>
             </a:r>
-            <a:endParaRPr lang="en-US" dirty="0"/>
           </a:p>
         </p:txBody>
       </p:sp>
@@ -6869,10 +6676,9 @@
           <a:lstStyle/>
           <a:p>
             <a:r>
-              <a:rPr lang="en-US" dirty="0" smtClean="0"/>
+              <a:rPr lang="en-US" dirty="0"/>
               <a:t>Template for Itemization Data</a:t>
             </a:r>
-            <a:endParaRPr lang="en-US" dirty="0"/>
           </a:p>
         </p:txBody>
       </p:sp>
@@ -6892,18 +6698,18 @@
           <a:lstStyle/>
           <a:p>
             <a:r>
-              <a:rPr lang="en-US" dirty="0" smtClean="0"/>
+              <a:rPr lang="en-US" dirty="0"/>
               <a:t>No selectors, just a </a:t>
             </a:r>
             <a:r>
-              <a:rPr lang="en-US" b="1" dirty="0" err="1" smtClean="0"/>
+              <a:rPr lang="en-US" b="1" dirty="0" err="1"/>
               <a:t>cond</a:t>
             </a:r>
-            <a:endParaRPr lang="en-US" b="1" dirty="0" smtClean="0"/>
-          </a:p>
-          <a:p>
-            <a:r>
-              <a:rPr lang="en-US" dirty="0" smtClean="0"/>
+            <a:endParaRPr lang="en-US" b="1" dirty="0"/>
+          </a:p>
+          <a:p>
+            <a:r>
+              <a:rPr lang="en-US" dirty="0"/>
               <a:t>Here’s a simple example:</a:t>
             </a:r>
           </a:p>
@@ -7139,10 +6945,9 @@
           <a:lstStyle/>
           <a:p>
             <a:r>
-              <a:rPr lang="en-US" dirty="0" smtClean="0"/>
+              <a:rPr lang="en-US" dirty="0"/>
               <a:t>Summary</a:t>
             </a:r>
-            <a:endParaRPr lang="en-US" dirty="0"/>
           </a:p>
         </p:txBody>
       </p:sp>
@@ -7162,8 +6967,8 @@
           <a:lstStyle/>
           <a:p>
             <a:r>
-              <a:rPr lang="en-US" dirty="0" smtClean="0"/>
-              <a:t>You should now be able to write destructor templates for itemization, compound, and mixed data.</a:t>
+              <a:rPr lang="en-US" dirty="0"/>
+              <a:t>You should now be able to write observer templates for itemization, compound, and mixed data.</a:t>
             </a:r>
           </a:p>
           <a:p>
@@ -7205,13 +7010,6 @@
   <p:clrMapOvr>
     <a:masterClrMapping/>
   </p:clrMapOvr>
-  <p:timing>
-    <p:tnLst>
-      <p:par>
-        <p:cTn id="1" dur="indefinite" restart="never" nodeType="tmRoot"/>
-      </p:par>
-    </p:tnLst>
-  </p:timing>
 </p:sld>
 </file>
 
@@ -7248,66 +7046,60 @@
           <a:lstStyle/>
           <a:p>
             <a:r>
-              <a:rPr lang="en-US" dirty="0" smtClean="0"/>
+              <a:rPr lang="en-US" dirty="0"/>
               <a:t>Next Steps</a:t>
             </a:r>
+          </a:p>
+        </p:txBody>
+      </p:sp>
+      <p:sp>
+        <p:nvSpPr>
+          <p:cNvPr id="3" name="Content Placeholder 2"/>
+          <p:cNvSpPr>
+            <a:spLocks noGrp="1"/>
+          </p:cNvSpPr>
+          <p:nvPr>
+            <p:ph idx="1"/>
+          </p:nvPr>
+        </p:nvSpPr>
+        <p:spPr/>
+        <p:txBody>
+          <a:bodyPr/>
+          <a:lstStyle/>
+          <a:p>
+            <a:r>
+              <a:rPr lang="en-US" dirty="0"/>
+              <a:t>Study the files 01-2-template-examples.rkt in the examples folder.</a:t>
+            </a:r>
+          </a:p>
+          <a:p>
+            <a:r>
+              <a:rPr lang="en-US" dirty="0"/>
+              <a:t>Do </a:t>
+            </a:r>
+            <a:r>
+              <a:rPr lang="en-US"/>
+              <a:t>Guided Practice 1.2.</a:t>
+            </a:r>
             <a:endParaRPr lang="en-US" dirty="0"/>
           </a:p>
-        </p:txBody>
-      </p:sp>
-      <p:sp>
-        <p:nvSpPr>
-          <p:cNvPr id="3" name="Content Placeholder 2"/>
-          <p:cNvSpPr>
-            <a:spLocks noGrp="1"/>
-          </p:cNvSpPr>
-          <p:nvPr>
-            <p:ph idx="1"/>
-          </p:nvPr>
-        </p:nvSpPr>
-        <p:spPr/>
-        <p:txBody>
-          <a:bodyPr/>
-          <a:lstStyle/>
-          <a:p>
-            <a:r>
-              <a:rPr lang="en-US" dirty="0" smtClean="0"/>
-              <a:t>Study the files 01-2-template-examples.rkt in the examples folder</a:t>
-            </a:r>
-            <a:r>
-              <a:rPr lang="en-US" dirty="0" smtClean="0"/>
-              <a:t>.</a:t>
-            </a:r>
-          </a:p>
-          <a:p>
-            <a:r>
-              <a:rPr lang="en-US" dirty="0" smtClean="0"/>
-              <a:t>Do </a:t>
-            </a:r>
-            <a:r>
-              <a:rPr lang="en-US" smtClean="0"/>
-              <a:t>Guided Practice 1.2.</a:t>
-            </a:r>
-            <a:endParaRPr lang="en-US" dirty="0" smtClean="0"/>
-          </a:p>
-          <a:p>
-            <a:r>
-              <a:rPr lang="en-US" dirty="0" smtClean="0"/>
+          <a:p>
+            <a:r>
+              <a:rPr lang="en-US" dirty="0"/>
               <a:t>If you have questions about this lesson, ask them on the Discussion Board</a:t>
             </a:r>
           </a:p>
           <a:p>
             <a:r>
-              <a:rPr lang="en-US" dirty="0" smtClean="0"/>
+              <a:rPr lang="en-US" dirty="0"/>
               <a:t>Do the Guided Practices</a:t>
             </a:r>
           </a:p>
           <a:p>
             <a:r>
-              <a:rPr lang="en-US" dirty="0" smtClean="0"/>
+              <a:rPr lang="en-US" dirty="0"/>
               <a:t>Go on to the next lesson</a:t>
             </a:r>
-            <a:endParaRPr lang="en-US" dirty="0"/>
           </a:p>
         </p:txBody>
       </p:sp>
@@ -7345,13 +7137,6 @@
   <p:clrMapOvr>
     <a:masterClrMapping/>
   </p:clrMapOvr>
-  <p:timing>
-    <p:tnLst>
-      <p:par>
-        <p:cTn id="1" dur="indefinite" restart="never" nodeType="tmRoot"/>
-      </p:par>
-    </p:tnLst>
-  </p:timing>
 </p:sld>
 </file>
 
@@ -7390,10 +7175,9 @@
           <a:lstStyle/>
           <a:p>
             <a:r>
-              <a:rPr lang="en-US" dirty="0" smtClean="0"/>
+              <a:rPr lang="en-US" dirty="0"/>
               <a:t>Learning Objectives for This Lesson</a:t>
             </a:r>
-            <a:endParaRPr lang="en-US" dirty="0"/>
           </a:p>
         </p:txBody>
       </p:sp>
@@ -7413,22 +7197,22 @@
           <a:lstStyle/>
           <a:p>
             <a:r>
-              <a:rPr lang="en-US" dirty="0" smtClean="0"/>
+              <a:rPr lang="en-US" dirty="0"/>
               <a:t>By the time you finish this lesson, you should be able to:</a:t>
             </a:r>
           </a:p>
           <a:p>
             <a:pPr lvl="1"/>
             <a:r>
-              <a:rPr lang="en-US" dirty="0" smtClean="0"/>
-              <a:t>explain what a destructor template is</a:t>
+              <a:rPr lang="en-US" dirty="0"/>
+              <a:t>explain what a observer template is</a:t>
             </a:r>
           </a:p>
           <a:p>
             <a:pPr lvl="1"/>
             <a:r>
-              <a:rPr lang="en-US" dirty="0" smtClean="0"/>
-              <a:t>write destructor templates for typical data.</a:t>
+              <a:rPr lang="en-US" dirty="0"/>
+              <a:t>write observer templates for typical data.</a:t>
             </a:r>
           </a:p>
         </p:txBody>
@@ -7467,13 +7251,6 @@
   <p:clrMapOvr>
     <a:masterClrMapping/>
   </p:clrMapOvr>
-  <p:timing>
-    <p:tnLst>
-      <p:par>
-        <p:cTn id="1" dur="indefinite" restart="never" nodeType="tmRoot"/>
-      </p:par>
-    </p:tnLst>
-  </p:timing>
 </p:sld>
 </file>
 
@@ -7510,10 +7287,9 @@
           <a:lstStyle/>
           <a:p>
             <a:r>
-              <a:rPr lang="en-US" dirty="0" smtClean="0"/>
-              <a:t>DDR Step 5: Destructor Template</a:t>
-            </a:r>
-            <a:endParaRPr lang="en-US" dirty="0"/>
+              <a:rPr lang="en-US" dirty="0"/>
+              <a:t>DDR Step 5: Observer Template</a:t>
+            </a:r>
           </a:p>
         </p:txBody>
       </p:sp>
@@ -7533,19 +7309,19 @@
           <a:lstStyle/>
           <a:p>
             <a:r>
-              <a:rPr lang="en-US" dirty="0" smtClean="0"/>
-              <a:t>The destructor template (or just the template, for short) gives a skeleton for functions that examine or use the data.</a:t>
-            </a:r>
-          </a:p>
-          <a:p>
-            <a:r>
-              <a:rPr lang="en-US" dirty="0" smtClean="0"/>
+              <a:rPr lang="en-US" dirty="0"/>
+              <a:t>The observer template (or just the template, for short) gives a skeleton for functions that examine or use the data.</a:t>
+            </a:r>
+          </a:p>
+          <a:p>
+            <a:r>
+              <a:rPr lang="en-US" dirty="0"/>
               <a:t>Once you write the template, writing the function is just a matter of filling in the blanks.</a:t>
             </a:r>
           </a:p>
           <a:p>
             <a:r>
-              <a:rPr lang="en-US" dirty="0" smtClean="0"/>
+              <a:rPr lang="en-US" dirty="0"/>
               <a:t>This step is a little more complicated than the preceding ones, so we have a recipe for this, too!</a:t>
             </a:r>
           </a:p>
@@ -7588,13 +7364,6 @@
   <p:clrMapOvr>
     <a:masterClrMapping/>
   </p:clrMapOvr>
-  <p:timing>
-    <p:tnLst>
-      <p:par>
-        <p:cTn id="1" dur="indefinite" restart="never" nodeType="tmRoot"/>
-      </p:par>
-    </p:tnLst>
-  </p:timing>
 </p:sld>
 </file>
 
@@ -7633,10 +7402,9 @@
           <a:lstStyle/>
           <a:p>
             <a:r>
-              <a:rPr lang="en-US" dirty="0" smtClean="0"/>
+              <a:rPr lang="en-US" dirty="0"/>
               <a:t>The template recipe</a:t>
             </a:r>
-            <a:endParaRPr lang="en-US" dirty="0"/>
           </a:p>
         </p:txBody>
       </p:sp>
@@ -7666,8 +7434,20 @@
                 <a:tableStyleId>{5C22544A-7EE6-4342-B048-85BDC9FD1C3A}</a:tableStyleId>
               </a:tblPr>
               <a:tblGrid>
-                <a:gridCol w="4114800"/>
-                <a:gridCol w="4114800"/>
+                <a:gridCol w="4114800">
+                  <a:extLst>
+                    <a:ext uri="{9D8B030D-6E8A-4147-A177-3AD203B41FA5}">
+                      <a16:colId xmlns:a16="http://schemas.microsoft.com/office/drawing/2014/main" val="20000"/>
+                    </a:ext>
+                  </a:extLst>
+                </a:gridCol>
+                <a:gridCol w="4114800">
+                  <a:extLst>
+                    <a:ext uri="{9D8B030D-6E8A-4147-A177-3AD203B41FA5}">
+                      <a16:colId xmlns:a16="http://schemas.microsoft.com/office/drawing/2014/main" val="20001"/>
+                    </a:ext>
+                  </a:extLst>
+                </a:gridCol>
               </a:tblGrid>
               <a:tr h="370840">
                 <a:tc>
@@ -7676,10 +7456,9 @@
                     <a:lstStyle/>
                     <a:p>
                       <a:r>
-                        <a:rPr lang="en-US" sz="2400" dirty="0" smtClean="0"/>
+                        <a:rPr lang="en-US" sz="2400" dirty="0"/>
                         <a:t>Question</a:t>
                       </a:r>
-                      <a:endParaRPr lang="en-US" sz="2400" dirty="0"/>
                     </a:p>
                   </a:txBody>
                   <a:tcPr/>
@@ -7690,14 +7469,18 @@
                     <a:lstStyle/>
                     <a:p>
                       <a:r>
-                        <a:rPr lang="en-US" sz="2400" dirty="0" smtClean="0"/>
+                        <a:rPr lang="en-US" sz="2400" dirty="0"/>
                         <a:t>Answer</a:t>
                       </a:r>
-                      <a:endParaRPr lang="en-US" sz="2400" dirty="0"/>
                     </a:p>
                   </a:txBody>
                   <a:tcPr/>
                 </a:tc>
+                <a:extLst>
+                  <a:ext uri="{0D108BD9-81ED-4DB2-BD59-A6C34878D82A}">
+                    <a16:rowId xmlns:a16="http://schemas.microsoft.com/office/drawing/2014/main" val="10000"/>
+                  </a:ext>
+                </a:extLst>
               </a:tr>
               <a:tr h="370840">
                 <a:tc>
@@ -7706,10 +7489,9 @@
                     <a:lstStyle/>
                     <a:p>
                       <a:r>
-                        <a:rPr lang="en-US" sz="2400" dirty="0" smtClean="0"/>
+                        <a:rPr lang="en-US" sz="2400" dirty="0"/>
                         <a:t>1. Does the data definition distinguish among different subclasses of data?</a:t>
                       </a:r>
-                      <a:endParaRPr lang="en-US" sz="2400" dirty="0"/>
                     </a:p>
                   </a:txBody>
                   <a:tcPr/>
@@ -7720,40 +7502,44 @@
                     <a:lstStyle/>
                     <a:p>
                       <a:r>
-                        <a:rPr lang="en-US" sz="2400" dirty="0" smtClean="0"/>
+                        <a:rPr lang="en-US" sz="2400" dirty="0"/>
                         <a:t>Write a </a:t>
                       </a:r>
                       <a:r>
-                        <a:rPr lang="en-US" sz="2400" dirty="0" err="1" smtClean="0">
+                        <a:rPr lang="en-US" sz="2400" dirty="0" err="1">
                           <a:hlinkClick r:id="rId2"/>
                         </a:rPr>
                         <a:t>cond</a:t>
                       </a:r>
                       <a:r>
-                        <a:rPr lang="en-US" sz="2400" dirty="0" smtClean="0"/>
+                        <a:rPr lang="en-US" sz="2400" dirty="0"/>
                         <a:t> with a</a:t>
                       </a:r>
                       <a:r>
-                        <a:rPr lang="en-US" sz="2400" baseline="0" dirty="0" smtClean="0"/>
+                        <a:rPr lang="en-US" sz="2400" baseline="0" dirty="0"/>
                         <a:t> </a:t>
                       </a:r>
                       <a:r>
-                        <a:rPr lang="en-US" sz="2400" dirty="0" smtClean="0"/>
+                        <a:rPr lang="en-US" sz="2400" dirty="0"/>
                         <a:t>clause for</a:t>
                       </a:r>
                       <a:r>
-                        <a:rPr lang="en-US" sz="2400" baseline="0" dirty="0" smtClean="0"/>
+                        <a:rPr lang="en-US" sz="2400" baseline="0" dirty="0"/>
                         <a:t> each</a:t>
                       </a:r>
                       <a:r>
-                        <a:rPr lang="en-US" sz="2400" dirty="0" smtClean="0"/>
+                        <a:rPr lang="en-US" sz="2400" dirty="0"/>
                         <a:t> subclasses.</a:t>
                       </a:r>
-                      <a:endParaRPr lang="en-US" sz="2400" dirty="0"/>
                     </a:p>
                   </a:txBody>
                   <a:tcPr/>
                 </a:tc>
+                <a:extLst>
+                  <a:ext uri="{0D108BD9-81ED-4DB2-BD59-A6C34878D82A}">
+                    <a16:rowId xmlns:a16="http://schemas.microsoft.com/office/drawing/2014/main" val="10001"/>
+                  </a:ext>
+                </a:extLst>
               </a:tr>
               <a:tr h="370840">
                 <a:tc>
@@ -7762,10 +7548,9 @@
                     <a:lstStyle/>
                     <a:p>
                       <a:r>
-                        <a:rPr lang="en-US" sz="2400" dirty="0" smtClean="0"/>
+                        <a:rPr lang="en-US" sz="2400" dirty="0"/>
                         <a:t>2. How do the subclasses differ from each other?</a:t>
                       </a:r>
-                      <a:endParaRPr lang="en-US" sz="2400" dirty="0"/>
                     </a:p>
                   </a:txBody>
                   <a:tcPr/>
@@ -7776,14 +7561,18 @@
                     <a:lstStyle/>
                     <a:p>
                       <a:r>
-                        <a:rPr lang="en-US" sz="2400" dirty="0" smtClean="0"/>
+                        <a:rPr lang="en-US" sz="2400" dirty="0"/>
                         <a:t>Use the differences to formulate a condition per clause.</a:t>
                       </a:r>
-                      <a:endParaRPr lang="en-US" sz="2400" dirty="0"/>
                     </a:p>
                   </a:txBody>
                   <a:tcPr/>
                 </a:tc>
+                <a:extLst>
+                  <a:ext uri="{0D108BD9-81ED-4DB2-BD59-A6C34878D82A}">
+                    <a16:rowId xmlns:a16="http://schemas.microsoft.com/office/drawing/2014/main" val="10002"/>
+                  </a:ext>
+                </a:extLst>
               </a:tr>
               <a:tr h="370840">
                 <a:tc>
@@ -7792,18 +7581,17 @@
                     <a:lstStyle/>
                     <a:p>
                       <a:r>
-                        <a:rPr lang="en-US" sz="2400" dirty="0" smtClean="0"/>
+                        <a:rPr lang="en-US" sz="2400" dirty="0"/>
                         <a:t>3. Do any of the clauses deal with structured</a:t>
                       </a:r>
                       <a:r>
-                        <a:rPr lang="en-US" sz="2400" baseline="0" dirty="0" smtClean="0"/>
+                        <a:rPr lang="en-US" sz="2400" baseline="0" dirty="0"/>
                         <a:t> values</a:t>
                       </a:r>
                       <a:r>
-                        <a:rPr lang="en-US" sz="2400" dirty="0" smtClean="0"/>
+                        <a:rPr lang="en-US" sz="2400" dirty="0"/>
                         <a:t>?</a:t>
                       </a:r>
-                      <a:endParaRPr lang="en-US" sz="2400" dirty="0"/>
                     </a:p>
                   </a:txBody>
                   <a:tcPr/>
@@ -7814,14 +7602,18 @@
                     <a:lstStyle/>
                     <a:p>
                       <a:r>
-                        <a:rPr lang="en-US" sz="2400" dirty="0" smtClean="0"/>
+                        <a:rPr lang="en-US" sz="2400" dirty="0"/>
                         <a:t>If so, add appropriate selector expressions to the clause.</a:t>
                       </a:r>
-                      <a:endParaRPr lang="en-US" sz="2400" dirty="0"/>
                     </a:p>
                   </a:txBody>
                   <a:tcPr/>
                 </a:tc>
+                <a:extLst>
+                  <a:ext uri="{0D108BD9-81ED-4DB2-BD59-A6C34878D82A}">
+                    <a16:rowId xmlns:a16="http://schemas.microsoft.com/office/drawing/2014/main" val="10003"/>
+                  </a:ext>
+                </a:extLst>
               </a:tr>
               <a:tr h="370840">
                 <a:tc>
@@ -7830,7 +7622,7 @@
                     <a:lstStyle/>
                     <a:p>
                       <a:r>
-                        <a:rPr lang="en-US" sz="2400" dirty="0" smtClean="0">
+                        <a:rPr lang="en-US" sz="2400" dirty="0">
                           <a:solidFill>
                             <a:schemeClr val="tx1"/>
                           </a:solidFill>
@@ -7838,7 +7630,7 @@
                         <a:t>4. Do any of the fields contain compound</a:t>
                       </a:r>
                       <a:r>
-                        <a:rPr lang="en-US" sz="2400" baseline="0" dirty="0" smtClean="0">
+                        <a:rPr lang="en-US" sz="2400" baseline="0" dirty="0">
                           <a:solidFill>
                             <a:schemeClr val="tx1"/>
                           </a:solidFill>
@@ -7860,7 +7652,7 @@
                     <a:lstStyle/>
                     <a:p>
                       <a:r>
-                        <a:rPr lang="en-US" sz="2400" dirty="0" smtClean="0">
+                        <a:rPr lang="en-US" sz="2400" dirty="0">
                           <a:solidFill>
                             <a:schemeClr val="tx1"/>
                           </a:solidFill>
@@ -7868,7 +7660,7 @@
                         <a:t>If the value of a field is a </a:t>
                       </a:r>
                       <a:r>
-                        <a:rPr lang="en-US" sz="2400" i="1" dirty="0" smtClean="0">
+                        <a:rPr lang="en-US" sz="2400" i="1" dirty="0">
                           <a:solidFill>
                             <a:schemeClr val="tx1"/>
                           </a:solidFill>
@@ -7876,7 +7668,7 @@
                         <a:t>foo</a:t>
                       </a:r>
                       <a:r>
-                        <a:rPr lang="en-US" sz="2400" dirty="0" smtClean="0">
+                        <a:rPr lang="en-US" sz="2400" dirty="0">
                           <a:solidFill>
                             <a:schemeClr val="tx1"/>
                           </a:solidFill>
@@ -7884,7 +7676,7 @@
                         <a:t>,</a:t>
                       </a:r>
                       <a:r>
-                        <a:rPr lang="en-US" sz="2400" baseline="0" dirty="0" smtClean="0">
+                        <a:rPr lang="en-US" sz="2400" baseline="0" dirty="0">
                           <a:solidFill>
                             <a:schemeClr val="tx1"/>
                           </a:solidFill>
@@ -7892,7 +7684,7 @@
                         <a:t> add a call to a </a:t>
                       </a:r>
                       <a:r>
-                        <a:rPr lang="en-US" sz="2400" i="1" baseline="0" dirty="0" smtClean="0">
+                        <a:rPr lang="en-US" sz="2400" i="1" baseline="0" dirty="0">
                           <a:solidFill>
                             <a:schemeClr val="tx1"/>
                           </a:solidFill>
@@ -7900,7 +7692,7 @@
                         <a:t>foo-</a:t>
                       </a:r>
                       <a:r>
-                        <a:rPr lang="en-US" sz="2400" i="1" baseline="0" dirty="0" err="1" smtClean="0">
+                        <a:rPr lang="en-US" sz="2400" i="1" baseline="0" dirty="0" err="1">
                           <a:solidFill>
                             <a:schemeClr val="tx1"/>
                           </a:solidFill>
@@ -7908,7 +7700,7 @@
                         <a:t>fn</a:t>
                       </a:r>
                       <a:r>
-                        <a:rPr lang="en-US" sz="2400" baseline="0" dirty="0" smtClean="0">
+                        <a:rPr lang="en-US" sz="2400" baseline="0" dirty="0">
                           <a:solidFill>
                             <a:schemeClr val="tx1"/>
                           </a:solidFill>
@@ -7924,6 +7716,11 @@
                   </a:txBody>
                   <a:tcPr/>
                 </a:tc>
+                <a:extLst>
+                  <a:ext uri="{0D108BD9-81ED-4DB2-BD59-A6C34878D82A}">
+                    <a16:rowId xmlns:a16="http://schemas.microsoft.com/office/drawing/2014/main" val="10004"/>
+                  </a:ext>
+                </a:extLst>
               </a:tr>
             </a:tbl>
           </a:graphicData>
@@ -7963,13 +7760,6 @@
   <p:clrMapOvr>
     <a:masterClrMapping/>
   </p:clrMapOvr>
-  <p:timing>
-    <p:tnLst>
-      <p:par>
-        <p:cTn id="1" dur="indefinite" restart="never" nodeType="tmRoot"/>
-      </p:par>
-    </p:tnLst>
-  </p:timing>
 </p:sld>
 </file>
 
@@ -8011,10 +7801,9 @@
           <a:lstStyle/>
           <a:p>
             <a:r>
-              <a:rPr lang="en-US" dirty="0" smtClean="0"/>
+              <a:rPr lang="en-US" dirty="0"/>
               <a:t>Let's see where we are</a:t>
             </a:r>
-            <a:endParaRPr lang="en-US" dirty="0"/>
           </a:p>
         </p:txBody>
       </p:sp>
@@ -8044,7 +7833,13 @@
                 <a:tableStyleId>{5C22544A-7EE6-4342-B048-85BDC9FD1C3A}</a:tableStyleId>
               </a:tblPr>
               <a:tblGrid>
-                <a:gridCol w="2057400"/>
+                <a:gridCol w="2057400">
+                  <a:extLst>
+                    <a:ext uri="{9D8B030D-6E8A-4147-A177-3AD203B41FA5}">
+                      <a16:colId xmlns:a16="http://schemas.microsoft.com/office/drawing/2014/main" val="20000"/>
+                    </a:ext>
+                  </a:extLst>
+                </a:gridCol>
               </a:tblGrid>
               <a:tr h="262236">
                 <a:tc>
@@ -8054,14 +7849,18 @@
                     <a:p>
                       <a:pPr algn="ctr"/>
                       <a:r>
-                        <a:rPr lang="en-US" sz="1200" dirty="0" smtClean="0"/>
+                        <a:rPr lang="en-US" sz="1200" dirty="0"/>
                         <a:t>The Function Design Recipe</a:t>
                       </a:r>
-                      <a:endParaRPr lang="en-US" sz="1200" dirty="0"/>
                     </a:p>
                   </a:txBody>
                   <a:tcPr/>
                 </a:tc>
+                <a:extLst>
+                  <a:ext uri="{0D108BD9-81ED-4DB2-BD59-A6C34878D82A}">
+                    <a16:rowId xmlns:a16="http://schemas.microsoft.com/office/drawing/2014/main" val="10000"/>
+                  </a:ext>
+                </a:extLst>
               </a:tr>
               <a:tr h="262236">
                 <a:tc>
@@ -8070,14 +7869,18 @@
                     <a:lstStyle/>
                     <a:p>
                       <a:r>
-                        <a:rPr lang="en-US" sz="1200" dirty="0" smtClean="0"/>
+                        <a:rPr lang="en-US" sz="1200" dirty="0"/>
                         <a:t>1. Data Design</a:t>
                       </a:r>
-                      <a:endParaRPr lang="en-US" sz="1200" dirty="0"/>
                     </a:p>
                   </a:txBody>
                   <a:tcPr/>
                 </a:tc>
+                <a:extLst>
+                  <a:ext uri="{0D108BD9-81ED-4DB2-BD59-A6C34878D82A}">
+                    <a16:rowId xmlns:a16="http://schemas.microsoft.com/office/drawing/2014/main" val="10001"/>
+                  </a:ext>
+                </a:extLst>
               </a:tr>
               <a:tr h="285546">
                 <a:tc>
@@ -8086,14 +7889,18 @@
                     <a:lstStyle/>
                     <a:p>
                       <a:r>
-                        <a:rPr lang="en-US" sz="1200" dirty="0" smtClean="0"/>
+                        <a:rPr lang="en-US" sz="1200" dirty="0"/>
                         <a:t>2. Contract and Purpose Statement</a:t>
                       </a:r>
-                      <a:endParaRPr lang="en-US" sz="1200" dirty="0"/>
                     </a:p>
                   </a:txBody>
                   <a:tcPr/>
                 </a:tc>
+                <a:extLst>
+                  <a:ext uri="{0D108BD9-81ED-4DB2-BD59-A6C34878D82A}">
+                    <a16:rowId xmlns:a16="http://schemas.microsoft.com/office/drawing/2014/main" val="10002"/>
+                  </a:ext>
+                </a:extLst>
               </a:tr>
               <a:tr h="262236">
                 <a:tc>
@@ -8102,11 +7909,11 @@
                     <a:lstStyle/>
                     <a:p>
                       <a:r>
-                        <a:rPr lang="en-US" sz="1200" dirty="0" smtClean="0"/>
+                        <a:rPr lang="en-US" sz="1200" dirty="0"/>
                         <a:t>3.</a:t>
                       </a:r>
                       <a:r>
-                        <a:rPr lang="en-US" sz="1200" baseline="0" dirty="0" smtClean="0"/>
+                        <a:rPr lang="en-US" sz="1200" baseline="0" dirty="0"/>
                         <a:t> Examples and Tests</a:t>
                       </a:r>
                       <a:endParaRPr lang="en-US" sz="1200" dirty="0"/>
@@ -8114,6 +7921,11 @@
                   </a:txBody>
                   <a:tcPr/>
                 </a:tc>
+                <a:extLst>
+                  <a:ext uri="{0D108BD9-81ED-4DB2-BD59-A6C34878D82A}">
+                    <a16:rowId xmlns:a16="http://schemas.microsoft.com/office/drawing/2014/main" val="10003"/>
+                  </a:ext>
+                </a:extLst>
               </a:tr>
               <a:tr h="262236">
                 <a:tc>
@@ -8122,13 +7934,18 @@
                     <a:lstStyle/>
                     <a:p>
                       <a:r>
-                        <a:rPr lang="en-US" sz="1200" dirty="0" smtClean="0"/>
+                        <a:rPr lang="en-US" sz="1200" dirty="0"/>
                         <a:t>4. Design Strategy</a:t>
                       </a:r>
                     </a:p>
                   </a:txBody>
                   <a:tcPr/>
                 </a:tc>
+                <a:extLst>
+                  <a:ext uri="{0D108BD9-81ED-4DB2-BD59-A6C34878D82A}">
+                    <a16:rowId xmlns:a16="http://schemas.microsoft.com/office/drawing/2014/main" val="10004"/>
+                  </a:ext>
+                </a:extLst>
               </a:tr>
               <a:tr h="262236">
                 <a:tc>
@@ -8137,14 +7954,18 @@
                     <a:lstStyle/>
                     <a:p>
                       <a:r>
-                        <a:rPr lang="en-US" sz="1200" dirty="0" smtClean="0"/>
+                        <a:rPr lang="en-US" sz="1200" dirty="0"/>
                         <a:t>5. Function Definition</a:t>
                       </a:r>
-                      <a:endParaRPr lang="en-US" sz="1200" dirty="0"/>
                     </a:p>
                   </a:txBody>
                   <a:tcPr/>
                 </a:tc>
+                <a:extLst>
+                  <a:ext uri="{0D108BD9-81ED-4DB2-BD59-A6C34878D82A}">
+                    <a16:rowId xmlns:a16="http://schemas.microsoft.com/office/drawing/2014/main" val="10005"/>
+                  </a:ext>
+                </a:extLst>
               </a:tr>
               <a:tr h="262236">
                 <a:tc>
@@ -8153,11 +7974,11 @@
                     <a:lstStyle/>
                     <a:p>
                       <a:r>
-                        <a:rPr lang="en-US" sz="1200" dirty="0" smtClean="0"/>
+                        <a:rPr lang="en-US" sz="1200" dirty="0"/>
                         <a:t>6. Program</a:t>
                       </a:r>
                       <a:r>
-                        <a:rPr lang="en-US" sz="1200" baseline="0" dirty="0" smtClean="0"/>
+                        <a:rPr lang="en-US" sz="1200" baseline="0" dirty="0"/>
                         <a:t> Review</a:t>
                       </a:r>
                       <a:endParaRPr lang="en-US" sz="1200" dirty="0"/>
@@ -8165,6 +7986,11 @@
                   </a:txBody>
                   <a:tcPr/>
                 </a:tc>
+                <a:extLst>
+                  <a:ext uri="{0D108BD9-81ED-4DB2-BD59-A6C34878D82A}">
+                    <a16:rowId xmlns:a16="http://schemas.microsoft.com/office/drawing/2014/main" val="10006"/>
+                  </a:ext>
+                </a:extLst>
               </a:tr>
             </a:tbl>
           </a:graphicData>
@@ -8179,7 +8005,7 @@
           <p:nvPr>
             <p:extLst>
               <p:ext uri="{D42A27DB-BD31-4B8C-83A1-F6EECF244321}">
-                <p14:modId xmlns:p14="http://schemas.microsoft.com/office/powerpoint/2010/main" val="1646651394"/>
+                <p14:modId xmlns:p14="http://schemas.microsoft.com/office/powerpoint/2010/main" val="4024373020"/>
               </p:ext>
             </p:extLst>
           </p:nvPr>
@@ -8195,7 +8021,13 @@
                 <a:tableStyleId>{5C22544A-7EE6-4342-B048-85BDC9FD1C3A}</a:tableStyleId>
               </a:tblPr>
               <a:tblGrid>
-                <a:gridCol w="2286000"/>
+                <a:gridCol w="2286000">
+                  <a:extLst>
+                    <a:ext uri="{9D8B030D-6E8A-4147-A177-3AD203B41FA5}">
+                      <a16:colId xmlns:a16="http://schemas.microsoft.com/office/drawing/2014/main" val="20000"/>
+                    </a:ext>
+                  </a:extLst>
+                </a:gridCol>
               </a:tblGrid>
               <a:tr h="230779">
                 <a:tc>
@@ -8205,22 +8037,26 @@
                     <a:p>
                       <a:pPr algn="ctr"/>
                       <a:r>
-                        <a:rPr lang="en-US" sz="1200" dirty="0" smtClean="0"/>
+                        <a:rPr lang="en-US" sz="1200" dirty="0"/>
                         <a:t>The</a:t>
                       </a:r>
                       <a:r>
-                        <a:rPr lang="en-US" sz="1200" baseline="0" dirty="0" smtClean="0"/>
+                        <a:rPr lang="en-US" sz="1200" baseline="0" dirty="0"/>
                         <a:t> Data</a:t>
                       </a:r>
                       <a:r>
-                        <a:rPr lang="en-US" sz="1200" dirty="0" smtClean="0"/>
+                        <a:rPr lang="en-US" sz="1200" dirty="0"/>
                         <a:t> Design Recipe</a:t>
                       </a:r>
-                      <a:endParaRPr lang="en-US" sz="1200" dirty="0"/>
                     </a:p>
                   </a:txBody>
                   <a:tcPr/>
                 </a:tc>
+                <a:extLst>
+                  <a:ext uri="{0D108BD9-81ED-4DB2-BD59-A6C34878D82A}">
+                    <a16:rowId xmlns:a16="http://schemas.microsoft.com/office/drawing/2014/main" val="10000"/>
+                  </a:ext>
+                </a:extLst>
               </a:tr>
               <a:tr h="594349">
                 <a:tc>
@@ -8246,19 +8082,19 @@
                         <a:defRPr/>
                       </a:pPr>
                       <a:r>
-                        <a:rPr lang="en-US" sz="1200" dirty="0" smtClean="0"/>
+                        <a:rPr lang="en-US" sz="1200" dirty="0"/>
                         <a:t>1. What</a:t>
                       </a:r>
                       <a:r>
-                        <a:rPr lang="en-US" sz="1200" baseline="0" dirty="0" smtClean="0"/>
+                        <a:rPr lang="en-US" sz="1200" baseline="0" dirty="0"/>
                         <a:t> information needs to be represented in your program? </a:t>
                       </a:r>
                       <a:r>
-                        <a:rPr lang="en-US" sz="1200" dirty="0" smtClean="0"/>
+                        <a:rPr lang="en-US" sz="1200" dirty="0"/>
                         <a:t>What</a:t>
                       </a:r>
                       <a:r>
-                        <a:rPr lang="en-US" sz="1200" baseline="0" dirty="0" smtClean="0"/>
+                        <a:rPr lang="en-US" sz="1200" baseline="0" dirty="0"/>
                         <a:t> kind of information is each piece?</a:t>
                       </a:r>
                       <a:endParaRPr lang="en-US" sz="1200" dirty="0"/>
@@ -8266,6 +8102,11 @@
                   </a:txBody>
                   <a:tcPr/>
                 </a:tc>
+                <a:extLst>
+                  <a:ext uri="{0D108BD9-81ED-4DB2-BD59-A6C34878D82A}">
+                    <a16:rowId xmlns:a16="http://schemas.microsoft.com/office/drawing/2014/main" val="10001"/>
+                  </a:ext>
+                </a:extLst>
               </a:tr>
               <a:tr h="230779">
                 <a:tc>
@@ -8274,15 +8115,15 @@
                     <a:lstStyle/>
                     <a:p>
                       <a:r>
-                        <a:rPr lang="en-US" sz="1200" dirty="0" smtClean="0"/>
+                        <a:rPr lang="en-US" sz="1200" dirty="0"/>
                         <a:t>2. </a:t>
                       </a:r>
                       <a:r>
-                        <a:rPr lang="en-US" sz="1200" dirty="0" err="1" smtClean="0"/>
+                        <a:rPr lang="en-US" sz="1200" dirty="0" err="1"/>
                         <a:t>Struct</a:t>
                       </a:r>
                       <a:r>
-                        <a:rPr lang="en-US" sz="1200" baseline="0" dirty="0" smtClean="0"/>
+                        <a:rPr lang="en-US" sz="1200" baseline="0" dirty="0"/>
                         <a:t> Definitions</a:t>
                       </a:r>
                       <a:endParaRPr lang="en-US" sz="1200" dirty="0"/>
@@ -8290,6 +8131,11 @@
                   </a:txBody>
                   <a:tcPr/>
                 </a:tc>
+                <a:extLst>
+                  <a:ext uri="{0D108BD9-81ED-4DB2-BD59-A6C34878D82A}">
+                    <a16:rowId xmlns:a16="http://schemas.microsoft.com/office/drawing/2014/main" val="10002"/>
+                  </a:ext>
+                </a:extLst>
               </a:tr>
               <a:tr h="230779">
                 <a:tc>
@@ -8298,11 +8144,11 @@
                     <a:lstStyle/>
                     <a:p>
                       <a:r>
-                        <a:rPr lang="en-US" sz="1200" dirty="0" smtClean="0"/>
+                        <a:rPr lang="en-US" sz="1200" dirty="0"/>
                         <a:t>3.</a:t>
                       </a:r>
                       <a:r>
-                        <a:rPr lang="en-US" sz="1200" baseline="0" dirty="0" smtClean="0"/>
+                        <a:rPr lang="en-US" sz="1200" baseline="0" dirty="0"/>
                         <a:t> Constructor Template</a:t>
                       </a:r>
                       <a:endParaRPr lang="en-US" sz="1200" dirty="0"/>
@@ -8310,6 +8156,11 @@
                   </a:txBody>
                   <a:tcPr/>
                 </a:tc>
+                <a:extLst>
+                  <a:ext uri="{0D108BD9-81ED-4DB2-BD59-A6C34878D82A}">
+                    <a16:rowId xmlns:a16="http://schemas.microsoft.com/office/drawing/2014/main" val="10003"/>
+                  </a:ext>
+                </a:extLst>
               </a:tr>
               <a:tr h="230779">
                 <a:tc>
@@ -8318,13 +8169,18 @@
                     <a:lstStyle/>
                     <a:p>
                       <a:r>
-                        <a:rPr lang="en-US" sz="1200" dirty="0" smtClean="0"/>
+                        <a:rPr lang="en-US" sz="1200" dirty="0"/>
                         <a:t>4. Interpretation</a:t>
                       </a:r>
                     </a:p>
                   </a:txBody>
                   <a:tcPr/>
                 </a:tc>
+                <a:extLst>
+                  <a:ext uri="{0D108BD9-81ED-4DB2-BD59-A6C34878D82A}">
+                    <a16:rowId xmlns:a16="http://schemas.microsoft.com/office/drawing/2014/main" val="10004"/>
+                  </a:ext>
+                </a:extLst>
               </a:tr>
               <a:tr h="230779">
                 <a:tc>
@@ -8333,11 +8189,11 @@
                     <a:lstStyle/>
                     <a:p>
                       <a:r>
-                        <a:rPr lang="en-US" sz="1200" dirty="0" smtClean="0"/>
-                        <a:t>5. Destructor</a:t>
+                        <a:rPr lang="en-US" sz="1200" dirty="0"/>
+                        <a:t>5. Observer</a:t>
                       </a:r>
                       <a:r>
-                        <a:rPr lang="en-US" sz="1200" baseline="0" dirty="0" smtClean="0"/>
+                        <a:rPr lang="en-US" sz="1200" baseline="0" dirty="0"/>
                         <a:t> Template</a:t>
                       </a:r>
                       <a:endParaRPr lang="en-US" sz="1200" dirty="0"/>
@@ -8345,6 +8201,11 @@
                   </a:txBody>
                   <a:tcPr/>
                 </a:tc>
+                <a:extLst>
+                  <a:ext uri="{0D108BD9-81ED-4DB2-BD59-A6C34878D82A}">
+                    <a16:rowId xmlns:a16="http://schemas.microsoft.com/office/drawing/2014/main" val="10005"/>
+                  </a:ext>
+                </a:extLst>
               </a:tr>
               <a:tr h="230779">
                 <a:tc>
@@ -8353,14 +8214,18 @@
                     <a:lstStyle/>
                     <a:p>
                       <a:r>
-                        <a:rPr lang="en-US" sz="1200" dirty="0" smtClean="0"/>
+                        <a:rPr lang="en-US" sz="1200" dirty="0"/>
                         <a:t>6. Examples</a:t>
                       </a:r>
-                      <a:endParaRPr lang="en-US" sz="1200" dirty="0"/>
                     </a:p>
                   </a:txBody>
                   <a:tcPr/>
                 </a:tc>
+                <a:extLst>
+                  <a:ext uri="{0D108BD9-81ED-4DB2-BD59-A6C34878D82A}">
+                    <a16:rowId xmlns:a16="http://schemas.microsoft.com/office/drawing/2014/main" val="10006"/>
+                  </a:ext>
+                </a:extLst>
               </a:tr>
               <a:tr h="230779">
                 <a:tc>
@@ -8369,14 +8234,18 @@
                     <a:lstStyle/>
                     <a:p>
                       <a:r>
-                        <a:rPr lang="en-US" sz="1200" dirty="0" smtClean="0"/>
+                        <a:rPr lang="en-US" sz="1200" dirty="0"/>
                         <a:t>7. Review</a:t>
                       </a:r>
-                      <a:endParaRPr lang="en-US" sz="1200" dirty="0"/>
                     </a:p>
                   </a:txBody>
                   <a:tcPr/>
                 </a:tc>
+                <a:extLst>
+                  <a:ext uri="{0D108BD9-81ED-4DB2-BD59-A6C34878D82A}">
+                    <a16:rowId xmlns:a16="http://schemas.microsoft.com/office/drawing/2014/main" val="10007"/>
+                  </a:ext>
+                </a:extLst>
               </a:tr>
             </a:tbl>
           </a:graphicData>
@@ -8407,8 +8276,20 @@
                 <a:tableStyleId>{5C22544A-7EE6-4342-B048-85BDC9FD1C3A}</a:tableStyleId>
               </a:tblPr>
               <a:tblGrid>
-                <a:gridCol w="2476500"/>
-                <a:gridCol w="2476500"/>
+                <a:gridCol w="2476500">
+                  <a:extLst>
+                    <a:ext uri="{9D8B030D-6E8A-4147-A177-3AD203B41FA5}">
+                      <a16:colId xmlns:a16="http://schemas.microsoft.com/office/drawing/2014/main" val="20000"/>
+                    </a:ext>
+                  </a:extLst>
+                </a:gridCol>
+                <a:gridCol w="2476500">
+                  <a:extLst>
+                    <a:ext uri="{9D8B030D-6E8A-4147-A177-3AD203B41FA5}">
+                      <a16:colId xmlns:a16="http://schemas.microsoft.com/office/drawing/2014/main" val="20001"/>
+                    </a:ext>
+                  </a:extLst>
+                </a:gridCol>
               </a:tblGrid>
               <a:tr h="370840">
                 <a:tc>
@@ -8417,10 +8298,9 @@
                     <a:lstStyle/>
                     <a:p>
                       <a:r>
-                        <a:rPr lang="en-US" sz="1200" dirty="0" smtClean="0"/>
+                        <a:rPr lang="en-US" sz="1200" dirty="0"/>
                         <a:t>Question</a:t>
                       </a:r>
-                      <a:endParaRPr lang="en-US" sz="1200" dirty="0"/>
                     </a:p>
                   </a:txBody>
                   <a:tcPr/>
@@ -8431,14 +8311,18 @@
                     <a:lstStyle/>
                     <a:p>
                       <a:r>
-                        <a:rPr lang="en-US" sz="1200" dirty="0" smtClean="0"/>
+                        <a:rPr lang="en-US" sz="1200" dirty="0"/>
                         <a:t>Answer</a:t>
                       </a:r>
-                      <a:endParaRPr lang="en-US" sz="1200" dirty="0"/>
                     </a:p>
                   </a:txBody>
                   <a:tcPr/>
                 </a:tc>
+                <a:extLst>
+                  <a:ext uri="{0D108BD9-81ED-4DB2-BD59-A6C34878D82A}">
+                    <a16:rowId xmlns:a16="http://schemas.microsoft.com/office/drawing/2014/main" val="10000"/>
+                  </a:ext>
+                </a:extLst>
               </a:tr>
               <a:tr h="370840">
                 <a:tc>
@@ -8447,10 +8331,9 @@
                     <a:lstStyle/>
                     <a:p>
                       <a:r>
-                        <a:rPr lang="en-US" sz="1200" dirty="0" smtClean="0"/>
+                        <a:rPr lang="en-US" sz="1200" dirty="0"/>
                         <a:t>1. Does the data definition distinguish among different subclasses of data?</a:t>
                       </a:r>
-                      <a:endParaRPr lang="en-US" sz="1200" dirty="0"/>
                     </a:p>
                   </a:txBody>
                   <a:tcPr/>
@@ -8461,40 +8344,44 @@
                     <a:lstStyle/>
                     <a:p>
                       <a:r>
-                        <a:rPr lang="en-US" sz="1200" dirty="0" smtClean="0"/>
+                        <a:rPr lang="en-US" sz="1200" dirty="0"/>
                         <a:t>Write a </a:t>
                       </a:r>
                       <a:r>
-                        <a:rPr lang="en-US" sz="1200" dirty="0" err="1" smtClean="0">
+                        <a:rPr lang="en-US" sz="1200" dirty="0" err="1">
                           <a:hlinkClick r:id="rId2"/>
                         </a:rPr>
                         <a:t>cond</a:t>
                       </a:r>
                       <a:r>
-                        <a:rPr lang="en-US" sz="1200" dirty="0" smtClean="0"/>
+                        <a:rPr lang="en-US" sz="1200" dirty="0"/>
                         <a:t> with a</a:t>
                       </a:r>
                       <a:r>
-                        <a:rPr lang="en-US" sz="1200" baseline="0" dirty="0" smtClean="0"/>
+                        <a:rPr lang="en-US" sz="1200" baseline="0" dirty="0"/>
                         <a:t> </a:t>
                       </a:r>
                       <a:r>
-                        <a:rPr lang="en-US" sz="1200" dirty="0" smtClean="0"/>
+                        <a:rPr lang="en-US" sz="1200" dirty="0"/>
                         <a:t>clause for</a:t>
                       </a:r>
                       <a:r>
-                        <a:rPr lang="en-US" sz="1200" baseline="0" dirty="0" smtClean="0"/>
+                        <a:rPr lang="en-US" sz="1200" baseline="0" dirty="0"/>
                         <a:t> each</a:t>
                       </a:r>
                       <a:r>
-                        <a:rPr lang="en-US" sz="1200" dirty="0" smtClean="0"/>
+                        <a:rPr lang="en-US" sz="1200" dirty="0"/>
                         <a:t> subclasses.</a:t>
                       </a:r>
-                      <a:endParaRPr lang="en-US" sz="1200" dirty="0"/>
                     </a:p>
                   </a:txBody>
                   <a:tcPr/>
                 </a:tc>
+                <a:extLst>
+                  <a:ext uri="{0D108BD9-81ED-4DB2-BD59-A6C34878D82A}">
+                    <a16:rowId xmlns:a16="http://schemas.microsoft.com/office/drawing/2014/main" val="10001"/>
+                  </a:ext>
+                </a:extLst>
               </a:tr>
               <a:tr h="370840">
                 <a:tc>
@@ -8503,10 +8390,9 @@
                     <a:lstStyle/>
                     <a:p>
                       <a:r>
-                        <a:rPr lang="en-US" sz="1200" dirty="0" smtClean="0"/>
+                        <a:rPr lang="en-US" sz="1200" dirty="0"/>
                         <a:t>2. How do the subclasses differ from each other?</a:t>
                       </a:r>
-                      <a:endParaRPr lang="en-US" sz="1200" dirty="0"/>
                     </a:p>
                   </a:txBody>
                   <a:tcPr/>
@@ -8517,14 +8403,18 @@
                     <a:lstStyle/>
                     <a:p>
                       <a:r>
-                        <a:rPr lang="en-US" sz="1200" dirty="0" smtClean="0"/>
+                        <a:rPr lang="en-US" sz="1200" dirty="0"/>
                         <a:t>Use the differences to formulate a condition per clause.</a:t>
                       </a:r>
-                      <a:endParaRPr lang="en-US" sz="1200" dirty="0"/>
                     </a:p>
                   </a:txBody>
                   <a:tcPr/>
                 </a:tc>
+                <a:extLst>
+                  <a:ext uri="{0D108BD9-81ED-4DB2-BD59-A6C34878D82A}">
+                    <a16:rowId xmlns:a16="http://schemas.microsoft.com/office/drawing/2014/main" val="10002"/>
+                  </a:ext>
+                </a:extLst>
               </a:tr>
               <a:tr h="370840">
                 <a:tc>
@@ -8533,18 +8423,17 @@
                     <a:lstStyle/>
                     <a:p>
                       <a:r>
-                        <a:rPr lang="en-US" sz="1200" dirty="0" smtClean="0"/>
+                        <a:rPr lang="en-US" sz="1200" dirty="0"/>
                         <a:t>3. Do any of the clauses deal with structured</a:t>
                       </a:r>
                       <a:r>
-                        <a:rPr lang="en-US" sz="1200" baseline="0" dirty="0" smtClean="0"/>
+                        <a:rPr lang="en-US" sz="1200" baseline="0" dirty="0"/>
                         <a:t> values</a:t>
                       </a:r>
                       <a:r>
-                        <a:rPr lang="en-US" sz="1200" dirty="0" smtClean="0"/>
+                        <a:rPr lang="en-US" sz="1200" dirty="0"/>
                         <a:t>?</a:t>
                       </a:r>
-                      <a:endParaRPr lang="en-US" sz="1200" dirty="0"/>
                     </a:p>
                   </a:txBody>
                   <a:tcPr/>
@@ -8555,14 +8444,18 @@
                     <a:lstStyle/>
                     <a:p>
                       <a:r>
-                        <a:rPr lang="en-US" sz="1200" dirty="0" smtClean="0"/>
+                        <a:rPr lang="en-US" sz="1200" dirty="0"/>
                         <a:t>If so, add appropriate selector expressions to the clause.</a:t>
                       </a:r>
-                      <a:endParaRPr lang="en-US" sz="1200" dirty="0"/>
                     </a:p>
                   </a:txBody>
                   <a:tcPr/>
                 </a:tc>
+                <a:extLst>
+                  <a:ext uri="{0D108BD9-81ED-4DB2-BD59-A6C34878D82A}">
+                    <a16:rowId xmlns:a16="http://schemas.microsoft.com/office/drawing/2014/main" val="10003"/>
+                  </a:ext>
+                </a:extLst>
               </a:tr>
               <a:tr h="370840">
                 <a:tc>
@@ -8571,7 +8464,7 @@
                     <a:lstStyle/>
                     <a:p>
                       <a:r>
-                        <a:rPr lang="en-US" sz="1200" dirty="0" smtClean="0">
+                        <a:rPr lang="en-US" sz="1200" dirty="0">
                           <a:solidFill>
                             <a:schemeClr val="tx1"/>
                           </a:solidFill>
@@ -8579,7 +8472,7 @@
                         <a:t>4. Do any of the fields contain compound</a:t>
                       </a:r>
                       <a:r>
-                        <a:rPr lang="en-US" sz="1200" baseline="0" dirty="0" smtClean="0">
+                        <a:rPr lang="en-US" sz="1200" baseline="0" dirty="0">
                           <a:solidFill>
                             <a:schemeClr val="tx1"/>
                           </a:solidFill>
@@ -8601,7 +8494,7 @@
                     <a:lstStyle/>
                     <a:p>
                       <a:r>
-                        <a:rPr lang="en-US" sz="1200" dirty="0" smtClean="0">
+                        <a:rPr lang="en-US" sz="1200" dirty="0">
                           <a:solidFill>
                             <a:schemeClr val="tx1"/>
                           </a:solidFill>
@@ -8609,7 +8502,7 @@
                         <a:t>If the value of a field is a foo,</a:t>
                       </a:r>
                       <a:r>
-                        <a:rPr lang="en-US" sz="1200" baseline="0" dirty="0" smtClean="0">
+                        <a:rPr lang="en-US" sz="1200" baseline="0" dirty="0">
                           <a:solidFill>
                             <a:schemeClr val="tx1"/>
                           </a:solidFill>
@@ -8617,7 +8510,7 @@
                         <a:t> add a call to a foo-</a:t>
                       </a:r>
                       <a:r>
-                        <a:rPr lang="en-US" sz="1200" baseline="0" dirty="0" err="1" smtClean="0">
+                        <a:rPr lang="en-US" sz="1200" baseline="0" dirty="0" err="1">
                           <a:solidFill>
                             <a:schemeClr val="tx1"/>
                           </a:solidFill>
@@ -8625,7 +8518,7 @@
                         <a:t>fn</a:t>
                       </a:r>
                       <a:r>
-                        <a:rPr lang="en-US" sz="1200" baseline="0" dirty="0" smtClean="0">
+                        <a:rPr lang="en-US" sz="1200" baseline="0" dirty="0">
                           <a:solidFill>
                             <a:schemeClr val="tx1"/>
                           </a:solidFill>
@@ -8641,6 +8534,11 @@
                   </a:txBody>
                   <a:tcPr/>
                 </a:tc>
+                <a:extLst>
+                  <a:ext uri="{0D108BD9-81ED-4DB2-BD59-A6C34878D82A}">
+                    <a16:rowId xmlns:a16="http://schemas.microsoft.com/office/drawing/2014/main" val="10004"/>
+                  </a:ext>
+                </a:extLst>
               </a:tr>
             </a:tbl>
           </a:graphicData>
@@ -8760,13 +8658,6 @@
   <p:clrMapOvr>
     <a:masterClrMapping/>
   </p:clrMapOvr>
-  <p:timing>
-    <p:tnLst>
-      <p:par>
-        <p:cTn id="1" dur="indefinite" restart="never" nodeType="tmRoot"/>
-      </p:par>
-    </p:tnLst>
-  </p:timing>
 </p:sld>
 </file>
 
@@ -8805,10 +8696,9 @@
           <a:lstStyle/>
           <a:p>
             <a:r>
-              <a:rPr lang="en-US" dirty="0" smtClean="0"/>
+              <a:rPr lang="en-US" dirty="0"/>
               <a:t>In this lesson</a:t>
             </a:r>
-            <a:endParaRPr lang="en-US" dirty="0"/>
           </a:p>
         </p:txBody>
       </p:sp>
@@ -8838,8 +8728,20 @@
                 <a:tableStyleId>{5C22544A-7EE6-4342-B048-85BDC9FD1C3A}</a:tableStyleId>
               </a:tblPr>
               <a:tblGrid>
-                <a:gridCol w="4114800"/>
-                <a:gridCol w="4114800"/>
+                <a:gridCol w="4114800">
+                  <a:extLst>
+                    <a:ext uri="{9D8B030D-6E8A-4147-A177-3AD203B41FA5}">
+                      <a16:colId xmlns:a16="http://schemas.microsoft.com/office/drawing/2014/main" val="20000"/>
+                    </a:ext>
+                  </a:extLst>
+                </a:gridCol>
+                <a:gridCol w="4114800">
+                  <a:extLst>
+                    <a:ext uri="{9D8B030D-6E8A-4147-A177-3AD203B41FA5}">
+                      <a16:colId xmlns:a16="http://schemas.microsoft.com/office/drawing/2014/main" val="20001"/>
+                    </a:ext>
+                  </a:extLst>
+                </a:gridCol>
               </a:tblGrid>
               <a:tr h="370840">
                 <a:tc>
@@ -8848,10 +8750,9 @@
                     <a:lstStyle/>
                     <a:p>
                       <a:r>
-                        <a:rPr lang="en-US" sz="2400" dirty="0" smtClean="0"/>
+                        <a:rPr lang="en-US" sz="2400" dirty="0"/>
                         <a:t>Question</a:t>
                       </a:r>
-                      <a:endParaRPr lang="en-US" sz="2400" dirty="0"/>
                     </a:p>
                   </a:txBody>
                   <a:tcPr/>
@@ -8862,14 +8763,18 @@
                     <a:lstStyle/>
                     <a:p>
                       <a:r>
-                        <a:rPr lang="en-US" sz="2400" dirty="0" smtClean="0"/>
+                        <a:rPr lang="en-US" sz="2400" dirty="0"/>
                         <a:t>Answer</a:t>
                       </a:r>
-                      <a:endParaRPr lang="en-US" sz="2400" dirty="0"/>
                     </a:p>
                   </a:txBody>
                   <a:tcPr/>
                 </a:tc>
+                <a:extLst>
+                  <a:ext uri="{0D108BD9-81ED-4DB2-BD59-A6C34878D82A}">
+                    <a16:rowId xmlns:a16="http://schemas.microsoft.com/office/drawing/2014/main" val="10000"/>
+                  </a:ext>
+                </a:extLst>
               </a:tr>
               <a:tr h="370840">
                 <a:tc>
@@ -8878,10 +8783,9 @@
                     <a:lstStyle/>
                     <a:p>
                       <a:r>
-                        <a:rPr lang="en-US" sz="2400" dirty="0" smtClean="0"/>
+                        <a:rPr lang="en-US" sz="2400" dirty="0"/>
                         <a:t>1. Does the data definition distinguish among different subclasses of data?</a:t>
                       </a:r>
-                      <a:endParaRPr lang="en-US" sz="2400" dirty="0"/>
                     </a:p>
                   </a:txBody>
                   <a:tcPr/>
@@ -8892,40 +8796,44 @@
                     <a:lstStyle/>
                     <a:p>
                       <a:r>
-                        <a:rPr lang="en-US" sz="2400" dirty="0" smtClean="0"/>
+                        <a:rPr lang="en-US" sz="2400" dirty="0"/>
                         <a:t>Write a </a:t>
                       </a:r>
                       <a:r>
-                        <a:rPr lang="en-US" sz="2400" dirty="0" err="1" smtClean="0">
+                        <a:rPr lang="en-US" sz="2400" dirty="0" err="1">
                           <a:hlinkClick r:id="rId2"/>
                         </a:rPr>
                         <a:t>cond</a:t>
                       </a:r>
                       <a:r>
-                        <a:rPr lang="en-US" sz="2400" dirty="0" smtClean="0"/>
+                        <a:rPr lang="en-US" sz="2400" dirty="0"/>
                         <a:t> with a</a:t>
                       </a:r>
                       <a:r>
-                        <a:rPr lang="en-US" sz="2400" baseline="0" dirty="0" smtClean="0"/>
+                        <a:rPr lang="en-US" sz="2400" baseline="0" dirty="0"/>
                         <a:t> </a:t>
                       </a:r>
                       <a:r>
-                        <a:rPr lang="en-US" sz="2400" dirty="0" smtClean="0"/>
+                        <a:rPr lang="en-US" sz="2400" dirty="0"/>
                         <a:t>clause for</a:t>
                       </a:r>
                       <a:r>
-                        <a:rPr lang="en-US" sz="2400" baseline="0" dirty="0" smtClean="0"/>
+                        <a:rPr lang="en-US" sz="2400" baseline="0" dirty="0"/>
                         <a:t> each</a:t>
                       </a:r>
                       <a:r>
-                        <a:rPr lang="en-US" sz="2400" dirty="0" smtClean="0"/>
+                        <a:rPr lang="en-US" sz="2400" dirty="0"/>
                         <a:t> subclasses.</a:t>
                       </a:r>
-                      <a:endParaRPr lang="en-US" sz="2400" dirty="0"/>
                     </a:p>
                   </a:txBody>
                   <a:tcPr/>
                 </a:tc>
+                <a:extLst>
+                  <a:ext uri="{0D108BD9-81ED-4DB2-BD59-A6C34878D82A}">
+                    <a16:rowId xmlns:a16="http://schemas.microsoft.com/office/drawing/2014/main" val="10001"/>
+                  </a:ext>
+                </a:extLst>
               </a:tr>
               <a:tr h="370840">
                 <a:tc>
@@ -8934,10 +8842,9 @@
                     <a:lstStyle/>
                     <a:p>
                       <a:r>
-                        <a:rPr lang="en-US" sz="2400" dirty="0" smtClean="0"/>
+                        <a:rPr lang="en-US" sz="2400" dirty="0"/>
                         <a:t>2. How do the subclasses differ from each other?</a:t>
                       </a:r>
-                      <a:endParaRPr lang="en-US" sz="2400" dirty="0"/>
                     </a:p>
                   </a:txBody>
                   <a:tcPr/>
@@ -8948,14 +8855,18 @@
                     <a:lstStyle/>
                     <a:p>
                       <a:r>
-                        <a:rPr lang="en-US" sz="2400" dirty="0" smtClean="0"/>
+                        <a:rPr lang="en-US" sz="2400" dirty="0"/>
                         <a:t>Use the differences to formulate a condition per clause.</a:t>
                       </a:r>
-                      <a:endParaRPr lang="en-US" sz="2400" dirty="0"/>
                     </a:p>
                   </a:txBody>
                   <a:tcPr/>
                 </a:tc>
+                <a:extLst>
+                  <a:ext uri="{0D108BD9-81ED-4DB2-BD59-A6C34878D82A}">
+                    <a16:rowId xmlns:a16="http://schemas.microsoft.com/office/drawing/2014/main" val="10002"/>
+                  </a:ext>
+                </a:extLst>
               </a:tr>
               <a:tr h="370840">
                 <a:tc>
@@ -8964,18 +8875,17 @@
                     <a:lstStyle/>
                     <a:p>
                       <a:r>
-                        <a:rPr lang="en-US" sz="2400" dirty="0" smtClean="0"/>
+                        <a:rPr lang="en-US" sz="2400" dirty="0"/>
                         <a:t>3. Do any of the clauses deal with structured</a:t>
                       </a:r>
                       <a:r>
-                        <a:rPr lang="en-US" sz="2400" baseline="0" dirty="0" smtClean="0"/>
+                        <a:rPr lang="en-US" sz="2400" baseline="0" dirty="0"/>
                         <a:t> values</a:t>
                       </a:r>
                       <a:r>
-                        <a:rPr lang="en-US" sz="2400" dirty="0" smtClean="0"/>
+                        <a:rPr lang="en-US" sz="2400" dirty="0"/>
                         <a:t>?</a:t>
                       </a:r>
-                      <a:endParaRPr lang="en-US" sz="2400" dirty="0"/>
                     </a:p>
                   </a:txBody>
                   <a:tcPr/>
@@ -8986,14 +8896,18 @@
                     <a:lstStyle/>
                     <a:p>
                       <a:r>
-                        <a:rPr lang="en-US" sz="2400" dirty="0" smtClean="0"/>
+                        <a:rPr lang="en-US" sz="2400" dirty="0"/>
                         <a:t>If so, add appropriate selector expressions to the clause.</a:t>
                       </a:r>
-                      <a:endParaRPr lang="en-US" sz="2400" dirty="0"/>
                     </a:p>
                   </a:txBody>
                   <a:tcPr/>
                 </a:tc>
+                <a:extLst>
+                  <a:ext uri="{0D108BD9-81ED-4DB2-BD59-A6C34878D82A}">
+                    <a16:rowId xmlns:a16="http://schemas.microsoft.com/office/drawing/2014/main" val="10003"/>
+                  </a:ext>
+                </a:extLst>
               </a:tr>
               <a:tr h="370840">
                 <a:tc>
@@ -9002,7 +8916,7 @@
                     <a:lstStyle/>
                     <a:p>
                       <a:r>
-                        <a:rPr lang="en-US" sz="2400" dirty="0" smtClean="0">
+                        <a:rPr lang="en-US" sz="2400" dirty="0">
                           <a:solidFill>
                             <a:schemeClr val="bg1">
                               <a:lumMod val="65000"/>
@@ -9012,7 +8926,7 @@
                         <a:t>4. Do any of the fields contain compound</a:t>
                       </a:r>
                       <a:r>
-                        <a:rPr lang="en-US" sz="2400" baseline="0" dirty="0" smtClean="0">
+                        <a:rPr lang="en-US" sz="2400" baseline="0" dirty="0">
                           <a:solidFill>
                             <a:schemeClr val="bg1">
                               <a:lumMod val="65000"/>
@@ -9038,7 +8952,7 @@
                     <a:lstStyle/>
                     <a:p>
                       <a:r>
-                        <a:rPr lang="en-US" sz="2400" dirty="0" smtClean="0">
+                        <a:rPr lang="en-US" sz="2400" dirty="0">
                           <a:solidFill>
                             <a:schemeClr val="bg1">
                               <a:lumMod val="65000"/>
@@ -9048,7 +8962,7 @@
                         <a:t>If the value of a field is a foo,</a:t>
                       </a:r>
                       <a:r>
-                        <a:rPr lang="en-US" sz="2400" baseline="0" dirty="0" smtClean="0">
+                        <a:rPr lang="en-US" sz="2400" baseline="0" dirty="0">
                           <a:solidFill>
                             <a:schemeClr val="bg1">
                               <a:lumMod val="65000"/>
@@ -9058,7 +8972,7 @@
                         <a:t> add a call to a foo-</a:t>
                       </a:r>
                       <a:r>
-                        <a:rPr lang="en-US" sz="2400" baseline="0" dirty="0" err="1" smtClean="0">
+                        <a:rPr lang="en-US" sz="2400" baseline="0" dirty="0" err="1">
                           <a:solidFill>
                             <a:schemeClr val="bg1">
                               <a:lumMod val="65000"/>
@@ -9068,7 +8982,7 @@
                         <a:t>fn</a:t>
                       </a:r>
                       <a:r>
-                        <a:rPr lang="en-US" sz="2400" baseline="0" dirty="0" smtClean="0">
+                        <a:rPr lang="en-US" sz="2400" baseline="0" dirty="0">
                           <a:solidFill>
                             <a:schemeClr val="bg1">
                               <a:lumMod val="65000"/>
@@ -9088,6 +9002,11 @@
                   </a:txBody>
                   <a:tcPr/>
                 </a:tc>
+                <a:extLst>
+                  <a:ext uri="{0D108BD9-81ED-4DB2-BD59-A6C34878D82A}">
+                    <a16:rowId xmlns:a16="http://schemas.microsoft.com/office/drawing/2014/main" val="10004"/>
+                  </a:ext>
+                </a:extLst>
               </a:tr>
             </a:tbl>
           </a:graphicData>
@@ -9175,13 +9094,6 @@
   <p:clrMapOvr>
     <a:masterClrMapping/>
   </p:clrMapOvr>
-  <p:timing>
-    <p:tnLst>
-      <p:par>
-        <p:cTn id="1" dur="indefinite" restart="never" nodeType="tmRoot"/>
-      </p:par>
-    </p:tnLst>
-  </p:timing>
 </p:sld>
 </file>
 
@@ -9218,10 +9130,9 @@
           <a:lstStyle/>
           <a:p>
             <a:r>
-              <a:rPr lang="en-US" dirty="0" smtClean="0"/>
+              <a:rPr lang="en-US" dirty="0"/>
               <a:t>Lesson Outline</a:t>
             </a:r>
-            <a:endParaRPr lang="en-US" dirty="0"/>
           </a:p>
         </p:txBody>
       </p:sp>
@@ -9241,30 +9152,29 @@
           <a:lstStyle/>
           <a:p>
             <a:r>
-              <a:rPr lang="en-US" dirty="0" smtClean="0"/>
+              <a:rPr lang="en-US" dirty="0"/>
               <a:t>In this lesson, we'll learn how to apply the template recipe to itemization, compound, and mixed data.</a:t>
             </a:r>
           </a:p>
           <a:p>
             <a:r>
-              <a:rPr lang="en-US" dirty="0" smtClean="0"/>
+              <a:rPr lang="en-US" dirty="0"/>
               <a:t>We’ll start with mixed data, and then see how to work out the special cases of compound and itemization data.</a:t>
             </a:r>
           </a:p>
           <a:p>
             <a:r>
-              <a:rPr lang="en-US" dirty="0" smtClean="0"/>
+              <a:rPr lang="en-US" dirty="0"/>
               <a:t>Let’s start with the </a:t>
             </a:r>
             <a:r>
-              <a:rPr lang="en-US" dirty="0" err="1" smtClean="0"/>
+              <a:rPr lang="en-US" dirty="0" err="1"/>
               <a:t>BarOrder</a:t>
             </a:r>
             <a:r>
-              <a:rPr lang="en-US" dirty="0" smtClean="0"/>
+              <a:rPr lang="en-US" dirty="0"/>
               <a:t> example.  We’ll follow the template recipe.</a:t>
             </a:r>
-            <a:endParaRPr lang="en-US" dirty="0"/>
           </a:p>
         </p:txBody>
       </p:sp>
@@ -9302,13 +9212,6 @@
   <p:clrMapOvr>
     <a:masterClrMapping/>
   </p:clrMapOvr>
-  <p:timing>
-    <p:tnLst>
-      <p:par>
-        <p:cTn id="1" dur="indefinite" restart="never" nodeType="tmRoot"/>
-      </p:par>
-    </p:tnLst>
-  </p:timing>
 </p:sld>
 </file>
 
@@ -9355,32 +9258,11 @@
               <a:buNone/>
             </a:pPr>
             <a:r>
-              <a:rPr lang="en-US" sz="1600" b="1" dirty="0" smtClean="0">
-                <a:latin typeface="Consolas" pitchFamily="49" charset="0"/>
-                <a:cs typeface="Consolas" pitchFamily="49" charset="0"/>
-              </a:rPr>
-              <a:t>(</a:t>
-            </a:r>
-            <a:r>
               <a:rPr lang="en-US" sz="1600" b="1" dirty="0">
                 <a:latin typeface="Consolas" pitchFamily="49" charset="0"/>
                 <a:cs typeface="Consolas" pitchFamily="49" charset="0"/>
               </a:rPr>
-              <a:t>define-struct </a:t>
-            </a:r>
-            <a:r>
-              <a:rPr lang="en-US" sz="1600" b="1" dirty="0" smtClean="0">
-                <a:latin typeface="Consolas" pitchFamily="49" charset="0"/>
-                <a:cs typeface="Consolas" pitchFamily="49" charset="0"/>
-              </a:rPr>
-              <a:t>coffee (size </a:t>
-            </a:r>
-            <a:r>
-              <a:rPr lang="en-US" sz="1600" b="1" dirty="0">
-                <a:latin typeface="Consolas" pitchFamily="49" charset="0"/>
-                <a:cs typeface="Consolas" pitchFamily="49" charset="0"/>
-              </a:rPr>
-              <a:t>type milk?))</a:t>
+              <a:t>(define-struct coffee (size type milk?))</a:t>
             </a:r>
           </a:p>
           <a:p>
@@ -9451,21 +9333,7 @@
                 <a:latin typeface="Consolas" pitchFamily="49" charset="0"/>
                 <a:cs typeface="Consolas" pitchFamily="49" charset="0"/>
               </a:rPr>
-              <a:t>;; -- (make-coffee Size </a:t>
-            </a:r>
-            <a:r>
-              <a:rPr lang="en-US" sz="1600" b="1" dirty="0" smtClean="0">
-                <a:latin typeface="Consolas" pitchFamily="49" charset="0"/>
-                <a:cs typeface="Consolas" pitchFamily="49" charset="0"/>
-              </a:rPr>
-              <a:t>Type Boolean</a:t>
-            </a:r>
-            <a:r>
-              <a:rPr lang="en-US" sz="1600" b="1" dirty="0">
-                <a:latin typeface="Consolas" pitchFamily="49" charset="0"/>
-                <a:cs typeface="Consolas" pitchFamily="49" charset="0"/>
-              </a:rPr>
-              <a:t>)</a:t>
+              <a:t>;; -- (make-coffee Size Type Boolean)</a:t>
             </a:r>
           </a:p>
           <a:p>
@@ -9480,25 +9348,8 @@
                 <a:latin typeface="Consolas" pitchFamily="49" charset="0"/>
                 <a:cs typeface="Consolas" pitchFamily="49" charset="0"/>
               </a:rPr>
-              <a:t>;;  </a:t>
-            </a:r>
-            <a:r>
-              <a:rPr lang="en-US" sz="1600" b="1" dirty="0" smtClean="0">
-                <a:solidFill>
-                  <a:srgbClr val="FF0000"/>
-                </a:solidFill>
-                <a:latin typeface="Consolas" pitchFamily="49" charset="0"/>
-                <a:cs typeface="Consolas" pitchFamily="49" charset="0"/>
-              </a:rPr>
-              <a:t>INTERP: </a:t>
-            </a:r>
-            <a:endParaRPr lang="en-US" sz="1600" b="1" dirty="0">
-              <a:solidFill>
-                <a:srgbClr val="FF0000"/>
-              </a:solidFill>
-              <a:latin typeface="Consolas" pitchFamily="49" charset="0"/>
-              <a:cs typeface="Consolas" pitchFamily="49" charset="0"/>
-            </a:endParaRPr>
+              <a:t>;;  INTERP: </a:t>
+            </a:r>
           </a:p>
           <a:p>
             <a:pPr>
@@ -9527,17 +9378,7 @@
                 <a:latin typeface="Consolas" pitchFamily="49" charset="0"/>
                 <a:cs typeface="Consolas" pitchFamily="49" charset="0"/>
               </a:rPr>
-              <a:t>;;   type is the origin of the </a:t>
-            </a:r>
-            <a:r>
-              <a:rPr lang="en-US" sz="1600" b="1" dirty="0" smtClean="0">
-                <a:solidFill>
-                  <a:srgbClr val="FF0000"/>
-                </a:solidFill>
-                <a:latin typeface="Consolas" pitchFamily="49" charset="0"/>
-                <a:cs typeface="Consolas" pitchFamily="49" charset="0"/>
-              </a:rPr>
-              <a:t>coffee </a:t>
+              <a:t>;;   type is the origin of the coffee </a:t>
             </a:r>
           </a:p>
           <a:p>
@@ -9545,7 +9386,7 @@
               <a:buNone/>
             </a:pPr>
             <a:r>
-              <a:rPr lang="en-US" sz="1600" b="1" dirty="0" smtClean="0">
+              <a:rPr lang="en-US" sz="1600" b="1" dirty="0">
                 <a:solidFill>
                   <a:srgbClr val="FF0000"/>
                 </a:solidFill>
@@ -9560,18 +9401,11 @@
               <a:buNone/>
             </a:pPr>
             <a:r>
-              <a:rPr lang="en-US" sz="1600" b="1" dirty="0" smtClean="0">
-                <a:latin typeface="Consolas" pitchFamily="49" charset="0"/>
-                <a:cs typeface="Consolas" pitchFamily="49" charset="0"/>
-              </a:rPr>
-              <a:t>;; -- </a:t>
-            </a:r>
-            <a:r>
               <a:rPr lang="en-US" sz="1600" b="1" dirty="0">
                 <a:latin typeface="Consolas" pitchFamily="49" charset="0"/>
                 <a:cs typeface="Consolas" pitchFamily="49" charset="0"/>
               </a:rPr>
-              <a:t>(make-wine Vineyard Year)</a:t>
+              <a:t>;; -- (make-wine Vineyard Year)</a:t>
             </a:r>
           </a:p>
           <a:p>
@@ -9586,25 +9420,8 @@
                 <a:latin typeface="Consolas" pitchFamily="49" charset="0"/>
                 <a:cs typeface="Consolas" pitchFamily="49" charset="0"/>
               </a:rPr>
-              <a:t>;; </a:t>
-            </a:r>
-            <a:r>
-              <a:rPr lang="en-US" sz="1600" b="1" dirty="0" smtClean="0">
-                <a:solidFill>
-                  <a:srgbClr val="FF0000"/>
-                </a:solidFill>
-                <a:latin typeface="Consolas" pitchFamily="49" charset="0"/>
-                <a:cs typeface="Consolas" pitchFamily="49" charset="0"/>
-              </a:rPr>
-              <a:t> INTERP:</a:t>
-            </a:r>
-            <a:endParaRPr lang="en-US" sz="1600" b="1" dirty="0">
-              <a:solidFill>
-                <a:srgbClr val="FF0000"/>
-              </a:solidFill>
-              <a:latin typeface="Consolas" pitchFamily="49" charset="0"/>
-              <a:cs typeface="Consolas" pitchFamily="49" charset="0"/>
-            </a:endParaRPr>
+              <a:t>;;  INTERP:</a:t>
+            </a:r>
           </a:p>
           <a:p>
             <a:pPr>
@@ -9657,19 +9474,8 @@
                 <a:latin typeface="Consolas" pitchFamily="49" charset="0"/>
                 <a:cs typeface="Consolas" pitchFamily="49" charset="0"/>
               </a:rPr>
-              <a:t>;;  </a:t>
-            </a:r>
-            <a:r>
-              <a:rPr lang="en-US" sz="1600" b="1" dirty="0" smtClean="0">
-                <a:latin typeface="Consolas" pitchFamily="49" charset="0"/>
-                <a:cs typeface="Consolas" pitchFamily="49" charset="0"/>
-              </a:rPr>
-              <a:t>INTERP: </a:t>
-            </a:r>
-            <a:endParaRPr lang="en-US" sz="1600" b="1" dirty="0">
-              <a:latin typeface="Consolas" pitchFamily="49" charset="0"/>
-              <a:cs typeface="Consolas" pitchFamily="49" charset="0"/>
-            </a:endParaRPr>
+              <a:t>;;  INTERP: </a:t>
+            </a:r>
           </a:p>
           <a:p>
             <a:pPr>
@@ -9698,25 +9504,8 @@
                 <a:latin typeface="Consolas" pitchFamily="49" charset="0"/>
                 <a:cs typeface="Consolas" pitchFamily="49" charset="0"/>
               </a:rPr>
-              <a:t>;;   type is the type of tea (as a string</a:t>
-            </a:r>
-            <a:r>
-              <a:rPr lang="en-US" sz="1600" b="1" dirty="0" smtClean="0">
-                <a:solidFill>
-                  <a:srgbClr val="FF0000"/>
-                </a:solidFill>
-                <a:latin typeface="Consolas" pitchFamily="49" charset="0"/>
-                <a:cs typeface="Consolas" pitchFamily="49" charset="0"/>
-              </a:rPr>
-              <a:t>)</a:t>
-            </a:r>
-            <a:endParaRPr lang="en-US" sz="1600" b="1" dirty="0">
-              <a:solidFill>
-                <a:srgbClr val="FF0000"/>
-              </a:solidFill>
-              <a:latin typeface="Consolas" pitchFamily="49" charset="0"/>
-              <a:cs typeface="Consolas" pitchFamily="49" charset="0"/>
-            </a:endParaRPr>
+              <a:t>;;   type is the type of tea (as a string)</a:t>
+            </a:r>
           </a:p>
         </p:txBody>
       </p:sp>
@@ -9774,7 +9563,7 @@
           <a:p>
             <a:pPr algn="l"/>
             <a:r>
-              <a:rPr lang="en-US" sz="16000" dirty="0" smtClean="0"/>
+              <a:rPr lang="en-US" sz="16000" dirty="0"/>
               <a:t>Data Definition for mixed data: example</a:t>
             </a:r>
             <a:endParaRPr lang="en-US" dirty="0"/>
@@ -9832,7 +9621,7 @@
             <a:lstStyle/>
             <a:p>
               <a:r>
-                <a:rPr lang="en-US" dirty="0" smtClean="0"/>
+                <a:rPr lang="en-US" dirty="0"/>
                 <a:t>The structure definitions</a:t>
               </a:r>
             </a:p>
@@ -9923,18 +9712,13 @@
               <a:defRPr/>
             </a:pPr>
             <a:r>
-              <a:rPr lang="en-US" dirty="0" smtClean="0">
+              <a:rPr lang="en-US" dirty="0">
                 <a:solidFill>
                   <a:schemeClr val="tx1"/>
                 </a:solidFill>
               </a:rPr>
               <a:t>Here it's clear what the alternatives mean, so all we need to provide is the interpretation of each field in each alternative.</a:t>
             </a:r>
-            <a:endParaRPr lang="en-US" dirty="0">
-              <a:solidFill>
-                <a:schemeClr val="tx1"/>
-              </a:solidFill>
-            </a:endParaRPr>
           </a:p>
         </p:txBody>
       </p:sp>
@@ -9999,10 +9783,9 @@
           <a:lstStyle/>
           <a:p>
             <a:r>
-              <a:rPr lang="en-US" dirty="0" smtClean="0"/>
+              <a:rPr lang="en-US" dirty="0"/>
               <a:t>Presumably Size and Type are data types defined elsewhere.</a:t>
             </a:r>
-            <a:endParaRPr lang="en-US" dirty="0"/>
           </a:p>
         </p:txBody>
       </p:sp>
@@ -10125,10 +9908,9 @@
           <a:lstStyle/>
           <a:p>
             <a:r>
-              <a:rPr lang="en-US" dirty="0" smtClean="0"/>
+              <a:rPr lang="en-US" dirty="0"/>
               <a:t>Presumably Vineyard is also a data type defined elsewhere.</a:t>
             </a:r>
-            <a:endParaRPr lang="en-US" dirty="0"/>
           </a:p>
         </p:txBody>
       </p:sp>
@@ -10297,11 +10079,11 @@
           <a:lstStyle/>
           <a:p>
             <a:r>
-              <a:rPr lang="en-US" dirty="0" smtClean="0"/>
+              <a:rPr lang="en-US" dirty="0"/>
               <a:t>Writing the template for </a:t>
             </a:r>
             <a:r>
-              <a:rPr lang="en-US" dirty="0" err="1" smtClean="0"/>
+              <a:rPr lang="en-US" dirty="0" err="1"/>
               <a:t>BarOrder</a:t>
             </a:r>
             <a:endParaRPr lang="en-US" dirty="0"/>
@@ -10358,12 +10140,8 @@
               </a:spcBef>
             </a:pPr>
             <a:r>
-              <a:rPr lang="en-US" sz="2400" dirty="0" smtClean="0"/>
-              <a:t>(</a:t>
-            </a:r>
-            <a:r>
               <a:rPr lang="en-US" sz="2400" dirty="0"/>
-              <a:t>define (</a:t>
+              <a:t>(define (</a:t>
             </a:r>
             <a:r>
               <a:rPr lang="en-US" sz="2400" dirty="0" err="1"/>
@@ -10371,13 +10149,8 @@
             </a:r>
             <a:r>
               <a:rPr lang="en-US" sz="2400" dirty="0"/>
-              <a:t> order</a:t>
-            </a:r>
-            <a:r>
-              <a:rPr lang="en-US" sz="2400" dirty="0" smtClean="0"/>
-              <a:t>) ...)</a:t>
-            </a:r>
-            <a:endParaRPr lang="en-US" sz="2400" dirty="0"/>
+              <a:t> order) ...)</a:t>
+            </a:r>
           </a:p>
           <a:p>
             <a:pPr>
@@ -10386,7 +10159,7 @@
               </a:spcBef>
             </a:pPr>
             <a:r>
-              <a:rPr lang="en-US" sz="2400" dirty="0" smtClean="0"/>
+              <a:rPr lang="en-US" sz="2400" dirty="0"/>
               <a:t>  </a:t>
             </a:r>
             <a:r>
@@ -10418,18 +10191,13 @@
               </a:spcBef>
             </a:pPr>
             <a:r>
-              <a:rPr lang="en-US" sz="2400" dirty="0" smtClean="0">
+              <a:rPr lang="en-US" sz="2400" dirty="0">
                 <a:solidFill>
                   <a:schemeClr val="bg1"/>
                 </a:solidFill>
               </a:rPr>
               <a:t>    [... ...]</a:t>
             </a:r>
-            <a:endParaRPr lang="en-US" sz="2400" dirty="0">
-              <a:solidFill>
-                <a:schemeClr val="bg1"/>
-              </a:solidFill>
-            </a:endParaRPr>
           </a:p>
           <a:p>
             <a:pPr>
@@ -10438,20 +10206,12 @@
               </a:spcBef>
             </a:pPr>
             <a:r>
-              <a:rPr lang="en-US" sz="2400" dirty="0" smtClean="0">
-                <a:solidFill>
-                  <a:schemeClr val="bg1"/>
-                </a:solidFill>
-              </a:rPr>
-              <a:t>                      </a:t>
-            </a:r>
-            <a:r>
               <a:rPr lang="en-US" sz="2400" dirty="0">
                 <a:solidFill>
                   <a:schemeClr val="bg1"/>
                 </a:solidFill>
               </a:rPr>
-              <a:t>(coffee-size order)</a:t>
+              <a:t>                      (coffee-size order)</a:t>
             </a:r>
           </a:p>
           <a:p>
@@ -10461,20 +10221,12 @@
               </a:spcBef>
             </a:pPr>
             <a:r>
-              <a:rPr lang="en-US" sz="2400" dirty="0" smtClean="0">
-                <a:solidFill>
-                  <a:schemeClr val="bg1"/>
-                </a:solidFill>
-              </a:rPr>
-              <a:t>                      </a:t>
-            </a:r>
-            <a:r>
               <a:rPr lang="en-US" sz="2400" dirty="0">
                 <a:solidFill>
                   <a:schemeClr val="bg1"/>
                 </a:solidFill>
               </a:rPr>
-              <a:t>(coffee-type order)</a:t>
+              <a:t>                      (coffee-type order)</a:t>
             </a:r>
           </a:p>
           <a:p>
@@ -10484,20 +10236,12 @@
               </a:spcBef>
             </a:pPr>
             <a:r>
-              <a:rPr lang="en-US" sz="2400" dirty="0" smtClean="0">
-                <a:solidFill>
-                  <a:schemeClr val="bg1"/>
-                </a:solidFill>
-              </a:rPr>
-              <a:t>                      </a:t>
-            </a:r>
-            <a:r>
               <a:rPr lang="en-US" sz="2400" dirty="0">
                 <a:solidFill>
                   <a:schemeClr val="bg1"/>
                 </a:solidFill>
               </a:rPr>
-              <a:t>(coffee-milk? order))]</a:t>
+              <a:t>                      (coffee-milk? order))]</a:t>
             </a:r>
           </a:p>
           <a:p>
@@ -10507,20 +10251,12 @@
               </a:spcBef>
             </a:pPr>
             <a:r>
-              <a:rPr lang="en-US" sz="2400" dirty="0" smtClean="0">
-                <a:solidFill>
-                  <a:schemeClr val="bg1"/>
-                </a:solidFill>
-              </a:rPr>
-              <a:t>    [... ...] </a:t>
-            </a:r>
-            <a:r>
               <a:rPr lang="en-US" sz="2400" dirty="0">
                 <a:solidFill>
                   <a:schemeClr val="bg1"/>
                 </a:solidFill>
               </a:rPr>
-              <a:t>(...</a:t>
+              <a:t>    [... ...] (...</a:t>
             </a:r>
           </a:p>
           <a:p>
@@ -10530,20 +10266,12 @@
               </a:spcBef>
             </a:pPr>
             <a:r>
-              <a:rPr lang="en-US" sz="2400" dirty="0" smtClean="0">
-                <a:solidFill>
-                  <a:schemeClr val="bg1"/>
-                </a:solidFill>
-              </a:rPr>
-              <a:t>                    </a:t>
-            </a:r>
-            <a:r>
               <a:rPr lang="en-US" sz="2400" dirty="0">
                 <a:solidFill>
                   <a:schemeClr val="bg1"/>
                 </a:solidFill>
               </a:rPr>
-              <a:t>(wine-vineyard order)</a:t>
+              <a:t>                    (wine-vineyard order)</a:t>
             </a:r>
           </a:p>
           <a:p>
@@ -10553,20 +10281,12 @@
               </a:spcBef>
             </a:pPr>
             <a:r>
-              <a:rPr lang="en-US" sz="2400" dirty="0" smtClean="0">
-                <a:solidFill>
-                  <a:schemeClr val="bg1"/>
-                </a:solidFill>
-              </a:rPr>
-              <a:t>                    </a:t>
-            </a:r>
-            <a:r>
               <a:rPr lang="en-US" sz="2400" dirty="0">
                 <a:solidFill>
                   <a:schemeClr val="bg1"/>
                 </a:solidFill>
               </a:rPr>
-              <a:t>(wine-year order))]</a:t>
+              <a:t>                    (wine-year order))]</a:t>
             </a:r>
           </a:p>
           <a:p>
@@ -10576,7 +10296,7 @@
               </a:spcBef>
             </a:pPr>
             <a:r>
-              <a:rPr lang="en-US" sz="2400" dirty="0" smtClean="0">
+              <a:rPr lang="en-US" sz="2400" dirty="0">
                 <a:solidFill>
                   <a:schemeClr val="bg1"/>
                 </a:solidFill>
@@ -10592,20 +10312,12 @@
               </a:spcBef>
             </a:pPr>
             <a:r>
-              <a:rPr lang="en-US" sz="2400" dirty="0" smtClean="0">
-                <a:solidFill>
-                  <a:schemeClr val="bg1"/>
-                </a:solidFill>
-              </a:rPr>
-              <a:t>                   </a:t>
-            </a:r>
-            <a:r>
               <a:rPr lang="en-US" sz="2400" dirty="0">
                 <a:solidFill>
                   <a:schemeClr val="bg1"/>
                 </a:solidFill>
               </a:rPr>
-              <a:t>(tea-size order)</a:t>
+              <a:t>                   (tea-size order)</a:t>
             </a:r>
           </a:p>
           <a:p>
@@ -10615,20 +10327,12 @@
               </a:spcBef>
             </a:pPr>
             <a:r>
-              <a:rPr lang="en-US" sz="2400" dirty="0" smtClean="0">
-                <a:solidFill>
-                  <a:schemeClr val="bg1"/>
-                </a:solidFill>
-              </a:rPr>
-              <a:t>                   </a:t>
-            </a:r>
-            <a:r>
               <a:rPr lang="en-US" sz="2400" dirty="0">
                 <a:solidFill>
                   <a:schemeClr val="bg1"/>
                 </a:solidFill>
               </a:rPr>
-              <a:t>(tea-type order))]))</a:t>
+              <a:t>                   (tea-type order))]))</a:t>
             </a:r>
           </a:p>
         </p:txBody>
@@ -10706,18 +10410,13 @@
               <a:defRPr/>
             </a:pPr>
             <a:r>
-              <a:rPr lang="en-US" dirty="0" smtClean="0">
+              <a:rPr lang="en-US" dirty="0">
                 <a:solidFill>
                   <a:schemeClr val="tx1"/>
                 </a:solidFill>
               </a:rPr>
               <a:t>Start by writing a template for the contract and the beginning of a function definition</a:t>
             </a:r>
-            <a:endParaRPr lang="en-US" dirty="0">
-              <a:solidFill>
-                <a:schemeClr val="tx1"/>
-              </a:solidFill>
-            </a:endParaRPr>
           </a:p>
         </p:txBody>
       </p:sp>
